--- a/Presentation/Terraform.pptx
+++ b/Presentation/Terraform.pptx
@@ -119,6 +119,11 @@
       </a:defRPr>
     </a:lvl9pPr>
   </p:defaultTextStyle>
+  <p:extLst>
+    <p:ext uri="{EFAFB233-063F-42B5-8137-9DF3F51BA10A}">
+      <p15:sldGuideLst xmlns:p15="http://schemas.microsoft.com/office/powerpoint/2012/main"/>
+    </p:ext>
+  </p:extLst>
 </p:presentation>
 </file>
 
@@ -271,7 +276,7 @@
           <a:p>
             <a:fld id="{EAB48E87-9D34-4BA0-A19A-9F7D151D6085}" type="datetimeFigureOut">
               <a:rPr lang="de-DE" smtClean="0"/>
-              <a:t>01.11.2024</a:t>
+              <a:t>15.11.2024</a:t>
             </a:fld>
             <a:endParaRPr lang="de-DE"/>
           </a:p>
@@ -471,7 +476,7 @@
           <a:p>
             <a:fld id="{EAB48E87-9D34-4BA0-A19A-9F7D151D6085}" type="datetimeFigureOut">
               <a:rPr lang="de-DE" smtClean="0"/>
-              <a:t>01.11.2024</a:t>
+              <a:t>15.11.2024</a:t>
             </a:fld>
             <a:endParaRPr lang="de-DE"/>
           </a:p>
@@ -681,7 +686,7 @@
           <a:p>
             <a:fld id="{EAB48E87-9D34-4BA0-A19A-9F7D151D6085}" type="datetimeFigureOut">
               <a:rPr lang="de-DE" smtClean="0"/>
-              <a:t>01.11.2024</a:t>
+              <a:t>15.11.2024</a:t>
             </a:fld>
             <a:endParaRPr lang="de-DE"/>
           </a:p>
@@ -881,7 +886,7 @@
           <a:p>
             <a:fld id="{EAB48E87-9D34-4BA0-A19A-9F7D151D6085}" type="datetimeFigureOut">
               <a:rPr lang="de-DE" smtClean="0"/>
-              <a:t>01.11.2024</a:t>
+              <a:t>15.11.2024</a:t>
             </a:fld>
             <a:endParaRPr lang="de-DE"/>
           </a:p>
@@ -1157,7 +1162,7 @@
           <a:p>
             <a:fld id="{EAB48E87-9D34-4BA0-A19A-9F7D151D6085}" type="datetimeFigureOut">
               <a:rPr lang="de-DE" smtClean="0"/>
-              <a:t>01.11.2024</a:t>
+              <a:t>15.11.2024</a:t>
             </a:fld>
             <a:endParaRPr lang="de-DE"/>
           </a:p>
@@ -1425,7 +1430,7 @@
           <a:p>
             <a:fld id="{EAB48E87-9D34-4BA0-A19A-9F7D151D6085}" type="datetimeFigureOut">
               <a:rPr lang="de-DE" smtClean="0"/>
-              <a:t>01.11.2024</a:t>
+              <a:t>15.11.2024</a:t>
             </a:fld>
             <a:endParaRPr lang="de-DE"/>
           </a:p>
@@ -1840,7 +1845,7 @@
           <a:p>
             <a:fld id="{EAB48E87-9D34-4BA0-A19A-9F7D151D6085}" type="datetimeFigureOut">
               <a:rPr lang="de-DE" smtClean="0"/>
-              <a:t>01.11.2024</a:t>
+              <a:t>15.11.2024</a:t>
             </a:fld>
             <a:endParaRPr lang="de-DE"/>
           </a:p>
@@ -1982,7 +1987,7 @@
           <a:p>
             <a:fld id="{EAB48E87-9D34-4BA0-A19A-9F7D151D6085}" type="datetimeFigureOut">
               <a:rPr lang="de-DE" smtClean="0"/>
-              <a:t>01.11.2024</a:t>
+              <a:t>15.11.2024</a:t>
             </a:fld>
             <a:endParaRPr lang="de-DE"/>
           </a:p>
@@ -2095,7 +2100,7 @@
           <a:p>
             <a:fld id="{EAB48E87-9D34-4BA0-A19A-9F7D151D6085}" type="datetimeFigureOut">
               <a:rPr lang="de-DE" smtClean="0"/>
-              <a:t>01.11.2024</a:t>
+              <a:t>15.11.2024</a:t>
             </a:fld>
             <a:endParaRPr lang="de-DE"/>
           </a:p>
@@ -2408,7 +2413,7 @@
           <a:p>
             <a:fld id="{EAB48E87-9D34-4BA0-A19A-9F7D151D6085}" type="datetimeFigureOut">
               <a:rPr lang="de-DE" smtClean="0"/>
-              <a:t>01.11.2024</a:t>
+              <a:t>15.11.2024</a:t>
             </a:fld>
             <a:endParaRPr lang="de-DE"/>
           </a:p>
@@ -2697,7 +2702,7 @@
           <a:p>
             <a:fld id="{EAB48E87-9D34-4BA0-A19A-9F7D151D6085}" type="datetimeFigureOut">
               <a:rPr lang="de-DE" smtClean="0"/>
-              <a:t>01.11.2024</a:t>
+              <a:t>15.11.2024</a:t>
             </a:fld>
             <a:endParaRPr lang="de-DE"/>
           </a:p>
@@ -2940,7 +2945,7 @@
           <a:p>
             <a:fld id="{EAB48E87-9D34-4BA0-A19A-9F7D151D6085}" type="datetimeFigureOut">
               <a:rPr lang="de-DE" smtClean="0"/>
-              <a:t>01.11.2024</a:t>
+              <a:t>15.11.2024</a:t>
             </a:fld>
             <a:endParaRPr lang="de-DE"/>
           </a:p>
@@ -3486,7 +3491,9 @@
         </p:nvSpPr>
         <p:spPr/>
         <p:txBody>
-          <a:bodyPr/>
+          <a:bodyPr>
+            <a:normAutofit/>
+          </a:bodyPr>
           <a:lstStyle/>
           <a:p>
             <a:r>
@@ -3495,21 +3502,51 @@
             </a:r>
           </a:p>
           <a:p>
+            <a:pPr lvl="1"/>
+            <a:r>
+              <a:rPr lang="en-US" dirty="0"/>
+              <a:t>Multiple programming languages.</a:t>
+            </a:r>
+            <a:endParaRPr lang="de-DE" dirty="0"/>
+          </a:p>
+          <a:p>
             <a:r>
               <a:rPr lang="de-DE" dirty="0"/>
               <a:t>Ansible</a:t>
             </a:r>
           </a:p>
           <a:p>
+            <a:pPr lvl="1"/>
+            <a:r>
+              <a:rPr lang="en-US" dirty="0"/>
+              <a:t>Focused on configuration management.</a:t>
+            </a:r>
+            <a:endParaRPr lang="de-DE" dirty="0"/>
+          </a:p>
+          <a:p>
             <a:r>
               <a:rPr lang="de-DE" dirty="0"/>
               <a:t>AWS Cloud formation</a:t>
             </a:r>
           </a:p>
           <a:p>
+            <a:pPr lvl="1"/>
+            <a:r>
+              <a:rPr lang="de-DE" dirty="0"/>
+              <a:t>Vendor-specific, limited to AWS.</a:t>
+            </a:r>
+          </a:p>
+          <a:p>
             <a:r>
               <a:rPr lang="de-DE" dirty="0"/>
               <a:t>Google Cloud Deployment Manager</a:t>
+            </a:r>
+          </a:p>
+          <a:p>
+            <a:pPr lvl="1"/>
+            <a:r>
+              <a:rPr lang="de-DE" dirty="0"/>
+              <a:t>Exclusive to GCP.</a:t>
             </a:r>
           </a:p>
         </p:txBody>
@@ -3593,7 +3630,44 @@
           <a:bodyPr/>
           <a:lstStyle/>
           <a:p>
-            <a:endParaRPr lang="de-DE"/>
+            <a:r>
+              <a:rPr lang="de-DE" dirty="0"/>
+              <a:t>Pros</a:t>
+            </a:r>
+          </a:p>
+          <a:p>
+            <a:pPr lvl="1"/>
+            <a:r>
+              <a:rPr lang="de-DE" dirty="0"/>
+              <a:t>Platform independent</a:t>
+            </a:r>
+          </a:p>
+          <a:p>
+            <a:pPr lvl="1"/>
+            <a:r>
+              <a:rPr lang="de-DE" dirty="0"/>
+              <a:t>Large commutiy </a:t>
+            </a:r>
+          </a:p>
+          <a:p>
+            <a:r>
+              <a:rPr lang="de-DE" dirty="0"/>
+              <a:t>Cons</a:t>
+            </a:r>
+          </a:p>
+          <a:p>
+            <a:pPr lvl="1"/>
+            <a:r>
+              <a:rPr lang="de-DE" dirty="0"/>
+              <a:t>Complexity in large-scale projects</a:t>
+            </a:r>
+          </a:p>
+          <a:p>
+            <a:pPr lvl="1"/>
+            <a:r>
+              <a:rPr lang="de-DE" dirty="0"/>
+              <a:t>Corrupted state foles can cause issues</a:t>
+            </a:r>
           </a:p>
         </p:txBody>
       </p:sp>
@@ -3649,9 +3723,10 @@
           <a:lstStyle/>
           <a:p>
             <a:r>
-              <a:rPr lang="de-DE" dirty="0"/>
+              <a:rPr lang="de-DE"/>
               <a:t>Summary</a:t>
             </a:r>
+            <a:endParaRPr lang="de-DE" dirty="0"/>
           </a:p>
         </p:txBody>
       </p:sp>
@@ -3676,7 +3751,23 @@
           <a:bodyPr/>
           <a:lstStyle/>
           <a:p>
-            <a:endParaRPr lang="de-DE"/>
+            <a:r>
+              <a:rPr lang="en-US" dirty="0"/>
+              <a:t>Terraform is a powerful tool for automating and managing infrastructure.</a:t>
+            </a:r>
+          </a:p>
+          <a:p>
+            <a:r>
+              <a:rPr lang="en-US" dirty="0"/>
+              <a:t>It uses a declarative syntax that ensures changes are traceable.</a:t>
+            </a:r>
+          </a:p>
+          <a:p>
+            <a:r>
+              <a:rPr lang="en-US" dirty="0"/>
+              <a:t>Integrates seamlessly into DevOps workflows, enhancing efficiency and scalability.</a:t>
+            </a:r>
+            <a:endParaRPr lang="de-DE" dirty="0"/>
           </a:p>
         </p:txBody>
       </p:sp>
@@ -4086,7 +4177,7 @@
           <a:p>
             <a:r>
               <a:rPr lang="de-DE" dirty="0"/>
-              <a:t>Agenda</a:t>
+              <a:t>Before we Start</a:t>
             </a:r>
           </a:p>
         </p:txBody>
@@ -4112,7 +4203,51 @@
           <a:bodyPr/>
           <a:lstStyle/>
           <a:p>
-            <a:endParaRPr lang="de-DE"/>
+            <a:r>
+              <a:rPr lang="de-DE" dirty="0"/>
+              <a:t>Clone repository </a:t>
+            </a:r>
+          </a:p>
+          <a:p>
+            <a:pPr lvl="1"/>
+            <a:r>
+              <a:rPr lang="de-DE" dirty="0">
+                <a:hlinkClick r:id="rId2"/>
+              </a:rPr>
+              <a:t>https://github.com/sebivenlo/esd-2024-terraform</a:t>
+            </a:r>
+            <a:endParaRPr lang="de-DE" dirty="0"/>
+          </a:p>
+          <a:p>
+            <a:r>
+              <a:rPr lang="de-DE" dirty="0"/>
+              <a:t>Start Docker</a:t>
+            </a:r>
+          </a:p>
+          <a:p>
+            <a:pPr lvl="1"/>
+            <a:r>
+              <a:rPr lang="de-DE" dirty="0"/>
+              <a:t>Open Workshop folder in Terminal</a:t>
+            </a:r>
+          </a:p>
+          <a:p>
+            <a:pPr lvl="1"/>
+            <a:r>
+              <a:rPr lang="de-DE" dirty="0"/>
+              <a:t>Docker-compose up –d</a:t>
+            </a:r>
+          </a:p>
+          <a:p>
+            <a:pPr lvl="1"/>
+            <a:endParaRPr lang="de-DE" dirty="0"/>
+          </a:p>
+          <a:p>
+            <a:endParaRPr lang="de-DE" dirty="0"/>
+          </a:p>
+          <a:p>
+            <a:pPr lvl="1"/>
+            <a:endParaRPr lang="de-DE" dirty="0"/>
           </a:p>
         </p:txBody>
       </p:sp>
@@ -4196,9 +4331,14 @@
           <a:lstStyle/>
           <a:p>
             <a:r>
-              <a:rPr lang="de-DE" dirty="0"/>
-              <a:t>Hashicorps</a:t>
-            </a:r>
+              <a:rPr lang="en-US" dirty="0"/>
+              <a:t>Open-source tool by </a:t>
+            </a:r>
+            <a:r>
+              <a:rPr lang="en-US" dirty="0" err="1"/>
+              <a:t>HashiCorp</a:t>
+            </a:r>
+            <a:endParaRPr lang="de-DE" dirty="0"/>
           </a:p>
           <a:p>
             <a:r>
@@ -4209,14 +4349,22 @@
           <a:p>
             <a:r>
               <a:rPr lang="de-DE" dirty="0"/>
-              <a:t>Tool for infrastructor in code</a:t>
-            </a:r>
-          </a:p>
-          <a:p>
-            <a:r>
-              <a:rPr lang="de-DE" dirty="0"/>
-              <a:t>Einsatz möglichkeiten</a:t>
-            </a:r>
+              <a:t>Automates infrastructure deployment "Infrastructure as Code" </a:t>
+            </a:r>
+          </a:p>
+          <a:p>
+            <a:r>
+              <a:rPr lang="en-US" dirty="0"/>
+              <a:t>Enables cross-platform work </a:t>
+            </a:r>
+          </a:p>
+          <a:p>
+            <a:pPr lvl="1"/>
+            <a:r>
+              <a:rPr lang="en-US" dirty="0"/>
+              <a:t>AWS, Azure, and GCP</a:t>
+            </a:r>
+            <a:endParaRPr lang="de-DE" dirty="0"/>
           </a:p>
         </p:txBody>
       </p:sp>
@@ -4272,9 +4420,10 @@
           <a:lstStyle/>
           <a:p>
             <a:r>
-              <a:rPr lang="de-DE" dirty="0"/>
+              <a:rPr lang="de-DE"/>
               <a:t>Syntax</a:t>
             </a:r>
+            <a:endParaRPr lang="de-DE" dirty="0"/>
           </a:p>
         </p:txBody>
       </p:sp>
@@ -4299,10 +4448,70 @@
           <a:bodyPr/>
           <a:lstStyle/>
           <a:p>
-            <a:endParaRPr lang="de-DE"/>
-          </a:p>
-        </p:txBody>
-      </p:sp>
+            <a:r>
+              <a:rPr lang="de-DE"/>
+              <a:t>Terraform uses </a:t>
+            </a:r>
+            <a:r>
+              <a:rPr lang="de-DE" b="1"/>
+              <a:t>HCL (HashiCorp Configuration Language)</a:t>
+            </a:r>
+            <a:r>
+              <a:rPr lang="de-DE"/>
+              <a:t>.</a:t>
+            </a:r>
+          </a:p>
+          <a:p>
+            <a:r>
+              <a:rPr lang="en-US"/>
+              <a:t>Clear and declarative</a:t>
+            </a:r>
+          </a:p>
+          <a:p>
+            <a:r>
+              <a:rPr lang="en-US"/>
+              <a:t>Example:</a:t>
+            </a:r>
+            <a:endParaRPr lang="de-DE" dirty="0"/>
+          </a:p>
+        </p:txBody>
+      </p:sp>
+      <p:pic>
+        <p:nvPicPr>
+          <p:cNvPr id="5" name="Picture 4" descr="A screen shot of a computer code&#10;&#10;Description automatically generated">
+            <a:extLst>
+              <a:ext uri="{FF2B5EF4-FFF2-40B4-BE49-F238E27FC236}">
+                <a16:creationId xmlns:a16="http://schemas.microsoft.com/office/drawing/2014/main" id="{D7746F1D-9F21-B475-BF7A-BE7867D87EDA}"/>
+              </a:ext>
+            </a:extLst>
+          </p:cNvPr>
+          <p:cNvPicPr>
+            <a:picLocks noChangeAspect="1"/>
+          </p:cNvPicPr>
+          <p:nvPr/>
+        </p:nvPicPr>
+        <p:blipFill>
+          <a:blip r:embed="rId2">
+            <a:extLst>
+              <a:ext uri="{28A0092B-C50C-407E-A947-70E740481C1C}">
+                <a14:useLocalDpi xmlns:a14="http://schemas.microsoft.com/office/drawing/2010/main" val="0"/>
+              </a:ext>
+            </a:extLst>
+          </a:blip>
+          <a:stretch>
+            <a:fillRect/>
+          </a:stretch>
+        </p:blipFill>
+        <p:spPr>
+          <a:xfrm>
+            <a:off x="988291" y="3554210"/>
+            <a:ext cx="6395932" cy="1802881"/>
+          </a:xfrm>
+          <a:prstGeom prst="rect">
+            <a:avLst/>
+          </a:prstGeom>
+        </p:spPr>
+      </p:pic>
     </p:spTree>
     <p:extLst>
       <p:ext uri="{BB962C8B-B14F-4D97-AF65-F5344CB8AC3E}">
@@ -4382,7 +4591,28 @@
           <a:bodyPr/>
           <a:lstStyle/>
           <a:p>
-            <a:endParaRPr lang="de-DE" dirty="0"/>
+            <a:r>
+              <a:rPr lang="de-DE" dirty="0"/>
+              <a:t>Modularization</a:t>
+            </a:r>
+          </a:p>
+          <a:p>
+            <a:r>
+              <a:rPr lang="de-DE" dirty="0"/>
+              <a:t>State Management</a:t>
+            </a:r>
+          </a:p>
+          <a:p>
+            <a:r>
+              <a:rPr lang="de-DE" dirty="0"/>
+              <a:t>Version Control</a:t>
+            </a:r>
+          </a:p>
+          <a:p>
+            <a:r>
+              <a:rPr lang="de-DE" dirty="0"/>
+              <a:t>Security</a:t>
+            </a:r>
           </a:p>
         </p:txBody>
       </p:sp>
@@ -4465,7 +4695,44 @@
           <a:bodyPr/>
           <a:lstStyle/>
           <a:p>
-            <a:endParaRPr lang="de-DE"/>
+            <a:r>
+              <a:rPr lang="de-DE" dirty="0"/>
+              <a:t>Uses state file </a:t>
+            </a:r>
+            <a:r>
+              <a:rPr lang="en-US" dirty="0"/>
+              <a:t>to track current status</a:t>
+            </a:r>
+          </a:p>
+          <a:p>
+            <a:r>
+              <a:rPr lang="de-DE" dirty="0"/>
+              <a:t>Key points:</a:t>
+            </a:r>
+            <a:endParaRPr lang="en-US" dirty="0"/>
+          </a:p>
+          <a:p>
+            <a:pPr lvl="1"/>
+            <a:r>
+              <a:rPr lang="en-US" dirty="0"/>
+              <a:t>Secure and encrypt the state file.</a:t>
+            </a:r>
+          </a:p>
+          <a:p>
+            <a:pPr lvl="1"/>
+            <a:r>
+              <a:rPr lang="en-US" dirty="0"/>
+              <a:t>Use </a:t>
+            </a:r>
+            <a:r>
+              <a:rPr lang="en-US" b="1" dirty="0"/>
+              <a:t>Terraform Locking</a:t>
+            </a:r>
+            <a:r>
+              <a:rPr lang="en-US" dirty="0"/>
+              <a:t> to avoid conflicts.</a:t>
+            </a:r>
+            <a:endParaRPr lang="de-DE" dirty="0"/>
           </a:p>
         </p:txBody>
       </p:sp>
@@ -4714,7 +4981,23 @@
           <a:bodyPr/>
           <a:lstStyle/>
           <a:p>
-            <a:endParaRPr lang="de-DE"/>
+            <a:r>
+              <a:rPr lang="de-DE" dirty="0"/>
+              <a:t>Integrates tools like GitLabCI/CD</a:t>
+            </a:r>
+          </a:p>
+          <a:p>
+            <a:r>
+              <a:rPr lang="de-DE" dirty="0"/>
+              <a:t>Example</a:t>
+            </a:r>
+          </a:p>
+          <a:p>
+            <a:pPr lvl="1"/>
+            <a:r>
+              <a:rPr lang="de-DE" dirty="0"/>
+              <a:t>Execute terraform apply after pull request</a:t>
+            </a:r>
           </a:p>
         </p:txBody>
       </p:sp>

--- a/Presentation/Terraform.pptx
+++ b/Presentation/Terraform.pptx
@@ -276,7 +276,7 @@
           <a:p>
             <a:fld id="{EAB48E87-9D34-4BA0-A19A-9F7D151D6085}" type="datetimeFigureOut">
               <a:rPr lang="de-DE" smtClean="0"/>
-              <a:t>15.11.2024</a:t>
+              <a:t>18.11.2024</a:t>
             </a:fld>
             <a:endParaRPr lang="de-DE"/>
           </a:p>
@@ -476,7 +476,7 @@
           <a:p>
             <a:fld id="{EAB48E87-9D34-4BA0-A19A-9F7D151D6085}" type="datetimeFigureOut">
               <a:rPr lang="de-DE" smtClean="0"/>
-              <a:t>15.11.2024</a:t>
+              <a:t>18.11.2024</a:t>
             </a:fld>
             <a:endParaRPr lang="de-DE"/>
           </a:p>
@@ -686,7 +686,7 @@
           <a:p>
             <a:fld id="{EAB48E87-9D34-4BA0-A19A-9F7D151D6085}" type="datetimeFigureOut">
               <a:rPr lang="de-DE" smtClean="0"/>
-              <a:t>15.11.2024</a:t>
+              <a:t>18.11.2024</a:t>
             </a:fld>
             <a:endParaRPr lang="de-DE"/>
           </a:p>
@@ -886,7 +886,7 @@
           <a:p>
             <a:fld id="{EAB48E87-9D34-4BA0-A19A-9F7D151D6085}" type="datetimeFigureOut">
               <a:rPr lang="de-DE" smtClean="0"/>
-              <a:t>15.11.2024</a:t>
+              <a:t>18.11.2024</a:t>
             </a:fld>
             <a:endParaRPr lang="de-DE"/>
           </a:p>
@@ -1162,7 +1162,7 @@
           <a:p>
             <a:fld id="{EAB48E87-9D34-4BA0-A19A-9F7D151D6085}" type="datetimeFigureOut">
               <a:rPr lang="de-DE" smtClean="0"/>
-              <a:t>15.11.2024</a:t>
+              <a:t>18.11.2024</a:t>
             </a:fld>
             <a:endParaRPr lang="de-DE"/>
           </a:p>
@@ -1430,7 +1430,7 @@
           <a:p>
             <a:fld id="{EAB48E87-9D34-4BA0-A19A-9F7D151D6085}" type="datetimeFigureOut">
               <a:rPr lang="de-DE" smtClean="0"/>
-              <a:t>15.11.2024</a:t>
+              <a:t>18.11.2024</a:t>
             </a:fld>
             <a:endParaRPr lang="de-DE"/>
           </a:p>
@@ -1845,7 +1845,7 @@
           <a:p>
             <a:fld id="{EAB48E87-9D34-4BA0-A19A-9F7D151D6085}" type="datetimeFigureOut">
               <a:rPr lang="de-DE" smtClean="0"/>
-              <a:t>15.11.2024</a:t>
+              <a:t>18.11.2024</a:t>
             </a:fld>
             <a:endParaRPr lang="de-DE"/>
           </a:p>
@@ -1987,7 +1987,7 @@
           <a:p>
             <a:fld id="{EAB48E87-9D34-4BA0-A19A-9F7D151D6085}" type="datetimeFigureOut">
               <a:rPr lang="de-DE" smtClean="0"/>
-              <a:t>15.11.2024</a:t>
+              <a:t>18.11.2024</a:t>
             </a:fld>
             <a:endParaRPr lang="de-DE"/>
           </a:p>
@@ -2100,7 +2100,7 @@
           <a:p>
             <a:fld id="{EAB48E87-9D34-4BA0-A19A-9F7D151D6085}" type="datetimeFigureOut">
               <a:rPr lang="de-DE" smtClean="0"/>
-              <a:t>15.11.2024</a:t>
+              <a:t>18.11.2024</a:t>
             </a:fld>
             <a:endParaRPr lang="de-DE"/>
           </a:p>
@@ -2413,7 +2413,7 @@
           <a:p>
             <a:fld id="{EAB48E87-9D34-4BA0-A19A-9F7D151D6085}" type="datetimeFigureOut">
               <a:rPr lang="de-DE" smtClean="0"/>
-              <a:t>15.11.2024</a:t>
+              <a:t>18.11.2024</a:t>
             </a:fld>
             <a:endParaRPr lang="de-DE"/>
           </a:p>
@@ -2702,7 +2702,7 @@
           <a:p>
             <a:fld id="{EAB48E87-9D34-4BA0-A19A-9F7D151D6085}" type="datetimeFigureOut">
               <a:rPr lang="de-DE" smtClean="0"/>
-              <a:t>15.11.2024</a:t>
+              <a:t>18.11.2024</a:t>
             </a:fld>
             <a:endParaRPr lang="de-DE"/>
           </a:p>
@@ -2945,7 +2945,7 @@
           <a:p>
             <a:fld id="{EAB48E87-9D34-4BA0-A19A-9F7D151D6085}" type="datetimeFigureOut">
               <a:rPr lang="de-DE" smtClean="0"/>
-              <a:t>15.11.2024</a:t>
+              <a:t>18.11.2024</a:t>
             </a:fld>
             <a:endParaRPr lang="de-DE"/>
           </a:p>
@@ -4223,6 +4223,94 @@
               <a:rPr lang="de-DE" dirty="0"/>
               <a:t>Start Docker</a:t>
             </a:r>
+          </a:p>
+          <a:p>
+            <a:pPr lvl="1"/>
+            <a:r>
+              <a:rPr lang="de-DE" dirty="0"/>
+              <a:t>Open compose file </a:t>
+            </a:r>
+          </a:p>
+          <a:p>
+            <a:pPr lvl="2"/>
+            <a:r>
+              <a:rPr lang="de-DE" b="0" dirty="0">
+                <a:solidFill>
+                  <a:srgbClr val="569CD6"/>
+                </a:solidFill>
+                <a:effectLst/>
+                <a:latin typeface="Consolas" panose="020B0609020204030204" pitchFamily="49" charset="0"/>
+              </a:rPr>
+              <a:t>image</a:t>
+            </a:r>
+            <a:r>
+              <a:rPr lang="de-DE" b="0" dirty="0">
+                <a:solidFill>
+                  <a:srgbClr val="CCCCCC"/>
+                </a:solidFill>
+                <a:effectLst/>
+                <a:latin typeface="Consolas" panose="020B0609020204030204" pitchFamily="49" charset="0"/>
+              </a:rPr>
+              <a:t>: </a:t>
+            </a:r>
+            <a:r>
+              <a:rPr lang="de-DE" b="0" dirty="0">
+                <a:solidFill>
+                  <a:srgbClr val="CE9178"/>
+                </a:solidFill>
+                <a:effectLst/>
+                <a:latin typeface="Consolas" panose="020B0609020204030204" pitchFamily="49" charset="0"/>
+              </a:rPr>
+              <a:t>zengxs/gitlab:latest </a:t>
+            </a:r>
+            <a:r>
+              <a:rPr lang="de-DE" b="0" dirty="0">
+                <a:effectLst/>
+                <a:latin typeface="Consolas" panose="020B0609020204030204" pitchFamily="49" charset="0"/>
+              </a:rPr>
+              <a:t>ARM64 Chip</a:t>
+            </a:r>
+          </a:p>
+          <a:p>
+            <a:pPr lvl="2"/>
+            <a:r>
+              <a:rPr lang="de-DE" b="0" dirty="0">
+                <a:solidFill>
+                  <a:srgbClr val="569CD6"/>
+                </a:solidFill>
+                <a:effectLst/>
+                <a:latin typeface="Consolas" panose="020B0609020204030204" pitchFamily="49" charset="0"/>
+              </a:rPr>
+              <a:t>image</a:t>
+            </a:r>
+            <a:r>
+              <a:rPr lang="de-DE" b="0" dirty="0">
+                <a:solidFill>
+                  <a:srgbClr val="CCCCCC"/>
+                </a:solidFill>
+                <a:effectLst/>
+                <a:latin typeface="Consolas" panose="020B0609020204030204" pitchFamily="49" charset="0"/>
+              </a:rPr>
+              <a:t>: </a:t>
+            </a:r>
+            <a:r>
+              <a:rPr lang="de-DE" b="0" dirty="0">
+                <a:solidFill>
+                  <a:srgbClr val="CE9178"/>
+                </a:solidFill>
+                <a:effectLst/>
+                <a:latin typeface="Consolas" panose="020B0609020204030204" pitchFamily="49" charset="0"/>
+              </a:rPr>
+              <a:t>gitlab/gitlab-ce </a:t>
+            </a:r>
+            <a:r>
+              <a:rPr lang="de-DE" b="0" dirty="0">
+                <a:effectLst/>
+                <a:latin typeface="Consolas" panose="020B0609020204030204" pitchFamily="49" charset="0"/>
+              </a:rPr>
+              <a:t>AMD64 Chip</a:t>
+            </a:r>
+            <a:endParaRPr lang="de-DE" dirty="0"/>
           </a:p>
           <a:p>
             <a:pPr lvl="1"/>

--- a/Presentation/Terraform.pptx
+++ b/Presentation/Terraform.pptx
@@ -4653,17 +4653,17 @@
           <a:p>
             <a:r>
               <a:rPr lang="de-DE" dirty="0"/>
-              <a:t>Best practices</a:t>
-            </a:r>
-          </a:p>
-        </p:txBody>
-      </p:sp>
-      <p:sp>
-        <p:nvSpPr>
-          <p:cNvPr id="3" name="Content Placeholder 2">
-            <a:extLst>
-              <a:ext uri="{FF2B5EF4-FFF2-40B4-BE49-F238E27FC236}">
-                <a16:creationId xmlns:a16="http://schemas.microsoft.com/office/drawing/2014/main" id="{24D85C9E-5C53-E718-3159-2295A02B7176}"/>
+              <a:t>Modularization</a:t>
+            </a:r>
+          </a:p>
+        </p:txBody>
+      </p:sp>
+      <p:sp>
+        <p:nvSpPr>
+          <p:cNvPr id="4" name="Content Placeholder 2">
+            <a:extLst>
+              <a:ext uri="{FF2B5EF4-FFF2-40B4-BE49-F238E27FC236}">
+                <a16:creationId xmlns:a16="http://schemas.microsoft.com/office/drawing/2014/main" id="{FB81049D-6868-2F85-BEEC-ECC98D82B43B}"/>
               </a:ext>
             </a:extLst>
           </p:cNvPr>
@@ -4674,32 +4674,46 @@
             <p:ph idx="1"/>
           </p:nvPr>
         </p:nvSpPr>
-        <p:spPr/>
+        <p:spPr>
+          <a:xfrm>
+            <a:off x="838200" y="1825625"/>
+            <a:ext cx="10515600" cy="4351338"/>
+          </a:xfrm>
+        </p:spPr>
         <p:txBody>
           <a:bodyPr/>
           <a:lstStyle/>
           <a:p>
             <a:r>
               <a:rPr lang="de-DE" dirty="0"/>
-              <a:t>Modularization</a:t>
+              <a:t>Reusable Resources</a:t>
             </a:r>
           </a:p>
           <a:p>
             <a:r>
               <a:rPr lang="de-DE" dirty="0"/>
-              <a:t>State Management</a:t>
-            </a:r>
-          </a:p>
-          <a:p>
+              <a:t>Improves</a:t>
+            </a:r>
+          </a:p>
+          <a:p>
+            <a:pPr lvl="1"/>
             <a:r>
               <a:rPr lang="de-DE" dirty="0"/>
-              <a:t>Version Control</a:t>
-            </a:r>
-          </a:p>
-          <a:p>
+              <a:t>Readability</a:t>
+            </a:r>
+          </a:p>
+          <a:p>
+            <a:pPr lvl="1"/>
             <a:r>
               <a:rPr lang="de-DE" dirty="0"/>
-              <a:t>Security</a:t>
+              <a:t>Isolation</a:t>
+            </a:r>
+          </a:p>
+          <a:p>
+            <a:pPr lvl="1"/>
+            <a:r>
+              <a:rPr lang="de-DE" dirty="0"/>
+              <a:t>Scalability</a:t>
             </a:r>
           </a:p>
         </p:txBody>
@@ -4820,6 +4834,13 @@
               <a:rPr lang="en-US" dirty="0"/>
               <a:t> to avoid conflicts.</a:t>
             </a:r>
+          </a:p>
+          <a:p>
+            <a:pPr lvl="1"/>
+            <a:r>
+              <a:rPr lang="en-US" dirty="0"/>
+              <a:t>Use remote state backend like AWS S3 for collaboration</a:t>
+            </a:r>
             <a:endParaRPr lang="de-DE" dirty="0"/>
           </a:p>
         </p:txBody>
@@ -4903,7 +4924,26 @@
           <a:bodyPr/>
           <a:lstStyle/>
           <a:p>
-            <a:endParaRPr lang="de-DE"/>
+            <a:r>
+              <a:rPr lang="de-DE" dirty="0"/>
+              <a:t>No hardcoded credentials</a:t>
+            </a:r>
+          </a:p>
+          <a:p>
+            <a:endParaRPr lang="de-DE" dirty="0"/>
+          </a:p>
+          <a:p>
+            <a:r>
+              <a:rPr lang="de-DE" dirty="0"/>
+              <a:t>Plan function</a:t>
+            </a:r>
+          </a:p>
+          <a:p>
+            <a:pPr lvl="1"/>
+            <a:r>
+              <a:rPr lang="de-DE" dirty="0"/>
+              <a:t>Preview changes minimize risk</a:t>
+            </a:r>
           </a:p>
         </p:txBody>
       </p:sp>

--- a/Presentation/Terraform.pptx
+++ b/Presentation/Terraform.pptx
@@ -4930,6 +4930,17 @@
             </a:r>
           </a:p>
           <a:p>
+            <a:r>
+              <a:rPr lang="de-DE" dirty="0"/>
+              <a:t>Vault Provider</a:t>
+            </a:r>
+          </a:p>
+          <a:p>
+            <a:pPr lvl="1"/>
+            <a:r>
+              <a:rPr lang="de-DE"/>
+              <a:t>Manages secrets without direct access</a:t>
+            </a:r>
             <a:endParaRPr lang="de-DE" dirty="0"/>
           </a:p>
           <a:p>

--- a/Presentation/Terraform.pptx
+++ b/Presentation/Terraform.pptx
@@ -7,20 +7,24 @@
   <p:sldIdLst>
     <p:sldId id="256" r:id="rId2"/>
     <p:sldId id="259" r:id="rId3"/>
-    <p:sldId id="257" r:id="rId4"/>
-    <p:sldId id="260" r:id="rId5"/>
-    <p:sldId id="263" r:id="rId6"/>
-    <p:sldId id="264" r:id="rId7"/>
-    <p:sldId id="265" r:id="rId8"/>
-    <p:sldId id="270" r:id="rId9"/>
-    <p:sldId id="269" r:id="rId10"/>
-    <p:sldId id="258" r:id="rId11"/>
-    <p:sldId id="262" r:id="rId12"/>
-    <p:sldId id="266" r:id="rId13"/>
-    <p:sldId id="267" r:id="rId14"/>
-    <p:sldId id="261" r:id="rId15"/>
-    <p:sldId id="271" r:id="rId16"/>
-    <p:sldId id="268" r:id="rId17"/>
+    <p:sldId id="275" r:id="rId4"/>
+    <p:sldId id="257" r:id="rId5"/>
+    <p:sldId id="260" r:id="rId6"/>
+    <p:sldId id="263" r:id="rId7"/>
+    <p:sldId id="264" r:id="rId8"/>
+    <p:sldId id="265" r:id="rId9"/>
+    <p:sldId id="270" r:id="rId10"/>
+    <p:sldId id="269" r:id="rId11"/>
+    <p:sldId id="258" r:id="rId12"/>
+    <p:sldId id="273" r:id="rId13"/>
+    <p:sldId id="262" r:id="rId14"/>
+    <p:sldId id="274" r:id="rId15"/>
+    <p:sldId id="272" r:id="rId16"/>
+    <p:sldId id="266" r:id="rId17"/>
+    <p:sldId id="267" r:id="rId18"/>
+    <p:sldId id="261" r:id="rId19"/>
+    <p:sldId id="271" r:id="rId20"/>
+    <p:sldId id="268" r:id="rId21"/>
   </p:sldIdLst>
   <p:sldSz cx="12192000" cy="6858000"/>
   <p:notesSz cx="6858000" cy="9144000"/>
@@ -3450,7 +3454,7 @@
           <p:cNvPr id="2" name="Title 1">
             <a:extLst>
               <a:ext uri="{FF2B5EF4-FFF2-40B4-BE49-F238E27FC236}">
-                <a16:creationId xmlns:a16="http://schemas.microsoft.com/office/drawing/2014/main" id="{4D5E34AF-4528-1A26-C51F-6F300C6A2B4A}"/>
+                <a16:creationId xmlns:a16="http://schemas.microsoft.com/office/drawing/2014/main" id="{2BDAFF68-9B53-AE92-EB30-12B20793994C}"/>
               </a:ext>
             </a:extLst>
           </p:cNvPr>
@@ -3468,7 +3472,7 @@
           <a:p>
             <a:r>
               <a:rPr lang="de-DE" dirty="0"/>
-              <a:t>Competitors</a:t>
+              <a:t>Automation</a:t>
             </a:r>
           </a:p>
         </p:txBody>
@@ -3478,7 +3482,7 @@
           <p:cNvPr id="3" name="Content Placeholder 2">
             <a:extLst>
               <a:ext uri="{FF2B5EF4-FFF2-40B4-BE49-F238E27FC236}">
-                <a16:creationId xmlns:a16="http://schemas.microsoft.com/office/drawing/2014/main" id="{3D42EF20-DE06-182C-516C-DCD444746990}"/>
+                <a16:creationId xmlns:a16="http://schemas.microsoft.com/office/drawing/2014/main" id="{C61F82E9-6306-2708-9041-78F447C09D18}"/>
               </a:ext>
             </a:extLst>
           </p:cNvPr>
@@ -3491,62 +3495,39 @@
         </p:nvSpPr>
         <p:spPr/>
         <p:txBody>
-          <a:bodyPr>
-            <a:normAutofit/>
-          </a:bodyPr>
-          <a:lstStyle/>
-          <a:p>
-            <a:r>
-              <a:rPr lang="de-DE" dirty="0"/>
-              <a:t>Pulumi</a:t>
+          <a:bodyPr/>
+          <a:lstStyle/>
+          <a:p>
+            <a:r>
+              <a:rPr lang="de-DE" dirty="0"/>
+              <a:t>Integrates tools like </a:t>
             </a:r>
           </a:p>
           <a:p>
             <a:pPr lvl="1"/>
             <a:r>
-              <a:rPr lang="en-US" dirty="0"/>
-              <a:t>Multiple programming languages.</a:t>
-            </a:r>
-            <a:endParaRPr lang="de-DE" dirty="0"/>
-          </a:p>
-          <a:p>
-            <a:r>
-              <a:rPr lang="de-DE" dirty="0"/>
-              <a:t>Ansible</a:t>
+              <a:rPr lang="de-DE" dirty="0"/>
+              <a:t>GitLabCI/CD</a:t>
             </a:r>
           </a:p>
           <a:p>
             <a:pPr lvl="1"/>
             <a:r>
-              <a:rPr lang="en-US" dirty="0"/>
-              <a:t>Focused on configuration management.</a:t>
-            </a:r>
-            <a:endParaRPr lang="de-DE" dirty="0"/>
-          </a:p>
-          <a:p>
-            <a:r>
-              <a:rPr lang="de-DE" dirty="0"/>
-              <a:t>AWS Cloud formation</a:t>
+              <a:rPr lang="de-DE" dirty="0"/>
+              <a:t>GitHub Actions</a:t>
+            </a:r>
+          </a:p>
+          <a:p>
+            <a:r>
+              <a:rPr lang="de-DE" dirty="0"/>
+              <a:t>Example</a:t>
             </a:r>
           </a:p>
           <a:p>
             <a:pPr lvl="1"/>
             <a:r>
               <a:rPr lang="de-DE" dirty="0"/>
-              <a:t>Vendor-specific, limited to AWS.</a:t>
-            </a:r>
-          </a:p>
-          <a:p>
-            <a:r>
-              <a:rPr lang="de-DE" dirty="0"/>
-              <a:t>Google Cloud Deployment Manager</a:t>
-            </a:r>
-          </a:p>
-          <a:p>
-            <a:pPr lvl="1"/>
-            <a:r>
-              <a:rPr lang="de-DE" dirty="0"/>
-              <a:t>Exclusive to GCP.</a:t>
+              <a:t>Execute terraform apply after pull request</a:t>
             </a:r>
           </a:p>
         </p:txBody>
@@ -3554,7 +3535,7 @@
     </p:spTree>
     <p:extLst>
       <p:ext uri="{BB962C8B-B14F-4D97-AF65-F5344CB8AC3E}">
-        <p14:creationId xmlns:p14="http://schemas.microsoft.com/office/powerpoint/2010/main" val="2017044288"/>
+        <p14:creationId xmlns:p14="http://schemas.microsoft.com/office/powerpoint/2010/main" val="970415120"/>
       </p:ext>
     </p:extLst>
   </p:cSld>
@@ -3586,7 +3567,7 @@
           <p:cNvPr id="2" name="Title 1">
             <a:extLst>
               <a:ext uri="{FF2B5EF4-FFF2-40B4-BE49-F238E27FC236}">
-                <a16:creationId xmlns:a16="http://schemas.microsoft.com/office/drawing/2014/main" id="{F8339484-F00A-A155-5BBF-56AB689DF4A1}"/>
+                <a16:creationId xmlns:a16="http://schemas.microsoft.com/office/drawing/2014/main" id="{4D5E34AF-4528-1A26-C51F-6F300C6A2B4A}"/>
               </a:ext>
             </a:extLst>
           </p:cNvPr>
@@ -3604,7 +3585,7 @@
           <a:p>
             <a:r>
               <a:rPr lang="de-DE" dirty="0"/>
-              <a:t>Pros and Cons</a:t>
+              <a:t>Competitors</a:t>
             </a:r>
           </a:p>
         </p:txBody>
@@ -3614,7 +3595,7 @@
           <p:cNvPr id="3" name="Content Placeholder 2">
             <a:extLst>
               <a:ext uri="{FF2B5EF4-FFF2-40B4-BE49-F238E27FC236}">
-                <a16:creationId xmlns:a16="http://schemas.microsoft.com/office/drawing/2014/main" id="{179053DF-B294-C4E0-70D4-226F600E2A67}"/>
+                <a16:creationId xmlns:a16="http://schemas.microsoft.com/office/drawing/2014/main" id="{3D42EF20-DE06-182C-516C-DCD444746990}"/>
               </a:ext>
             </a:extLst>
           </p:cNvPr>
@@ -3627,46 +3608,47 @@
         </p:nvSpPr>
         <p:spPr/>
         <p:txBody>
-          <a:bodyPr/>
-          <a:lstStyle/>
-          <a:p>
-            <a:r>
-              <a:rPr lang="de-DE" dirty="0"/>
-              <a:t>Pros</a:t>
+          <a:bodyPr>
+            <a:normAutofit/>
+          </a:bodyPr>
+          <a:lstStyle/>
+          <a:p>
+            <a:r>
+              <a:rPr lang="de-DE" dirty="0"/>
+              <a:t>Pulumi</a:t>
             </a:r>
           </a:p>
           <a:p>
             <a:pPr lvl="1"/>
             <a:r>
               <a:rPr lang="de-DE" dirty="0"/>
-              <a:t>Platform independent</a:t>
+              <a:t>Infrastructure as Code</a:t>
+            </a:r>
+          </a:p>
+          <a:p>
+            <a:r>
+              <a:rPr lang="de-DE" dirty="0"/>
+              <a:t>AWS Cloud formation</a:t>
             </a:r>
           </a:p>
           <a:p>
             <a:pPr lvl="1"/>
             <a:r>
               <a:rPr lang="de-DE" dirty="0"/>
-              <a:t>Large commutiy </a:t>
-            </a:r>
-          </a:p>
-          <a:p>
-            <a:r>
-              <a:rPr lang="de-DE" dirty="0"/>
-              <a:t>Cons</a:t>
+              <a:t>Vendor-specific, limited to AWS.</a:t>
+            </a:r>
+          </a:p>
+          <a:p>
+            <a:r>
+              <a:rPr lang="de-DE" dirty="0"/>
+              <a:t>Google Cloud Deployment Manager</a:t>
             </a:r>
           </a:p>
           <a:p>
             <a:pPr lvl="1"/>
             <a:r>
               <a:rPr lang="de-DE" dirty="0"/>
-              <a:t>Complexity in large-scale projects</a:t>
-            </a:r>
-          </a:p>
-          <a:p>
-            <a:pPr lvl="1"/>
-            <a:r>
-              <a:rPr lang="de-DE" dirty="0"/>
-              <a:t>Corrupted state foles can cause issues</a:t>
+              <a:t>Exclusive to GCP.</a:t>
             </a:r>
           </a:p>
         </p:txBody>
@@ -3674,7 +3656,7 @@
     </p:spTree>
     <p:extLst>
       <p:ext uri="{BB962C8B-B14F-4D97-AF65-F5344CB8AC3E}">
-        <p14:creationId xmlns:p14="http://schemas.microsoft.com/office/powerpoint/2010/main" val="55050147"/>
+        <p14:creationId xmlns:p14="http://schemas.microsoft.com/office/powerpoint/2010/main" val="2017044288"/>
       </p:ext>
     </p:extLst>
   </p:cSld>
@@ -3706,7 +3688,7 @@
           <p:cNvPr id="2" name="Title 1">
             <a:extLst>
               <a:ext uri="{FF2B5EF4-FFF2-40B4-BE49-F238E27FC236}">
-                <a16:creationId xmlns:a16="http://schemas.microsoft.com/office/drawing/2014/main" id="{927A51D9-1043-5473-5C1A-8884044AE0AC}"/>
+                <a16:creationId xmlns:a16="http://schemas.microsoft.com/office/drawing/2014/main" id="{26BD2800-74E7-C88D-6F16-E2EAC360C23E}"/>
               </a:ext>
             </a:extLst>
           </p:cNvPr>
@@ -3717,64 +3699,27 @@
             <p:ph type="title"/>
           </p:nvPr>
         </p:nvSpPr>
-        <p:spPr/>
-        <p:txBody>
-          <a:bodyPr/>
-          <a:lstStyle/>
-          <a:p>
-            <a:r>
-              <a:rPr lang="de-DE"/>
-              <a:t>Summary</a:t>
-            </a:r>
-            <a:endParaRPr lang="de-DE" dirty="0"/>
-          </a:p>
-        </p:txBody>
-      </p:sp>
-      <p:sp>
-        <p:nvSpPr>
-          <p:cNvPr id="3" name="Content Placeholder 2">
-            <a:extLst>
-              <a:ext uri="{FF2B5EF4-FFF2-40B4-BE49-F238E27FC236}">
-                <a16:creationId xmlns:a16="http://schemas.microsoft.com/office/drawing/2014/main" id="{8CFEE525-FCC0-AF0A-140B-390F543E248C}"/>
-              </a:ext>
-            </a:extLst>
-          </p:cNvPr>
-          <p:cNvSpPr>
-            <a:spLocks noGrp="1"/>
-          </p:cNvSpPr>
-          <p:nvPr>
-            <p:ph idx="1"/>
-          </p:nvPr>
-        </p:nvSpPr>
-        <p:spPr/>
-        <p:txBody>
-          <a:bodyPr/>
-          <a:lstStyle/>
-          <a:p>
-            <a:r>
-              <a:rPr lang="en-US" dirty="0"/>
-              <a:t>Terraform is a powerful tool for automating and managing infrastructure.</a:t>
-            </a:r>
-          </a:p>
-          <a:p>
-            <a:r>
-              <a:rPr lang="en-US" dirty="0"/>
-              <a:t>It uses a declarative syntax that ensures changes are traceable.</a:t>
-            </a:r>
-          </a:p>
-          <a:p>
-            <a:r>
-              <a:rPr lang="en-US" dirty="0"/>
-              <a:t>Integrates seamlessly into DevOps workflows, enhancing efficiency and scalability.</a:t>
-            </a:r>
-            <a:endParaRPr lang="de-DE" dirty="0"/>
+        <p:spPr>
+          <a:xfrm>
+            <a:off x="838200" y="2766218"/>
+            <a:ext cx="10515600" cy="1325563"/>
+          </a:xfrm>
+        </p:spPr>
+        <p:txBody>
+          <a:bodyPr/>
+          <a:lstStyle/>
+          <a:p>
+            <a:r>
+              <a:rPr lang="de-DE" dirty="0"/>
+              <a:t>Terraform vs. Pulumi</a:t>
+            </a:r>
           </a:p>
         </p:txBody>
       </p:sp>
     </p:spTree>
     <p:extLst>
       <p:ext uri="{BB962C8B-B14F-4D97-AF65-F5344CB8AC3E}">
-        <p14:creationId xmlns:p14="http://schemas.microsoft.com/office/powerpoint/2010/main" val="3250697979"/>
+        <p14:creationId xmlns:p14="http://schemas.microsoft.com/office/powerpoint/2010/main" val="9963598"/>
       </p:ext>
     </p:extLst>
   </p:cSld>
@@ -3806,7 +3751,7 @@
           <p:cNvPr id="2" name="Title 1">
             <a:extLst>
               <a:ext uri="{FF2B5EF4-FFF2-40B4-BE49-F238E27FC236}">
-                <a16:creationId xmlns:a16="http://schemas.microsoft.com/office/drawing/2014/main" id="{11AF806B-CBB1-1022-62A0-ECE0C13C4C1A}"/>
+                <a16:creationId xmlns:a16="http://schemas.microsoft.com/office/drawing/2014/main" id="{F8339484-F00A-A155-5BBF-56AB689DF4A1}"/>
               </a:ext>
             </a:extLst>
           </p:cNvPr>
@@ -3824,7 +3769,7 @@
           <a:p>
             <a:r>
               <a:rPr lang="de-DE" dirty="0"/>
-              <a:t>Q&amp;A</a:t>
+              <a:t>Pros and Cons Terraform</a:t>
             </a:r>
           </a:p>
         </p:txBody>
@@ -3834,7 +3779,7 @@
           <p:cNvPr id="3" name="Content Placeholder 2">
             <a:extLst>
               <a:ext uri="{FF2B5EF4-FFF2-40B4-BE49-F238E27FC236}">
-                <a16:creationId xmlns:a16="http://schemas.microsoft.com/office/drawing/2014/main" id="{3DD0E349-34DC-D291-772F-FE609DEA2FC1}"/>
+                <a16:creationId xmlns:a16="http://schemas.microsoft.com/office/drawing/2014/main" id="{179053DF-B294-C4E0-70D4-226F600E2A67}"/>
               </a:ext>
             </a:extLst>
           </p:cNvPr>
@@ -3850,14 +3795,79 @@
           <a:bodyPr/>
           <a:lstStyle/>
           <a:p>
-            <a:endParaRPr lang="de-DE"/>
+            <a:r>
+              <a:rPr lang="de-DE" dirty="0"/>
+              <a:t>Pros</a:t>
+            </a:r>
+          </a:p>
+          <a:p>
+            <a:pPr lvl="1"/>
+            <a:r>
+              <a:rPr lang="de-DE" dirty="0"/>
+              <a:t>Industrie Standard</a:t>
+            </a:r>
+          </a:p>
+          <a:p>
+            <a:pPr lvl="1"/>
+            <a:r>
+              <a:rPr lang="de-DE" dirty="0"/>
+              <a:t>Mature Ecosystem</a:t>
+            </a:r>
+          </a:p>
+          <a:p>
+            <a:pPr lvl="1"/>
+            <a:r>
+              <a:rPr lang="de-DE" dirty="0"/>
+              <a:t>Large commutiy </a:t>
+            </a:r>
+          </a:p>
+          <a:p>
+            <a:pPr lvl="1"/>
+            <a:r>
+              <a:rPr lang="de-DE" dirty="0"/>
+              <a:t>Declerative Language</a:t>
+            </a:r>
+          </a:p>
+          <a:p>
+            <a:r>
+              <a:rPr lang="de-DE" dirty="0"/>
+              <a:t>Cons</a:t>
+            </a:r>
+          </a:p>
+          <a:p>
+            <a:pPr lvl="1"/>
+            <a:r>
+              <a:rPr lang="de-DE" dirty="0"/>
+              <a:t>Limited Flexibility in Logic</a:t>
+            </a:r>
+          </a:p>
+          <a:p>
+            <a:pPr lvl="1"/>
+            <a:r>
+              <a:rPr lang="de-DE" dirty="0"/>
+              <a:t>State Managment</a:t>
+            </a:r>
+          </a:p>
+          <a:p>
+            <a:pPr lvl="1"/>
+            <a:r>
+              <a:rPr lang="de-DE" dirty="0"/>
+              <a:t>Complexity in large-scale projects</a:t>
+            </a:r>
+          </a:p>
+          <a:p>
+            <a:pPr lvl="1"/>
+            <a:r>
+              <a:rPr lang="de-DE" dirty="0"/>
+              <a:t>Steeper Learning Curve</a:t>
+            </a:r>
           </a:p>
         </p:txBody>
       </p:sp>
     </p:spTree>
     <p:extLst>
       <p:ext uri="{BB962C8B-B14F-4D97-AF65-F5344CB8AC3E}">
-        <p14:creationId xmlns:p14="http://schemas.microsoft.com/office/powerpoint/2010/main" val="706235004"/>
+        <p14:creationId xmlns:p14="http://schemas.microsoft.com/office/powerpoint/2010/main" val="55050147"/>
       </p:ext>
     </p:extLst>
   </p:cSld>
@@ -3889,7 +3899,7 @@
           <p:cNvPr id="2" name="Title 1">
             <a:extLst>
               <a:ext uri="{FF2B5EF4-FFF2-40B4-BE49-F238E27FC236}">
-                <a16:creationId xmlns:a16="http://schemas.microsoft.com/office/drawing/2014/main" id="{4AF76408-2942-669B-0F18-3977EE799FDE}"/>
+                <a16:creationId xmlns:a16="http://schemas.microsoft.com/office/drawing/2014/main" id="{F8339484-F00A-A155-5BBF-56AB689DF4A1}"/>
               </a:ext>
             </a:extLst>
           </p:cNvPr>
@@ -3907,7 +3917,7 @@
           <a:p>
             <a:r>
               <a:rPr lang="de-DE" dirty="0"/>
-              <a:t>Workshop intro</a:t>
+              <a:t>Pros and Cons Pulumi</a:t>
             </a:r>
           </a:p>
         </p:txBody>
@@ -3917,7 +3927,7 @@
           <p:cNvPr id="3" name="Content Placeholder 2">
             <a:extLst>
               <a:ext uri="{FF2B5EF4-FFF2-40B4-BE49-F238E27FC236}">
-                <a16:creationId xmlns:a16="http://schemas.microsoft.com/office/drawing/2014/main" id="{2B06A221-00F2-3E9F-A1CE-37AE26131F34}"/>
+                <a16:creationId xmlns:a16="http://schemas.microsoft.com/office/drawing/2014/main" id="{179053DF-B294-C4E0-70D4-226F600E2A67}"/>
               </a:ext>
             </a:extLst>
           </p:cNvPr>
@@ -3933,14 +3943,79 @@
           <a:bodyPr/>
           <a:lstStyle/>
           <a:p>
-            <a:endParaRPr lang="de-DE"/>
+            <a:r>
+              <a:rPr lang="de-DE" dirty="0"/>
+              <a:t>Pros</a:t>
+            </a:r>
+          </a:p>
+          <a:p>
+            <a:pPr lvl="1"/>
+            <a:r>
+              <a:rPr lang="de-DE" dirty="0"/>
+              <a:t>Familiar Languages</a:t>
+            </a:r>
+          </a:p>
+          <a:p>
+            <a:pPr lvl="1"/>
+            <a:r>
+              <a:rPr lang="de-DE" dirty="0"/>
+              <a:t>Integrated State Management</a:t>
+            </a:r>
+          </a:p>
+          <a:p>
+            <a:pPr lvl="1"/>
+            <a:r>
+              <a:rPr lang="de-DE" dirty="0"/>
+              <a:t>Imperative &amp; Declarative</a:t>
+            </a:r>
+          </a:p>
+          <a:p>
+            <a:pPr lvl="1"/>
+            <a:r>
+              <a:rPr lang="de-DE" dirty="0"/>
+              <a:t>Modern Tool</a:t>
+            </a:r>
+          </a:p>
+          <a:p>
+            <a:r>
+              <a:rPr lang="de-DE" dirty="0"/>
+              <a:t>Cons</a:t>
+            </a:r>
+          </a:p>
+          <a:p>
+            <a:pPr lvl="1"/>
+            <a:r>
+              <a:rPr lang="de-DE" dirty="0"/>
+              <a:t>Smaller Community</a:t>
+            </a:r>
+          </a:p>
+          <a:p>
+            <a:pPr lvl="1"/>
+            <a:r>
+              <a:rPr lang="de-DE" dirty="0"/>
+              <a:t>Dependency on Pulumi Cloud</a:t>
+            </a:r>
+          </a:p>
+          <a:p>
+            <a:pPr lvl="1"/>
+            <a:r>
+              <a:rPr lang="de-DE" dirty="0"/>
+              <a:t>Less Proven in Large-Scale Environments</a:t>
+            </a:r>
+          </a:p>
+          <a:p>
+            <a:pPr lvl="1"/>
+            <a:r>
+              <a:rPr lang="de-DE" dirty="0"/>
+              <a:t>Potential Costs</a:t>
+            </a:r>
           </a:p>
         </p:txBody>
       </p:sp>
     </p:spTree>
     <p:extLst>
       <p:ext uri="{BB962C8B-B14F-4D97-AF65-F5344CB8AC3E}">
-        <p14:creationId xmlns:p14="http://schemas.microsoft.com/office/powerpoint/2010/main" val="1795697069"/>
+        <p14:creationId xmlns:p14="http://schemas.microsoft.com/office/powerpoint/2010/main" val="3433663284"/>
       </p:ext>
     </p:extLst>
   </p:cSld>
@@ -3972,7 +4047,7 @@
           <p:cNvPr id="2" name="Title 1">
             <a:extLst>
               <a:ext uri="{FF2B5EF4-FFF2-40B4-BE49-F238E27FC236}">
-                <a16:creationId xmlns:a16="http://schemas.microsoft.com/office/drawing/2014/main" id="{5451C8EE-5066-ED28-023E-57D39DF2C930}"/>
+                <a16:creationId xmlns:a16="http://schemas.microsoft.com/office/drawing/2014/main" id="{28378D44-9C5F-0C31-F49D-1365A35D5630}"/>
               </a:ext>
             </a:extLst>
           </p:cNvPr>
@@ -3990,40 +4065,320 @@
           <a:p>
             <a:r>
               <a:rPr lang="de-DE" dirty="0"/>
-              <a:t>Demo Gitlab</a:t>
-            </a:r>
-          </a:p>
-        </p:txBody>
-      </p:sp>
-      <p:sp>
-        <p:nvSpPr>
-          <p:cNvPr id="3" name="Content Placeholder 2">
-            <a:extLst>
-              <a:ext uri="{FF2B5EF4-FFF2-40B4-BE49-F238E27FC236}">
-                <a16:creationId xmlns:a16="http://schemas.microsoft.com/office/drawing/2014/main" id="{081EA726-BBF9-34A8-7D6B-D3113AF0B6FB}"/>
-              </a:ext>
-            </a:extLst>
-          </p:cNvPr>
-          <p:cNvSpPr>
-            <a:spLocks noGrp="1"/>
-          </p:cNvSpPr>
-          <p:nvPr>
-            <p:ph idx="1"/>
-          </p:nvPr>
-        </p:nvSpPr>
-        <p:spPr/>
-        <p:txBody>
-          <a:bodyPr/>
-          <a:lstStyle/>
-          <a:p>
-            <a:endParaRPr lang="de-DE"/>
-          </a:p>
-        </p:txBody>
-      </p:sp>
+              <a:t>Terraform vs. Pulumi</a:t>
+            </a:r>
+          </a:p>
+        </p:txBody>
+      </p:sp>
+      <p:graphicFrame>
+        <p:nvGraphicFramePr>
+          <p:cNvPr id="9" name="Table 8">
+            <a:extLst>
+              <a:ext uri="{FF2B5EF4-FFF2-40B4-BE49-F238E27FC236}">
+                <a16:creationId xmlns:a16="http://schemas.microsoft.com/office/drawing/2014/main" id="{F82B3A2E-DF7A-5E65-3501-2CCC33CF3D6D}"/>
+              </a:ext>
+            </a:extLst>
+          </p:cNvPr>
+          <p:cNvGraphicFramePr>
+            <a:graphicFrameLocks noGrp="1"/>
+          </p:cNvGraphicFramePr>
+          <p:nvPr>
+            <p:extLst>
+              <p:ext uri="{D42A27DB-BD31-4B8C-83A1-F6EECF244321}">
+                <p14:modId xmlns:p14="http://schemas.microsoft.com/office/powerpoint/2010/main" val="2278226209"/>
+              </p:ext>
+            </p:extLst>
+          </p:nvPr>
+        </p:nvGraphicFramePr>
+        <p:xfrm>
+          <a:off x="1171921" y="2566573"/>
+          <a:ext cx="8127999" cy="2123440"/>
+        </p:xfrm>
+        <a:graphic>
+          <a:graphicData uri="http://schemas.openxmlformats.org/drawingml/2006/table">
+            <a:tbl>
+              <a:tblPr firstRow="1" bandRow="1">
+                <a:tableStyleId>{5C22544A-7EE6-4342-B048-85BDC9FD1C3A}</a:tableStyleId>
+              </a:tblPr>
+              <a:tblGrid>
+                <a:gridCol w="2709333">
+                  <a:extLst>
+                    <a:ext uri="{9D8B030D-6E8A-4147-A177-3AD203B41FA5}">
+                      <a16:colId xmlns:a16="http://schemas.microsoft.com/office/drawing/2014/main" val="3032254563"/>
+                    </a:ext>
+                  </a:extLst>
+                </a:gridCol>
+                <a:gridCol w="2709333">
+                  <a:extLst>
+                    <a:ext uri="{9D8B030D-6E8A-4147-A177-3AD203B41FA5}">
+                      <a16:colId xmlns:a16="http://schemas.microsoft.com/office/drawing/2014/main" val="3978072561"/>
+                    </a:ext>
+                  </a:extLst>
+                </a:gridCol>
+                <a:gridCol w="2709333">
+                  <a:extLst>
+                    <a:ext uri="{9D8B030D-6E8A-4147-A177-3AD203B41FA5}">
+                      <a16:colId xmlns:a16="http://schemas.microsoft.com/office/drawing/2014/main" val="2051266527"/>
+                    </a:ext>
+                  </a:extLst>
+                </a:gridCol>
+              </a:tblGrid>
+              <a:tr h="370840">
+                <a:tc>
+                  <a:txBody>
+                    <a:bodyPr/>
+                    <a:lstStyle/>
+                    <a:p>
+                      <a:endParaRPr lang="de-DE" dirty="0"/>
+                    </a:p>
+                  </a:txBody>
+                  <a:tcPr/>
+                </a:tc>
+                <a:tc>
+                  <a:txBody>
+                    <a:bodyPr/>
+                    <a:lstStyle/>
+                    <a:p>
+                      <a:r>
+                        <a:rPr lang="de-DE" dirty="0"/>
+                        <a:t>Terraform</a:t>
+                      </a:r>
+                    </a:p>
+                  </a:txBody>
+                  <a:tcPr/>
+                </a:tc>
+                <a:tc>
+                  <a:txBody>
+                    <a:bodyPr/>
+                    <a:lstStyle/>
+                    <a:p>
+                      <a:r>
+                        <a:rPr lang="de-DE" dirty="0"/>
+                        <a:t>Pulumi</a:t>
+                      </a:r>
+                    </a:p>
+                  </a:txBody>
+                  <a:tcPr/>
+                </a:tc>
+                <a:extLst>
+                  <a:ext uri="{0D108BD9-81ED-4DB2-BD59-A6C34878D82A}">
+                    <a16:rowId xmlns:a16="http://schemas.microsoft.com/office/drawing/2014/main" val="1082871457"/>
+                  </a:ext>
+                </a:extLst>
+              </a:tr>
+              <a:tr h="370840">
+                <a:tc>
+                  <a:txBody>
+                    <a:bodyPr/>
+                    <a:lstStyle/>
+                    <a:p>
+                      <a:r>
+                        <a:rPr lang="de-DE" dirty="0"/>
+                        <a:t>Language Support</a:t>
+                      </a:r>
+                    </a:p>
+                  </a:txBody>
+                  <a:tcPr/>
+                </a:tc>
+                <a:tc>
+                  <a:txBody>
+                    <a:bodyPr/>
+                    <a:lstStyle/>
+                    <a:p>
+                      <a:r>
+                        <a:rPr lang="de-DE" dirty="0"/>
+                        <a:t>HCL</a:t>
+                      </a:r>
+                    </a:p>
+                  </a:txBody>
+                  <a:tcPr/>
+                </a:tc>
+                <a:tc>
+                  <a:txBody>
+                    <a:bodyPr/>
+                    <a:lstStyle/>
+                    <a:p>
+                      <a:r>
+                        <a:rPr lang="de-DE" dirty="0"/>
+                        <a:t>JavaScript, Go, C#, F#, Java, YAML</a:t>
+                      </a:r>
+                    </a:p>
+                  </a:txBody>
+                  <a:tcPr/>
+                </a:tc>
+                <a:extLst>
+                  <a:ext uri="{0D108BD9-81ED-4DB2-BD59-A6C34878D82A}">
+                    <a16:rowId xmlns:a16="http://schemas.microsoft.com/office/drawing/2014/main" val="4165067885"/>
+                  </a:ext>
+                </a:extLst>
+              </a:tr>
+              <a:tr h="370840">
+                <a:tc>
+                  <a:txBody>
+                    <a:bodyPr/>
+                    <a:lstStyle/>
+                    <a:p>
+                      <a:r>
+                        <a:rPr lang="de-DE" dirty="0"/>
+                        <a:t>Providers</a:t>
+                      </a:r>
+                    </a:p>
+                  </a:txBody>
+                  <a:tcPr/>
+                </a:tc>
+                <a:tc>
+                  <a:txBody>
+                    <a:bodyPr/>
+                    <a:lstStyle/>
+                    <a:p>
+                      <a:r>
+                        <a:rPr lang="de-DE" dirty="0"/>
+                        <a:t>All Major Cloud and Tools</a:t>
+                      </a:r>
+                    </a:p>
+                  </a:txBody>
+                  <a:tcPr/>
+                </a:tc>
+                <a:tc>
+                  <a:txBody>
+                    <a:bodyPr/>
+                    <a:lstStyle/>
+                    <a:p>
+                      <a:pPr marL="0" marR="0" lvl="0" indent="0" algn="l" defTabSz="914400" rtl="0" eaLnBrk="1" fontAlgn="auto" latinLnBrk="0" hangingPunct="1">
+                        <a:lnSpc>
+                          <a:spcPct val="100000"/>
+                        </a:lnSpc>
+                        <a:spcBef>
+                          <a:spcPts val="0"/>
+                        </a:spcBef>
+                        <a:spcAft>
+                          <a:spcPts val="0"/>
+                        </a:spcAft>
+                        <a:buClrTx/>
+                        <a:buSzTx/>
+                        <a:buFontTx/>
+                        <a:buNone/>
+                        <a:tabLst/>
+                        <a:defRPr/>
+                      </a:pPr>
+                      <a:r>
+                        <a:rPr lang="de-DE" dirty="0"/>
+                        <a:t>All Major Cloud and Tools</a:t>
+                      </a:r>
+                    </a:p>
+                  </a:txBody>
+                  <a:tcPr/>
+                </a:tc>
+                <a:extLst>
+                  <a:ext uri="{0D108BD9-81ED-4DB2-BD59-A6C34878D82A}">
+                    <a16:rowId xmlns:a16="http://schemas.microsoft.com/office/drawing/2014/main" val="1925889463"/>
+                  </a:ext>
+                </a:extLst>
+              </a:tr>
+              <a:tr h="370840">
+                <a:tc>
+                  <a:txBody>
+                    <a:bodyPr/>
+                    <a:lstStyle/>
+                    <a:p>
+                      <a:r>
+                        <a:rPr lang="de-DE" dirty="0"/>
+                        <a:t>Community</a:t>
+                      </a:r>
+                    </a:p>
+                  </a:txBody>
+                  <a:tcPr/>
+                </a:tc>
+                <a:tc>
+                  <a:txBody>
+                    <a:bodyPr/>
+                    <a:lstStyle/>
+                    <a:p>
+                      <a:r>
+                        <a:rPr lang="de-DE" dirty="0"/>
+                        <a:t>Larger</a:t>
+                      </a:r>
+                    </a:p>
+                  </a:txBody>
+                  <a:tcPr/>
+                </a:tc>
+                <a:tc>
+                  <a:txBody>
+                    <a:bodyPr/>
+                    <a:lstStyle/>
+                    <a:p>
+                      <a:r>
+                        <a:rPr lang="de-DE" dirty="0"/>
+                        <a:t>growing</a:t>
+                      </a:r>
+                    </a:p>
+                  </a:txBody>
+                  <a:tcPr/>
+                </a:tc>
+                <a:extLst>
+                  <a:ext uri="{0D108BD9-81ED-4DB2-BD59-A6C34878D82A}">
+                    <a16:rowId xmlns:a16="http://schemas.microsoft.com/office/drawing/2014/main" val="2259798666"/>
+                  </a:ext>
+                </a:extLst>
+              </a:tr>
+              <a:tr h="370840">
+                <a:tc>
+                  <a:txBody>
+                    <a:bodyPr/>
+                    <a:lstStyle/>
+                    <a:p>
+                      <a:r>
+                        <a:rPr lang="de-DE" dirty="0"/>
+                        <a:t>Pricing</a:t>
+                      </a:r>
+                    </a:p>
+                  </a:txBody>
+                  <a:tcPr/>
+                </a:tc>
+                <a:tc>
+                  <a:txBody>
+                    <a:bodyPr/>
+                    <a:lstStyle/>
+                    <a:p>
+                      <a:r>
+                        <a:rPr lang="de-DE" dirty="0"/>
+                        <a:t>Free</a:t>
+                      </a:r>
+                    </a:p>
+                  </a:txBody>
+                  <a:tcPr/>
+                </a:tc>
+                <a:tc>
+                  <a:txBody>
+                    <a:bodyPr/>
+                    <a:lstStyle/>
+                    <a:p>
+                      <a:r>
+                        <a:rPr lang="de-DE" dirty="0"/>
+                        <a:t>Free </a:t>
+                      </a:r>
+                      <a:r>
+                        <a:rPr lang="de-DE" b="1" dirty="0"/>
+                        <a:t>BUT!!!</a:t>
+                      </a:r>
+                    </a:p>
+                  </a:txBody>
+                  <a:tcPr/>
+                </a:tc>
+                <a:extLst>
+                  <a:ext uri="{0D108BD9-81ED-4DB2-BD59-A6C34878D82A}">
+                    <a16:rowId xmlns:a16="http://schemas.microsoft.com/office/drawing/2014/main" val="1403974582"/>
+                  </a:ext>
+                </a:extLst>
+              </a:tr>
+            </a:tbl>
+          </a:graphicData>
+        </a:graphic>
+      </p:graphicFrame>
     </p:spTree>
     <p:extLst>
       <p:ext uri="{BB962C8B-B14F-4D97-AF65-F5344CB8AC3E}">
-        <p14:creationId xmlns:p14="http://schemas.microsoft.com/office/powerpoint/2010/main" val="741609271"/>
+        <p14:creationId xmlns:p14="http://schemas.microsoft.com/office/powerpoint/2010/main" val="745492369"/>
       </p:ext>
     </p:extLst>
   </p:cSld>
@@ -4055,7 +4410,7 @@
           <p:cNvPr id="2" name="Title 1">
             <a:extLst>
               <a:ext uri="{FF2B5EF4-FFF2-40B4-BE49-F238E27FC236}">
-                <a16:creationId xmlns:a16="http://schemas.microsoft.com/office/drawing/2014/main" id="{D6D47DF6-3D2E-0FDB-A61D-36C5B236A1E6}"/>
+                <a16:creationId xmlns:a16="http://schemas.microsoft.com/office/drawing/2014/main" id="{927A51D9-1043-5473-5C1A-8884044AE0AC}"/>
               </a:ext>
             </a:extLst>
           </p:cNvPr>
@@ -4072,9 +4427,10 @@
           <a:lstStyle/>
           <a:p>
             <a:r>
-              <a:rPr lang="de-DE" dirty="0"/>
-              <a:t>Basic functions</a:t>
-            </a:r>
+              <a:rPr lang="de-DE"/>
+              <a:t>Summary</a:t>
+            </a:r>
+            <a:endParaRPr lang="de-DE" dirty="0"/>
           </a:p>
         </p:txBody>
       </p:sp>
@@ -4083,7 +4439,7 @@
           <p:cNvPr id="3" name="Content Placeholder 2">
             <a:extLst>
               <a:ext uri="{FF2B5EF4-FFF2-40B4-BE49-F238E27FC236}">
-                <a16:creationId xmlns:a16="http://schemas.microsoft.com/office/drawing/2014/main" id="{5AC78AC5-4675-A3ED-4510-FD0FECEEE03C}"/>
+                <a16:creationId xmlns:a16="http://schemas.microsoft.com/office/drawing/2014/main" id="{8CFEE525-FCC0-AF0A-140B-390F543E248C}"/>
               </a:ext>
             </a:extLst>
           </p:cNvPr>
@@ -4100,34 +4456,282 @@
           <a:lstStyle/>
           <a:p>
             <a:r>
-              <a:rPr lang="de-DE" dirty="0"/>
-              <a:t>Init</a:t>
-            </a:r>
-          </a:p>
-          <a:p>
-            <a:r>
-              <a:rPr lang="de-DE" dirty="0"/>
-              <a:t>Plan</a:t>
-            </a:r>
-          </a:p>
-          <a:p>
-            <a:r>
-              <a:rPr lang="de-DE" dirty="0"/>
-              <a:t>Apply</a:t>
-            </a:r>
-          </a:p>
-          <a:p>
-            <a:r>
-              <a:rPr lang="de-DE" dirty="0"/>
-              <a:t>destroy</a:t>
-            </a:r>
+              <a:rPr lang="en-US" dirty="0"/>
+              <a:t>Terraform is a powerful tool for automating and managing infrastructure.</a:t>
+            </a:r>
+          </a:p>
+          <a:p>
+            <a:r>
+              <a:rPr lang="en-US" dirty="0"/>
+              <a:t>Ideal for DevOps teams needing reliable, scalable, and consistent infrastructure management solutions.</a:t>
+            </a:r>
+          </a:p>
+          <a:p>
+            <a:r>
+              <a:rPr lang="en-US" dirty="0"/>
+              <a:t>High readability with </a:t>
+            </a:r>
+            <a:r>
+              <a:rPr lang="en-US"/>
+              <a:t>minimalistic style.</a:t>
+            </a:r>
+            <a:endParaRPr lang="en-US" dirty="0"/>
           </a:p>
         </p:txBody>
       </p:sp>
     </p:spTree>
     <p:extLst>
       <p:ext uri="{BB962C8B-B14F-4D97-AF65-F5344CB8AC3E}">
-        <p14:creationId xmlns:p14="http://schemas.microsoft.com/office/powerpoint/2010/main" val="780746576"/>
+        <p14:creationId xmlns:p14="http://schemas.microsoft.com/office/powerpoint/2010/main" val="3250697979"/>
+      </p:ext>
+    </p:extLst>
+  </p:cSld>
+  <p:clrMapOvr>
+    <a:masterClrMapping/>
+  </p:clrMapOvr>
+</p:sld>
+</file>
+
+<file path=ppt/slides/slide17.xml><?xml version="1.0" encoding="utf-8"?>
+<p:sld xmlns:a="http://schemas.openxmlformats.org/drawingml/2006/main" xmlns:r="http://schemas.openxmlformats.org/officeDocument/2006/relationships" xmlns:p="http://schemas.openxmlformats.org/presentationml/2006/main">
+  <p:cSld>
+    <p:spTree>
+      <p:nvGrpSpPr>
+        <p:cNvPr id="1" name=""/>
+        <p:cNvGrpSpPr/>
+        <p:nvPr/>
+      </p:nvGrpSpPr>
+      <p:grpSpPr>
+        <a:xfrm>
+          <a:off x="0" y="0"/>
+          <a:ext cx="0" cy="0"/>
+          <a:chOff x="0" y="0"/>
+          <a:chExt cx="0" cy="0"/>
+        </a:xfrm>
+      </p:grpSpPr>
+      <p:sp>
+        <p:nvSpPr>
+          <p:cNvPr id="2" name="Title 1">
+            <a:extLst>
+              <a:ext uri="{FF2B5EF4-FFF2-40B4-BE49-F238E27FC236}">
+                <a16:creationId xmlns:a16="http://schemas.microsoft.com/office/drawing/2014/main" id="{11AF806B-CBB1-1022-62A0-ECE0C13C4C1A}"/>
+              </a:ext>
+            </a:extLst>
+          </p:cNvPr>
+          <p:cNvSpPr>
+            <a:spLocks noGrp="1"/>
+          </p:cNvSpPr>
+          <p:nvPr>
+            <p:ph type="title"/>
+          </p:nvPr>
+        </p:nvSpPr>
+        <p:spPr/>
+        <p:txBody>
+          <a:bodyPr/>
+          <a:lstStyle/>
+          <a:p>
+            <a:r>
+              <a:rPr lang="de-DE" dirty="0"/>
+              <a:t>Q&amp;A</a:t>
+            </a:r>
+          </a:p>
+        </p:txBody>
+      </p:sp>
+      <p:sp>
+        <p:nvSpPr>
+          <p:cNvPr id="3" name="Content Placeholder 2">
+            <a:extLst>
+              <a:ext uri="{FF2B5EF4-FFF2-40B4-BE49-F238E27FC236}">
+                <a16:creationId xmlns:a16="http://schemas.microsoft.com/office/drawing/2014/main" id="{3DD0E349-34DC-D291-772F-FE609DEA2FC1}"/>
+              </a:ext>
+            </a:extLst>
+          </p:cNvPr>
+          <p:cNvSpPr>
+            <a:spLocks noGrp="1"/>
+          </p:cNvSpPr>
+          <p:nvPr>
+            <p:ph idx="1"/>
+          </p:nvPr>
+        </p:nvSpPr>
+        <p:spPr/>
+        <p:txBody>
+          <a:bodyPr/>
+          <a:lstStyle/>
+          <a:p>
+            <a:endParaRPr lang="de-DE"/>
+          </a:p>
+        </p:txBody>
+      </p:sp>
+    </p:spTree>
+    <p:extLst>
+      <p:ext uri="{BB962C8B-B14F-4D97-AF65-F5344CB8AC3E}">
+        <p14:creationId xmlns:p14="http://schemas.microsoft.com/office/powerpoint/2010/main" val="706235004"/>
+      </p:ext>
+    </p:extLst>
+  </p:cSld>
+  <p:clrMapOvr>
+    <a:masterClrMapping/>
+  </p:clrMapOvr>
+</p:sld>
+</file>
+
+<file path=ppt/slides/slide18.xml><?xml version="1.0" encoding="utf-8"?>
+<p:sld xmlns:a="http://schemas.openxmlformats.org/drawingml/2006/main" xmlns:r="http://schemas.openxmlformats.org/officeDocument/2006/relationships" xmlns:p="http://schemas.openxmlformats.org/presentationml/2006/main">
+  <p:cSld>
+    <p:spTree>
+      <p:nvGrpSpPr>
+        <p:cNvPr id="1" name=""/>
+        <p:cNvGrpSpPr/>
+        <p:nvPr/>
+      </p:nvGrpSpPr>
+      <p:grpSpPr>
+        <a:xfrm>
+          <a:off x="0" y="0"/>
+          <a:ext cx="0" cy="0"/>
+          <a:chOff x="0" y="0"/>
+          <a:chExt cx="0" cy="0"/>
+        </a:xfrm>
+      </p:grpSpPr>
+      <p:sp>
+        <p:nvSpPr>
+          <p:cNvPr id="2" name="Title 1">
+            <a:extLst>
+              <a:ext uri="{FF2B5EF4-FFF2-40B4-BE49-F238E27FC236}">
+                <a16:creationId xmlns:a16="http://schemas.microsoft.com/office/drawing/2014/main" id="{4AF76408-2942-669B-0F18-3977EE799FDE}"/>
+              </a:ext>
+            </a:extLst>
+          </p:cNvPr>
+          <p:cNvSpPr>
+            <a:spLocks noGrp="1"/>
+          </p:cNvSpPr>
+          <p:nvPr>
+            <p:ph type="title"/>
+          </p:nvPr>
+        </p:nvSpPr>
+        <p:spPr/>
+        <p:txBody>
+          <a:bodyPr/>
+          <a:lstStyle/>
+          <a:p>
+            <a:r>
+              <a:rPr lang="de-DE" dirty="0"/>
+              <a:t>Workshop intro</a:t>
+            </a:r>
+          </a:p>
+        </p:txBody>
+      </p:sp>
+      <p:sp>
+        <p:nvSpPr>
+          <p:cNvPr id="3" name="Content Placeholder 2">
+            <a:extLst>
+              <a:ext uri="{FF2B5EF4-FFF2-40B4-BE49-F238E27FC236}">
+                <a16:creationId xmlns:a16="http://schemas.microsoft.com/office/drawing/2014/main" id="{2B06A221-00F2-3E9F-A1CE-37AE26131F34}"/>
+              </a:ext>
+            </a:extLst>
+          </p:cNvPr>
+          <p:cNvSpPr>
+            <a:spLocks noGrp="1"/>
+          </p:cNvSpPr>
+          <p:nvPr>
+            <p:ph idx="1"/>
+          </p:nvPr>
+        </p:nvSpPr>
+        <p:spPr/>
+        <p:txBody>
+          <a:bodyPr/>
+          <a:lstStyle/>
+          <a:p>
+            <a:endParaRPr lang="de-DE"/>
+          </a:p>
+        </p:txBody>
+      </p:sp>
+    </p:spTree>
+    <p:extLst>
+      <p:ext uri="{BB962C8B-B14F-4D97-AF65-F5344CB8AC3E}">
+        <p14:creationId xmlns:p14="http://schemas.microsoft.com/office/powerpoint/2010/main" val="1795697069"/>
+      </p:ext>
+    </p:extLst>
+  </p:cSld>
+  <p:clrMapOvr>
+    <a:masterClrMapping/>
+  </p:clrMapOvr>
+</p:sld>
+</file>
+
+<file path=ppt/slides/slide19.xml><?xml version="1.0" encoding="utf-8"?>
+<p:sld xmlns:a="http://schemas.openxmlformats.org/drawingml/2006/main" xmlns:r="http://schemas.openxmlformats.org/officeDocument/2006/relationships" xmlns:p="http://schemas.openxmlformats.org/presentationml/2006/main">
+  <p:cSld>
+    <p:spTree>
+      <p:nvGrpSpPr>
+        <p:cNvPr id="1" name=""/>
+        <p:cNvGrpSpPr/>
+        <p:nvPr/>
+      </p:nvGrpSpPr>
+      <p:grpSpPr>
+        <a:xfrm>
+          <a:off x="0" y="0"/>
+          <a:ext cx="0" cy="0"/>
+          <a:chOff x="0" y="0"/>
+          <a:chExt cx="0" cy="0"/>
+        </a:xfrm>
+      </p:grpSpPr>
+      <p:sp>
+        <p:nvSpPr>
+          <p:cNvPr id="2" name="Title 1">
+            <a:extLst>
+              <a:ext uri="{FF2B5EF4-FFF2-40B4-BE49-F238E27FC236}">
+                <a16:creationId xmlns:a16="http://schemas.microsoft.com/office/drawing/2014/main" id="{5451C8EE-5066-ED28-023E-57D39DF2C930}"/>
+              </a:ext>
+            </a:extLst>
+          </p:cNvPr>
+          <p:cNvSpPr>
+            <a:spLocks noGrp="1"/>
+          </p:cNvSpPr>
+          <p:nvPr>
+            <p:ph type="title"/>
+          </p:nvPr>
+        </p:nvSpPr>
+        <p:spPr/>
+        <p:txBody>
+          <a:bodyPr/>
+          <a:lstStyle/>
+          <a:p>
+            <a:r>
+              <a:rPr lang="de-DE" dirty="0"/>
+              <a:t>Demo Gitlab</a:t>
+            </a:r>
+          </a:p>
+        </p:txBody>
+      </p:sp>
+      <p:sp>
+        <p:nvSpPr>
+          <p:cNvPr id="3" name="Content Placeholder 2">
+            <a:extLst>
+              <a:ext uri="{FF2B5EF4-FFF2-40B4-BE49-F238E27FC236}">
+                <a16:creationId xmlns:a16="http://schemas.microsoft.com/office/drawing/2014/main" id="{081EA726-BBF9-34A8-7D6B-D3113AF0B6FB}"/>
+              </a:ext>
+            </a:extLst>
+          </p:cNvPr>
+          <p:cNvSpPr>
+            <a:spLocks noGrp="1"/>
+          </p:cNvSpPr>
+          <p:nvPr>
+            <p:ph idx="1"/>
+          </p:nvPr>
+        </p:nvSpPr>
+        <p:spPr/>
+        <p:txBody>
+          <a:bodyPr/>
+          <a:lstStyle/>
+          <a:p>
+            <a:endParaRPr lang="de-DE"/>
+          </a:p>
+        </p:txBody>
+      </p:sp>
+    </p:spTree>
+    <p:extLst>
+      <p:ext uri="{BB962C8B-B14F-4D97-AF65-F5344CB8AC3E}">
+        <p14:creationId xmlns:p14="http://schemas.microsoft.com/office/powerpoint/2010/main" val="741609271"/>
       </p:ext>
     </p:extLst>
   </p:cSld>
@@ -4352,6 +4956,110 @@
 </p:sld>
 </file>
 
+<file path=ppt/slides/slide20.xml><?xml version="1.0" encoding="utf-8"?>
+<p:sld xmlns:a="http://schemas.openxmlformats.org/drawingml/2006/main" xmlns:r="http://schemas.openxmlformats.org/officeDocument/2006/relationships" xmlns:p="http://schemas.openxmlformats.org/presentationml/2006/main">
+  <p:cSld>
+    <p:spTree>
+      <p:nvGrpSpPr>
+        <p:cNvPr id="1" name=""/>
+        <p:cNvGrpSpPr/>
+        <p:nvPr/>
+      </p:nvGrpSpPr>
+      <p:grpSpPr>
+        <a:xfrm>
+          <a:off x="0" y="0"/>
+          <a:ext cx="0" cy="0"/>
+          <a:chOff x="0" y="0"/>
+          <a:chExt cx="0" cy="0"/>
+        </a:xfrm>
+      </p:grpSpPr>
+      <p:sp>
+        <p:nvSpPr>
+          <p:cNvPr id="2" name="Title 1">
+            <a:extLst>
+              <a:ext uri="{FF2B5EF4-FFF2-40B4-BE49-F238E27FC236}">
+                <a16:creationId xmlns:a16="http://schemas.microsoft.com/office/drawing/2014/main" id="{D6D47DF6-3D2E-0FDB-A61D-36C5B236A1E6}"/>
+              </a:ext>
+            </a:extLst>
+          </p:cNvPr>
+          <p:cNvSpPr>
+            <a:spLocks noGrp="1"/>
+          </p:cNvSpPr>
+          <p:nvPr>
+            <p:ph type="title"/>
+          </p:nvPr>
+        </p:nvSpPr>
+        <p:spPr/>
+        <p:txBody>
+          <a:bodyPr/>
+          <a:lstStyle/>
+          <a:p>
+            <a:r>
+              <a:rPr lang="de-DE" dirty="0"/>
+              <a:t>Basic functions</a:t>
+            </a:r>
+          </a:p>
+        </p:txBody>
+      </p:sp>
+      <p:sp>
+        <p:nvSpPr>
+          <p:cNvPr id="3" name="Content Placeholder 2">
+            <a:extLst>
+              <a:ext uri="{FF2B5EF4-FFF2-40B4-BE49-F238E27FC236}">
+                <a16:creationId xmlns:a16="http://schemas.microsoft.com/office/drawing/2014/main" id="{5AC78AC5-4675-A3ED-4510-FD0FECEEE03C}"/>
+              </a:ext>
+            </a:extLst>
+          </p:cNvPr>
+          <p:cNvSpPr>
+            <a:spLocks noGrp="1"/>
+          </p:cNvSpPr>
+          <p:nvPr>
+            <p:ph idx="1"/>
+          </p:nvPr>
+        </p:nvSpPr>
+        <p:spPr/>
+        <p:txBody>
+          <a:bodyPr/>
+          <a:lstStyle/>
+          <a:p>
+            <a:r>
+              <a:rPr lang="de-DE" dirty="0"/>
+              <a:t>Init</a:t>
+            </a:r>
+          </a:p>
+          <a:p>
+            <a:r>
+              <a:rPr lang="de-DE" dirty="0"/>
+              <a:t>Plan</a:t>
+            </a:r>
+          </a:p>
+          <a:p>
+            <a:r>
+              <a:rPr lang="de-DE" dirty="0"/>
+              <a:t>Apply</a:t>
+            </a:r>
+          </a:p>
+          <a:p>
+            <a:r>
+              <a:rPr lang="de-DE" dirty="0"/>
+              <a:t>destroy</a:t>
+            </a:r>
+          </a:p>
+        </p:txBody>
+      </p:sp>
+    </p:spTree>
+    <p:extLst>
+      <p:ext uri="{BB962C8B-B14F-4D97-AF65-F5344CB8AC3E}">
+        <p14:creationId xmlns:p14="http://schemas.microsoft.com/office/powerpoint/2010/main" val="780746576"/>
+      </p:ext>
+    </p:extLst>
+  </p:cSld>
+  <p:clrMapOvr>
+    <a:masterClrMapping/>
+  </p:clrMapOvr>
+</p:sld>
+</file>
+
 <file path=ppt/slides/slide3.xml><?xml version="1.0" encoding="utf-8"?>
 <p:sld xmlns:a="http://schemas.openxmlformats.org/drawingml/2006/main" xmlns:r="http://schemas.openxmlformats.org/officeDocument/2006/relationships" xmlns:p="http://schemas.openxmlformats.org/presentationml/2006/main">
   <p:cSld>
@@ -4374,6 +5082,95 @@
           <p:cNvPr id="2" name="Title 1">
             <a:extLst>
               <a:ext uri="{FF2B5EF4-FFF2-40B4-BE49-F238E27FC236}">
+                <a16:creationId xmlns:a16="http://schemas.microsoft.com/office/drawing/2014/main" id="{83AE0A07-A9A2-9E39-730A-1D4C7A1278AD}"/>
+              </a:ext>
+            </a:extLst>
+          </p:cNvPr>
+          <p:cNvSpPr>
+            <a:spLocks noGrp="1"/>
+          </p:cNvSpPr>
+          <p:nvPr>
+            <p:ph type="title"/>
+          </p:nvPr>
+        </p:nvSpPr>
+        <p:spPr/>
+        <p:txBody>
+          <a:bodyPr/>
+          <a:lstStyle/>
+          <a:p>
+            <a:r>
+              <a:rPr lang="de-DE" dirty="0"/>
+              <a:t>FrageRunde</a:t>
+            </a:r>
+          </a:p>
+        </p:txBody>
+      </p:sp>
+      <p:sp>
+        <p:nvSpPr>
+          <p:cNvPr id="3" name="Content Placeholder 2">
+            <a:extLst>
+              <a:ext uri="{FF2B5EF4-FFF2-40B4-BE49-F238E27FC236}">
+                <a16:creationId xmlns:a16="http://schemas.microsoft.com/office/drawing/2014/main" id="{E1BA3773-5247-FCE2-B653-73F8CB45C221}"/>
+              </a:ext>
+            </a:extLst>
+          </p:cNvPr>
+          <p:cNvSpPr>
+            <a:spLocks noGrp="1"/>
+          </p:cNvSpPr>
+          <p:nvPr>
+            <p:ph idx="1"/>
+          </p:nvPr>
+        </p:nvSpPr>
+        <p:spPr/>
+        <p:txBody>
+          <a:bodyPr/>
+          <a:lstStyle/>
+          <a:p>
+            <a:r>
+              <a:rPr lang="de-DE" dirty="0"/>
+              <a:t>Was stellt ihr euch unter IaC vor</a:t>
+            </a:r>
+          </a:p>
+          <a:p>
+            <a:endParaRPr lang="de-DE" dirty="0"/>
+          </a:p>
+        </p:txBody>
+      </p:sp>
+    </p:spTree>
+    <p:extLst>
+      <p:ext uri="{BB962C8B-B14F-4D97-AF65-F5344CB8AC3E}">
+        <p14:creationId xmlns:p14="http://schemas.microsoft.com/office/powerpoint/2010/main" val="2185820499"/>
+      </p:ext>
+    </p:extLst>
+  </p:cSld>
+  <p:clrMapOvr>
+    <a:masterClrMapping/>
+  </p:clrMapOvr>
+</p:sld>
+</file>
+
+<file path=ppt/slides/slide4.xml><?xml version="1.0" encoding="utf-8"?>
+<p:sld xmlns:a="http://schemas.openxmlformats.org/drawingml/2006/main" xmlns:r="http://schemas.openxmlformats.org/officeDocument/2006/relationships" xmlns:p="http://schemas.openxmlformats.org/presentationml/2006/main">
+  <p:cSld>
+    <p:spTree>
+      <p:nvGrpSpPr>
+        <p:cNvPr id="1" name=""/>
+        <p:cNvGrpSpPr/>
+        <p:nvPr/>
+      </p:nvGrpSpPr>
+      <p:grpSpPr>
+        <a:xfrm>
+          <a:off x="0" y="0"/>
+          <a:ext cx="0" cy="0"/>
+          <a:chOff x="0" y="0"/>
+          <a:chExt cx="0" cy="0"/>
+        </a:xfrm>
+      </p:grpSpPr>
+      <p:sp>
+        <p:nvSpPr>
+          <p:cNvPr id="2" name="Title 1">
+            <a:extLst>
+              <a:ext uri="{FF2B5EF4-FFF2-40B4-BE49-F238E27FC236}">
                 <a16:creationId xmlns:a16="http://schemas.microsoft.com/office/drawing/2014/main" id="{ECD83641-A430-E241-2033-D91443E27099}"/>
               </a:ext>
             </a:extLst>
@@ -4469,7 +5266,7 @@
 </p:sld>
 </file>
 
-<file path=ppt/slides/slide4.xml><?xml version="1.0" encoding="utf-8"?>
+<file path=ppt/slides/slide5.xml><?xml version="1.0" encoding="utf-8"?>
 <p:sld xmlns:a="http://schemas.openxmlformats.org/drawingml/2006/main" xmlns:r="http://schemas.openxmlformats.org/officeDocument/2006/relationships" xmlns:p="http://schemas.openxmlformats.org/presentationml/2006/main">
   <p:cSld>
     <p:spTree>
@@ -4613,124 +5410,6 @@
 </p:sld>
 </file>
 
-<file path=ppt/slides/slide5.xml><?xml version="1.0" encoding="utf-8"?>
-<p:sld xmlns:a="http://schemas.openxmlformats.org/drawingml/2006/main" xmlns:r="http://schemas.openxmlformats.org/officeDocument/2006/relationships" xmlns:p="http://schemas.openxmlformats.org/presentationml/2006/main">
-  <p:cSld>
-    <p:spTree>
-      <p:nvGrpSpPr>
-        <p:cNvPr id="1" name=""/>
-        <p:cNvGrpSpPr/>
-        <p:nvPr/>
-      </p:nvGrpSpPr>
-      <p:grpSpPr>
-        <a:xfrm>
-          <a:off x="0" y="0"/>
-          <a:ext cx="0" cy="0"/>
-          <a:chOff x="0" y="0"/>
-          <a:chExt cx="0" cy="0"/>
-        </a:xfrm>
-      </p:grpSpPr>
-      <p:sp>
-        <p:nvSpPr>
-          <p:cNvPr id="2" name="Title 1">
-            <a:extLst>
-              <a:ext uri="{FF2B5EF4-FFF2-40B4-BE49-F238E27FC236}">
-                <a16:creationId xmlns:a16="http://schemas.microsoft.com/office/drawing/2014/main" id="{DAC3CEE7-E409-2936-F1CE-89F686C57F9D}"/>
-              </a:ext>
-            </a:extLst>
-          </p:cNvPr>
-          <p:cNvSpPr>
-            <a:spLocks noGrp="1"/>
-          </p:cNvSpPr>
-          <p:nvPr>
-            <p:ph type="title"/>
-          </p:nvPr>
-        </p:nvSpPr>
-        <p:spPr/>
-        <p:txBody>
-          <a:bodyPr/>
-          <a:lstStyle/>
-          <a:p>
-            <a:r>
-              <a:rPr lang="de-DE" dirty="0"/>
-              <a:t>Modularization</a:t>
-            </a:r>
-          </a:p>
-        </p:txBody>
-      </p:sp>
-      <p:sp>
-        <p:nvSpPr>
-          <p:cNvPr id="4" name="Content Placeholder 2">
-            <a:extLst>
-              <a:ext uri="{FF2B5EF4-FFF2-40B4-BE49-F238E27FC236}">
-                <a16:creationId xmlns:a16="http://schemas.microsoft.com/office/drawing/2014/main" id="{FB81049D-6868-2F85-BEEC-ECC98D82B43B}"/>
-              </a:ext>
-            </a:extLst>
-          </p:cNvPr>
-          <p:cNvSpPr>
-            <a:spLocks noGrp="1"/>
-          </p:cNvSpPr>
-          <p:nvPr>
-            <p:ph idx="1"/>
-          </p:nvPr>
-        </p:nvSpPr>
-        <p:spPr>
-          <a:xfrm>
-            <a:off x="838200" y="1825625"/>
-            <a:ext cx="10515600" cy="4351338"/>
-          </a:xfrm>
-        </p:spPr>
-        <p:txBody>
-          <a:bodyPr/>
-          <a:lstStyle/>
-          <a:p>
-            <a:r>
-              <a:rPr lang="de-DE" dirty="0"/>
-              <a:t>Reusable Resources</a:t>
-            </a:r>
-          </a:p>
-          <a:p>
-            <a:r>
-              <a:rPr lang="de-DE" dirty="0"/>
-              <a:t>Improves</a:t>
-            </a:r>
-          </a:p>
-          <a:p>
-            <a:pPr lvl="1"/>
-            <a:r>
-              <a:rPr lang="de-DE" dirty="0"/>
-              <a:t>Readability</a:t>
-            </a:r>
-          </a:p>
-          <a:p>
-            <a:pPr lvl="1"/>
-            <a:r>
-              <a:rPr lang="de-DE" dirty="0"/>
-              <a:t>Isolation</a:t>
-            </a:r>
-          </a:p>
-          <a:p>
-            <a:pPr lvl="1"/>
-            <a:r>
-              <a:rPr lang="de-DE" dirty="0"/>
-              <a:t>Scalability</a:t>
-            </a:r>
-          </a:p>
-        </p:txBody>
-      </p:sp>
-    </p:spTree>
-    <p:extLst>
-      <p:ext uri="{BB962C8B-B14F-4D97-AF65-F5344CB8AC3E}">
-        <p14:creationId xmlns:p14="http://schemas.microsoft.com/office/powerpoint/2010/main" val="2300077166"/>
-      </p:ext>
-    </p:extLst>
-  </p:cSld>
-  <p:clrMapOvr>
-    <a:masterClrMapping/>
-  </p:clrMapOvr>
-</p:sld>
-</file>
-
 <file path=ppt/slides/slide6.xml><?xml version="1.0" encoding="utf-8"?>
 <p:sld xmlns:a="http://schemas.openxmlformats.org/drawingml/2006/main" xmlns:r="http://schemas.openxmlformats.org/officeDocument/2006/relationships" xmlns:p="http://schemas.openxmlformats.org/presentationml/2006/main">
   <p:cSld>
@@ -4753,7 +5432,7 @@
           <p:cNvPr id="2" name="Title 1">
             <a:extLst>
               <a:ext uri="{FF2B5EF4-FFF2-40B4-BE49-F238E27FC236}">
-                <a16:creationId xmlns:a16="http://schemas.microsoft.com/office/drawing/2014/main" id="{8A09F96A-1C05-5B65-E21F-06338C9DC274}"/>
+                <a16:creationId xmlns:a16="http://schemas.microsoft.com/office/drawing/2014/main" id="{DAC3CEE7-E409-2936-F1CE-89F686C57F9D}"/>
               </a:ext>
             </a:extLst>
           </p:cNvPr>
@@ -4771,17 +5450,17 @@
           <a:p>
             <a:r>
               <a:rPr lang="de-DE" dirty="0"/>
-              <a:t>State management</a:t>
-            </a:r>
-          </a:p>
-        </p:txBody>
-      </p:sp>
-      <p:sp>
-        <p:nvSpPr>
-          <p:cNvPr id="3" name="Content Placeholder 2">
-            <a:extLst>
-              <a:ext uri="{FF2B5EF4-FFF2-40B4-BE49-F238E27FC236}">
-                <a16:creationId xmlns:a16="http://schemas.microsoft.com/office/drawing/2014/main" id="{5E1CF1C0-30DA-E314-2397-2AF2D0DE3A27}"/>
+              <a:t>Modularization</a:t>
+            </a:r>
+          </a:p>
+        </p:txBody>
+      </p:sp>
+      <p:sp>
+        <p:nvSpPr>
+          <p:cNvPr id="4" name="Content Placeholder 2">
+            <a:extLst>
+              <a:ext uri="{FF2B5EF4-FFF2-40B4-BE49-F238E27FC236}">
+                <a16:creationId xmlns:a16="http://schemas.microsoft.com/office/drawing/2014/main" id="{FB81049D-6868-2F85-BEEC-ECC98D82B43B}"/>
               </a:ext>
             </a:extLst>
           </p:cNvPr>
@@ -4792,63 +5471,54 @@
             <p:ph idx="1"/>
           </p:nvPr>
         </p:nvSpPr>
-        <p:spPr/>
-        <p:txBody>
-          <a:bodyPr/>
-          <a:lstStyle/>
-          <a:p>
-            <a:r>
-              <a:rPr lang="de-DE" dirty="0"/>
-              <a:t>Uses state file </a:t>
-            </a:r>
-            <a:r>
-              <a:rPr lang="en-US" dirty="0"/>
-              <a:t>to track current status</a:t>
-            </a:r>
-          </a:p>
-          <a:p>
-            <a:r>
-              <a:rPr lang="de-DE" dirty="0"/>
-              <a:t>Key points:</a:t>
-            </a:r>
-            <a:endParaRPr lang="en-US" dirty="0"/>
+        <p:spPr>
+          <a:xfrm>
+            <a:off x="838200" y="1825625"/>
+            <a:ext cx="10515600" cy="4351338"/>
+          </a:xfrm>
+        </p:spPr>
+        <p:txBody>
+          <a:bodyPr/>
+          <a:lstStyle/>
+          <a:p>
+            <a:r>
+              <a:rPr lang="de-DE" dirty="0"/>
+              <a:t>Reusable Resources</a:t>
+            </a:r>
+          </a:p>
+          <a:p>
+            <a:r>
+              <a:rPr lang="de-DE" dirty="0"/>
+              <a:t>Improves</a:t>
+            </a:r>
           </a:p>
           <a:p>
             <a:pPr lvl="1"/>
             <a:r>
-              <a:rPr lang="en-US" dirty="0"/>
-              <a:t>Secure and encrypt the state file.</a:t>
+              <a:rPr lang="de-DE" dirty="0"/>
+              <a:t>Readability</a:t>
             </a:r>
           </a:p>
           <a:p>
             <a:pPr lvl="1"/>
             <a:r>
-              <a:rPr lang="en-US" dirty="0"/>
-              <a:t>Use </a:t>
-            </a:r>
-            <a:r>
-              <a:rPr lang="en-US" b="1" dirty="0"/>
-              <a:t>Terraform Locking</a:t>
-            </a:r>
-            <a:r>
-              <a:rPr lang="en-US" dirty="0"/>
-              <a:t> to avoid conflicts.</a:t>
+              <a:rPr lang="de-DE" dirty="0"/>
+              <a:t>Isolation</a:t>
             </a:r>
           </a:p>
           <a:p>
             <a:pPr lvl="1"/>
             <a:r>
-              <a:rPr lang="en-US" dirty="0"/>
-              <a:t>Use remote state backend like AWS S3 for collaboration</a:t>
-            </a:r>
-            <a:endParaRPr lang="de-DE" dirty="0"/>
+              <a:rPr lang="de-DE" dirty="0"/>
+              <a:t>Scalability</a:t>
+            </a:r>
           </a:p>
         </p:txBody>
       </p:sp>
     </p:spTree>
     <p:extLst>
       <p:ext uri="{BB962C8B-B14F-4D97-AF65-F5344CB8AC3E}">
-        <p14:creationId xmlns:p14="http://schemas.microsoft.com/office/powerpoint/2010/main" val="3448490656"/>
+        <p14:creationId xmlns:p14="http://schemas.microsoft.com/office/powerpoint/2010/main" val="2300077166"/>
       </p:ext>
     </p:extLst>
   </p:cSld>
@@ -4880,7 +5550,7 @@
           <p:cNvPr id="2" name="Title 1">
             <a:extLst>
               <a:ext uri="{FF2B5EF4-FFF2-40B4-BE49-F238E27FC236}">
-                <a16:creationId xmlns:a16="http://schemas.microsoft.com/office/drawing/2014/main" id="{E76B8BAA-BA3C-2327-0C52-7C3366B9D2E3}"/>
+                <a16:creationId xmlns:a16="http://schemas.microsoft.com/office/drawing/2014/main" id="{8A09F96A-1C05-5B65-E21F-06338C9DC274}"/>
               </a:ext>
             </a:extLst>
           </p:cNvPr>
@@ -4898,7 +5568,7 @@
           <a:p>
             <a:r>
               <a:rPr lang="de-DE" dirty="0"/>
-              <a:t>Security</a:t>
+              <a:t>State management</a:t>
             </a:r>
           </a:p>
         </p:txBody>
@@ -4908,7 +5578,7 @@
           <p:cNvPr id="3" name="Content Placeholder 2">
             <a:extLst>
               <a:ext uri="{FF2B5EF4-FFF2-40B4-BE49-F238E27FC236}">
-                <a16:creationId xmlns:a16="http://schemas.microsoft.com/office/drawing/2014/main" id="{D4C2102F-8F3F-22DA-727B-2A47F302349D}"/>
+                <a16:creationId xmlns:a16="http://schemas.microsoft.com/office/drawing/2014/main" id="{5E1CF1C0-30DA-E314-2397-2AF2D0DE3A27}"/>
               </a:ext>
             </a:extLst>
           </p:cNvPr>
@@ -4926,42 +5596,56 @@
           <a:p>
             <a:r>
               <a:rPr lang="de-DE" dirty="0"/>
-              <a:t>No hardcoded credentials</a:t>
-            </a:r>
-          </a:p>
-          <a:p>
-            <a:r>
-              <a:rPr lang="de-DE" dirty="0"/>
-              <a:t>Vault Provider</a:t>
-            </a:r>
+              <a:t>Uses state file </a:t>
+            </a:r>
+            <a:r>
+              <a:rPr lang="en-US" dirty="0"/>
+              <a:t>to track current status</a:t>
+            </a:r>
+          </a:p>
+          <a:p>
+            <a:r>
+              <a:rPr lang="de-DE" dirty="0"/>
+              <a:t>Key points:</a:t>
+            </a:r>
+            <a:endParaRPr lang="en-US" dirty="0"/>
           </a:p>
           <a:p>
             <a:pPr lvl="1"/>
             <a:r>
-              <a:rPr lang="de-DE"/>
-              <a:t>Manages secrets without direct access</a:t>
+              <a:rPr lang="en-US" dirty="0"/>
+              <a:t>Secure and encrypt the state file.</a:t>
+            </a:r>
+          </a:p>
+          <a:p>
+            <a:pPr lvl="1"/>
+            <a:r>
+              <a:rPr lang="en-US" dirty="0"/>
+              <a:t>Use </a:t>
+            </a:r>
+            <a:r>
+              <a:rPr lang="en-US" b="1" dirty="0"/>
+              <a:t>Terraform Locking</a:t>
+            </a:r>
+            <a:r>
+              <a:rPr lang="en-US" dirty="0"/>
+              <a:t> to avoid conflicts.</a:t>
+            </a:r>
+          </a:p>
+          <a:p>
+            <a:pPr lvl="1"/>
+            <a:r>
+              <a:rPr lang="en-US" dirty="0"/>
+              <a:t>Use remote state backend like AWS S3 for collaboration</a:t>
             </a:r>
             <a:endParaRPr lang="de-DE" dirty="0"/>
-          </a:p>
-          <a:p>
-            <a:r>
-              <a:rPr lang="de-DE" dirty="0"/>
-              <a:t>Plan function</a:t>
-            </a:r>
-          </a:p>
-          <a:p>
-            <a:pPr lvl="1"/>
-            <a:r>
-              <a:rPr lang="de-DE" dirty="0"/>
-              <a:t>Preview changes minimize risk</a:t>
-            </a:r>
           </a:p>
         </p:txBody>
       </p:sp>
     </p:spTree>
     <p:extLst>
       <p:ext uri="{BB962C8B-B14F-4D97-AF65-F5344CB8AC3E}">
-        <p14:creationId xmlns:p14="http://schemas.microsoft.com/office/powerpoint/2010/main" val="1171201282"/>
+        <p14:creationId xmlns:p14="http://schemas.microsoft.com/office/powerpoint/2010/main" val="3448490656"/>
       </p:ext>
     </p:extLst>
   </p:cSld>
@@ -4993,7 +5677,7 @@
           <p:cNvPr id="2" name="Title 1">
             <a:extLst>
               <a:ext uri="{FF2B5EF4-FFF2-40B4-BE49-F238E27FC236}">
-                <a16:creationId xmlns:a16="http://schemas.microsoft.com/office/drawing/2014/main" id="{1F0612EA-DFF2-C521-4E14-1845C191E5FC}"/>
+                <a16:creationId xmlns:a16="http://schemas.microsoft.com/office/drawing/2014/main" id="{E76B8BAA-BA3C-2327-0C52-7C3366B9D2E3}"/>
               </a:ext>
             </a:extLst>
           </p:cNvPr>
@@ -5011,7 +5695,7 @@
           <a:p>
             <a:r>
               <a:rPr lang="de-DE" dirty="0"/>
-              <a:t>Version controll</a:t>
+              <a:t>Security</a:t>
             </a:r>
           </a:p>
         </p:txBody>
@@ -5021,7 +5705,7 @@
           <p:cNvPr id="3" name="Content Placeholder 2">
             <a:extLst>
               <a:ext uri="{FF2B5EF4-FFF2-40B4-BE49-F238E27FC236}">
-                <a16:creationId xmlns:a16="http://schemas.microsoft.com/office/drawing/2014/main" id="{F72CE185-4DCF-92CA-6529-9962F4743337}"/>
+                <a16:creationId xmlns:a16="http://schemas.microsoft.com/office/drawing/2014/main" id="{D4C2102F-8F3F-22DA-727B-2A47F302349D}"/>
               </a:ext>
             </a:extLst>
           </p:cNvPr>
@@ -5037,14 +5721,43 @@
           <a:bodyPr/>
           <a:lstStyle/>
           <a:p>
-            <a:endParaRPr lang="de-DE" dirty="0"/>
+            <a:r>
+              <a:rPr lang="de-DE" dirty="0"/>
+              <a:t>No hardcoded credentials</a:t>
+            </a:r>
+          </a:p>
+          <a:p>
+            <a:r>
+              <a:rPr lang="de-DE" dirty="0"/>
+              <a:t>Vault Provider</a:t>
+            </a:r>
+          </a:p>
+          <a:p>
+            <a:pPr lvl="1"/>
+            <a:r>
+              <a:rPr lang="de-DE" dirty="0"/>
+              <a:t>Manages secrets without direct access</a:t>
+            </a:r>
+          </a:p>
+          <a:p>
+            <a:r>
+              <a:rPr lang="de-DE" dirty="0"/>
+              <a:t>Plan function</a:t>
+            </a:r>
+          </a:p>
+          <a:p>
+            <a:pPr lvl="1"/>
+            <a:r>
+              <a:rPr lang="de-DE" dirty="0"/>
+              <a:t>Preview changes minimize risk</a:t>
+            </a:r>
           </a:p>
         </p:txBody>
       </p:sp>
     </p:spTree>
     <p:extLst>
       <p:ext uri="{BB962C8B-B14F-4D97-AF65-F5344CB8AC3E}">
-        <p14:creationId xmlns:p14="http://schemas.microsoft.com/office/powerpoint/2010/main" val="609101943"/>
+        <p14:creationId xmlns:p14="http://schemas.microsoft.com/office/powerpoint/2010/main" val="1171201282"/>
       </p:ext>
     </p:extLst>
   </p:cSld>
@@ -5076,7 +5789,7 @@
           <p:cNvPr id="2" name="Title 1">
             <a:extLst>
               <a:ext uri="{FF2B5EF4-FFF2-40B4-BE49-F238E27FC236}">
-                <a16:creationId xmlns:a16="http://schemas.microsoft.com/office/drawing/2014/main" id="{2BDAFF68-9B53-AE92-EB30-12B20793994C}"/>
+                <a16:creationId xmlns:a16="http://schemas.microsoft.com/office/drawing/2014/main" id="{1F0612EA-DFF2-C521-4E14-1845C191E5FC}"/>
               </a:ext>
             </a:extLst>
           </p:cNvPr>
@@ -5094,7 +5807,7 @@
           <a:p>
             <a:r>
               <a:rPr lang="de-DE" dirty="0"/>
-              <a:t>Automation</a:t>
+              <a:t>Version controll</a:t>
             </a:r>
           </a:p>
         </p:txBody>
@@ -5104,7 +5817,7 @@
           <p:cNvPr id="3" name="Content Placeholder 2">
             <a:extLst>
               <a:ext uri="{FF2B5EF4-FFF2-40B4-BE49-F238E27FC236}">
-                <a16:creationId xmlns:a16="http://schemas.microsoft.com/office/drawing/2014/main" id="{C61F82E9-6306-2708-9041-78F447C09D18}"/>
+                <a16:creationId xmlns:a16="http://schemas.microsoft.com/office/drawing/2014/main" id="{F72CE185-4DCF-92CA-6529-9962F4743337}"/>
               </a:ext>
             </a:extLst>
           </p:cNvPr>
@@ -5120,30 +5833,14 @@
           <a:bodyPr/>
           <a:lstStyle/>
           <a:p>
-            <a:r>
-              <a:rPr lang="de-DE" dirty="0"/>
-              <a:t>Integrates tools like GitLabCI/CD</a:t>
-            </a:r>
-          </a:p>
-          <a:p>
-            <a:r>
-              <a:rPr lang="de-DE" dirty="0"/>
-              <a:t>Example</a:t>
-            </a:r>
-          </a:p>
-          <a:p>
-            <a:pPr lvl="1"/>
-            <a:r>
-              <a:rPr lang="de-DE" dirty="0"/>
-              <a:t>Execute terraform apply after pull request</a:t>
-            </a:r>
+            <a:endParaRPr lang="de-DE" dirty="0"/>
           </a:p>
         </p:txBody>
       </p:sp>
     </p:spTree>
     <p:extLst>
       <p:ext uri="{BB962C8B-B14F-4D97-AF65-F5344CB8AC3E}">
-        <p14:creationId xmlns:p14="http://schemas.microsoft.com/office/powerpoint/2010/main" val="970415120"/>
+        <p14:creationId xmlns:p14="http://schemas.microsoft.com/office/powerpoint/2010/main" val="609101943"/>
       </p:ext>
     </p:extLst>
   </p:cSld>

--- a/Presentation/Terraform.pptx
+++ b/Presentation/Terraform.pptx
@@ -4,6 +4,9 @@
   <p:sldMasterIdLst>
     <p:sldMasterId id="2147483648" r:id="rId1"/>
   </p:sldMasterIdLst>
+  <p:notesMasterIdLst>
+    <p:notesMasterId r:id="rId25"/>
+  </p:notesMasterIdLst>
   <p:sldIdLst>
     <p:sldId id="256" r:id="rId2"/>
     <p:sldId id="259" r:id="rId3"/>
@@ -11,20 +14,23 @@
     <p:sldId id="257" r:id="rId5"/>
     <p:sldId id="260" r:id="rId6"/>
     <p:sldId id="263" r:id="rId7"/>
-    <p:sldId id="264" r:id="rId8"/>
-    <p:sldId id="265" r:id="rId9"/>
-    <p:sldId id="270" r:id="rId10"/>
-    <p:sldId id="269" r:id="rId11"/>
-    <p:sldId id="258" r:id="rId12"/>
-    <p:sldId id="273" r:id="rId13"/>
-    <p:sldId id="262" r:id="rId14"/>
-    <p:sldId id="274" r:id="rId15"/>
-    <p:sldId id="272" r:id="rId16"/>
-    <p:sldId id="266" r:id="rId17"/>
-    <p:sldId id="267" r:id="rId18"/>
-    <p:sldId id="261" r:id="rId19"/>
-    <p:sldId id="271" r:id="rId20"/>
-    <p:sldId id="268" r:id="rId21"/>
+    <p:sldId id="276" r:id="rId8"/>
+    <p:sldId id="264" r:id="rId9"/>
+    <p:sldId id="277" r:id="rId10"/>
+    <p:sldId id="265" r:id="rId11"/>
+    <p:sldId id="278" r:id="rId12"/>
+    <p:sldId id="269" r:id="rId13"/>
+    <p:sldId id="279" r:id="rId14"/>
+    <p:sldId id="258" r:id="rId15"/>
+    <p:sldId id="273" r:id="rId16"/>
+    <p:sldId id="262" r:id="rId17"/>
+    <p:sldId id="274" r:id="rId18"/>
+    <p:sldId id="272" r:id="rId19"/>
+    <p:sldId id="266" r:id="rId20"/>
+    <p:sldId id="267" r:id="rId21"/>
+    <p:sldId id="280" r:id="rId22"/>
+    <p:sldId id="261" r:id="rId23"/>
+    <p:sldId id="271" r:id="rId24"/>
   </p:sldIdLst>
   <p:sldSz cx="12192000" cy="6858000"/>
   <p:notesSz cx="6858000" cy="9144000"/>
@@ -131,6 +137,723 @@
 </p:presentation>
 </file>
 
+<file path=ppt/notesMasters/notesMaster1.xml><?xml version="1.0" encoding="utf-8"?>
+<p:notesMaster xmlns:a="http://schemas.openxmlformats.org/drawingml/2006/main" xmlns:r="http://schemas.openxmlformats.org/officeDocument/2006/relationships" xmlns:p="http://schemas.openxmlformats.org/presentationml/2006/main">
+  <p:cSld>
+    <p:bg>
+      <p:bgRef idx="1001">
+        <a:schemeClr val="bg1"/>
+      </p:bgRef>
+    </p:bg>
+    <p:spTree>
+      <p:nvGrpSpPr>
+        <p:cNvPr id="1" name=""/>
+        <p:cNvGrpSpPr/>
+        <p:nvPr/>
+      </p:nvGrpSpPr>
+      <p:grpSpPr>
+        <a:xfrm>
+          <a:off x="0" y="0"/>
+          <a:ext cx="0" cy="0"/>
+          <a:chOff x="0" y="0"/>
+          <a:chExt cx="0" cy="0"/>
+        </a:xfrm>
+      </p:grpSpPr>
+      <p:sp>
+        <p:nvSpPr>
+          <p:cNvPr id="2" name="Header Placeholder 1"/>
+          <p:cNvSpPr>
+            <a:spLocks noGrp="1"/>
+          </p:cNvSpPr>
+          <p:nvPr>
+            <p:ph type="hdr" sz="quarter"/>
+          </p:nvPr>
+        </p:nvSpPr>
+        <p:spPr>
+          <a:xfrm>
+            <a:off x="0" y="0"/>
+            <a:ext cx="2971800" cy="458788"/>
+          </a:xfrm>
+          <a:prstGeom prst="rect">
+            <a:avLst/>
+          </a:prstGeom>
+        </p:spPr>
+        <p:txBody>
+          <a:bodyPr vert="horz" lIns="91440" tIns="45720" rIns="91440" bIns="45720" rtlCol="0"/>
+          <a:lstStyle>
+            <a:lvl1pPr algn="l">
+              <a:defRPr sz="1200"/>
+            </a:lvl1pPr>
+          </a:lstStyle>
+          <a:p>
+            <a:endParaRPr lang="de-DE"/>
+          </a:p>
+        </p:txBody>
+      </p:sp>
+      <p:sp>
+        <p:nvSpPr>
+          <p:cNvPr id="3" name="Date Placeholder 2"/>
+          <p:cNvSpPr>
+            <a:spLocks noGrp="1"/>
+          </p:cNvSpPr>
+          <p:nvPr>
+            <p:ph type="dt" idx="1"/>
+          </p:nvPr>
+        </p:nvSpPr>
+        <p:spPr>
+          <a:xfrm>
+            <a:off x="3884613" y="0"/>
+            <a:ext cx="2971800" cy="458788"/>
+          </a:xfrm>
+          <a:prstGeom prst="rect">
+            <a:avLst/>
+          </a:prstGeom>
+        </p:spPr>
+        <p:txBody>
+          <a:bodyPr vert="horz" lIns="91440" tIns="45720" rIns="91440" bIns="45720" rtlCol="0"/>
+          <a:lstStyle>
+            <a:lvl1pPr algn="r">
+              <a:defRPr sz="1200"/>
+            </a:lvl1pPr>
+          </a:lstStyle>
+          <a:p>
+            <a:fld id="{9D519104-B0BA-49EB-8AD7-CCB91B91768F}" type="datetimeFigureOut">
+              <a:rPr lang="de-DE" smtClean="0"/>
+              <a:t>19.11.2024</a:t>
+            </a:fld>
+            <a:endParaRPr lang="de-DE"/>
+          </a:p>
+        </p:txBody>
+      </p:sp>
+      <p:sp>
+        <p:nvSpPr>
+          <p:cNvPr id="4" name="Slide Image Placeholder 3"/>
+          <p:cNvSpPr>
+            <a:spLocks noGrp="1" noRot="1" noChangeAspect="1"/>
+          </p:cNvSpPr>
+          <p:nvPr>
+            <p:ph type="sldImg" idx="2"/>
+          </p:nvPr>
+        </p:nvSpPr>
+        <p:spPr>
+          <a:xfrm>
+            <a:off x="685800" y="1143000"/>
+            <a:ext cx="5486400" cy="3086100"/>
+          </a:xfrm>
+          <a:prstGeom prst="rect">
+            <a:avLst/>
+          </a:prstGeom>
+          <a:noFill/>
+          <a:ln w="12700">
+            <a:solidFill>
+              <a:prstClr val="black"/>
+            </a:solidFill>
+          </a:ln>
+        </p:spPr>
+        <p:txBody>
+          <a:bodyPr vert="horz" lIns="91440" tIns="45720" rIns="91440" bIns="45720" rtlCol="0" anchor="ctr"/>
+          <a:lstStyle/>
+          <a:p>
+            <a:endParaRPr lang="de-DE"/>
+          </a:p>
+        </p:txBody>
+      </p:sp>
+      <p:sp>
+        <p:nvSpPr>
+          <p:cNvPr id="5" name="Notes Placeholder 4"/>
+          <p:cNvSpPr>
+            <a:spLocks noGrp="1"/>
+          </p:cNvSpPr>
+          <p:nvPr>
+            <p:ph type="body" sz="quarter" idx="3"/>
+          </p:nvPr>
+        </p:nvSpPr>
+        <p:spPr>
+          <a:xfrm>
+            <a:off x="685800" y="4400550"/>
+            <a:ext cx="5486400" cy="3600450"/>
+          </a:xfrm>
+          <a:prstGeom prst="rect">
+            <a:avLst/>
+          </a:prstGeom>
+        </p:spPr>
+        <p:txBody>
+          <a:bodyPr vert="horz" lIns="91440" tIns="45720" rIns="91440" bIns="45720" rtlCol="0"/>
+          <a:lstStyle/>
+          <a:p>
+            <a:pPr lvl="0"/>
+            <a:r>
+              <a:rPr lang="en-US"/>
+              <a:t>Click to edit Master text styles</a:t>
+            </a:r>
+          </a:p>
+          <a:p>
+            <a:pPr lvl="1"/>
+            <a:r>
+              <a:rPr lang="en-US"/>
+              <a:t>Second level</a:t>
+            </a:r>
+          </a:p>
+          <a:p>
+            <a:pPr lvl="2"/>
+            <a:r>
+              <a:rPr lang="en-US"/>
+              <a:t>Third level</a:t>
+            </a:r>
+          </a:p>
+          <a:p>
+            <a:pPr lvl="3"/>
+            <a:r>
+              <a:rPr lang="en-US"/>
+              <a:t>Fourth level</a:t>
+            </a:r>
+          </a:p>
+          <a:p>
+            <a:pPr lvl="4"/>
+            <a:r>
+              <a:rPr lang="en-US"/>
+              <a:t>Fifth level</a:t>
+            </a:r>
+            <a:endParaRPr lang="de-DE"/>
+          </a:p>
+        </p:txBody>
+      </p:sp>
+      <p:sp>
+        <p:nvSpPr>
+          <p:cNvPr id="6" name="Footer Placeholder 5"/>
+          <p:cNvSpPr>
+            <a:spLocks noGrp="1"/>
+          </p:cNvSpPr>
+          <p:nvPr>
+            <p:ph type="ftr" sz="quarter" idx="4"/>
+          </p:nvPr>
+        </p:nvSpPr>
+        <p:spPr>
+          <a:xfrm>
+            <a:off x="0" y="8685213"/>
+            <a:ext cx="2971800" cy="458787"/>
+          </a:xfrm>
+          <a:prstGeom prst="rect">
+            <a:avLst/>
+          </a:prstGeom>
+        </p:spPr>
+        <p:txBody>
+          <a:bodyPr vert="horz" lIns="91440" tIns="45720" rIns="91440" bIns="45720" rtlCol="0" anchor="b"/>
+          <a:lstStyle>
+            <a:lvl1pPr algn="l">
+              <a:defRPr sz="1200"/>
+            </a:lvl1pPr>
+          </a:lstStyle>
+          <a:p>
+            <a:endParaRPr lang="de-DE"/>
+          </a:p>
+        </p:txBody>
+      </p:sp>
+      <p:sp>
+        <p:nvSpPr>
+          <p:cNvPr id="7" name="Slide Number Placeholder 6"/>
+          <p:cNvSpPr>
+            <a:spLocks noGrp="1"/>
+          </p:cNvSpPr>
+          <p:nvPr>
+            <p:ph type="sldNum" sz="quarter" idx="5"/>
+          </p:nvPr>
+        </p:nvSpPr>
+        <p:spPr>
+          <a:xfrm>
+            <a:off x="3884613" y="8685213"/>
+            <a:ext cx="2971800" cy="458787"/>
+          </a:xfrm>
+          <a:prstGeom prst="rect">
+            <a:avLst/>
+          </a:prstGeom>
+        </p:spPr>
+        <p:txBody>
+          <a:bodyPr vert="horz" lIns="91440" tIns="45720" rIns="91440" bIns="45720" rtlCol="0" anchor="b"/>
+          <a:lstStyle>
+            <a:lvl1pPr algn="r">
+              <a:defRPr sz="1200"/>
+            </a:lvl1pPr>
+          </a:lstStyle>
+          <a:p>
+            <a:fld id="{A61CFBFC-7E07-4A07-8BE9-3071F813C27F}" type="slidenum">
+              <a:rPr lang="de-DE" smtClean="0"/>
+              <a:t>‹#›</a:t>
+            </a:fld>
+            <a:endParaRPr lang="de-DE"/>
+          </a:p>
+        </p:txBody>
+      </p:sp>
+    </p:spTree>
+    <p:extLst>
+      <p:ext uri="{BB962C8B-B14F-4D97-AF65-F5344CB8AC3E}">
+        <p14:creationId xmlns:p14="http://schemas.microsoft.com/office/powerpoint/2010/main" val="1082520690"/>
+      </p:ext>
+    </p:extLst>
+  </p:cSld>
+  <p:clrMap bg1="lt1" tx1="dk1" bg2="lt2" tx2="dk2" accent1="accent1" accent2="accent2" accent3="accent3" accent4="accent4" accent5="accent5" accent6="accent6" hlink="hlink" folHlink="folHlink"/>
+  <p:notesStyle>
+    <a:lvl1pPr marL="0" algn="l" defTabSz="914400" rtl="0" eaLnBrk="1" latinLnBrk="0" hangingPunct="1">
+      <a:defRPr sz="1200" kern="1200">
+        <a:solidFill>
+          <a:schemeClr val="tx1"/>
+        </a:solidFill>
+        <a:latin typeface="+mn-lt"/>
+        <a:ea typeface="+mn-ea"/>
+        <a:cs typeface="+mn-cs"/>
+      </a:defRPr>
+    </a:lvl1pPr>
+    <a:lvl2pPr marL="457200" algn="l" defTabSz="914400" rtl="0" eaLnBrk="1" latinLnBrk="0" hangingPunct="1">
+      <a:defRPr sz="1200" kern="1200">
+        <a:solidFill>
+          <a:schemeClr val="tx1"/>
+        </a:solidFill>
+        <a:latin typeface="+mn-lt"/>
+        <a:ea typeface="+mn-ea"/>
+        <a:cs typeface="+mn-cs"/>
+      </a:defRPr>
+    </a:lvl2pPr>
+    <a:lvl3pPr marL="914400" algn="l" defTabSz="914400" rtl="0" eaLnBrk="1" latinLnBrk="0" hangingPunct="1">
+      <a:defRPr sz="1200" kern="1200">
+        <a:solidFill>
+          <a:schemeClr val="tx1"/>
+        </a:solidFill>
+        <a:latin typeface="+mn-lt"/>
+        <a:ea typeface="+mn-ea"/>
+        <a:cs typeface="+mn-cs"/>
+      </a:defRPr>
+    </a:lvl3pPr>
+    <a:lvl4pPr marL="1371600" algn="l" defTabSz="914400" rtl="0" eaLnBrk="1" latinLnBrk="0" hangingPunct="1">
+      <a:defRPr sz="1200" kern="1200">
+        <a:solidFill>
+          <a:schemeClr val="tx1"/>
+        </a:solidFill>
+        <a:latin typeface="+mn-lt"/>
+        <a:ea typeface="+mn-ea"/>
+        <a:cs typeface="+mn-cs"/>
+      </a:defRPr>
+    </a:lvl4pPr>
+    <a:lvl5pPr marL="1828800" algn="l" defTabSz="914400" rtl="0" eaLnBrk="1" latinLnBrk="0" hangingPunct="1">
+      <a:defRPr sz="1200" kern="1200">
+        <a:solidFill>
+          <a:schemeClr val="tx1"/>
+        </a:solidFill>
+        <a:latin typeface="+mn-lt"/>
+        <a:ea typeface="+mn-ea"/>
+        <a:cs typeface="+mn-cs"/>
+      </a:defRPr>
+    </a:lvl5pPr>
+    <a:lvl6pPr marL="2286000" algn="l" defTabSz="914400" rtl="0" eaLnBrk="1" latinLnBrk="0" hangingPunct="1">
+      <a:defRPr sz="1200" kern="1200">
+        <a:solidFill>
+          <a:schemeClr val="tx1"/>
+        </a:solidFill>
+        <a:latin typeface="+mn-lt"/>
+        <a:ea typeface="+mn-ea"/>
+        <a:cs typeface="+mn-cs"/>
+      </a:defRPr>
+    </a:lvl6pPr>
+    <a:lvl7pPr marL="2743200" algn="l" defTabSz="914400" rtl="0" eaLnBrk="1" latinLnBrk="0" hangingPunct="1">
+      <a:defRPr sz="1200" kern="1200">
+        <a:solidFill>
+          <a:schemeClr val="tx1"/>
+        </a:solidFill>
+        <a:latin typeface="+mn-lt"/>
+        <a:ea typeface="+mn-ea"/>
+        <a:cs typeface="+mn-cs"/>
+      </a:defRPr>
+    </a:lvl7pPr>
+    <a:lvl8pPr marL="3200400" algn="l" defTabSz="914400" rtl="0" eaLnBrk="1" latinLnBrk="0" hangingPunct="1">
+      <a:defRPr sz="1200" kern="1200">
+        <a:solidFill>
+          <a:schemeClr val="tx1"/>
+        </a:solidFill>
+        <a:latin typeface="+mn-lt"/>
+        <a:ea typeface="+mn-ea"/>
+        <a:cs typeface="+mn-cs"/>
+      </a:defRPr>
+    </a:lvl8pPr>
+    <a:lvl9pPr marL="3657600" algn="l" defTabSz="914400" rtl="0" eaLnBrk="1" latinLnBrk="0" hangingPunct="1">
+      <a:defRPr sz="1200" kern="1200">
+        <a:solidFill>
+          <a:schemeClr val="tx1"/>
+        </a:solidFill>
+        <a:latin typeface="+mn-lt"/>
+        <a:ea typeface="+mn-ea"/>
+        <a:cs typeface="+mn-cs"/>
+      </a:defRPr>
+    </a:lvl9pPr>
+  </p:notesStyle>
+</p:notesMaster>
+</file>
+
+<file path=ppt/notesSlides/notesSlide1.xml><?xml version="1.0" encoding="utf-8"?>
+<p:notes xmlns:a="http://schemas.openxmlformats.org/drawingml/2006/main" xmlns:r="http://schemas.openxmlformats.org/officeDocument/2006/relationships" xmlns:p="http://schemas.openxmlformats.org/presentationml/2006/main">
+  <p:cSld>
+    <p:spTree>
+      <p:nvGrpSpPr>
+        <p:cNvPr id="1" name=""/>
+        <p:cNvGrpSpPr/>
+        <p:nvPr/>
+      </p:nvGrpSpPr>
+      <p:grpSpPr>
+        <a:xfrm>
+          <a:off x="0" y="0"/>
+          <a:ext cx="0" cy="0"/>
+          <a:chOff x="0" y="0"/>
+          <a:chExt cx="0" cy="0"/>
+        </a:xfrm>
+      </p:grpSpPr>
+      <p:sp>
+        <p:nvSpPr>
+          <p:cNvPr id="2" name="Slide Image Placeholder 1"/>
+          <p:cNvSpPr>
+            <a:spLocks noGrp="1" noRot="1" noChangeAspect="1"/>
+          </p:cNvSpPr>
+          <p:nvPr>
+            <p:ph type="sldImg"/>
+          </p:nvPr>
+        </p:nvSpPr>
+        <p:spPr/>
+      </p:sp>
+      <p:sp>
+        <p:nvSpPr>
+          <p:cNvPr id="3" name="Notes Placeholder 2"/>
+          <p:cNvSpPr>
+            <a:spLocks noGrp="1"/>
+          </p:cNvSpPr>
+          <p:nvPr>
+            <p:ph type="body" idx="1"/>
+          </p:nvPr>
+        </p:nvSpPr>
+        <p:spPr/>
+        <p:txBody>
+          <a:bodyPr/>
+          <a:lstStyle/>
+          <a:p>
+            <a:r>
+              <a:rPr lang="de-DE" dirty="0"/>
+              <a:t>What du you think are advantages of modularization?</a:t>
+            </a:r>
+          </a:p>
+        </p:txBody>
+      </p:sp>
+      <p:sp>
+        <p:nvSpPr>
+          <p:cNvPr id="4" name="Slide Number Placeholder 3"/>
+          <p:cNvSpPr>
+            <a:spLocks noGrp="1"/>
+          </p:cNvSpPr>
+          <p:nvPr>
+            <p:ph type="sldNum" sz="quarter" idx="5"/>
+          </p:nvPr>
+        </p:nvSpPr>
+        <p:spPr/>
+        <p:txBody>
+          <a:bodyPr/>
+          <a:lstStyle/>
+          <a:p>
+            <a:fld id="{A61CFBFC-7E07-4A07-8BE9-3071F813C27F}" type="slidenum">
+              <a:rPr lang="de-DE" smtClean="0"/>
+              <a:t>6</a:t>
+            </a:fld>
+            <a:endParaRPr lang="de-DE"/>
+          </a:p>
+        </p:txBody>
+      </p:sp>
+    </p:spTree>
+    <p:extLst>
+      <p:ext uri="{BB962C8B-B14F-4D97-AF65-F5344CB8AC3E}">
+        <p14:creationId xmlns:p14="http://schemas.microsoft.com/office/powerpoint/2010/main" val="3261051"/>
+      </p:ext>
+    </p:extLst>
+  </p:cSld>
+  <p:clrMapOvr>
+    <a:masterClrMapping/>
+  </p:clrMapOvr>
+</p:notes>
+</file>
+
+<file path=ppt/notesSlides/notesSlide2.xml><?xml version="1.0" encoding="utf-8"?>
+<p:notes xmlns:a="http://schemas.openxmlformats.org/drawingml/2006/main" xmlns:r="http://schemas.openxmlformats.org/officeDocument/2006/relationships" xmlns:p="http://schemas.openxmlformats.org/presentationml/2006/main">
+  <p:cSld>
+    <p:spTree>
+      <p:nvGrpSpPr>
+        <p:cNvPr id="1" name=""/>
+        <p:cNvGrpSpPr/>
+        <p:nvPr/>
+      </p:nvGrpSpPr>
+      <p:grpSpPr>
+        <a:xfrm>
+          <a:off x="0" y="0"/>
+          <a:ext cx="0" cy="0"/>
+          <a:chOff x="0" y="0"/>
+          <a:chExt cx="0" cy="0"/>
+        </a:xfrm>
+      </p:grpSpPr>
+      <p:sp>
+        <p:nvSpPr>
+          <p:cNvPr id="2" name="Slide Image Placeholder 1"/>
+          <p:cNvSpPr>
+            <a:spLocks noGrp="1" noRot="1" noChangeAspect="1"/>
+          </p:cNvSpPr>
+          <p:nvPr>
+            <p:ph type="sldImg"/>
+          </p:nvPr>
+        </p:nvSpPr>
+        <p:spPr/>
+      </p:sp>
+      <p:sp>
+        <p:nvSpPr>
+          <p:cNvPr id="3" name="Notes Placeholder 2"/>
+          <p:cNvSpPr>
+            <a:spLocks noGrp="1"/>
+          </p:cNvSpPr>
+          <p:nvPr>
+            <p:ph type="body" idx="1"/>
+          </p:nvPr>
+        </p:nvSpPr>
+        <p:spPr/>
+        <p:txBody>
+          <a:bodyPr/>
+          <a:lstStyle/>
+          <a:p>
+            <a:r>
+              <a:rPr lang="en-US" dirty="0"/>
+              <a:t>Why could it be problematic if two people edit the same state?</a:t>
+            </a:r>
+          </a:p>
+          <a:p>
+            <a:r>
+              <a:rPr lang="en-US" dirty="0"/>
+              <a:t>How could a remote state improve your teamwork?</a:t>
+            </a:r>
+            <a:endParaRPr lang="de-DE" dirty="0"/>
+          </a:p>
+        </p:txBody>
+      </p:sp>
+      <p:sp>
+        <p:nvSpPr>
+          <p:cNvPr id="4" name="Slide Number Placeholder 3"/>
+          <p:cNvSpPr>
+            <a:spLocks noGrp="1"/>
+          </p:cNvSpPr>
+          <p:nvPr>
+            <p:ph type="sldNum" sz="quarter" idx="5"/>
+          </p:nvPr>
+        </p:nvSpPr>
+        <p:spPr/>
+        <p:txBody>
+          <a:bodyPr/>
+          <a:lstStyle/>
+          <a:p>
+            <a:fld id="{A61CFBFC-7E07-4A07-8BE9-3071F813C27F}" type="slidenum">
+              <a:rPr lang="de-DE" smtClean="0"/>
+              <a:t>8</a:t>
+            </a:fld>
+            <a:endParaRPr lang="de-DE"/>
+          </a:p>
+        </p:txBody>
+      </p:sp>
+    </p:spTree>
+    <p:extLst>
+      <p:ext uri="{BB962C8B-B14F-4D97-AF65-F5344CB8AC3E}">
+        <p14:creationId xmlns:p14="http://schemas.microsoft.com/office/powerpoint/2010/main" val="739343353"/>
+      </p:ext>
+    </p:extLst>
+  </p:cSld>
+  <p:clrMapOvr>
+    <a:masterClrMapping/>
+  </p:clrMapOvr>
+</p:notes>
+</file>
+
+<file path=ppt/notesSlides/notesSlide3.xml><?xml version="1.0" encoding="utf-8"?>
+<p:notes xmlns:a="http://schemas.openxmlformats.org/drawingml/2006/main" xmlns:r="http://schemas.openxmlformats.org/officeDocument/2006/relationships" xmlns:p="http://schemas.openxmlformats.org/presentationml/2006/main">
+  <p:cSld>
+    <p:spTree>
+      <p:nvGrpSpPr>
+        <p:cNvPr id="1" name=""/>
+        <p:cNvGrpSpPr/>
+        <p:nvPr/>
+      </p:nvGrpSpPr>
+      <p:grpSpPr>
+        <a:xfrm>
+          <a:off x="0" y="0"/>
+          <a:ext cx="0" cy="0"/>
+          <a:chOff x="0" y="0"/>
+          <a:chExt cx="0" cy="0"/>
+        </a:xfrm>
+      </p:grpSpPr>
+      <p:sp>
+        <p:nvSpPr>
+          <p:cNvPr id="2" name="Slide Image Placeholder 1"/>
+          <p:cNvSpPr>
+            <a:spLocks noGrp="1" noRot="1" noChangeAspect="1"/>
+          </p:cNvSpPr>
+          <p:nvPr>
+            <p:ph type="sldImg"/>
+          </p:nvPr>
+        </p:nvSpPr>
+        <p:spPr/>
+      </p:sp>
+      <p:sp>
+        <p:nvSpPr>
+          <p:cNvPr id="3" name="Notes Placeholder 2"/>
+          <p:cNvSpPr>
+            <a:spLocks noGrp="1"/>
+          </p:cNvSpPr>
+          <p:nvPr>
+            <p:ph type="body" idx="1"/>
+          </p:nvPr>
+        </p:nvSpPr>
+        <p:spPr/>
+        <p:txBody>
+          <a:bodyPr/>
+          <a:lstStyle/>
+          <a:p>
+            <a:r>
+              <a:rPr lang="de-DE" dirty="0"/>
+              <a:t>What could be potential security issues?</a:t>
+            </a:r>
+          </a:p>
+          <a:p>
+            <a:r>
+              <a:rPr lang="de-DE" dirty="0"/>
+              <a:t>How coud you mitigate them?</a:t>
+            </a:r>
+          </a:p>
+        </p:txBody>
+      </p:sp>
+      <p:sp>
+        <p:nvSpPr>
+          <p:cNvPr id="4" name="Slide Number Placeholder 3"/>
+          <p:cNvSpPr>
+            <a:spLocks noGrp="1"/>
+          </p:cNvSpPr>
+          <p:nvPr>
+            <p:ph type="sldNum" sz="quarter" idx="5"/>
+          </p:nvPr>
+        </p:nvSpPr>
+        <p:spPr/>
+        <p:txBody>
+          <a:bodyPr/>
+          <a:lstStyle/>
+          <a:p>
+            <a:fld id="{A61CFBFC-7E07-4A07-8BE9-3071F813C27F}" type="slidenum">
+              <a:rPr lang="de-DE" smtClean="0"/>
+              <a:t>10</a:t>
+            </a:fld>
+            <a:endParaRPr lang="de-DE"/>
+          </a:p>
+        </p:txBody>
+      </p:sp>
+    </p:spTree>
+    <p:extLst>
+      <p:ext uri="{BB962C8B-B14F-4D97-AF65-F5344CB8AC3E}">
+        <p14:creationId xmlns:p14="http://schemas.microsoft.com/office/powerpoint/2010/main" val="1069102404"/>
+      </p:ext>
+    </p:extLst>
+  </p:cSld>
+  <p:clrMapOvr>
+    <a:masterClrMapping/>
+  </p:clrMapOvr>
+</p:notes>
+</file>
+
+<file path=ppt/notesSlides/notesSlide4.xml><?xml version="1.0" encoding="utf-8"?>
+<p:notes xmlns:a="http://schemas.openxmlformats.org/drawingml/2006/main" xmlns:r="http://schemas.openxmlformats.org/officeDocument/2006/relationships" xmlns:p="http://schemas.openxmlformats.org/presentationml/2006/main">
+  <p:cSld>
+    <p:spTree>
+      <p:nvGrpSpPr>
+        <p:cNvPr id="1" name=""/>
+        <p:cNvGrpSpPr/>
+        <p:nvPr/>
+      </p:nvGrpSpPr>
+      <p:grpSpPr>
+        <a:xfrm>
+          <a:off x="0" y="0"/>
+          <a:ext cx="0" cy="0"/>
+          <a:chOff x="0" y="0"/>
+          <a:chExt cx="0" cy="0"/>
+        </a:xfrm>
+      </p:grpSpPr>
+      <p:sp>
+        <p:nvSpPr>
+          <p:cNvPr id="2" name="Slide Image Placeholder 1"/>
+          <p:cNvSpPr>
+            <a:spLocks noGrp="1" noRot="1" noChangeAspect="1"/>
+          </p:cNvSpPr>
+          <p:nvPr>
+            <p:ph type="sldImg"/>
+          </p:nvPr>
+        </p:nvSpPr>
+        <p:spPr/>
+      </p:sp>
+      <p:sp>
+        <p:nvSpPr>
+          <p:cNvPr id="3" name="Notes Placeholder 2"/>
+          <p:cNvSpPr>
+            <a:spLocks noGrp="1"/>
+          </p:cNvSpPr>
+          <p:nvPr>
+            <p:ph type="body" idx="1"/>
+          </p:nvPr>
+        </p:nvSpPr>
+        <p:spPr/>
+        <p:txBody>
+          <a:bodyPr/>
+          <a:lstStyle/>
+          <a:p>
+            <a:r>
+              <a:rPr lang="de-DE" dirty="0"/>
+              <a:t>What are benefits of automation?</a:t>
+            </a:r>
+          </a:p>
+          <a:p>
+            <a:r>
+              <a:rPr lang="de-DE" dirty="0"/>
+              <a:t>How could Automations be performed?</a:t>
+            </a:r>
+          </a:p>
+        </p:txBody>
+      </p:sp>
+      <p:sp>
+        <p:nvSpPr>
+          <p:cNvPr id="4" name="Slide Number Placeholder 3"/>
+          <p:cNvSpPr>
+            <a:spLocks noGrp="1"/>
+          </p:cNvSpPr>
+          <p:nvPr>
+            <p:ph type="sldNum" sz="quarter" idx="5"/>
+          </p:nvPr>
+        </p:nvSpPr>
+        <p:spPr/>
+        <p:txBody>
+          <a:bodyPr/>
+          <a:lstStyle/>
+          <a:p>
+            <a:fld id="{A61CFBFC-7E07-4A07-8BE9-3071F813C27F}" type="slidenum">
+              <a:rPr lang="de-DE" smtClean="0"/>
+              <a:t>12</a:t>
+            </a:fld>
+            <a:endParaRPr lang="de-DE"/>
+          </a:p>
+        </p:txBody>
+      </p:sp>
+    </p:spTree>
+    <p:extLst>
+      <p:ext uri="{BB962C8B-B14F-4D97-AF65-F5344CB8AC3E}">
+        <p14:creationId xmlns:p14="http://schemas.microsoft.com/office/powerpoint/2010/main" val="1174877158"/>
+      </p:ext>
+    </p:extLst>
+  </p:cSld>
+  <p:clrMapOvr>
+    <a:masterClrMapping/>
+  </p:clrMapOvr>
+</p:notes>
+</file>
+
 <file path=ppt/slideLayouts/slideLayout1.xml><?xml version="1.0" encoding="utf-8"?>
 <p:sldLayout xmlns:a="http://schemas.openxmlformats.org/drawingml/2006/main" xmlns:r="http://schemas.openxmlformats.org/officeDocument/2006/relationships" xmlns:p="http://schemas.openxmlformats.org/presentationml/2006/main" type="title" preserve="1">
   <p:cSld name="Title Slide">
@@ -280,7 +1003,7 @@
           <a:p>
             <a:fld id="{EAB48E87-9D34-4BA0-A19A-9F7D151D6085}" type="datetimeFigureOut">
               <a:rPr lang="de-DE" smtClean="0"/>
-              <a:t>18.11.2024</a:t>
+              <a:t>19.11.2024</a:t>
             </a:fld>
             <a:endParaRPr lang="de-DE"/>
           </a:p>
@@ -480,7 +1203,7 @@
           <a:p>
             <a:fld id="{EAB48E87-9D34-4BA0-A19A-9F7D151D6085}" type="datetimeFigureOut">
               <a:rPr lang="de-DE" smtClean="0"/>
-              <a:t>18.11.2024</a:t>
+              <a:t>19.11.2024</a:t>
             </a:fld>
             <a:endParaRPr lang="de-DE"/>
           </a:p>
@@ -690,7 +1413,7 @@
           <a:p>
             <a:fld id="{EAB48E87-9D34-4BA0-A19A-9F7D151D6085}" type="datetimeFigureOut">
               <a:rPr lang="de-DE" smtClean="0"/>
-              <a:t>18.11.2024</a:t>
+              <a:t>19.11.2024</a:t>
             </a:fld>
             <a:endParaRPr lang="de-DE"/>
           </a:p>
@@ -890,7 +1613,7 @@
           <a:p>
             <a:fld id="{EAB48E87-9D34-4BA0-A19A-9F7D151D6085}" type="datetimeFigureOut">
               <a:rPr lang="de-DE" smtClean="0"/>
-              <a:t>18.11.2024</a:t>
+              <a:t>19.11.2024</a:t>
             </a:fld>
             <a:endParaRPr lang="de-DE"/>
           </a:p>
@@ -1166,7 +1889,7 @@
           <a:p>
             <a:fld id="{EAB48E87-9D34-4BA0-A19A-9F7D151D6085}" type="datetimeFigureOut">
               <a:rPr lang="de-DE" smtClean="0"/>
-              <a:t>18.11.2024</a:t>
+              <a:t>19.11.2024</a:t>
             </a:fld>
             <a:endParaRPr lang="de-DE"/>
           </a:p>
@@ -1434,7 +2157,7 @@
           <a:p>
             <a:fld id="{EAB48E87-9D34-4BA0-A19A-9F7D151D6085}" type="datetimeFigureOut">
               <a:rPr lang="de-DE" smtClean="0"/>
-              <a:t>18.11.2024</a:t>
+              <a:t>19.11.2024</a:t>
             </a:fld>
             <a:endParaRPr lang="de-DE"/>
           </a:p>
@@ -1849,7 +2572,7 @@
           <a:p>
             <a:fld id="{EAB48E87-9D34-4BA0-A19A-9F7D151D6085}" type="datetimeFigureOut">
               <a:rPr lang="de-DE" smtClean="0"/>
-              <a:t>18.11.2024</a:t>
+              <a:t>19.11.2024</a:t>
             </a:fld>
             <a:endParaRPr lang="de-DE"/>
           </a:p>
@@ -1991,7 +2714,7 @@
           <a:p>
             <a:fld id="{EAB48E87-9D34-4BA0-A19A-9F7D151D6085}" type="datetimeFigureOut">
               <a:rPr lang="de-DE" smtClean="0"/>
-              <a:t>18.11.2024</a:t>
+              <a:t>19.11.2024</a:t>
             </a:fld>
             <a:endParaRPr lang="de-DE"/>
           </a:p>
@@ -2104,7 +2827,7 @@
           <a:p>
             <a:fld id="{EAB48E87-9D34-4BA0-A19A-9F7D151D6085}" type="datetimeFigureOut">
               <a:rPr lang="de-DE" smtClean="0"/>
-              <a:t>18.11.2024</a:t>
+              <a:t>19.11.2024</a:t>
             </a:fld>
             <a:endParaRPr lang="de-DE"/>
           </a:p>
@@ -2417,7 +3140,7 @@
           <a:p>
             <a:fld id="{EAB48E87-9D34-4BA0-A19A-9F7D151D6085}" type="datetimeFigureOut">
               <a:rPr lang="de-DE" smtClean="0"/>
-              <a:t>18.11.2024</a:t>
+              <a:t>19.11.2024</a:t>
             </a:fld>
             <a:endParaRPr lang="de-DE"/>
           </a:p>
@@ -2706,7 +3429,7 @@
           <a:p>
             <a:fld id="{EAB48E87-9D34-4BA0-A19A-9F7D151D6085}" type="datetimeFigureOut">
               <a:rPr lang="de-DE" smtClean="0"/>
-              <a:t>18.11.2024</a:t>
+              <a:t>19.11.2024</a:t>
             </a:fld>
             <a:endParaRPr lang="de-DE"/>
           </a:p>
@@ -2949,7 +3672,7 @@
           <a:p>
             <a:fld id="{EAB48E87-9D34-4BA0-A19A-9F7D151D6085}" type="datetimeFigureOut">
               <a:rPr lang="de-DE" smtClean="0"/>
-              <a:t>18.11.2024</a:t>
+              <a:t>19.11.2024</a:t>
             </a:fld>
             <a:endParaRPr lang="de-DE"/>
           </a:p>
@@ -3454,7 +4177,7 @@
           <p:cNvPr id="2" name="Title 1">
             <a:extLst>
               <a:ext uri="{FF2B5EF4-FFF2-40B4-BE49-F238E27FC236}">
-                <a16:creationId xmlns:a16="http://schemas.microsoft.com/office/drawing/2014/main" id="{2BDAFF68-9B53-AE92-EB30-12B20793994C}"/>
+                <a16:creationId xmlns:a16="http://schemas.microsoft.com/office/drawing/2014/main" id="{E76B8BAA-BA3C-2327-0C52-7C3366B9D2E3}"/>
               </a:ext>
             </a:extLst>
           </p:cNvPr>
@@ -3465,69 +4188,19 @@
             <p:ph type="title"/>
           </p:nvPr>
         </p:nvSpPr>
-        <p:spPr/>
-        <p:txBody>
-          <a:bodyPr/>
-          <a:lstStyle/>
-          <a:p>
-            <a:r>
-              <a:rPr lang="de-DE" dirty="0"/>
-              <a:t>Automation</a:t>
-            </a:r>
-          </a:p>
-        </p:txBody>
-      </p:sp>
-      <p:sp>
-        <p:nvSpPr>
-          <p:cNvPr id="3" name="Content Placeholder 2">
-            <a:extLst>
-              <a:ext uri="{FF2B5EF4-FFF2-40B4-BE49-F238E27FC236}">
-                <a16:creationId xmlns:a16="http://schemas.microsoft.com/office/drawing/2014/main" id="{C61F82E9-6306-2708-9041-78F447C09D18}"/>
-              </a:ext>
-            </a:extLst>
-          </p:cNvPr>
-          <p:cNvSpPr>
-            <a:spLocks noGrp="1"/>
-          </p:cNvSpPr>
-          <p:nvPr>
-            <p:ph idx="1"/>
-          </p:nvPr>
-        </p:nvSpPr>
-        <p:spPr/>
-        <p:txBody>
-          <a:bodyPr/>
-          <a:lstStyle/>
-          <a:p>
-            <a:r>
-              <a:rPr lang="de-DE" dirty="0"/>
-              <a:t>Integrates tools like </a:t>
-            </a:r>
-          </a:p>
-          <a:p>
-            <a:pPr lvl="1"/>
-            <a:r>
-              <a:rPr lang="de-DE" dirty="0"/>
-              <a:t>GitLabCI/CD</a:t>
-            </a:r>
-          </a:p>
-          <a:p>
-            <a:pPr lvl="1"/>
-            <a:r>
-              <a:rPr lang="de-DE" dirty="0"/>
-              <a:t>GitHub Actions</a:t>
-            </a:r>
-          </a:p>
-          <a:p>
-            <a:r>
-              <a:rPr lang="de-DE" dirty="0"/>
-              <a:t>Example</a:t>
-            </a:r>
-          </a:p>
-          <a:p>
-            <a:pPr lvl="1"/>
-            <a:r>
-              <a:rPr lang="de-DE" dirty="0"/>
-              <a:t>Execute terraform apply after pull request</a:t>
+        <p:spPr>
+          <a:xfrm>
+            <a:off x="434163" y="2766218"/>
+            <a:ext cx="10515600" cy="1325563"/>
+          </a:xfrm>
+        </p:spPr>
+        <p:txBody>
+          <a:bodyPr/>
+          <a:lstStyle/>
+          <a:p>
+            <a:r>
+              <a:rPr lang="de-DE" dirty="0"/>
+              <a:t>Security</a:t>
             </a:r>
           </a:p>
         </p:txBody>
@@ -3535,7 +4208,7 @@
     </p:spTree>
     <p:extLst>
       <p:ext uri="{BB962C8B-B14F-4D97-AF65-F5344CB8AC3E}">
-        <p14:creationId xmlns:p14="http://schemas.microsoft.com/office/powerpoint/2010/main" val="970415120"/>
+        <p14:creationId xmlns:p14="http://schemas.microsoft.com/office/powerpoint/2010/main" val="1171201282"/>
       </p:ext>
     </p:extLst>
   </p:cSld>
@@ -3567,7 +4240,7 @@
           <p:cNvPr id="2" name="Title 1">
             <a:extLst>
               <a:ext uri="{FF2B5EF4-FFF2-40B4-BE49-F238E27FC236}">
-                <a16:creationId xmlns:a16="http://schemas.microsoft.com/office/drawing/2014/main" id="{4D5E34AF-4528-1A26-C51F-6F300C6A2B4A}"/>
+                <a16:creationId xmlns:a16="http://schemas.microsoft.com/office/drawing/2014/main" id="{E76B8BAA-BA3C-2327-0C52-7C3366B9D2E3}"/>
               </a:ext>
             </a:extLst>
           </p:cNvPr>
@@ -3585,7 +4258,7 @@
           <a:p>
             <a:r>
               <a:rPr lang="de-DE" dirty="0"/>
-              <a:t>Competitors</a:t>
+              <a:t>Security</a:t>
             </a:r>
           </a:p>
         </p:txBody>
@@ -3595,7 +4268,7 @@
           <p:cNvPr id="3" name="Content Placeholder 2">
             <a:extLst>
               <a:ext uri="{FF2B5EF4-FFF2-40B4-BE49-F238E27FC236}">
-                <a16:creationId xmlns:a16="http://schemas.microsoft.com/office/drawing/2014/main" id="{3D42EF20-DE06-182C-516C-DCD444746990}"/>
+                <a16:creationId xmlns:a16="http://schemas.microsoft.com/office/drawing/2014/main" id="{D4C2102F-8F3F-22DA-727B-2A47F302349D}"/>
               </a:ext>
             </a:extLst>
           </p:cNvPr>
@@ -3608,47 +4281,51 @@
         </p:nvSpPr>
         <p:spPr/>
         <p:txBody>
-          <a:bodyPr>
-            <a:normAutofit/>
-          </a:bodyPr>
-          <a:lstStyle/>
-          <a:p>
-            <a:r>
-              <a:rPr lang="de-DE" dirty="0"/>
-              <a:t>Pulumi</a:t>
+          <a:bodyPr/>
+          <a:lstStyle/>
+          <a:p>
+            <a:r>
+              <a:rPr lang="de-DE" dirty="0"/>
+              <a:t>No hardcoded credentials</a:t>
+            </a:r>
+          </a:p>
+          <a:p>
+            <a:r>
+              <a:rPr lang="de-DE" dirty="0"/>
+              <a:t>Vault Provider</a:t>
             </a:r>
           </a:p>
           <a:p>
             <a:pPr lvl="1"/>
             <a:r>
               <a:rPr lang="de-DE" dirty="0"/>
-              <a:t>Infrastructure as Code</a:t>
-            </a:r>
-          </a:p>
-          <a:p>
-            <a:r>
-              <a:rPr lang="de-DE" dirty="0"/>
-              <a:t>AWS Cloud formation</a:t>
+              <a:t>Manages secrets without direct access</a:t>
+            </a:r>
+          </a:p>
+          <a:p>
+            <a:r>
+              <a:rPr lang="de-DE" dirty="0"/>
+              <a:t>Remote backend</a:t>
             </a:r>
           </a:p>
           <a:p>
             <a:pPr lvl="1"/>
             <a:r>
               <a:rPr lang="de-DE" dirty="0"/>
-              <a:t>Vendor-specific, limited to AWS.</a:t>
-            </a:r>
-          </a:p>
-          <a:p>
-            <a:r>
-              <a:rPr lang="de-DE" dirty="0"/>
-              <a:t>Google Cloud Deployment Manager</a:t>
+              <a:t>Do not put tfstate in version control</a:t>
+            </a:r>
+          </a:p>
+          <a:p>
+            <a:r>
+              <a:rPr lang="de-DE" dirty="0"/>
+              <a:t>Plan function</a:t>
             </a:r>
           </a:p>
           <a:p>
             <a:pPr lvl="1"/>
             <a:r>
               <a:rPr lang="de-DE" dirty="0"/>
-              <a:t>Exclusive to GCP.</a:t>
+              <a:t>Preview changes minimize risk</a:t>
             </a:r>
           </a:p>
         </p:txBody>
@@ -3656,7 +4333,7 @@
     </p:spTree>
     <p:extLst>
       <p:ext uri="{BB962C8B-B14F-4D97-AF65-F5344CB8AC3E}">
-        <p14:creationId xmlns:p14="http://schemas.microsoft.com/office/powerpoint/2010/main" val="2017044288"/>
+        <p14:creationId xmlns:p14="http://schemas.microsoft.com/office/powerpoint/2010/main" val="3506289744"/>
       </p:ext>
     </p:extLst>
   </p:cSld>
@@ -3688,7 +4365,7 @@
           <p:cNvPr id="2" name="Title 1">
             <a:extLst>
               <a:ext uri="{FF2B5EF4-FFF2-40B4-BE49-F238E27FC236}">
-                <a16:creationId xmlns:a16="http://schemas.microsoft.com/office/drawing/2014/main" id="{26BD2800-74E7-C88D-6F16-E2EAC360C23E}"/>
+                <a16:creationId xmlns:a16="http://schemas.microsoft.com/office/drawing/2014/main" id="{2BDAFF68-9B53-AE92-EB30-12B20793994C}"/>
               </a:ext>
             </a:extLst>
           </p:cNvPr>
@@ -3701,7 +4378,7 @@
         </p:nvSpPr>
         <p:spPr>
           <a:xfrm>
-            <a:off x="838200" y="2766218"/>
+            <a:off x="402266" y="2766218"/>
             <a:ext cx="10515600" cy="1325563"/>
           </a:xfrm>
         </p:spPr>
@@ -3711,7 +4388,7 @@
           <a:p>
             <a:r>
               <a:rPr lang="de-DE" dirty="0"/>
-              <a:t>Terraform vs. Pulumi</a:t>
+              <a:t>Automation</a:t>
             </a:r>
           </a:p>
         </p:txBody>
@@ -3719,7 +4396,7 @@
     </p:spTree>
     <p:extLst>
       <p:ext uri="{BB962C8B-B14F-4D97-AF65-F5344CB8AC3E}">
-        <p14:creationId xmlns:p14="http://schemas.microsoft.com/office/powerpoint/2010/main" val="9963598"/>
+        <p14:creationId xmlns:p14="http://schemas.microsoft.com/office/powerpoint/2010/main" val="970415120"/>
       </p:ext>
     </p:extLst>
   </p:cSld>
@@ -3751,7 +4428,7 @@
           <p:cNvPr id="2" name="Title 1">
             <a:extLst>
               <a:ext uri="{FF2B5EF4-FFF2-40B4-BE49-F238E27FC236}">
-                <a16:creationId xmlns:a16="http://schemas.microsoft.com/office/drawing/2014/main" id="{F8339484-F00A-A155-5BBF-56AB689DF4A1}"/>
+                <a16:creationId xmlns:a16="http://schemas.microsoft.com/office/drawing/2014/main" id="{2BDAFF68-9B53-AE92-EB30-12B20793994C}"/>
               </a:ext>
             </a:extLst>
           </p:cNvPr>
@@ -3769,7 +4446,7 @@
           <a:p>
             <a:r>
               <a:rPr lang="de-DE" dirty="0"/>
-              <a:t>Pros and Cons Terraform</a:t>
+              <a:t>Automation</a:t>
             </a:r>
           </a:p>
         </p:txBody>
@@ -3779,7 +4456,7 @@
           <p:cNvPr id="3" name="Content Placeholder 2">
             <a:extLst>
               <a:ext uri="{FF2B5EF4-FFF2-40B4-BE49-F238E27FC236}">
-                <a16:creationId xmlns:a16="http://schemas.microsoft.com/office/drawing/2014/main" id="{179053DF-B294-C4E0-70D4-226F600E2A67}"/>
+                <a16:creationId xmlns:a16="http://schemas.microsoft.com/office/drawing/2014/main" id="{C61F82E9-6306-2708-9041-78F447C09D18}"/>
               </a:ext>
             </a:extLst>
           </p:cNvPr>
@@ -3797,69 +4474,34 @@
           <a:p>
             <a:r>
               <a:rPr lang="de-DE" dirty="0"/>
-              <a:t>Pros</a:t>
+              <a:t>Integrates tools like </a:t>
             </a:r>
           </a:p>
           <a:p>
             <a:pPr lvl="1"/>
             <a:r>
               <a:rPr lang="de-DE" dirty="0"/>
-              <a:t>Industrie Standard</a:t>
+              <a:t>GitLabCI/CD</a:t>
             </a:r>
           </a:p>
           <a:p>
             <a:pPr lvl="1"/>
             <a:r>
               <a:rPr lang="de-DE" dirty="0"/>
-              <a:t>Mature Ecosystem</a:t>
+              <a:t>GitHub Actions</a:t>
+            </a:r>
+          </a:p>
+          <a:p>
+            <a:r>
+              <a:rPr lang="de-DE" dirty="0"/>
+              <a:t>Example</a:t>
             </a:r>
           </a:p>
           <a:p>
             <a:pPr lvl="1"/>
             <a:r>
               <a:rPr lang="de-DE" dirty="0"/>
-              <a:t>Large commutiy </a:t>
-            </a:r>
-          </a:p>
-          <a:p>
-            <a:pPr lvl="1"/>
-            <a:r>
-              <a:rPr lang="de-DE" dirty="0"/>
-              <a:t>Declerative Language</a:t>
-            </a:r>
-          </a:p>
-          <a:p>
-            <a:r>
-              <a:rPr lang="de-DE" dirty="0"/>
-              <a:t>Cons</a:t>
-            </a:r>
-          </a:p>
-          <a:p>
-            <a:pPr lvl="1"/>
-            <a:r>
-              <a:rPr lang="de-DE" dirty="0"/>
-              <a:t>Limited Flexibility in Logic</a:t>
-            </a:r>
-          </a:p>
-          <a:p>
-            <a:pPr lvl="1"/>
-            <a:r>
-              <a:rPr lang="de-DE" dirty="0"/>
-              <a:t>State Managment</a:t>
-            </a:r>
-          </a:p>
-          <a:p>
-            <a:pPr lvl="1"/>
-            <a:r>
-              <a:rPr lang="de-DE" dirty="0"/>
-              <a:t>Complexity in large-scale projects</a:t>
-            </a:r>
-          </a:p>
-          <a:p>
-            <a:pPr lvl="1"/>
-            <a:r>
-              <a:rPr lang="de-DE" dirty="0"/>
-              <a:t>Steeper Learning Curve</a:t>
+              <a:t>Execute terraform apply after pull request</a:t>
             </a:r>
           </a:p>
         </p:txBody>
@@ -3867,7 +4509,7 @@
     </p:spTree>
     <p:extLst>
       <p:ext uri="{BB962C8B-B14F-4D97-AF65-F5344CB8AC3E}">
-        <p14:creationId xmlns:p14="http://schemas.microsoft.com/office/powerpoint/2010/main" val="55050147"/>
+        <p14:creationId xmlns:p14="http://schemas.microsoft.com/office/powerpoint/2010/main" val="660708932"/>
       </p:ext>
     </p:extLst>
   </p:cSld>
@@ -3899,6 +4541,338 @@
           <p:cNvPr id="2" name="Title 1">
             <a:extLst>
               <a:ext uri="{FF2B5EF4-FFF2-40B4-BE49-F238E27FC236}">
+                <a16:creationId xmlns:a16="http://schemas.microsoft.com/office/drawing/2014/main" id="{4D5E34AF-4528-1A26-C51F-6F300C6A2B4A}"/>
+              </a:ext>
+            </a:extLst>
+          </p:cNvPr>
+          <p:cNvSpPr>
+            <a:spLocks noGrp="1"/>
+          </p:cNvSpPr>
+          <p:nvPr>
+            <p:ph type="title"/>
+          </p:nvPr>
+        </p:nvSpPr>
+        <p:spPr/>
+        <p:txBody>
+          <a:bodyPr/>
+          <a:lstStyle/>
+          <a:p>
+            <a:r>
+              <a:rPr lang="de-DE" dirty="0"/>
+              <a:t>Competitors</a:t>
+            </a:r>
+          </a:p>
+        </p:txBody>
+      </p:sp>
+      <p:sp>
+        <p:nvSpPr>
+          <p:cNvPr id="3" name="Content Placeholder 2">
+            <a:extLst>
+              <a:ext uri="{FF2B5EF4-FFF2-40B4-BE49-F238E27FC236}">
+                <a16:creationId xmlns:a16="http://schemas.microsoft.com/office/drawing/2014/main" id="{3D42EF20-DE06-182C-516C-DCD444746990}"/>
+              </a:ext>
+            </a:extLst>
+          </p:cNvPr>
+          <p:cNvSpPr>
+            <a:spLocks noGrp="1"/>
+          </p:cNvSpPr>
+          <p:nvPr>
+            <p:ph idx="1"/>
+          </p:nvPr>
+        </p:nvSpPr>
+        <p:spPr/>
+        <p:txBody>
+          <a:bodyPr>
+            <a:normAutofit/>
+          </a:bodyPr>
+          <a:lstStyle/>
+          <a:p>
+            <a:r>
+              <a:rPr lang="de-DE" dirty="0"/>
+              <a:t>Pulumi</a:t>
+            </a:r>
+          </a:p>
+          <a:p>
+            <a:pPr lvl="1"/>
+            <a:r>
+              <a:rPr lang="de-DE" dirty="0"/>
+              <a:t>Infrastructure as Code</a:t>
+            </a:r>
+          </a:p>
+          <a:p>
+            <a:r>
+              <a:rPr lang="de-DE" dirty="0"/>
+              <a:t>AWS Cloud formation</a:t>
+            </a:r>
+          </a:p>
+          <a:p>
+            <a:pPr lvl="1"/>
+            <a:r>
+              <a:rPr lang="de-DE" dirty="0"/>
+              <a:t>Vendor-specific, limited to AWS.</a:t>
+            </a:r>
+          </a:p>
+          <a:p>
+            <a:r>
+              <a:rPr lang="de-DE" dirty="0"/>
+              <a:t>Google Cloud Deployment Manager</a:t>
+            </a:r>
+          </a:p>
+          <a:p>
+            <a:pPr lvl="1"/>
+            <a:r>
+              <a:rPr lang="de-DE" dirty="0"/>
+              <a:t>Exclusive to GCP.</a:t>
+            </a:r>
+          </a:p>
+        </p:txBody>
+      </p:sp>
+    </p:spTree>
+    <p:extLst>
+      <p:ext uri="{BB962C8B-B14F-4D97-AF65-F5344CB8AC3E}">
+        <p14:creationId xmlns:p14="http://schemas.microsoft.com/office/powerpoint/2010/main" val="2017044288"/>
+      </p:ext>
+    </p:extLst>
+  </p:cSld>
+  <p:clrMapOvr>
+    <a:masterClrMapping/>
+  </p:clrMapOvr>
+</p:sld>
+</file>
+
+<file path=ppt/slides/slide15.xml><?xml version="1.0" encoding="utf-8"?>
+<p:sld xmlns:a="http://schemas.openxmlformats.org/drawingml/2006/main" xmlns:r="http://schemas.openxmlformats.org/officeDocument/2006/relationships" xmlns:p="http://schemas.openxmlformats.org/presentationml/2006/main">
+  <p:cSld>
+    <p:spTree>
+      <p:nvGrpSpPr>
+        <p:cNvPr id="1" name=""/>
+        <p:cNvGrpSpPr/>
+        <p:nvPr/>
+      </p:nvGrpSpPr>
+      <p:grpSpPr>
+        <a:xfrm>
+          <a:off x="0" y="0"/>
+          <a:ext cx="0" cy="0"/>
+          <a:chOff x="0" y="0"/>
+          <a:chExt cx="0" cy="0"/>
+        </a:xfrm>
+      </p:grpSpPr>
+      <p:sp>
+        <p:nvSpPr>
+          <p:cNvPr id="2" name="Title 1">
+            <a:extLst>
+              <a:ext uri="{FF2B5EF4-FFF2-40B4-BE49-F238E27FC236}">
+                <a16:creationId xmlns:a16="http://schemas.microsoft.com/office/drawing/2014/main" id="{26BD2800-74E7-C88D-6F16-E2EAC360C23E}"/>
+              </a:ext>
+            </a:extLst>
+          </p:cNvPr>
+          <p:cNvSpPr>
+            <a:spLocks noGrp="1"/>
+          </p:cNvSpPr>
+          <p:nvPr>
+            <p:ph type="title"/>
+          </p:nvPr>
+        </p:nvSpPr>
+        <p:spPr>
+          <a:xfrm>
+            <a:off x="838200" y="2766218"/>
+            <a:ext cx="10515600" cy="1325563"/>
+          </a:xfrm>
+        </p:spPr>
+        <p:txBody>
+          <a:bodyPr/>
+          <a:lstStyle/>
+          <a:p>
+            <a:r>
+              <a:rPr lang="de-DE" dirty="0"/>
+              <a:t>Terraform vs. Pulumi</a:t>
+            </a:r>
+          </a:p>
+        </p:txBody>
+      </p:sp>
+    </p:spTree>
+    <p:extLst>
+      <p:ext uri="{BB962C8B-B14F-4D97-AF65-F5344CB8AC3E}">
+        <p14:creationId xmlns:p14="http://schemas.microsoft.com/office/powerpoint/2010/main" val="9963598"/>
+      </p:ext>
+    </p:extLst>
+  </p:cSld>
+  <p:clrMapOvr>
+    <a:masterClrMapping/>
+  </p:clrMapOvr>
+</p:sld>
+</file>
+
+<file path=ppt/slides/slide16.xml><?xml version="1.0" encoding="utf-8"?>
+<p:sld xmlns:a="http://schemas.openxmlformats.org/drawingml/2006/main" xmlns:r="http://schemas.openxmlformats.org/officeDocument/2006/relationships" xmlns:p="http://schemas.openxmlformats.org/presentationml/2006/main">
+  <p:cSld>
+    <p:spTree>
+      <p:nvGrpSpPr>
+        <p:cNvPr id="1" name=""/>
+        <p:cNvGrpSpPr/>
+        <p:nvPr/>
+      </p:nvGrpSpPr>
+      <p:grpSpPr>
+        <a:xfrm>
+          <a:off x="0" y="0"/>
+          <a:ext cx="0" cy="0"/>
+          <a:chOff x="0" y="0"/>
+          <a:chExt cx="0" cy="0"/>
+        </a:xfrm>
+      </p:grpSpPr>
+      <p:sp>
+        <p:nvSpPr>
+          <p:cNvPr id="2" name="Title 1">
+            <a:extLst>
+              <a:ext uri="{FF2B5EF4-FFF2-40B4-BE49-F238E27FC236}">
+                <a16:creationId xmlns:a16="http://schemas.microsoft.com/office/drawing/2014/main" id="{F8339484-F00A-A155-5BBF-56AB689DF4A1}"/>
+              </a:ext>
+            </a:extLst>
+          </p:cNvPr>
+          <p:cNvSpPr>
+            <a:spLocks noGrp="1"/>
+          </p:cNvSpPr>
+          <p:nvPr>
+            <p:ph type="title"/>
+          </p:nvPr>
+        </p:nvSpPr>
+        <p:spPr/>
+        <p:txBody>
+          <a:bodyPr/>
+          <a:lstStyle/>
+          <a:p>
+            <a:r>
+              <a:rPr lang="de-DE" dirty="0"/>
+              <a:t>Pros and Cons Terraform</a:t>
+            </a:r>
+          </a:p>
+        </p:txBody>
+      </p:sp>
+      <p:sp>
+        <p:nvSpPr>
+          <p:cNvPr id="3" name="Content Placeholder 2">
+            <a:extLst>
+              <a:ext uri="{FF2B5EF4-FFF2-40B4-BE49-F238E27FC236}">
+                <a16:creationId xmlns:a16="http://schemas.microsoft.com/office/drawing/2014/main" id="{179053DF-B294-C4E0-70D4-226F600E2A67}"/>
+              </a:ext>
+            </a:extLst>
+          </p:cNvPr>
+          <p:cNvSpPr>
+            <a:spLocks noGrp="1"/>
+          </p:cNvSpPr>
+          <p:nvPr>
+            <p:ph idx="1"/>
+          </p:nvPr>
+        </p:nvSpPr>
+        <p:spPr/>
+        <p:txBody>
+          <a:bodyPr/>
+          <a:lstStyle/>
+          <a:p>
+            <a:r>
+              <a:rPr lang="de-DE" dirty="0"/>
+              <a:t>Pros</a:t>
+            </a:r>
+          </a:p>
+          <a:p>
+            <a:pPr lvl="1"/>
+            <a:r>
+              <a:rPr lang="de-DE" dirty="0"/>
+              <a:t>Industrie Standard</a:t>
+            </a:r>
+          </a:p>
+          <a:p>
+            <a:pPr lvl="1"/>
+            <a:r>
+              <a:rPr lang="de-DE" dirty="0"/>
+              <a:t>Mature Ecosystem</a:t>
+            </a:r>
+          </a:p>
+          <a:p>
+            <a:pPr lvl="1"/>
+            <a:r>
+              <a:rPr lang="de-DE" dirty="0"/>
+              <a:t>Large commutiy </a:t>
+            </a:r>
+          </a:p>
+          <a:p>
+            <a:pPr lvl="1"/>
+            <a:r>
+              <a:rPr lang="de-DE" dirty="0"/>
+              <a:t>Declerative Language</a:t>
+            </a:r>
+          </a:p>
+          <a:p>
+            <a:r>
+              <a:rPr lang="de-DE" dirty="0"/>
+              <a:t>Cons</a:t>
+            </a:r>
+          </a:p>
+          <a:p>
+            <a:pPr lvl="1"/>
+            <a:r>
+              <a:rPr lang="de-DE" dirty="0"/>
+              <a:t>Limited Flexibility in Logic</a:t>
+            </a:r>
+          </a:p>
+          <a:p>
+            <a:pPr lvl="1"/>
+            <a:r>
+              <a:rPr lang="de-DE" dirty="0"/>
+              <a:t>State Managment</a:t>
+            </a:r>
+          </a:p>
+          <a:p>
+            <a:pPr lvl="1"/>
+            <a:r>
+              <a:rPr lang="de-DE" dirty="0"/>
+              <a:t>Complexity in large-scale projects</a:t>
+            </a:r>
+          </a:p>
+          <a:p>
+            <a:pPr lvl="1"/>
+            <a:r>
+              <a:rPr lang="de-DE" dirty="0"/>
+              <a:t>Steeper Learning Curve</a:t>
+            </a:r>
+          </a:p>
+        </p:txBody>
+      </p:sp>
+    </p:spTree>
+    <p:extLst>
+      <p:ext uri="{BB962C8B-B14F-4D97-AF65-F5344CB8AC3E}">
+        <p14:creationId xmlns:p14="http://schemas.microsoft.com/office/powerpoint/2010/main" val="55050147"/>
+      </p:ext>
+    </p:extLst>
+  </p:cSld>
+  <p:clrMapOvr>
+    <a:masterClrMapping/>
+  </p:clrMapOvr>
+</p:sld>
+</file>
+
+<file path=ppt/slides/slide17.xml><?xml version="1.0" encoding="utf-8"?>
+<p:sld xmlns:a="http://schemas.openxmlformats.org/drawingml/2006/main" xmlns:r="http://schemas.openxmlformats.org/officeDocument/2006/relationships" xmlns:p="http://schemas.openxmlformats.org/presentationml/2006/main">
+  <p:cSld>
+    <p:spTree>
+      <p:nvGrpSpPr>
+        <p:cNvPr id="1" name=""/>
+        <p:cNvGrpSpPr/>
+        <p:nvPr/>
+      </p:nvGrpSpPr>
+      <p:grpSpPr>
+        <a:xfrm>
+          <a:off x="0" y="0"/>
+          <a:ext cx="0" cy="0"/>
+          <a:chOff x="0" y="0"/>
+          <a:chExt cx="0" cy="0"/>
+        </a:xfrm>
+      </p:grpSpPr>
+      <p:sp>
+        <p:nvSpPr>
+          <p:cNvPr id="2" name="Title 1">
+            <a:extLst>
+              <a:ext uri="{FF2B5EF4-FFF2-40B4-BE49-F238E27FC236}">
                 <a16:creationId xmlns:a16="http://schemas.microsoft.com/office/drawing/2014/main" id="{F8339484-F00A-A155-5BBF-56AB689DF4A1}"/>
               </a:ext>
             </a:extLst>
@@ -4025,7 +4999,7 @@
 </p:sld>
 </file>
 
-<file path=ppt/slides/slide15.xml><?xml version="1.0" encoding="utf-8"?>
+<file path=ppt/slides/slide18.xml><?xml version="1.0" encoding="utf-8"?>
 <p:sld xmlns:a="http://schemas.openxmlformats.org/drawingml/2006/main" xmlns:r="http://schemas.openxmlformats.org/officeDocument/2006/relationships" xmlns:p="http://schemas.openxmlformats.org/presentationml/2006/main">
   <p:cSld>
     <p:spTree>
@@ -4388,276 +5362,6 @@
 </p:sld>
 </file>
 
-<file path=ppt/slides/slide16.xml><?xml version="1.0" encoding="utf-8"?>
-<p:sld xmlns:a="http://schemas.openxmlformats.org/drawingml/2006/main" xmlns:r="http://schemas.openxmlformats.org/officeDocument/2006/relationships" xmlns:p="http://schemas.openxmlformats.org/presentationml/2006/main">
-  <p:cSld>
-    <p:spTree>
-      <p:nvGrpSpPr>
-        <p:cNvPr id="1" name=""/>
-        <p:cNvGrpSpPr/>
-        <p:nvPr/>
-      </p:nvGrpSpPr>
-      <p:grpSpPr>
-        <a:xfrm>
-          <a:off x="0" y="0"/>
-          <a:ext cx="0" cy="0"/>
-          <a:chOff x="0" y="0"/>
-          <a:chExt cx="0" cy="0"/>
-        </a:xfrm>
-      </p:grpSpPr>
-      <p:sp>
-        <p:nvSpPr>
-          <p:cNvPr id="2" name="Title 1">
-            <a:extLst>
-              <a:ext uri="{FF2B5EF4-FFF2-40B4-BE49-F238E27FC236}">
-                <a16:creationId xmlns:a16="http://schemas.microsoft.com/office/drawing/2014/main" id="{927A51D9-1043-5473-5C1A-8884044AE0AC}"/>
-              </a:ext>
-            </a:extLst>
-          </p:cNvPr>
-          <p:cNvSpPr>
-            <a:spLocks noGrp="1"/>
-          </p:cNvSpPr>
-          <p:nvPr>
-            <p:ph type="title"/>
-          </p:nvPr>
-        </p:nvSpPr>
-        <p:spPr/>
-        <p:txBody>
-          <a:bodyPr/>
-          <a:lstStyle/>
-          <a:p>
-            <a:r>
-              <a:rPr lang="de-DE"/>
-              <a:t>Summary</a:t>
-            </a:r>
-            <a:endParaRPr lang="de-DE" dirty="0"/>
-          </a:p>
-        </p:txBody>
-      </p:sp>
-      <p:sp>
-        <p:nvSpPr>
-          <p:cNvPr id="3" name="Content Placeholder 2">
-            <a:extLst>
-              <a:ext uri="{FF2B5EF4-FFF2-40B4-BE49-F238E27FC236}">
-                <a16:creationId xmlns:a16="http://schemas.microsoft.com/office/drawing/2014/main" id="{8CFEE525-FCC0-AF0A-140B-390F543E248C}"/>
-              </a:ext>
-            </a:extLst>
-          </p:cNvPr>
-          <p:cNvSpPr>
-            <a:spLocks noGrp="1"/>
-          </p:cNvSpPr>
-          <p:nvPr>
-            <p:ph idx="1"/>
-          </p:nvPr>
-        </p:nvSpPr>
-        <p:spPr/>
-        <p:txBody>
-          <a:bodyPr/>
-          <a:lstStyle/>
-          <a:p>
-            <a:r>
-              <a:rPr lang="en-US" dirty="0"/>
-              <a:t>Terraform is a powerful tool for automating and managing infrastructure.</a:t>
-            </a:r>
-          </a:p>
-          <a:p>
-            <a:r>
-              <a:rPr lang="en-US" dirty="0"/>
-              <a:t>Ideal for DevOps teams needing reliable, scalable, and consistent infrastructure management solutions.</a:t>
-            </a:r>
-          </a:p>
-          <a:p>
-            <a:r>
-              <a:rPr lang="en-US" dirty="0"/>
-              <a:t>High readability with </a:t>
-            </a:r>
-            <a:r>
-              <a:rPr lang="en-US"/>
-              <a:t>minimalistic style.</a:t>
-            </a:r>
-            <a:endParaRPr lang="en-US" dirty="0"/>
-          </a:p>
-        </p:txBody>
-      </p:sp>
-    </p:spTree>
-    <p:extLst>
-      <p:ext uri="{BB962C8B-B14F-4D97-AF65-F5344CB8AC3E}">
-        <p14:creationId xmlns:p14="http://schemas.microsoft.com/office/powerpoint/2010/main" val="3250697979"/>
-      </p:ext>
-    </p:extLst>
-  </p:cSld>
-  <p:clrMapOvr>
-    <a:masterClrMapping/>
-  </p:clrMapOvr>
-</p:sld>
-</file>
-
-<file path=ppt/slides/slide17.xml><?xml version="1.0" encoding="utf-8"?>
-<p:sld xmlns:a="http://schemas.openxmlformats.org/drawingml/2006/main" xmlns:r="http://schemas.openxmlformats.org/officeDocument/2006/relationships" xmlns:p="http://schemas.openxmlformats.org/presentationml/2006/main">
-  <p:cSld>
-    <p:spTree>
-      <p:nvGrpSpPr>
-        <p:cNvPr id="1" name=""/>
-        <p:cNvGrpSpPr/>
-        <p:nvPr/>
-      </p:nvGrpSpPr>
-      <p:grpSpPr>
-        <a:xfrm>
-          <a:off x="0" y="0"/>
-          <a:ext cx="0" cy="0"/>
-          <a:chOff x="0" y="0"/>
-          <a:chExt cx="0" cy="0"/>
-        </a:xfrm>
-      </p:grpSpPr>
-      <p:sp>
-        <p:nvSpPr>
-          <p:cNvPr id="2" name="Title 1">
-            <a:extLst>
-              <a:ext uri="{FF2B5EF4-FFF2-40B4-BE49-F238E27FC236}">
-                <a16:creationId xmlns:a16="http://schemas.microsoft.com/office/drawing/2014/main" id="{11AF806B-CBB1-1022-62A0-ECE0C13C4C1A}"/>
-              </a:ext>
-            </a:extLst>
-          </p:cNvPr>
-          <p:cNvSpPr>
-            <a:spLocks noGrp="1"/>
-          </p:cNvSpPr>
-          <p:nvPr>
-            <p:ph type="title"/>
-          </p:nvPr>
-        </p:nvSpPr>
-        <p:spPr/>
-        <p:txBody>
-          <a:bodyPr/>
-          <a:lstStyle/>
-          <a:p>
-            <a:r>
-              <a:rPr lang="de-DE" dirty="0"/>
-              <a:t>Q&amp;A</a:t>
-            </a:r>
-          </a:p>
-        </p:txBody>
-      </p:sp>
-      <p:sp>
-        <p:nvSpPr>
-          <p:cNvPr id="3" name="Content Placeholder 2">
-            <a:extLst>
-              <a:ext uri="{FF2B5EF4-FFF2-40B4-BE49-F238E27FC236}">
-                <a16:creationId xmlns:a16="http://schemas.microsoft.com/office/drawing/2014/main" id="{3DD0E349-34DC-D291-772F-FE609DEA2FC1}"/>
-              </a:ext>
-            </a:extLst>
-          </p:cNvPr>
-          <p:cNvSpPr>
-            <a:spLocks noGrp="1"/>
-          </p:cNvSpPr>
-          <p:nvPr>
-            <p:ph idx="1"/>
-          </p:nvPr>
-        </p:nvSpPr>
-        <p:spPr/>
-        <p:txBody>
-          <a:bodyPr/>
-          <a:lstStyle/>
-          <a:p>
-            <a:endParaRPr lang="de-DE"/>
-          </a:p>
-        </p:txBody>
-      </p:sp>
-    </p:spTree>
-    <p:extLst>
-      <p:ext uri="{BB962C8B-B14F-4D97-AF65-F5344CB8AC3E}">
-        <p14:creationId xmlns:p14="http://schemas.microsoft.com/office/powerpoint/2010/main" val="706235004"/>
-      </p:ext>
-    </p:extLst>
-  </p:cSld>
-  <p:clrMapOvr>
-    <a:masterClrMapping/>
-  </p:clrMapOvr>
-</p:sld>
-</file>
-
-<file path=ppt/slides/slide18.xml><?xml version="1.0" encoding="utf-8"?>
-<p:sld xmlns:a="http://schemas.openxmlformats.org/drawingml/2006/main" xmlns:r="http://schemas.openxmlformats.org/officeDocument/2006/relationships" xmlns:p="http://schemas.openxmlformats.org/presentationml/2006/main">
-  <p:cSld>
-    <p:spTree>
-      <p:nvGrpSpPr>
-        <p:cNvPr id="1" name=""/>
-        <p:cNvGrpSpPr/>
-        <p:nvPr/>
-      </p:nvGrpSpPr>
-      <p:grpSpPr>
-        <a:xfrm>
-          <a:off x="0" y="0"/>
-          <a:ext cx="0" cy="0"/>
-          <a:chOff x="0" y="0"/>
-          <a:chExt cx="0" cy="0"/>
-        </a:xfrm>
-      </p:grpSpPr>
-      <p:sp>
-        <p:nvSpPr>
-          <p:cNvPr id="2" name="Title 1">
-            <a:extLst>
-              <a:ext uri="{FF2B5EF4-FFF2-40B4-BE49-F238E27FC236}">
-                <a16:creationId xmlns:a16="http://schemas.microsoft.com/office/drawing/2014/main" id="{4AF76408-2942-669B-0F18-3977EE799FDE}"/>
-              </a:ext>
-            </a:extLst>
-          </p:cNvPr>
-          <p:cNvSpPr>
-            <a:spLocks noGrp="1"/>
-          </p:cNvSpPr>
-          <p:nvPr>
-            <p:ph type="title"/>
-          </p:nvPr>
-        </p:nvSpPr>
-        <p:spPr/>
-        <p:txBody>
-          <a:bodyPr/>
-          <a:lstStyle/>
-          <a:p>
-            <a:r>
-              <a:rPr lang="de-DE" dirty="0"/>
-              <a:t>Workshop intro</a:t>
-            </a:r>
-          </a:p>
-        </p:txBody>
-      </p:sp>
-      <p:sp>
-        <p:nvSpPr>
-          <p:cNvPr id="3" name="Content Placeholder 2">
-            <a:extLst>
-              <a:ext uri="{FF2B5EF4-FFF2-40B4-BE49-F238E27FC236}">
-                <a16:creationId xmlns:a16="http://schemas.microsoft.com/office/drawing/2014/main" id="{2B06A221-00F2-3E9F-A1CE-37AE26131F34}"/>
-              </a:ext>
-            </a:extLst>
-          </p:cNvPr>
-          <p:cNvSpPr>
-            <a:spLocks noGrp="1"/>
-          </p:cNvSpPr>
-          <p:nvPr>
-            <p:ph idx="1"/>
-          </p:nvPr>
-        </p:nvSpPr>
-        <p:spPr/>
-        <p:txBody>
-          <a:bodyPr/>
-          <a:lstStyle/>
-          <a:p>
-            <a:endParaRPr lang="de-DE"/>
-          </a:p>
-        </p:txBody>
-      </p:sp>
-    </p:spTree>
-    <p:extLst>
-      <p:ext uri="{BB962C8B-B14F-4D97-AF65-F5344CB8AC3E}">
-        <p14:creationId xmlns:p14="http://schemas.microsoft.com/office/powerpoint/2010/main" val="1795697069"/>
-      </p:ext>
-    </p:extLst>
-  </p:cSld>
-  <p:clrMapOvr>
-    <a:masterClrMapping/>
-  </p:clrMapOvr>
-</p:sld>
-</file>
-
 <file path=ppt/slides/slide19.xml><?xml version="1.0" encoding="utf-8"?>
 <p:sld xmlns:a="http://schemas.openxmlformats.org/drawingml/2006/main" xmlns:r="http://schemas.openxmlformats.org/officeDocument/2006/relationships" xmlns:p="http://schemas.openxmlformats.org/presentationml/2006/main">
   <p:cSld>
@@ -4680,7 +5384,7 @@
           <p:cNvPr id="2" name="Title 1">
             <a:extLst>
               <a:ext uri="{FF2B5EF4-FFF2-40B4-BE49-F238E27FC236}">
-                <a16:creationId xmlns:a16="http://schemas.microsoft.com/office/drawing/2014/main" id="{5451C8EE-5066-ED28-023E-57D39DF2C930}"/>
+                <a16:creationId xmlns:a16="http://schemas.microsoft.com/office/drawing/2014/main" id="{927A51D9-1043-5473-5C1A-8884044AE0AC}"/>
               </a:ext>
             </a:extLst>
           </p:cNvPr>
@@ -4697,9 +5401,10 @@
           <a:lstStyle/>
           <a:p>
             <a:r>
-              <a:rPr lang="de-DE" dirty="0"/>
-              <a:t>Demo Gitlab</a:t>
-            </a:r>
+              <a:rPr lang="de-DE"/>
+              <a:t>Summary</a:t>
+            </a:r>
+            <a:endParaRPr lang="de-DE" dirty="0"/>
           </a:p>
         </p:txBody>
       </p:sp>
@@ -4708,7 +5413,7 @@
           <p:cNvPr id="3" name="Content Placeholder 2">
             <a:extLst>
               <a:ext uri="{FF2B5EF4-FFF2-40B4-BE49-F238E27FC236}">
-                <a16:creationId xmlns:a16="http://schemas.microsoft.com/office/drawing/2014/main" id="{081EA726-BBF9-34A8-7D6B-D3113AF0B6FB}"/>
+                <a16:creationId xmlns:a16="http://schemas.microsoft.com/office/drawing/2014/main" id="{8CFEE525-FCC0-AF0A-140B-390F543E248C}"/>
               </a:ext>
             </a:extLst>
           </p:cNvPr>
@@ -4724,14 +5429,34 @@
           <a:bodyPr/>
           <a:lstStyle/>
           <a:p>
-            <a:endParaRPr lang="de-DE"/>
+            <a:r>
+              <a:rPr lang="en-US" dirty="0"/>
+              <a:t>Terraform is a powerful tool for automating and managing infrastructure.</a:t>
+            </a:r>
+          </a:p>
+          <a:p>
+            <a:r>
+              <a:rPr lang="en-US" dirty="0"/>
+              <a:t>Ideal for DevOps teams needing reliable, scalable, and consistent infrastructure management solutions.</a:t>
+            </a:r>
+          </a:p>
+          <a:p>
+            <a:r>
+              <a:rPr lang="en-US" dirty="0"/>
+              <a:t>High readability with </a:t>
+            </a:r>
+            <a:r>
+              <a:rPr lang="en-US"/>
+              <a:t>minimalistic style.</a:t>
+            </a:r>
+            <a:endParaRPr lang="en-US" dirty="0"/>
           </a:p>
         </p:txBody>
       </p:sp>
     </p:spTree>
     <p:extLst>
       <p:ext uri="{BB962C8B-B14F-4D97-AF65-F5344CB8AC3E}">
-        <p14:creationId xmlns:p14="http://schemas.microsoft.com/office/powerpoint/2010/main" val="741609271"/>
+        <p14:creationId xmlns:p14="http://schemas.microsoft.com/office/powerpoint/2010/main" val="3250697979"/>
       </p:ext>
     </p:extLst>
   </p:cSld>
@@ -4978,7 +5703,7 @@
           <p:cNvPr id="2" name="Title 1">
             <a:extLst>
               <a:ext uri="{FF2B5EF4-FFF2-40B4-BE49-F238E27FC236}">
-                <a16:creationId xmlns:a16="http://schemas.microsoft.com/office/drawing/2014/main" id="{D6D47DF6-3D2E-0FDB-A61D-36C5B236A1E6}"/>
+                <a16:creationId xmlns:a16="http://schemas.microsoft.com/office/drawing/2014/main" id="{11AF806B-CBB1-1022-62A0-ECE0C13C4C1A}"/>
               </a:ext>
             </a:extLst>
           </p:cNvPr>
@@ -4989,60 +5714,19 @@
             <p:ph type="title"/>
           </p:nvPr>
         </p:nvSpPr>
-        <p:spPr/>
-        <p:txBody>
-          <a:bodyPr/>
-          <a:lstStyle/>
-          <a:p>
-            <a:r>
-              <a:rPr lang="de-DE" dirty="0"/>
-              <a:t>Basic functions</a:t>
-            </a:r>
-          </a:p>
-        </p:txBody>
-      </p:sp>
-      <p:sp>
-        <p:nvSpPr>
-          <p:cNvPr id="3" name="Content Placeholder 2">
-            <a:extLst>
-              <a:ext uri="{FF2B5EF4-FFF2-40B4-BE49-F238E27FC236}">
-                <a16:creationId xmlns:a16="http://schemas.microsoft.com/office/drawing/2014/main" id="{5AC78AC5-4675-A3ED-4510-FD0FECEEE03C}"/>
-              </a:ext>
-            </a:extLst>
-          </p:cNvPr>
-          <p:cNvSpPr>
-            <a:spLocks noGrp="1"/>
-          </p:cNvSpPr>
-          <p:nvPr>
-            <p:ph idx="1"/>
-          </p:nvPr>
-        </p:nvSpPr>
-        <p:spPr/>
-        <p:txBody>
-          <a:bodyPr/>
-          <a:lstStyle/>
-          <a:p>
-            <a:r>
-              <a:rPr lang="de-DE" dirty="0"/>
-              <a:t>Init</a:t>
-            </a:r>
-          </a:p>
-          <a:p>
-            <a:r>
-              <a:rPr lang="de-DE" dirty="0"/>
-              <a:t>Plan</a:t>
-            </a:r>
-          </a:p>
-          <a:p>
-            <a:r>
-              <a:rPr lang="de-DE" dirty="0"/>
-              <a:t>Apply</a:t>
-            </a:r>
-          </a:p>
-          <a:p>
-            <a:r>
-              <a:rPr lang="de-DE" dirty="0"/>
-              <a:t>destroy</a:t>
+        <p:spPr>
+          <a:xfrm>
+            <a:off x="572386" y="2766218"/>
+            <a:ext cx="10515600" cy="1325563"/>
+          </a:xfrm>
+        </p:spPr>
+        <p:txBody>
+          <a:bodyPr/>
+          <a:lstStyle/>
+          <a:p>
+            <a:r>
+              <a:rPr lang="de-DE" dirty="0"/>
+              <a:t>Questions?</a:t>
             </a:r>
           </a:p>
         </p:txBody>
@@ -5050,7 +5734,297 @@
     </p:spTree>
     <p:extLst>
       <p:ext uri="{BB962C8B-B14F-4D97-AF65-F5344CB8AC3E}">
-        <p14:creationId xmlns:p14="http://schemas.microsoft.com/office/powerpoint/2010/main" val="780746576"/>
+        <p14:creationId xmlns:p14="http://schemas.microsoft.com/office/powerpoint/2010/main" val="706235004"/>
+      </p:ext>
+    </p:extLst>
+  </p:cSld>
+  <p:clrMapOvr>
+    <a:masterClrMapping/>
+  </p:clrMapOvr>
+</p:sld>
+</file>
+
+<file path=ppt/slides/slide21.xml><?xml version="1.0" encoding="utf-8"?>
+<p:sld xmlns:a="http://schemas.openxmlformats.org/drawingml/2006/main" xmlns:r="http://schemas.openxmlformats.org/officeDocument/2006/relationships" xmlns:p="http://schemas.openxmlformats.org/presentationml/2006/main">
+  <p:cSld>
+    <p:spTree>
+      <p:nvGrpSpPr>
+        <p:cNvPr id="1" name=""/>
+        <p:cNvGrpSpPr/>
+        <p:nvPr/>
+      </p:nvGrpSpPr>
+      <p:grpSpPr>
+        <a:xfrm>
+          <a:off x="0" y="0"/>
+          <a:ext cx="0" cy="0"/>
+          <a:chOff x="0" y="0"/>
+          <a:chExt cx="0" cy="0"/>
+        </a:xfrm>
+      </p:grpSpPr>
+      <p:sp>
+        <p:nvSpPr>
+          <p:cNvPr id="2" name="Title 1">
+            <a:extLst>
+              <a:ext uri="{FF2B5EF4-FFF2-40B4-BE49-F238E27FC236}">
+                <a16:creationId xmlns:a16="http://schemas.microsoft.com/office/drawing/2014/main" id="{74C31A40-CB04-F7A0-D6A4-AF13E269BF9E}"/>
+              </a:ext>
+            </a:extLst>
+          </p:cNvPr>
+          <p:cNvSpPr>
+            <a:spLocks noGrp="1"/>
+          </p:cNvSpPr>
+          <p:nvPr>
+            <p:ph type="title"/>
+          </p:nvPr>
+        </p:nvSpPr>
+        <p:spPr>
+          <a:xfrm>
+            <a:off x="0" y="1896213"/>
+            <a:ext cx="10515600" cy="1325563"/>
+          </a:xfrm>
+        </p:spPr>
+        <p:txBody>
+          <a:bodyPr/>
+          <a:lstStyle/>
+          <a:p>
+            <a:r>
+              <a:rPr lang="de-DE" dirty="0"/>
+              <a:t>Thank you for your attention </a:t>
+            </a:r>
+            <a:r>
+              <a:rPr lang="de-DE" dirty="0">
+                <a:sym typeface="Wingdings" panose="05000000000000000000" pitchFamily="2" charset="2"/>
+              </a:rPr>
+              <a:t></a:t>
+            </a:r>
+            <a:endParaRPr lang="de-DE" dirty="0"/>
+          </a:p>
+        </p:txBody>
+      </p:sp>
+      <p:sp>
+        <p:nvSpPr>
+          <p:cNvPr id="4" name="Title 1">
+            <a:extLst>
+              <a:ext uri="{FF2B5EF4-FFF2-40B4-BE49-F238E27FC236}">
+                <a16:creationId xmlns:a16="http://schemas.microsoft.com/office/drawing/2014/main" id="{DA5EFF02-5320-8253-DDCA-259613DC2A95}"/>
+              </a:ext>
+            </a:extLst>
+          </p:cNvPr>
+          <p:cNvSpPr txBox="1">
+            <a:spLocks/>
+          </p:cNvSpPr>
+          <p:nvPr/>
+        </p:nvSpPr>
+        <p:spPr>
+          <a:xfrm>
+            <a:off x="6096000" y="3836545"/>
+            <a:ext cx="10515600" cy="1325563"/>
+          </a:xfrm>
+          <a:prstGeom prst="rect">
+            <a:avLst/>
+          </a:prstGeom>
+        </p:spPr>
+        <p:txBody>
+          <a:bodyPr vert="horz" lIns="91440" tIns="45720" rIns="91440" bIns="45720" rtlCol="0" anchor="ctr">
+            <a:normAutofit/>
+          </a:bodyPr>
+          <a:lstStyle>
+            <a:lvl1pPr algn="l" defTabSz="914400" rtl="0" eaLnBrk="1" latinLnBrk="0" hangingPunct="1">
+              <a:lnSpc>
+                <a:spcPct val="90000"/>
+              </a:lnSpc>
+              <a:spcBef>
+                <a:spcPct val="0"/>
+              </a:spcBef>
+              <a:buNone/>
+              <a:defRPr sz="4400" kern="1200">
+                <a:solidFill>
+                  <a:schemeClr val="tx1"/>
+                </a:solidFill>
+                <a:latin typeface="+mj-lt"/>
+                <a:ea typeface="+mj-ea"/>
+                <a:cs typeface="+mj-cs"/>
+              </a:defRPr>
+            </a:lvl1pPr>
+          </a:lstStyle>
+          <a:p>
+            <a:r>
+              <a:rPr lang="de-DE" dirty="0"/>
+              <a:t>On to the pratical part!</a:t>
+            </a:r>
+          </a:p>
+        </p:txBody>
+      </p:sp>
+    </p:spTree>
+    <p:extLst>
+      <p:ext uri="{BB962C8B-B14F-4D97-AF65-F5344CB8AC3E}">
+        <p14:creationId xmlns:p14="http://schemas.microsoft.com/office/powerpoint/2010/main" val="3550400522"/>
+      </p:ext>
+    </p:extLst>
+  </p:cSld>
+  <p:clrMapOvr>
+    <a:masterClrMapping/>
+  </p:clrMapOvr>
+</p:sld>
+</file>
+
+<file path=ppt/slides/slide22.xml><?xml version="1.0" encoding="utf-8"?>
+<p:sld xmlns:a="http://schemas.openxmlformats.org/drawingml/2006/main" xmlns:r="http://schemas.openxmlformats.org/officeDocument/2006/relationships" xmlns:p="http://schemas.openxmlformats.org/presentationml/2006/main">
+  <p:cSld>
+    <p:spTree>
+      <p:nvGrpSpPr>
+        <p:cNvPr id="1" name=""/>
+        <p:cNvGrpSpPr/>
+        <p:nvPr/>
+      </p:nvGrpSpPr>
+      <p:grpSpPr>
+        <a:xfrm>
+          <a:off x="0" y="0"/>
+          <a:ext cx="0" cy="0"/>
+          <a:chOff x="0" y="0"/>
+          <a:chExt cx="0" cy="0"/>
+        </a:xfrm>
+      </p:grpSpPr>
+      <p:sp>
+        <p:nvSpPr>
+          <p:cNvPr id="2" name="Title 1">
+            <a:extLst>
+              <a:ext uri="{FF2B5EF4-FFF2-40B4-BE49-F238E27FC236}">
+                <a16:creationId xmlns:a16="http://schemas.microsoft.com/office/drawing/2014/main" id="{4AF76408-2942-669B-0F18-3977EE799FDE}"/>
+              </a:ext>
+            </a:extLst>
+          </p:cNvPr>
+          <p:cNvSpPr>
+            <a:spLocks noGrp="1"/>
+          </p:cNvSpPr>
+          <p:nvPr>
+            <p:ph type="title"/>
+          </p:nvPr>
+        </p:nvSpPr>
+        <p:spPr/>
+        <p:txBody>
+          <a:bodyPr/>
+          <a:lstStyle/>
+          <a:p>
+            <a:r>
+              <a:rPr lang="de-DE" dirty="0"/>
+              <a:t>Workshop intro</a:t>
+            </a:r>
+          </a:p>
+        </p:txBody>
+      </p:sp>
+      <p:sp>
+        <p:nvSpPr>
+          <p:cNvPr id="3" name="Content Placeholder 2">
+            <a:extLst>
+              <a:ext uri="{FF2B5EF4-FFF2-40B4-BE49-F238E27FC236}">
+                <a16:creationId xmlns:a16="http://schemas.microsoft.com/office/drawing/2014/main" id="{2B06A221-00F2-3E9F-A1CE-37AE26131F34}"/>
+              </a:ext>
+            </a:extLst>
+          </p:cNvPr>
+          <p:cNvSpPr>
+            <a:spLocks noGrp="1"/>
+          </p:cNvSpPr>
+          <p:nvPr>
+            <p:ph idx="1"/>
+          </p:nvPr>
+        </p:nvSpPr>
+        <p:spPr/>
+        <p:txBody>
+          <a:bodyPr/>
+          <a:lstStyle/>
+          <a:p>
+            <a:endParaRPr lang="de-DE"/>
+          </a:p>
+        </p:txBody>
+      </p:sp>
+    </p:spTree>
+    <p:extLst>
+      <p:ext uri="{BB962C8B-B14F-4D97-AF65-F5344CB8AC3E}">
+        <p14:creationId xmlns:p14="http://schemas.microsoft.com/office/powerpoint/2010/main" val="1795697069"/>
+      </p:ext>
+    </p:extLst>
+  </p:cSld>
+  <p:clrMapOvr>
+    <a:masterClrMapping/>
+  </p:clrMapOvr>
+</p:sld>
+</file>
+
+<file path=ppt/slides/slide23.xml><?xml version="1.0" encoding="utf-8"?>
+<p:sld xmlns:a="http://schemas.openxmlformats.org/drawingml/2006/main" xmlns:r="http://schemas.openxmlformats.org/officeDocument/2006/relationships" xmlns:p="http://schemas.openxmlformats.org/presentationml/2006/main">
+  <p:cSld>
+    <p:spTree>
+      <p:nvGrpSpPr>
+        <p:cNvPr id="1" name=""/>
+        <p:cNvGrpSpPr/>
+        <p:nvPr/>
+      </p:nvGrpSpPr>
+      <p:grpSpPr>
+        <a:xfrm>
+          <a:off x="0" y="0"/>
+          <a:ext cx="0" cy="0"/>
+          <a:chOff x="0" y="0"/>
+          <a:chExt cx="0" cy="0"/>
+        </a:xfrm>
+      </p:grpSpPr>
+      <p:sp>
+        <p:nvSpPr>
+          <p:cNvPr id="2" name="Title 1">
+            <a:extLst>
+              <a:ext uri="{FF2B5EF4-FFF2-40B4-BE49-F238E27FC236}">
+                <a16:creationId xmlns:a16="http://schemas.microsoft.com/office/drawing/2014/main" id="{5451C8EE-5066-ED28-023E-57D39DF2C930}"/>
+              </a:ext>
+            </a:extLst>
+          </p:cNvPr>
+          <p:cNvSpPr>
+            <a:spLocks noGrp="1"/>
+          </p:cNvSpPr>
+          <p:nvPr>
+            <p:ph type="title"/>
+          </p:nvPr>
+        </p:nvSpPr>
+        <p:spPr/>
+        <p:txBody>
+          <a:bodyPr/>
+          <a:lstStyle/>
+          <a:p>
+            <a:r>
+              <a:rPr lang="de-DE" dirty="0"/>
+              <a:t>Demo Gitlab</a:t>
+            </a:r>
+          </a:p>
+        </p:txBody>
+      </p:sp>
+      <p:sp>
+        <p:nvSpPr>
+          <p:cNvPr id="3" name="Content Placeholder 2">
+            <a:extLst>
+              <a:ext uri="{FF2B5EF4-FFF2-40B4-BE49-F238E27FC236}">
+                <a16:creationId xmlns:a16="http://schemas.microsoft.com/office/drawing/2014/main" id="{081EA726-BBF9-34A8-7D6B-D3113AF0B6FB}"/>
+              </a:ext>
+            </a:extLst>
+          </p:cNvPr>
+          <p:cNvSpPr>
+            <a:spLocks noGrp="1"/>
+          </p:cNvSpPr>
+          <p:nvPr>
+            <p:ph idx="1"/>
+          </p:nvPr>
+        </p:nvSpPr>
+        <p:spPr/>
+        <p:txBody>
+          <a:bodyPr/>
+          <a:lstStyle/>
+          <a:p>
+            <a:endParaRPr lang="de-DE"/>
+          </a:p>
+        </p:txBody>
+      </p:sp>
+    </p:spTree>
+    <p:extLst>
+      <p:ext uri="{BB962C8B-B14F-4D97-AF65-F5344CB8AC3E}">
+        <p14:creationId xmlns:p14="http://schemas.microsoft.com/office/powerpoint/2010/main" val="741609271"/>
       </p:ext>
     </p:extLst>
   </p:cSld>
@@ -5130,6 +6104,15 @@
               <a:rPr lang="de-DE" dirty="0"/>
               <a:t>Was stellt ihr euch unter IaC vor</a:t>
             </a:r>
+          </a:p>
+          <a:p>
+            <a:r>
+              <a:rPr lang="de-DE" dirty="0"/>
+              <a:t>Was denkt ihr ist ein Vorteil davon</a:t>
+            </a:r>
+          </a:p>
+          <a:p>
+            <a:endParaRPr lang="de-DE" dirty="0"/>
           </a:p>
           <a:p>
             <a:endParaRPr lang="de-DE" dirty="0"/>
@@ -5443,38 +6426,10 @@
             <p:ph type="title"/>
           </p:nvPr>
         </p:nvSpPr>
-        <p:spPr/>
-        <p:txBody>
-          <a:bodyPr/>
-          <a:lstStyle/>
-          <a:p>
-            <a:r>
-              <a:rPr lang="de-DE" dirty="0"/>
-              <a:t>Modularization</a:t>
-            </a:r>
-          </a:p>
-        </p:txBody>
-      </p:sp>
-      <p:sp>
-        <p:nvSpPr>
-          <p:cNvPr id="4" name="Content Placeholder 2">
-            <a:extLst>
-              <a:ext uri="{FF2B5EF4-FFF2-40B4-BE49-F238E27FC236}">
-                <a16:creationId xmlns:a16="http://schemas.microsoft.com/office/drawing/2014/main" id="{FB81049D-6868-2F85-BEEC-ECC98D82B43B}"/>
-              </a:ext>
-            </a:extLst>
-          </p:cNvPr>
-          <p:cNvSpPr>
-            <a:spLocks noGrp="1"/>
-          </p:cNvSpPr>
-          <p:nvPr>
-            <p:ph idx="1"/>
-          </p:nvPr>
-        </p:nvSpPr>
         <p:spPr>
           <a:xfrm>
-            <a:off x="838200" y="1825625"/>
-            <a:ext cx="10515600" cy="4351338"/>
+            <a:off x="529855" y="2766218"/>
+            <a:ext cx="10515600" cy="1325563"/>
           </a:xfrm>
         </p:spPr>
         <p:txBody>
@@ -5483,34 +6438,7 @@
           <a:p>
             <a:r>
               <a:rPr lang="de-DE" dirty="0"/>
-              <a:t>Reusable Resources</a:t>
-            </a:r>
-          </a:p>
-          <a:p>
-            <a:r>
-              <a:rPr lang="de-DE" dirty="0"/>
-              <a:t>Improves</a:t>
-            </a:r>
-          </a:p>
-          <a:p>
-            <a:pPr lvl="1"/>
-            <a:r>
-              <a:rPr lang="de-DE" dirty="0"/>
-              <a:t>Readability</a:t>
-            </a:r>
-          </a:p>
-          <a:p>
-            <a:pPr lvl="1"/>
-            <a:r>
-              <a:rPr lang="de-DE" dirty="0"/>
-              <a:t>Isolation</a:t>
-            </a:r>
-          </a:p>
-          <a:p>
-            <a:pPr lvl="1"/>
-            <a:r>
-              <a:rPr lang="de-DE" dirty="0"/>
-              <a:t>Scalability</a:t>
+              <a:t>Modularization</a:t>
             </a:r>
           </a:p>
         </p:txBody>
@@ -5550,7 +6478,7 @@
           <p:cNvPr id="2" name="Title 1">
             <a:extLst>
               <a:ext uri="{FF2B5EF4-FFF2-40B4-BE49-F238E27FC236}">
-                <a16:creationId xmlns:a16="http://schemas.microsoft.com/office/drawing/2014/main" id="{8A09F96A-1C05-5B65-E21F-06338C9DC274}"/>
+                <a16:creationId xmlns:a16="http://schemas.microsoft.com/office/drawing/2014/main" id="{DAC3CEE7-E409-2936-F1CE-89F686C57F9D}"/>
               </a:ext>
             </a:extLst>
           </p:cNvPr>
@@ -5568,17 +6496,17 @@
           <a:p>
             <a:r>
               <a:rPr lang="de-DE" dirty="0"/>
-              <a:t>State management</a:t>
-            </a:r>
-          </a:p>
-        </p:txBody>
-      </p:sp>
-      <p:sp>
-        <p:nvSpPr>
-          <p:cNvPr id="3" name="Content Placeholder 2">
-            <a:extLst>
-              <a:ext uri="{FF2B5EF4-FFF2-40B4-BE49-F238E27FC236}">
-                <a16:creationId xmlns:a16="http://schemas.microsoft.com/office/drawing/2014/main" id="{5E1CF1C0-30DA-E314-2397-2AF2D0DE3A27}"/>
+              <a:t>Modularization</a:t>
+            </a:r>
+          </a:p>
+        </p:txBody>
+      </p:sp>
+      <p:sp>
+        <p:nvSpPr>
+          <p:cNvPr id="4" name="Content Placeholder 2">
+            <a:extLst>
+              <a:ext uri="{FF2B5EF4-FFF2-40B4-BE49-F238E27FC236}">
+                <a16:creationId xmlns:a16="http://schemas.microsoft.com/office/drawing/2014/main" id="{FB81049D-6868-2F85-BEEC-ECC98D82B43B}"/>
               </a:ext>
             </a:extLst>
           </p:cNvPr>
@@ -5589,63 +6517,54 @@
             <p:ph idx="1"/>
           </p:nvPr>
         </p:nvSpPr>
-        <p:spPr/>
-        <p:txBody>
-          <a:bodyPr/>
-          <a:lstStyle/>
-          <a:p>
-            <a:r>
-              <a:rPr lang="de-DE" dirty="0"/>
-              <a:t>Uses state file </a:t>
-            </a:r>
-            <a:r>
-              <a:rPr lang="en-US" dirty="0"/>
-              <a:t>to track current status</a:t>
-            </a:r>
-          </a:p>
-          <a:p>
-            <a:r>
-              <a:rPr lang="de-DE" dirty="0"/>
-              <a:t>Key points:</a:t>
-            </a:r>
-            <a:endParaRPr lang="en-US" dirty="0"/>
+        <p:spPr>
+          <a:xfrm>
+            <a:off x="838200" y="1825625"/>
+            <a:ext cx="10515600" cy="4351338"/>
+          </a:xfrm>
+        </p:spPr>
+        <p:txBody>
+          <a:bodyPr/>
+          <a:lstStyle/>
+          <a:p>
+            <a:r>
+              <a:rPr lang="de-DE" dirty="0"/>
+              <a:t>Reusable Resources</a:t>
+            </a:r>
+          </a:p>
+          <a:p>
+            <a:r>
+              <a:rPr lang="de-DE" dirty="0"/>
+              <a:t>Improves</a:t>
+            </a:r>
           </a:p>
           <a:p>
             <a:pPr lvl="1"/>
             <a:r>
-              <a:rPr lang="en-US" dirty="0"/>
-              <a:t>Secure and encrypt the state file.</a:t>
+              <a:rPr lang="de-DE" dirty="0"/>
+              <a:t>Readability</a:t>
             </a:r>
           </a:p>
           <a:p>
             <a:pPr lvl="1"/>
             <a:r>
-              <a:rPr lang="en-US" dirty="0"/>
-              <a:t>Use </a:t>
-            </a:r>
-            <a:r>
-              <a:rPr lang="en-US" b="1" dirty="0"/>
-              <a:t>Terraform Locking</a:t>
-            </a:r>
-            <a:r>
-              <a:rPr lang="en-US" dirty="0"/>
-              <a:t> to avoid conflicts.</a:t>
+              <a:rPr lang="de-DE" dirty="0"/>
+              <a:t>Isolation</a:t>
             </a:r>
           </a:p>
           <a:p>
             <a:pPr lvl="1"/>
             <a:r>
-              <a:rPr lang="en-US" dirty="0"/>
-              <a:t>Use remote state backend like AWS S3 for collaboration</a:t>
-            </a:r>
-            <a:endParaRPr lang="de-DE" dirty="0"/>
+              <a:rPr lang="de-DE" dirty="0"/>
+              <a:t>Scalability</a:t>
+            </a:r>
           </a:p>
         </p:txBody>
       </p:sp>
     </p:spTree>
     <p:extLst>
       <p:ext uri="{BB962C8B-B14F-4D97-AF65-F5344CB8AC3E}">
-        <p14:creationId xmlns:p14="http://schemas.microsoft.com/office/powerpoint/2010/main" val="3448490656"/>
+        <p14:creationId xmlns:p14="http://schemas.microsoft.com/office/powerpoint/2010/main" val="1578201626"/>
       </p:ext>
     </p:extLst>
   </p:cSld>
@@ -5677,7 +6596,7 @@
           <p:cNvPr id="2" name="Title 1">
             <a:extLst>
               <a:ext uri="{FF2B5EF4-FFF2-40B4-BE49-F238E27FC236}">
-                <a16:creationId xmlns:a16="http://schemas.microsoft.com/office/drawing/2014/main" id="{E76B8BAA-BA3C-2327-0C52-7C3366B9D2E3}"/>
+                <a16:creationId xmlns:a16="http://schemas.microsoft.com/office/drawing/2014/main" id="{8A09F96A-1C05-5B65-E21F-06338C9DC274}"/>
               </a:ext>
             </a:extLst>
           </p:cNvPr>
@@ -5688,68 +6607,19 @@
             <p:ph type="title"/>
           </p:nvPr>
         </p:nvSpPr>
-        <p:spPr/>
-        <p:txBody>
-          <a:bodyPr/>
-          <a:lstStyle/>
-          <a:p>
-            <a:r>
-              <a:rPr lang="de-DE" dirty="0"/>
-              <a:t>Security</a:t>
-            </a:r>
-          </a:p>
-        </p:txBody>
-      </p:sp>
-      <p:sp>
-        <p:nvSpPr>
-          <p:cNvPr id="3" name="Content Placeholder 2">
-            <a:extLst>
-              <a:ext uri="{FF2B5EF4-FFF2-40B4-BE49-F238E27FC236}">
-                <a16:creationId xmlns:a16="http://schemas.microsoft.com/office/drawing/2014/main" id="{D4C2102F-8F3F-22DA-727B-2A47F302349D}"/>
-              </a:ext>
-            </a:extLst>
-          </p:cNvPr>
-          <p:cNvSpPr>
-            <a:spLocks noGrp="1"/>
-          </p:cNvSpPr>
-          <p:nvPr>
-            <p:ph idx="1"/>
-          </p:nvPr>
-        </p:nvSpPr>
-        <p:spPr/>
-        <p:txBody>
-          <a:bodyPr/>
-          <a:lstStyle/>
-          <a:p>
-            <a:r>
-              <a:rPr lang="de-DE" dirty="0"/>
-              <a:t>No hardcoded credentials</a:t>
-            </a:r>
-          </a:p>
-          <a:p>
-            <a:r>
-              <a:rPr lang="de-DE" dirty="0"/>
-              <a:t>Vault Provider</a:t>
-            </a:r>
-          </a:p>
-          <a:p>
-            <a:pPr lvl="1"/>
-            <a:r>
-              <a:rPr lang="de-DE" dirty="0"/>
-              <a:t>Manages secrets without direct access</a:t>
-            </a:r>
-          </a:p>
-          <a:p>
-            <a:r>
-              <a:rPr lang="de-DE" dirty="0"/>
-              <a:t>Plan function</a:t>
-            </a:r>
-          </a:p>
-          <a:p>
-            <a:pPr lvl="1"/>
-            <a:r>
-              <a:rPr lang="de-DE" dirty="0"/>
-              <a:t>Preview changes minimize risk</a:t>
+        <p:spPr>
+          <a:xfrm>
+            <a:off x="402265" y="2766218"/>
+            <a:ext cx="10515600" cy="1325563"/>
+          </a:xfrm>
+        </p:spPr>
+        <p:txBody>
+          <a:bodyPr/>
+          <a:lstStyle/>
+          <a:p>
+            <a:r>
+              <a:rPr lang="de-DE" dirty="0"/>
+              <a:t>State management</a:t>
             </a:r>
           </a:p>
         </p:txBody>
@@ -5757,7 +6627,7 @@
     </p:spTree>
     <p:extLst>
       <p:ext uri="{BB962C8B-B14F-4D97-AF65-F5344CB8AC3E}">
-        <p14:creationId xmlns:p14="http://schemas.microsoft.com/office/powerpoint/2010/main" val="1171201282"/>
+        <p14:creationId xmlns:p14="http://schemas.microsoft.com/office/powerpoint/2010/main" val="3448490656"/>
       </p:ext>
     </p:extLst>
   </p:cSld>
@@ -5789,7 +6659,7 @@
           <p:cNvPr id="2" name="Title 1">
             <a:extLst>
               <a:ext uri="{FF2B5EF4-FFF2-40B4-BE49-F238E27FC236}">
-                <a16:creationId xmlns:a16="http://schemas.microsoft.com/office/drawing/2014/main" id="{1F0612EA-DFF2-C521-4E14-1845C191E5FC}"/>
+                <a16:creationId xmlns:a16="http://schemas.microsoft.com/office/drawing/2014/main" id="{8A09F96A-1C05-5B65-E21F-06338C9DC274}"/>
               </a:ext>
             </a:extLst>
           </p:cNvPr>
@@ -5807,7 +6677,7 @@
           <a:p>
             <a:r>
               <a:rPr lang="de-DE" dirty="0"/>
-              <a:t>Version controll</a:t>
+              <a:t>State management</a:t>
             </a:r>
           </a:p>
         </p:txBody>
@@ -5817,7 +6687,7 @@
           <p:cNvPr id="3" name="Content Placeholder 2">
             <a:extLst>
               <a:ext uri="{FF2B5EF4-FFF2-40B4-BE49-F238E27FC236}">
-                <a16:creationId xmlns:a16="http://schemas.microsoft.com/office/drawing/2014/main" id="{F72CE185-4DCF-92CA-6529-9962F4743337}"/>
+                <a16:creationId xmlns:a16="http://schemas.microsoft.com/office/drawing/2014/main" id="{5E1CF1C0-30DA-E314-2397-2AF2D0DE3A27}"/>
               </a:ext>
             </a:extLst>
           </p:cNvPr>
@@ -5833,6 +6703,50 @@
           <a:bodyPr/>
           <a:lstStyle/>
           <a:p>
+            <a:r>
+              <a:rPr lang="de-DE" dirty="0"/>
+              <a:t>Uses state file </a:t>
+            </a:r>
+            <a:r>
+              <a:rPr lang="en-US" dirty="0"/>
+              <a:t>to track current status</a:t>
+            </a:r>
+          </a:p>
+          <a:p>
+            <a:r>
+              <a:rPr lang="de-DE" dirty="0"/>
+              <a:t>Key points:</a:t>
+            </a:r>
+            <a:endParaRPr lang="en-US" dirty="0"/>
+          </a:p>
+          <a:p>
+            <a:pPr lvl="1"/>
+            <a:r>
+              <a:rPr lang="en-US" dirty="0"/>
+              <a:t>Secure and encrypt the state file.</a:t>
+            </a:r>
+          </a:p>
+          <a:p>
+            <a:pPr lvl="1"/>
+            <a:r>
+              <a:rPr lang="en-US" dirty="0"/>
+              <a:t>Use </a:t>
+            </a:r>
+            <a:r>
+              <a:rPr lang="en-US" b="1" dirty="0"/>
+              <a:t>Terraform Locking</a:t>
+            </a:r>
+            <a:r>
+              <a:rPr lang="en-US" dirty="0"/>
+              <a:t> to avoid conflicts.</a:t>
+            </a:r>
+          </a:p>
+          <a:p>
+            <a:pPr lvl="1"/>
+            <a:r>
+              <a:rPr lang="en-US" dirty="0"/>
+              <a:t>Use remote state backend like AWS S3 for collaboration</a:t>
+            </a:r>
             <a:endParaRPr lang="de-DE" dirty="0"/>
           </a:p>
         </p:txBody>
@@ -5840,7 +6754,7 @@
     </p:spTree>
     <p:extLst>
       <p:ext uri="{BB962C8B-B14F-4D97-AF65-F5344CB8AC3E}">
-        <p14:creationId xmlns:p14="http://schemas.microsoft.com/office/powerpoint/2010/main" val="609101943"/>
+        <p14:creationId xmlns:p14="http://schemas.microsoft.com/office/powerpoint/2010/main" val="2539983286"/>
       </p:ext>
     </p:extLst>
   </p:cSld>
@@ -6163,4 +7077,319 @@
     </a:ext>
   </a:extLst>
 </a:theme>
+</file>
+
+<file path=ppt/theme/theme2.xml><?xml version="1.0" encoding="utf-8"?>
+<a:theme xmlns:a="http://schemas.openxmlformats.org/drawingml/2006/main" name="Office Theme">
+  <a:themeElements>
+    <a:clrScheme name="Office">
+      <a:dk1>
+        <a:sysClr val="windowText" lastClr="000000"/>
+      </a:dk1>
+      <a:lt1>
+        <a:sysClr val="window" lastClr="FFFFFF"/>
+      </a:lt1>
+      <a:dk2>
+        <a:srgbClr val="0E2841"/>
+      </a:dk2>
+      <a:lt2>
+        <a:srgbClr val="E8E8E8"/>
+      </a:lt2>
+      <a:accent1>
+        <a:srgbClr val="156082"/>
+      </a:accent1>
+      <a:accent2>
+        <a:srgbClr val="E97132"/>
+      </a:accent2>
+      <a:accent3>
+        <a:srgbClr val="196B24"/>
+      </a:accent3>
+      <a:accent4>
+        <a:srgbClr val="0F9ED5"/>
+      </a:accent4>
+      <a:accent5>
+        <a:srgbClr val="A02B93"/>
+      </a:accent5>
+      <a:accent6>
+        <a:srgbClr val="4EA72E"/>
+      </a:accent6>
+      <a:hlink>
+        <a:srgbClr val="467886"/>
+      </a:hlink>
+      <a:folHlink>
+        <a:srgbClr val="96607D"/>
+      </a:folHlink>
+    </a:clrScheme>
+    <a:fontScheme name="Office">
+      <a:majorFont>
+        <a:latin typeface="Aptos Display" panose="02110004020202020204"/>
+        <a:ea typeface=""/>
+        <a:cs typeface=""/>
+        <a:font script="Jpan" typeface="游ゴシック Light"/>
+        <a:font script="Hang" typeface="맑은 고딕"/>
+        <a:font script="Hans" typeface="等线 Light"/>
+        <a:font script="Hant" typeface="新細明體"/>
+        <a:font script="Arab" typeface="Times New Roman"/>
+        <a:font script="Hebr" typeface="Times New Roman"/>
+        <a:font script="Thai" typeface="Angsana New"/>
+        <a:font script="Ethi" typeface="Nyala"/>
+        <a:font script="Beng" typeface="Vrinda"/>
+        <a:font script="Gujr" typeface="Shruti"/>
+        <a:font script="Khmr" typeface="MoolBoran"/>
+        <a:font script="Knda" typeface="Tunga"/>
+        <a:font script="Guru" typeface="Raavi"/>
+        <a:font script="Cans" typeface="Euphemia"/>
+        <a:font script="Cher" typeface="Plantagenet Cherokee"/>
+        <a:font script="Yiii" typeface="Microsoft Yi Baiti"/>
+        <a:font script="Tibt" typeface="Microsoft Himalaya"/>
+        <a:font script="Thaa" typeface="MV Boli"/>
+        <a:font script="Deva" typeface="Mangal"/>
+        <a:font script="Telu" typeface="Gautami"/>
+        <a:font script="Taml" typeface="Latha"/>
+        <a:font script="Syrc" typeface="Estrangelo Edessa"/>
+        <a:font script="Orya" typeface="Kalinga"/>
+        <a:font script="Mlym" typeface="Kartika"/>
+        <a:font script="Laoo" typeface="DokChampa"/>
+        <a:font script="Sinh" typeface="Iskoola Pota"/>
+        <a:font script="Mong" typeface="Mongolian Baiti"/>
+        <a:font script="Viet" typeface="Times New Roman"/>
+        <a:font script="Uigh" typeface="Microsoft Uighur"/>
+        <a:font script="Geor" typeface="Sylfaen"/>
+        <a:font script="Armn" typeface="Arial"/>
+        <a:font script="Bugi" typeface="Leelawadee UI"/>
+        <a:font script="Bopo" typeface="Microsoft JhengHei"/>
+        <a:font script="Java" typeface="Javanese Text"/>
+        <a:font script="Lisu" typeface="Segoe UI"/>
+        <a:font script="Mymr" typeface="Myanmar Text"/>
+        <a:font script="Nkoo" typeface="Ebrima"/>
+        <a:font script="Olck" typeface="Nirmala UI"/>
+        <a:font script="Osma" typeface="Ebrima"/>
+        <a:font script="Phag" typeface="Phagspa"/>
+        <a:font script="Syrn" typeface="Estrangelo Edessa"/>
+        <a:font script="Syrj" typeface="Estrangelo Edessa"/>
+        <a:font script="Syre" typeface="Estrangelo Edessa"/>
+        <a:font script="Sora" typeface="Nirmala UI"/>
+        <a:font script="Tale" typeface="Microsoft Tai Le"/>
+        <a:font script="Talu" typeface="Microsoft New Tai Lue"/>
+        <a:font script="Tfng" typeface="Ebrima"/>
+      </a:majorFont>
+      <a:minorFont>
+        <a:latin typeface="Aptos" panose="02110004020202020204"/>
+        <a:ea typeface=""/>
+        <a:cs typeface=""/>
+        <a:font script="Jpan" typeface="游ゴシック"/>
+        <a:font script="Hang" typeface="맑은 고딕"/>
+        <a:font script="Hans" typeface="等线"/>
+        <a:font script="Hant" typeface="新細明體"/>
+        <a:font script="Arab" typeface="Arial"/>
+        <a:font script="Hebr" typeface="Arial"/>
+        <a:font script="Thai" typeface="Cordia New"/>
+        <a:font script="Ethi" typeface="Nyala"/>
+        <a:font script="Beng" typeface="Vrinda"/>
+        <a:font script="Gujr" typeface="Shruti"/>
+        <a:font script="Khmr" typeface="DaunPenh"/>
+        <a:font script="Knda" typeface="Tunga"/>
+        <a:font script="Guru" typeface="Raavi"/>
+        <a:font script="Cans" typeface="Euphemia"/>
+        <a:font script="Cher" typeface="Plantagenet Cherokee"/>
+        <a:font script="Yiii" typeface="Microsoft Yi Baiti"/>
+        <a:font script="Tibt" typeface="Microsoft Himalaya"/>
+        <a:font script="Thaa" typeface="MV Boli"/>
+        <a:font script="Deva" typeface="Mangal"/>
+        <a:font script="Telu" typeface="Gautami"/>
+        <a:font script="Taml" typeface="Latha"/>
+        <a:font script="Syrc" typeface="Estrangelo Edessa"/>
+        <a:font script="Orya" typeface="Kalinga"/>
+        <a:font script="Mlym" typeface="Kartika"/>
+        <a:font script="Laoo" typeface="DokChampa"/>
+        <a:font script="Sinh" typeface="Iskoola Pota"/>
+        <a:font script="Mong" typeface="Mongolian Baiti"/>
+        <a:font script="Viet" typeface="Arial"/>
+        <a:font script="Uigh" typeface="Microsoft Uighur"/>
+        <a:font script="Geor" typeface="Sylfaen"/>
+        <a:font script="Armn" typeface="Arial"/>
+        <a:font script="Bugi" typeface="Leelawadee UI"/>
+        <a:font script="Bopo" typeface="Microsoft JhengHei"/>
+        <a:font script="Java" typeface="Javanese Text"/>
+        <a:font script="Lisu" typeface="Segoe UI"/>
+        <a:font script="Mymr" typeface="Myanmar Text"/>
+        <a:font script="Nkoo" typeface="Ebrima"/>
+        <a:font script="Olck" typeface="Nirmala UI"/>
+        <a:font script="Osma" typeface="Ebrima"/>
+        <a:font script="Phag" typeface="Phagspa"/>
+        <a:font script="Syrn" typeface="Estrangelo Edessa"/>
+        <a:font script="Syrj" typeface="Estrangelo Edessa"/>
+        <a:font script="Syre" typeface="Estrangelo Edessa"/>
+        <a:font script="Sora" typeface="Nirmala UI"/>
+        <a:font script="Tale" typeface="Microsoft Tai Le"/>
+        <a:font script="Talu" typeface="Microsoft New Tai Lue"/>
+        <a:font script="Tfng" typeface="Ebrima"/>
+      </a:minorFont>
+    </a:fontScheme>
+    <a:fmtScheme name="Office">
+      <a:fillStyleLst>
+        <a:solidFill>
+          <a:schemeClr val="phClr"/>
+        </a:solidFill>
+        <a:gradFill rotWithShape="1">
+          <a:gsLst>
+            <a:gs pos="0">
+              <a:schemeClr val="phClr">
+                <a:lumMod val="110000"/>
+                <a:satMod val="105000"/>
+                <a:tint val="67000"/>
+              </a:schemeClr>
+            </a:gs>
+            <a:gs pos="50000">
+              <a:schemeClr val="phClr">
+                <a:lumMod val="105000"/>
+                <a:satMod val="103000"/>
+                <a:tint val="73000"/>
+              </a:schemeClr>
+            </a:gs>
+            <a:gs pos="100000">
+              <a:schemeClr val="phClr">
+                <a:lumMod val="105000"/>
+                <a:satMod val="109000"/>
+                <a:tint val="81000"/>
+              </a:schemeClr>
+            </a:gs>
+          </a:gsLst>
+          <a:lin ang="5400000" scaled="0"/>
+        </a:gradFill>
+        <a:gradFill rotWithShape="1">
+          <a:gsLst>
+            <a:gs pos="0">
+              <a:schemeClr val="phClr">
+                <a:satMod val="103000"/>
+                <a:lumMod val="102000"/>
+                <a:tint val="94000"/>
+              </a:schemeClr>
+            </a:gs>
+            <a:gs pos="50000">
+              <a:schemeClr val="phClr">
+                <a:satMod val="110000"/>
+                <a:lumMod val="100000"/>
+                <a:shade val="100000"/>
+              </a:schemeClr>
+            </a:gs>
+            <a:gs pos="100000">
+              <a:schemeClr val="phClr">
+                <a:lumMod val="99000"/>
+                <a:satMod val="120000"/>
+                <a:shade val="78000"/>
+              </a:schemeClr>
+            </a:gs>
+          </a:gsLst>
+          <a:lin ang="5400000" scaled="0"/>
+        </a:gradFill>
+      </a:fillStyleLst>
+      <a:lnStyleLst>
+        <a:ln w="12700" cap="flat" cmpd="sng" algn="ctr">
+          <a:solidFill>
+            <a:schemeClr val="phClr"/>
+          </a:solidFill>
+          <a:prstDash val="solid"/>
+          <a:miter lim="800000"/>
+        </a:ln>
+        <a:ln w="19050" cap="flat" cmpd="sng" algn="ctr">
+          <a:solidFill>
+            <a:schemeClr val="phClr"/>
+          </a:solidFill>
+          <a:prstDash val="solid"/>
+          <a:miter lim="800000"/>
+        </a:ln>
+        <a:ln w="25400" cap="flat" cmpd="sng" algn="ctr">
+          <a:solidFill>
+            <a:schemeClr val="phClr"/>
+          </a:solidFill>
+          <a:prstDash val="solid"/>
+          <a:miter lim="800000"/>
+        </a:ln>
+      </a:lnStyleLst>
+      <a:effectStyleLst>
+        <a:effectStyle>
+          <a:effectLst/>
+        </a:effectStyle>
+        <a:effectStyle>
+          <a:effectLst/>
+        </a:effectStyle>
+        <a:effectStyle>
+          <a:effectLst>
+            <a:outerShdw blurRad="57150" dist="19050" dir="5400000" algn="ctr" rotWithShape="0">
+              <a:srgbClr val="000000">
+                <a:alpha val="63000"/>
+              </a:srgbClr>
+            </a:outerShdw>
+          </a:effectLst>
+        </a:effectStyle>
+      </a:effectStyleLst>
+      <a:bgFillStyleLst>
+        <a:solidFill>
+          <a:schemeClr val="phClr"/>
+        </a:solidFill>
+        <a:solidFill>
+          <a:schemeClr val="phClr">
+            <a:tint val="95000"/>
+            <a:satMod val="170000"/>
+          </a:schemeClr>
+        </a:solidFill>
+        <a:gradFill rotWithShape="1">
+          <a:gsLst>
+            <a:gs pos="0">
+              <a:schemeClr val="phClr">
+                <a:tint val="93000"/>
+                <a:satMod val="150000"/>
+                <a:shade val="98000"/>
+                <a:lumMod val="102000"/>
+              </a:schemeClr>
+            </a:gs>
+            <a:gs pos="50000">
+              <a:schemeClr val="phClr">
+                <a:tint val="98000"/>
+                <a:satMod val="130000"/>
+                <a:shade val="90000"/>
+                <a:lumMod val="103000"/>
+              </a:schemeClr>
+            </a:gs>
+            <a:gs pos="100000">
+              <a:schemeClr val="phClr">
+                <a:shade val="63000"/>
+                <a:satMod val="120000"/>
+              </a:schemeClr>
+            </a:gs>
+          </a:gsLst>
+          <a:lin ang="5400000" scaled="0"/>
+        </a:gradFill>
+      </a:bgFillStyleLst>
+    </a:fmtScheme>
+  </a:themeElements>
+  <a:objectDefaults>
+    <a:lnDef>
+      <a:spPr/>
+      <a:bodyPr/>
+      <a:lstStyle/>
+      <a:style>
+        <a:lnRef idx="2">
+          <a:schemeClr val="accent1"/>
+        </a:lnRef>
+        <a:fillRef idx="0">
+          <a:schemeClr val="accent1"/>
+        </a:fillRef>
+        <a:effectRef idx="1">
+          <a:schemeClr val="accent1"/>
+        </a:effectRef>
+        <a:fontRef idx="minor">
+          <a:schemeClr val="tx1"/>
+        </a:fontRef>
+      </a:style>
+    </a:lnDef>
+  </a:objectDefaults>
+  <a:extraClrSchemeLst/>
+  <a:extLst>
+    <a:ext uri="{05A4C25C-085E-4340-85A3-A5531E510DB2}">
+      <thm15:themeFamily xmlns:thm15="http://schemas.microsoft.com/office/thememl/2012/main" name="Office Theme" id="{2E142A2C-CD16-42D6-873A-C26D2A0506FA}" vid="{1BDDFF52-6CD6-40A5-AB3C-68EB2F1E4D0A}"/>
+    </a:ext>
+  </a:extLst>
+</a:theme>
 </file>
--- a/Presentation/Terraform.pptx
+++ b/Presentation/Terraform.pptx
@@ -7667,7 +7667,7 @@
   <dgm:whole/>
   <dgm:extLst>
     <a:ext uri="http://schemas.microsoft.com/office/drawing/2008/diagram">
-      <dsp:dataModelExt xmlns:dsp="http://schemas.microsoft.com/office/drawing/2008/diagram" relId="rId6" minVer="http://schemas.openxmlformats.org/drawingml/2006/diagram"/>
+      <dsp:dataModelExt xmlns:dsp="http://schemas.microsoft.com/office/drawing/2008/diagram" relId="rId7" minVer="http://schemas.openxmlformats.org/drawingml/2006/diagram"/>
     </a:ext>
   </dgm:extLst>
 </dgm:dataModel>
@@ -7698,9 +7698,14 @@
             <a:defRPr b="1"/>
           </a:pPr>
           <a:r>
-            <a:rPr lang="en-US"/>
-            <a:t>Open-source tool by HashiCorp</a:t>
+            <a:rPr lang="en-US" dirty="0"/>
+            <a:t>Open-source tool by </a:t>
           </a:r>
+          <a:r>
+            <a:rPr lang="en-US" dirty="0" err="1"/>
+            <a:t>HashiCorp</a:t>
+          </a:r>
+          <a:endParaRPr lang="en-US" dirty="0"/>
         </a:p>
       </dgm:t>
     </dgm:pt>
@@ -8167,7 +8172,7 @@
   <dgm:whole/>
   <dgm:extLst>
     <a:ext uri="http://schemas.microsoft.com/office/drawing/2008/diagram">
-      <dsp:dataModelExt xmlns:dsp="http://schemas.microsoft.com/office/drawing/2008/diagram" relId="rId6" minVer="http://schemas.openxmlformats.org/drawingml/2006/diagram"/>
+      <dsp:dataModelExt xmlns:dsp="http://schemas.microsoft.com/office/drawing/2008/diagram" relId="rId7" minVer="http://schemas.openxmlformats.org/drawingml/2006/diagram"/>
     </a:ext>
   </dgm:extLst>
 </dgm:dataModel>
@@ -8532,7 +8537,7 @@
   <dgm:whole/>
   <dgm:extLst>
     <a:ext uri="http://schemas.microsoft.com/office/drawing/2008/diagram">
-      <dsp:dataModelExt xmlns:dsp="http://schemas.microsoft.com/office/drawing/2008/diagram" relId="rId6" minVer="http://schemas.openxmlformats.org/drawingml/2006/diagram"/>
+      <dsp:dataModelExt xmlns:dsp="http://schemas.microsoft.com/office/drawing/2008/diagram" relId="rId7" minVer="http://schemas.openxmlformats.org/drawingml/2006/diagram"/>
     </a:ext>
   </dgm:extLst>
 </dgm:dataModel>
@@ -8848,7 +8853,7 @@
   <dgm:whole/>
   <dgm:extLst>
     <a:ext uri="http://schemas.microsoft.com/office/drawing/2008/diagram">
-      <dsp:dataModelExt xmlns:dsp="http://schemas.microsoft.com/office/drawing/2008/diagram" relId="rId6" minVer="http://schemas.openxmlformats.org/drawingml/2006/diagram"/>
+      <dsp:dataModelExt xmlns:dsp="http://schemas.microsoft.com/office/drawing/2008/diagram" relId="rId7" minVer="http://schemas.openxmlformats.org/drawingml/2006/diagram"/>
     </a:ext>
   </dgm:extLst>
 </dgm:dataModel>
@@ -8858,7 +8863,7 @@
 <dgm:dataModel xmlns:dgm="http://schemas.openxmlformats.org/drawingml/2006/diagram" xmlns:a="http://schemas.openxmlformats.org/drawingml/2006/main">
   <dgm:ptLst>
     <dgm:pt modelId="{38BE3FD5-ACD1-40D5-9F55-391083F22C38}" type="doc">
-      <dgm:prSet loTypeId="urn:microsoft.com/office/officeart/2005/8/layout/vList5" loCatId="list" qsTypeId="urn:microsoft.com/office/officeart/2005/8/quickstyle/simple1" qsCatId="simple" csTypeId="urn:microsoft.com/office/officeart/2005/8/colors/colorful3" csCatId="colorful"/>
+      <dgm:prSet loTypeId="urn:microsoft.com/office/officeart/2005/8/layout/vList5" loCatId="list" qsTypeId="urn:microsoft.com/office/officeart/2005/8/quickstyle/simple1" qsCatId="simple" csTypeId="urn:microsoft.com/office/officeart/2005/8/colors/colorful3" csCatId="colorful" phldr="1"/>
       <dgm:spPr/>
       <dgm:t>
         <a:bodyPr/>
@@ -9024,10 +9029,10 @@
         <a:lstStyle/>
         <a:p>
           <a:r>
-            <a:rPr lang="de-DE"/>
-            <a:t>Do not put tfstate in version control</a:t>
+            <a:rPr lang="de-DE" dirty="0"/>
+            <a:t>Do not put secrets in version control</a:t>
           </a:r>
-          <a:endParaRPr lang="en-US"/>
+          <a:endParaRPr lang="en-US" dirty="0"/>
         </a:p>
       </dgm:t>
     </dgm:pt>
@@ -9261,7 +9266,7 @@
   <dgm:whole/>
   <dgm:extLst>
     <a:ext uri="http://schemas.microsoft.com/office/drawing/2008/diagram">
-      <dsp:dataModelExt xmlns:dsp="http://schemas.microsoft.com/office/drawing/2008/diagram" relId="rId6" minVer="http://schemas.openxmlformats.org/drawingml/2006/diagram"/>
+      <dsp:dataModelExt xmlns:dsp="http://schemas.microsoft.com/office/drawing/2008/diagram" relId="rId7" minVer="http://schemas.openxmlformats.org/drawingml/2006/diagram"/>
     </a:ext>
   </dgm:extLst>
 </dgm:dataModel>
@@ -9549,7 +9554,7 @@
   <dgm:whole/>
   <dgm:extLst>
     <a:ext uri="http://schemas.microsoft.com/office/drawing/2008/diagram">
-      <dsp:dataModelExt xmlns:dsp="http://schemas.microsoft.com/office/drawing/2008/diagram" relId="rId6" minVer="http://schemas.openxmlformats.org/drawingml/2006/diagram"/>
+      <dsp:dataModelExt xmlns:dsp="http://schemas.microsoft.com/office/drawing/2008/diagram" relId="rId7" minVer="http://schemas.openxmlformats.org/drawingml/2006/diagram"/>
     </a:ext>
   </dgm:extLst>
 </dgm:dataModel>
@@ -9587,7 +9592,7 @@
   <dgm:whole/>
   <dgm:extLst>
     <a:ext uri="http://schemas.microsoft.com/office/drawing/2008/diagram">
-      <dsp:dataModelExt xmlns:dsp="http://schemas.microsoft.com/office/drawing/2008/diagram" relId="rId6" minVer="http://schemas.openxmlformats.org/drawingml/2006/diagram"/>
+      <dsp:dataModelExt xmlns:dsp="http://schemas.microsoft.com/office/drawing/2008/diagram" relId="rId7" minVer="http://schemas.openxmlformats.org/drawingml/2006/diagram"/>
     </a:ext>
   </dgm:extLst>
 </dgm:dataModel>
@@ -10105,7 +10110,7 @@
   <dgm:whole/>
   <dgm:extLst>
     <a:ext uri="http://schemas.microsoft.com/office/drawing/2008/diagram">
-      <dsp:dataModelExt xmlns:dsp="http://schemas.microsoft.com/office/drawing/2008/diagram" relId="rId11" minVer="http://schemas.openxmlformats.org/drawingml/2006/diagram"/>
+      <dsp:dataModelExt xmlns:dsp="http://schemas.microsoft.com/office/drawing/2008/diagram" relId="rId12" minVer="http://schemas.openxmlformats.org/drawingml/2006/diagram"/>
     </a:ext>
   </dgm:extLst>
 </dgm:dataModel>
@@ -10115,7 +10120,7 @@
 <dgm:dataModel xmlns:dgm="http://schemas.openxmlformats.org/drawingml/2006/diagram" xmlns:a="http://schemas.openxmlformats.org/drawingml/2006/main">
   <dgm:ptLst>
     <dgm:pt modelId="{2280E37E-F917-49F0-BC7E-D2297CFE9929}" type="doc">
-      <dgm:prSet loTypeId="urn:microsoft.com/office/officeart/2005/8/layout/hList1" loCatId="list" qsTypeId="urn:microsoft.com/office/officeart/2005/8/quickstyle/simple1" qsCatId="simple" csTypeId="urn:microsoft.com/office/officeart/2005/8/colors/colorful3" csCatId="colorful"/>
+      <dgm:prSet loTypeId="urn:microsoft.com/office/officeart/2005/8/layout/hList1" loCatId="list" qsTypeId="urn:microsoft.com/office/officeart/2005/8/quickstyle/simple1" qsCatId="simple" csTypeId="urn:microsoft.com/office/officeart/2005/8/colors/colorful3" csCatId="colorful" phldr="1"/>
       <dgm:spPr/>
       <dgm:t>
         <a:bodyPr/>
@@ -10355,10 +10360,10 @@
         <a:lstStyle/>
         <a:p>
           <a:r>
-            <a:rPr lang="de-DE"/>
+            <a:rPr lang="de-DE" dirty="0"/>
             <a:t>Smaller Community</a:t>
           </a:r>
-          <a:endParaRPr lang="en-US"/>
+          <a:endParaRPr lang="en-US" dirty="0"/>
         </a:p>
       </dgm:t>
     </dgm:pt>
@@ -10384,43 +10389,6 @@
         </a:p>
       </dgm:t>
     </dgm:pt>
-    <dgm:pt modelId="{FF110FA0-D197-4AD3-AD91-E231C401D895}">
-      <dgm:prSet/>
-      <dgm:spPr/>
-      <dgm:t>
-        <a:bodyPr/>
-        <a:lstStyle/>
-        <a:p>
-          <a:r>
-            <a:rPr lang="de-DE"/>
-            <a:t>Dependency on Pulumi Cloud</a:t>
-          </a:r>
-          <a:endParaRPr lang="en-US"/>
-        </a:p>
-      </dgm:t>
-    </dgm:pt>
-    <dgm:pt modelId="{B0DCD61C-E0DC-4E85-ACCA-9E6235F81E01}" type="parTrans" cxnId="{5451EA7B-104C-4546-8AC7-FB8D386A9E39}">
-      <dgm:prSet/>
-      <dgm:spPr/>
-      <dgm:t>
-        <a:bodyPr/>
-        <a:lstStyle/>
-        <a:p>
-          <a:endParaRPr lang="en-US"/>
-        </a:p>
-      </dgm:t>
-    </dgm:pt>
-    <dgm:pt modelId="{75B0676E-3430-4CCF-97BE-529EBC212E0F}" type="sibTrans" cxnId="{5451EA7B-104C-4546-8AC7-FB8D386A9E39}">
-      <dgm:prSet/>
-      <dgm:spPr/>
-      <dgm:t>
-        <a:bodyPr/>
-        <a:lstStyle/>
-        <a:p>
-          <a:endParaRPr lang="en-US"/>
-        </a:p>
-      </dgm:t>
-    </dgm:pt>
     <dgm:pt modelId="{A22CCD3C-062E-4639-893C-5E18CACE5CA4}">
       <dgm:prSet/>
       <dgm:spPr/>
@@ -10429,10 +10397,10 @@
         <a:lstStyle/>
         <a:p>
           <a:r>
-            <a:rPr lang="de-DE"/>
+            <a:rPr lang="de-DE" dirty="0"/>
             <a:t>Less Proven in Large-Scale Environments</a:t>
           </a:r>
-          <a:endParaRPr lang="en-US"/>
+          <a:endParaRPr lang="en-US" dirty="0"/>
         </a:p>
       </dgm:t>
     </dgm:pt>
@@ -10466,10 +10434,10 @@
         <a:lstStyle/>
         <a:p>
           <a:r>
-            <a:rPr lang="de-DE"/>
+            <a:rPr lang="de-DE" dirty="0"/>
             <a:t>Potential Costs</a:t>
           </a:r>
-          <a:endParaRPr lang="en-US"/>
+          <a:endParaRPr lang="en-US" dirty="0"/>
         </a:p>
       </dgm:t>
     </dgm:pt>
@@ -10492,6 +10460,43 @@
         <a:lstStyle/>
         <a:p>
           <a:endParaRPr lang="en-US"/>
+        </a:p>
+      </dgm:t>
+    </dgm:pt>
+    <dgm:pt modelId="{5B8E71DA-7963-491F-956F-5DFEF87A06DC}">
+      <dgm:prSet/>
+      <dgm:spPr/>
+      <dgm:t>
+        <a:bodyPr/>
+        <a:lstStyle/>
+        <a:p>
+          <a:r>
+            <a:rPr lang="de-DE" dirty="0"/>
+            <a:t>Dependency on Pulumi Cloud</a:t>
+          </a:r>
+          <a:endParaRPr lang="en-US" dirty="0"/>
+        </a:p>
+      </dgm:t>
+    </dgm:pt>
+    <dgm:pt modelId="{B076F182-BF6A-405D-ACB4-9AC4FD9A080C}" type="parTrans" cxnId="{7BEE11CB-C40A-4BFA-B77A-D6C711333EB9}">
+      <dgm:prSet/>
+      <dgm:spPr/>
+      <dgm:t>
+        <a:bodyPr/>
+        <a:lstStyle/>
+        <a:p>
+          <a:endParaRPr lang="de-DE"/>
+        </a:p>
+      </dgm:t>
+    </dgm:pt>
+    <dgm:pt modelId="{0E4E140A-B4F4-4493-92E0-040C8653A96F}" type="sibTrans" cxnId="{7BEE11CB-C40A-4BFA-B77A-D6C711333EB9}">
+      <dgm:prSet/>
+      <dgm:spPr/>
+      <dgm:t>
+        <a:bodyPr/>
+        <a:lstStyle/>
+        <a:p>
+          <a:endParaRPr lang="de-DE"/>
         </a:p>
       </dgm:t>
     </dgm:pt>
@@ -10556,23 +10561,23 @@
   </dgm:ptLst>
   <dgm:cxnLst>
     <dgm:cxn modelId="{DEF7F400-CCB8-4102-BDE2-3FE9182B01DC}" srcId="{2280E37E-F917-49F0-BC7E-D2297CFE9929}" destId="{BA29CEA8-0E2D-44E2-A0B2-D07CFE399597}" srcOrd="1" destOrd="0" parTransId="{1A9849A9-0093-4FF7-8447-16C2A7D8F8BA}" sibTransId="{6D8A4014-B99F-49B1-95E2-EA752AC0151B}"/>
-    <dgm:cxn modelId="{1E18602B-4D0E-4AB4-A560-D1B7033B25C6}" type="presOf" srcId="{FF110FA0-D197-4AD3-AD91-E231C401D895}" destId="{5298BCF5-E8ED-4185-8F7C-AA69B905A26B}" srcOrd="0" destOrd="1" presId="urn:microsoft.com/office/officeart/2005/8/layout/hList1"/>
     <dgm:cxn modelId="{878E882C-6133-4C2F-A507-ADB7BE0CDEC8}" type="presOf" srcId="{BA29CEA8-0E2D-44E2-A0B2-D07CFE399597}" destId="{951DA6B7-03B7-46F2-BEFB-D9FF7B0FBA4C}" srcOrd="0" destOrd="0" presId="urn:microsoft.com/office/officeart/2005/8/layout/hList1"/>
     <dgm:cxn modelId="{EDCE075D-EE8C-4A08-A7DC-5444991C0306}" type="presOf" srcId="{D6DCFFCF-EDBD-4AA8-9E58-7AF12CE31F25}" destId="{5298BCF5-E8ED-4185-8F7C-AA69B905A26B}" srcOrd="0" destOrd="0" presId="urn:microsoft.com/office/officeart/2005/8/layout/hList1"/>
     <dgm:cxn modelId="{8ED7DA66-1AE8-4EAC-8D33-96F71EF77FDD}" srcId="{A3462086-D705-4E09-8C17-6576B3E9E63B}" destId="{A0BA17AB-051C-416E-AF43-0AE4F9EA9D3F}" srcOrd="3" destOrd="0" parTransId="{D779A775-45E1-4BFA-9649-0D2FA5168AF9}" sibTransId="{61AEDFD7-398A-4A41-90F6-6DC31011E3B0}"/>
     <dgm:cxn modelId="{69A8886E-6435-41D7-A93C-32839D711735}" type="presOf" srcId="{542CE763-3FEA-412C-B898-83F143AB1555}" destId="{636E4759-DEEA-4C39-BDD3-6FDA4B00EFA7}" srcOrd="0" destOrd="0" presId="urn:microsoft.com/office/officeart/2005/8/layout/hList1"/>
     <dgm:cxn modelId="{FF25394F-9611-446B-962A-0278B35D423E}" srcId="{BA29CEA8-0E2D-44E2-A0B2-D07CFE399597}" destId="{239D176E-E235-49DF-A12F-EF79630E7B79}" srcOrd="3" destOrd="0" parTransId="{804C4D60-4545-4ADE-A416-FC53F715B3AD}" sibTransId="{E5EEDCE3-88F3-4655-8132-234E16FDCD14}"/>
     <dgm:cxn modelId="{71D49074-0F54-4EC8-9B32-D78091000399}" type="presOf" srcId="{D69D7951-72D0-44CC-891C-DEBD377D6324}" destId="{636E4759-DEEA-4C39-BDD3-6FDA4B00EFA7}" srcOrd="0" destOrd="2" presId="urn:microsoft.com/office/officeart/2005/8/layout/hList1"/>
-    <dgm:cxn modelId="{5451EA7B-104C-4546-8AC7-FB8D386A9E39}" srcId="{BA29CEA8-0E2D-44E2-A0B2-D07CFE399597}" destId="{FF110FA0-D197-4AD3-AD91-E231C401D895}" srcOrd="1" destOrd="0" parTransId="{B0DCD61C-E0DC-4E85-ACCA-9E6235F81E01}" sibTransId="{75B0676E-3430-4CCF-97BE-529EBC212E0F}"/>
     <dgm:cxn modelId="{A6FC127F-3D41-409F-8EC9-AA21CD351E96}" srcId="{BA29CEA8-0E2D-44E2-A0B2-D07CFE399597}" destId="{D6DCFFCF-EDBD-4AA8-9E58-7AF12CE31F25}" srcOrd="0" destOrd="0" parTransId="{EFA65B17-C473-4289-89A6-BE1A086EB0FE}" sibTransId="{8A4AF9FA-6A11-4AD7-9DA5-B62520150019}"/>
-    <dgm:cxn modelId="{7B45AB86-5CCE-49D9-BB60-F2A51BE100AC}" srcId="{BA29CEA8-0E2D-44E2-A0B2-D07CFE399597}" destId="{A22CCD3C-062E-4639-893C-5E18CACE5CA4}" srcOrd="2" destOrd="0" parTransId="{75AE5A8A-D1A2-446F-930A-9CA143ACDC2B}" sibTransId="{ACC65ABD-D264-4401-8D0C-A656F412103F}"/>
+    <dgm:cxn modelId="{7B45AB86-5CCE-49D9-BB60-F2A51BE100AC}" srcId="{BA29CEA8-0E2D-44E2-A0B2-D07CFE399597}" destId="{A22CCD3C-062E-4639-893C-5E18CACE5CA4}" srcOrd="1" destOrd="0" parTransId="{75AE5A8A-D1A2-446F-930A-9CA143ACDC2B}" sibTransId="{ACC65ABD-D264-4401-8D0C-A656F412103F}"/>
     <dgm:cxn modelId="{9BAED590-C448-41DF-8078-3AB3A3D6BCA2}" srcId="{A3462086-D705-4E09-8C17-6576B3E9E63B}" destId="{D7B3B661-BBA6-4332-BB26-1F4119E1536D}" srcOrd="1" destOrd="0" parTransId="{D678DFA3-2B8F-4E4B-BC74-6A7CBDD148D4}" sibTransId="{61CE790B-A9F9-4935-BD46-7892097CCC79}"/>
     <dgm:cxn modelId="{C546C99E-3DE4-4E16-A4C3-29E675591053}" type="presOf" srcId="{239D176E-E235-49DF-A12F-EF79630E7B79}" destId="{5298BCF5-E8ED-4185-8F7C-AA69B905A26B}" srcOrd="0" destOrd="3" presId="urn:microsoft.com/office/officeart/2005/8/layout/hList1"/>
     <dgm:cxn modelId="{49AC61A0-48AD-47AA-8FA1-22652F2EC5B9}" srcId="{A3462086-D705-4E09-8C17-6576B3E9E63B}" destId="{542CE763-3FEA-412C-B898-83F143AB1555}" srcOrd="0" destOrd="0" parTransId="{90881F06-FFB3-49F0-850C-4279110099E2}" sibTransId="{F85ADDFD-901E-493F-A73A-F672C55311F8}"/>
     <dgm:cxn modelId="{A62D7BA0-5F5E-464F-9A9C-08B3A7505F97}" type="presOf" srcId="{A0BA17AB-051C-416E-AF43-0AE4F9EA9D3F}" destId="{636E4759-DEEA-4C39-BDD3-6FDA4B00EFA7}" srcOrd="0" destOrd="3" presId="urn:microsoft.com/office/officeart/2005/8/layout/hList1"/>
+    <dgm:cxn modelId="{A1E199B4-20E6-4670-81AD-0743BD25DAA5}" type="presOf" srcId="{5B8E71DA-7963-491F-956F-5DFEF87A06DC}" destId="{5298BCF5-E8ED-4185-8F7C-AA69B905A26B}" srcOrd="0" destOrd="2" presId="urn:microsoft.com/office/officeart/2005/8/layout/hList1"/>
+    <dgm:cxn modelId="{7BEE11CB-C40A-4BFA-B77A-D6C711333EB9}" srcId="{BA29CEA8-0E2D-44E2-A0B2-D07CFE399597}" destId="{5B8E71DA-7963-491F-956F-5DFEF87A06DC}" srcOrd="2" destOrd="0" parTransId="{B076F182-BF6A-405D-ACB4-9AC4FD9A080C}" sibTransId="{0E4E140A-B4F4-4493-92E0-040C8653A96F}"/>
     <dgm:cxn modelId="{EBF78CCD-A150-4A68-81A5-E532DE1BEB61}" type="presOf" srcId="{2280E37E-F917-49F0-BC7E-D2297CFE9929}" destId="{41C31EBF-435C-4DA2-AD2D-0DCDD353F9A7}" srcOrd="0" destOrd="0" presId="urn:microsoft.com/office/officeart/2005/8/layout/hList1"/>
     <dgm:cxn modelId="{7EFE54CF-1555-44E5-9B46-9DED992624EB}" type="presOf" srcId="{D7B3B661-BBA6-4332-BB26-1F4119E1536D}" destId="{636E4759-DEEA-4C39-BDD3-6FDA4B00EFA7}" srcOrd="0" destOrd="1" presId="urn:microsoft.com/office/officeart/2005/8/layout/hList1"/>
-    <dgm:cxn modelId="{3810ECCF-18E8-4E5B-A7C8-382226C977F3}" type="presOf" srcId="{A22CCD3C-062E-4639-893C-5E18CACE5CA4}" destId="{5298BCF5-E8ED-4185-8F7C-AA69B905A26B}" srcOrd="0" destOrd="2" presId="urn:microsoft.com/office/officeart/2005/8/layout/hList1"/>
+    <dgm:cxn modelId="{3810ECCF-18E8-4E5B-A7C8-382226C977F3}" type="presOf" srcId="{A22CCD3C-062E-4639-893C-5E18CACE5CA4}" destId="{5298BCF5-E8ED-4185-8F7C-AA69B905A26B}" srcOrd="0" destOrd="1" presId="urn:microsoft.com/office/officeart/2005/8/layout/hList1"/>
     <dgm:cxn modelId="{C82824EE-8031-4E69-B1B5-85A780102780}" type="presOf" srcId="{A3462086-D705-4E09-8C17-6576B3E9E63B}" destId="{175E90C3-E406-4971-907B-094B7B1C0712}" srcOrd="0" destOrd="0" presId="urn:microsoft.com/office/officeart/2005/8/layout/hList1"/>
     <dgm:cxn modelId="{8DEB40EF-B6BF-4185-A315-C3FC5E8ACC5D}" srcId="{A3462086-D705-4E09-8C17-6576B3E9E63B}" destId="{D69D7951-72D0-44CC-891C-DEBD377D6324}" srcOrd="2" destOrd="0" parTransId="{C562E97C-FD04-453E-AE67-109D2A3AF1E3}" sibTransId="{B55834FD-23F4-4DD9-B8FF-155947747263}"/>
     <dgm:cxn modelId="{8F8D5AF5-0AA3-44FE-9074-121955C1A7A0}" srcId="{2280E37E-F917-49F0-BC7E-D2297CFE9929}" destId="{A3462086-D705-4E09-8C17-6576B3E9E63B}" srcOrd="0" destOrd="0" parTransId="{E325927D-0DCC-46B8-88DB-A4860A328953}" sibTransId="{0AFA126A-2A48-4523-8FDD-E5D24B001AD1}"/>
@@ -10588,7 +10593,7 @@
   <dgm:whole/>
   <dgm:extLst>
     <a:ext uri="http://schemas.microsoft.com/office/drawing/2008/diagram">
-      <dsp:dataModelExt xmlns:dsp="http://schemas.microsoft.com/office/drawing/2008/diagram" relId="rId6" minVer="http://schemas.openxmlformats.org/drawingml/2006/diagram"/>
+      <dsp:dataModelExt xmlns:dsp="http://schemas.microsoft.com/office/drawing/2008/diagram" relId="rId7" minVer="http://schemas.openxmlformats.org/drawingml/2006/diagram"/>
     </a:ext>
   </dgm:extLst>
 </dgm:dataModel>
@@ -11149,9 +11154,14 @@
             <a:defRPr b="1"/>
           </a:pPr>
           <a:r>
-            <a:rPr lang="en-US" sz="1400" kern="1200"/>
-            <a:t>Open-source tool by HashiCorp</a:t>
+            <a:rPr lang="en-US" sz="1400" kern="1200" dirty="0"/>
+            <a:t>Open-source tool by </a:t>
           </a:r>
+          <a:r>
+            <a:rPr lang="en-US" sz="1400" kern="1200" dirty="0" err="1"/>
+            <a:t>HashiCorp</a:t>
+          </a:r>
+          <a:endParaRPr lang="en-US" sz="1400" kern="1200" dirty="0"/>
         </a:p>
       </dsp:txBody>
       <dsp:txXfrm>
@@ -12681,10 +12691,10 @@
             <a:buChar char="•"/>
           </a:pPr>
           <a:r>
-            <a:rPr lang="de-DE" sz="3000" kern="1200"/>
-            <a:t>Do not put tfstate in version control</a:t>
+            <a:rPr lang="de-DE" sz="3000" kern="1200" dirty="0"/>
+            <a:t>Do not put secrets in version control</a:t>
           </a:r>
-          <a:endParaRPr lang="en-US" sz="3000" kern="1200"/>
+          <a:endParaRPr lang="en-US" sz="3000" kern="1200" dirty="0"/>
         </a:p>
       </dsp:txBody>
       <dsp:txXfrm rot="-5400000">
@@ -14133,10 +14143,10 @@
             <a:buChar char="•"/>
           </a:pPr>
           <a:r>
-            <a:rPr lang="de-DE" sz="2700" kern="1200"/>
+            <a:rPr lang="de-DE" sz="2700" kern="1200" dirty="0"/>
             <a:t>Smaller Community</a:t>
           </a:r>
-          <a:endParaRPr lang="en-US" sz="2700" kern="1200"/>
+          <a:endParaRPr lang="en-US" sz="2700" kern="1200" dirty="0"/>
         </a:p>
         <a:p>
           <a:pPr marL="228600" lvl="1" indent="-228600" algn="l" defTabSz="1200150">
@@ -14152,10 +14162,10 @@
             <a:buChar char="•"/>
           </a:pPr>
           <a:r>
-            <a:rPr lang="de-DE" sz="2700" kern="1200"/>
-            <a:t>Dependency on Pulumi Cloud</a:t>
+            <a:rPr lang="de-DE" sz="2700" kern="1200" dirty="0"/>
+            <a:t>Less Proven in Large-Scale Environments</a:t>
           </a:r>
-          <a:endParaRPr lang="en-US" sz="2700" kern="1200"/>
+          <a:endParaRPr lang="en-US" sz="2700" kern="1200" dirty="0"/>
         </a:p>
         <a:p>
           <a:pPr marL="228600" lvl="1" indent="-228600" algn="l" defTabSz="1200150">
@@ -14171,10 +14181,10 @@
             <a:buChar char="•"/>
           </a:pPr>
           <a:r>
-            <a:rPr lang="de-DE" sz="2700" kern="1200"/>
-            <a:t>Less Proven in Large-Scale Environments</a:t>
+            <a:rPr lang="de-DE" sz="2700" kern="1200" dirty="0"/>
+            <a:t>Dependency on Pulumi Cloud</a:t>
           </a:r>
-          <a:endParaRPr lang="en-US" sz="2700" kern="1200"/>
+          <a:endParaRPr lang="en-US" sz="2700" kern="1200" dirty="0"/>
         </a:p>
         <a:p>
           <a:pPr marL="228600" lvl="1" indent="-228600" algn="l" defTabSz="1200150">
@@ -14190,10 +14200,10 @@
             <a:buChar char="•"/>
           </a:pPr>
           <a:r>
-            <a:rPr lang="de-DE" sz="2700" kern="1200"/>
+            <a:rPr lang="de-DE" sz="2700" kern="1200" dirty="0"/>
             <a:t>Potential Costs</a:t>
           </a:r>
-          <a:endParaRPr lang="en-US" sz="2700" kern="1200"/>
+          <a:endParaRPr lang="en-US" sz="2700" kern="1200" dirty="0"/>
         </a:p>
       </dsp:txBody>
       <dsp:txXfrm>
@@ -25858,7 +25868,10 @@
           <a:bodyPr/>
           <a:lstStyle/>
           <a:p>
-            <a:endParaRPr lang="de-DE" dirty="0"/>
+            <a:r>
+              <a:rPr lang="de-DE" dirty="0"/>
+              <a:t>Marco</a:t>
+            </a:r>
           </a:p>
         </p:txBody>
       </p:sp>
@@ -25889,6 +25902,921 @@
     <p:extLst>
       <p:ext uri="{BB962C8B-B14F-4D97-AF65-F5344CB8AC3E}">
         <p14:creationId xmlns:p14="http://schemas.microsoft.com/office/powerpoint/2010/main" val="3301916025"/>
+      </p:ext>
+    </p:extLst>
+  </p:cSld>
+  <p:clrMapOvr>
+    <a:masterClrMapping/>
+  </p:clrMapOvr>
+</p:notes>
+</file>
+
+<file path=ppt/notesSlides/notesSlide10.xml><?xml version="1.0" encoding="utf-8"?>
+<p:notes xmlns:a="http://schemas.openxmlformats.org/drawingml/2006/main" xmlns:r="http://schemas.openxmlformats.org/officeDocument/2006/relationships" xmlns:p="http://schemas.openxmlformats.org/presentationml/2006/main">
+  <p:cSld>
+    <p:spTree>
+      <p:nvGrpSpPr>
+        <p:cNvPr id="1" name=""/>
+        <p:cNvGrpSpPr/>
+        <p:nvPr/>
+      </p:nvGrpSpPr>
+      <p:grpSpPr>
+        <a:xfrm>
+          <a:off x="0" y="0"/>
+          <a:ext cx="0" cy="0"/>
+          <a:chOff x="0" y="0"/>
+          <a:chExt cx="0" cy="0"/>
+        </a:xfrm>
+      </p:grpSpPr>
+      <p:sp>
+        <p:nvSpPr>
+          <p:cNvPr id="2" name="Slide Image Placeholder 1"/>
+          <p:cNvSpPr>
+            <a:spLocks noGrp="1" noRot="1" noChangeAspect="1"/>
+          </p:cNvSpPr>
+          <p:nvPr>
+            <p:ph type="sldImg"/>
+          </p:nvPr>
+        </p:nvSpPr>
+        <p:spPr/>
+      </p:sp>
+      <p:sp>
+        <p:nvSpPr>
+          <p:cNvPr id="3" name="Notes Placeholder 2"/>
+          <p:cNvSpPr>
+            <a:spLocks noGrp="1"/>
+          </p:cNvSpPr>
+          <p:nvPr>
+            <p:ph type="body" idx="1"/>
+          </p:nvPr>
+        </p:nvSpPr>
+        <p:spPr/>
+        <p:txBody>
+          <a:bodyPr/>
+          <a:lstStyle/>
+          <a:p>
+            <a:r>
+              <a:rPr lang="de-DE" dirty="0"/>
+              <a:t>Marco</a:t>
+            </a:r>
+          </a:p>
+          <a:p>
+            <a:r>
+              <a:rPr lang="de-DE" dirty="0"/>
+              <a:t>What could be potential security issues?</a:t>
+            </a:r>
+          </a:p>
+          <a:p>
+            <a:r>
+              <a:rPr lang="de-DE" dirty="0"/>
+              <a:t>How coud you mitigate them?</a:t>
+            </a:r>
+          </a:p>
+        </p:txBody>
+      </p:sp>
+      <p:sp>
+        <p:nvSpPr>
+          <p:cNvPr id="4" name="Slide Number Placeholder 3"/>
+          <p:cNvSpPr>
+            <a:spLocks noGrp="1"/>
+          </p:cNvSpPr>
+          <p:nvPr>
+            <p:ph type="sldNum" sz="quarter" idx="5"/>
+          </p:nvPr>
+        </p:nvSpPr>
+        <p:spPr/>
+        <p:txBody>
+          <a:bodyPr/>
+          <a:lstStyle/>
+          <a:p>
+            <a:fld id="{A61CFBFC-7E07-4A07-8BE9-3071F813C27F}" type="slidenum">
+              <a:rPr lang="de-DE" smtClean="0"/>
+              <a:t>10</a:t>
+            </a:fld>
+            <a:endParaRPr lang="de-DE"/>
+          </a:p>
+        </p:txBody>
+      </p:sp>
+    </p:spTree>
+    <p:extLst>
+      <p:ext uri="{BB962C8B-B14F-4D97-AF65-F5344CB8AC3E}">
+        <p14:creationId xmlns:p14="http://schemas.microsoft.com/office/powerpoint/2010/main" val="1069102404"/>
+      </p:ext>
+    </p:extLst>
+  </p:cSld>
+  <p:clrMapOvr>
+    <a:masterClrMapping/>
+  </p:clrMapOvr>
+</p:notes>
+</file>
+
+<file path=ppt/notesSlides/notesSlide11.xml><?xml version="1.0" encoding="utf-8"?>
+<p:notes xmlns:a="http://schemas.openxmlformats.org/drawingml/2006/main" xmlns:r="http://schemas.openxmlformats.org/officeDocument/2006/relationships" xmlns:p="http://schemas.openxmlformats.org/presentationml/2006/main">
+  <p:cSld>
+    <p:spTree>
+      <p:nvGrpSpPr>
+        <p:cNvPr id="1" name=""/>
+        <p:cNvGrpSpPr/>
+        <p:nvPr/>
+      </p:nvGrpSpPr>
+      <p:grpSpPr>
+        <a:xfrm>
+          <a:off x="0" y="0"/>
+          <a:ext cx="0" cy="0"/>
+          <a:chOff x="0" y="0"/>
+          <a:chExt cx="0" cy="0"/>
+        </a:xfrm>
+      </p:grpSpPr>
+      <p:sp>
+        <p:nvSpPr>
+          <p:cNvPr id="2" name="Slide Image Placeholder 1"/>
+          <p:cNvSpPr>
+            <a:spLocks noGrp="1" noRot="1" noChangeAspect="1"/>
+          </p:cNvSpPr>
+          <p:nvPr>
+            <p:ph type="sldImg"/>
+          </p:nvPr>
+        </p:nvSpPr>
+        <p:spPr/>
+      </p:sp>
+      <p:sp>
+        <p:nvSpPr>
+          <p:cNvPr id="3" name="Notes Placeholder 2"/>
+          <p:cNvSpPr>
+            <a:spLocks noGrp="1"/>
+          </p:cNvSpPr>
+          <p:nvPr>
+            <p:ph type="body" idx="1"/>
+          </p:nvPr>
+        </p:nvSpPr>
+        <p:spPr/>
+        <p:txBody>
+          <a:bodyPr/>
+          <a:lstStyle/>
+          <a:p>
+            <a:r>
+              <a:rPr lang="de-DE" dirty="0"/>
+              <a:t>Marco</a:t>
+            </a:r>
+          </a:p>
+          <a:p>
+            <a:endParaRPr lang="de-DE" dirty="0"/>
+          </a:p>
+          <a:p>
+            <a:r>
+              <a:rPr lang="de-DE" dirty="0"/>
+              <a:t>Big part mentioned in state management &gt; remote backend like S3</a:t>
+            </a:r>
+          </a:p>
+          <a:p>
+            <a:r>
+              <a:rPr lang="de-DE" dirty="0"/>
+              <a:t>Git does not prevent conflicts and s3 also encrypts</a:t>
+            </a:r>
+          </a:p>
+        </p:txBody>
+      </p:sp>
+      <p:sp>
+        <p:nvSpPr>
+          <p:cNvPr id="4" name="Slide Number Placeholder 3"/>
+          <p:cNvSpPr>
+            <a:spLocks noGrp="1"/>
+          </p:cNvSpPr>
+          <p:nvPr>
+            <p:ph type="sldNum" sz="quarter" idx="5"/>
+          </p:nvPr>
+        </p:nvSpPr>
+        <p:spPr/>
+        <p:txBody>
+          <a:bodyPr/>
+          <a:lstStyle/>
+          <a:p>
+            <a:fld id="{A61CFBFC-7E07-4A07-8BE9-3071F813C27F}" type="slidenum">
+              <a:rPr lang="de-DE" smtClean="0"/>
+              <a:t>11</a:t>
+            </a:fld>
+            <a:endParaRPr lang="de-DE"/>
+          </a:p>
+        </p:txBody>
+      </p:sp>
+    </p:spTree>
+    <p:extLst>
+      <p:ext uri="{BB962C8B-B14F-4D97-AF65-F5344CB8AC3E}">
+        <p14:creationId xmlns:p14="http://schemas.microsoft.com/office/powerpoint/2010/main" val="2387208925"/>
+      </p:ext>
+    </p:extLst>
+  </p:cSld>
+  <p:clrMapOvr>
+    <a:masterClrMapping/>
+  </p:clrMapOvr>
+</p:notes>
+</file>
+
+<file path=ppt/notesSlides/notesSlide12.xml><?xml version="1.0" encoding="utf-8"?>
+<p:notes xmlns:a="http://schemas.openxmlformats.org/drawingml/2006/main" xmlns:r="http://schemas.openxmlformats.org/officeDocument/2006/relationships" xmlns:p="http://schemas.openxmlformats.org/presentationml/2006/main">
+  <p:cSld>
+    <p:spTree>
+      <p:nvGrpSpPr>
+        <p:cNvPr id="1" name=""/>
+        <p:cNvGrpSpPr/>
+        <p:nvPr/>
+      </p:nvGrpSpPr>
+      <p:grpSpPr>
+        <a:xfrm>
+          <a:off x="0" y="0"/>
+          <a:ext cx="0" cy="0"/>
+          <a:chOff x="0" y="0"/>
+          <a:chExt cx="0" cy="0"/>
+        </a:xfrm>
+      </p:grpSpPr>
+      <p:sp>
+        <p:nvSpPr>
+          <p:cNvPr id="2" name="Slide Image Placeholder 1"/>
+          <p:cNvSpPr>
+            <a:spLocks noGrp="1" noRot="1" noChangeAspect="1"/>
+          </p:cNvSpPr>
+          <p:nvPr>
+            <p:ph type="sldImg"/>
+          </p:nvPr>
+        </p:nvSpPr>
+        <p:spPr/>
+      </p:sp>
+      <p:sp>
+        <p:nvSpPr>
+          <p:cNvPr id="3" name="Notes Placeholder 2"/>
+          <p:cNvSpPr>
+            <a:spLocks noGrp="1"/>
+          </p:cNvSpPr>
+          <p:nvPr>
+            <p:ph type="body" idx="1"/>
+          </p:nvPr>
+        </p:nvSpPr>
+        <p:spPr/>
+        <p:txBody>
+          <a:bodyPr/>
+          <a:lstStyle/>
+          <a:p>
+            <a:r>
+              <a:rPr lang="de-DE" dirty="0"/>
+              <a:t>Anil</a:t>
+            </a:r>
+          </a:p>
+          <a:p>
+            <a:r>
+              <a:rPr lang="de-DE" dirty="0"/>
+              <a:t>What are benefits of automation?</a:t>
+            </a:r>
+          </a:p>
+          <a:p>
+            <a:r>
+              <a:rPr lang="de-DE" dirty="0"/>
+              <a:t>How could Automations be performed?</a:t>
+            </a:r>
+          </a:p>
+        </p:txBody>
+      </p:sp>
+      <p:sp>
+        <p:nvSpPr>
+          <p:cNvPr id="4" name="Slide Number Placeholder 3"/>
+          <p:cNvSpPr>
+            <a:spLocks noGrp="1"/>
+          </p:cNvSpPr>
+          <p:nvPr>
+            <p:ph type="sldNum" sz="quarter" idx="5"/>
+          </p:nvPr>
+        </p:nvSpPr>
+        <p:spPr/>
+        <p:txBody>
+          <a:bodyPr/>
+          <a:lstStyle/>
+          <a:p>
+            <a:fld id="{A61CFBFC-7E07-4A07-8BE9-3071F813C27F}" type="slidenum">
+              <a:rPr lang="de-DE" smtClean="0"/>
+              <a:t>12</a:t>
+            </a:fld>
+            <a:endParaRPr lang="de-DE"/>
+          </a:p>
+        </p:txBody>
+      </p:sp>
+    </p:spTree>
+    <p:extLst>
+      <p:ext uri="{BB962C8B-B14F-4D97-AF65-F5344CB8AC3E}">
+        <p14:creationId xmlns:p14="http://schemas.microsoft.com/office/powerpoint/2010/main" val="1174877158"/>
+      </p:ext>
+    </p:extLst>
+  </p:cSld>
+  <p:clrMapOvr>
+    <a:masterClrMapping/>
+  </p:clrMapOvr>
+</p:notes>
+</file>
+
+<file path=ppt/notesSlides/notesSlide13.xml><?xml version="1.0" encoding="utf-8"?>
+<p:notes xmlns:a="http://schemas.openxmlformats.org/drawingml/2006/main" xmlns:r="http://schemas.openxmlformats.org/officeDocument/2006/relationships" xmlns:p="http://schemas.openxmlformats.org/presentationml/2006/main">
+  <p:cSld>
+    <p:spTree>
+      <p:nvGrpSpPr>
+        <p:cNvPr id="1" name=""/>
+        <p:cNvGrpSpPr/>
+        <p:nvPr/>
+      </p:nvGrpSpPr>
+      <p:grpSpPr>
+        <a:xfrm>
+          <a:off x="0" y="0"/>
+          <a:ext cx="0" cy="0"/>
+          <a:chOff x="0" y="0"/>
+          <a:chExt cx="0" cy="0"/>
+        </a:xfrm>
+      </p:grpSpPr>
+      <p:sp>
+        <p:nvSpPr>
+          <p:cNvPr id="2" name="Slide Image Placeholder 1"/>
+          <p:cNvSpPr>
+            <a:spLocks noGrp="1" noRot="1" noChangeAspect="1"/>
+          </p:cNvSpPr>
+          <p:nvPr>
+            <p:ph type="sldImg"/>
+          </p:nvPr>
+        </p:nvSpPr>
+        <p:spPr/>
+      </p:sp>
+      <p:sp>
+        <p:nvSpPr>
+          <p:cNvPr id="3" name="Notes Placeholder 2"/>
+          <p:cNvSpPr>
+            <a:spLocks noGrp="1"/>
+          </p:cNvSpPr>
+          <p:nvPr>
+            <p:ph type="body" idx="1"/>
+          </p:nvPr>
+        </p:nvSpPr>
+        <p:spPr/>
+        <p:txBody>
+          <a:bodyPr/>
+          <a:lstStyle/>
+          <a:p>
+            <a:r>
+              <a:rPr lang="de-DE" dirty="0"/>
+              <a:t>Anil</a:t>
+            </a:r>
+          </a:p>
+        </p:txBody>
+      </p:sp>
+      <p:sp>
+        <p:nvSpPr>
+          <p:cNvPr id="4" name="Slide Number Placeholder 3"/>
+          <p:cNvSpPr>
+            <a:spLocks noGrp="1"/>
+          </p:cNvSpPr>
+          <p:nvPr>
+            <p:ph type="sldNum" sz="quarter" idx="5"/>
+          </p:nvPr>
+        </p:nvSpPr>
+        <p:spPr/>
+        <p:txBody>
+          <a:bodyPr/>
+          <a:lstStyle/>
+          <a:p>
+            <a:fld id="{A61CFBFC-7E07-4A07-8BE9-3071F813C27F}" type="slidenum">
+              <a:rPr lang="de-DE" smtClean="0"/>
+              <a:t>13</a:t>
+            </a:fld>
+            <a:endParaRPr lang="de-DE"/>
+          </a:p>
+        </p:txBody>
+      </p:sp>
+    </p:spTree>
+    <p:extLst>
+      <p:ext uri="{BB962C8B-B14F-4D97-AF65-F5344CB8AC3E}">
+        <p14:creationId xmlns:p14="http://schemas.microsoft.com/office/powerpoint/2010/main" val="202728773"/>
+      </p:ext>
+    </p:extLst>
+  </p:cSld>
+  <p:clrMapOvr>
+    <a:masterClrMapping/>
+  </p:clrMapOvr>
+</p:notes>
+</file>
+
+<file path=ppt/notesSlides/notesSlide14.xml><?xml version="1.0" encoding="utf-8"?>
+<p:notes xmlns:a="http://schemas.openxmlformats.org/drawingml/2006/main" xmlns:r="http://schemas.openxmlformats.org/officeDocument/2006/relationships" xmlns:p="http://schemas.openxmlformats.org/presentationml/2006/main">
+  <p:cSld>
+    <p:spTree>
+      <p:nvGrpSpPr>
+        <p:cNvPr id="1" name=""/>
+        <p:cNvGrpSpPr/>
+        <p:nvPr/>
+      </p:nvGrpSpPr>
+      <p:grpSpPr>
+        <a:xfrm>
+          <a:off x="0" y="0"/>
+          <a:ext cx="0" cy="0"/>
+          <a:chOff x="0" y="0"/>
+          <a:chExt cx="0" cy="0"/>
+        </a:xfrm>
+      </p:grpSpPr>
+      <p:sp>
+        <p:nvSpPr>
+          <p:cNvPr id="2" name="Slide Image Placeholder 1"/>
+          <p:cNvSpPr>
+            <a:spLocks noGrp="1" noRot="1" noChangeAspect="1"/>
+          </p:cNvSpPr>
+          <p:nvPr>
+            <p:ph type="sldImg"/>
+          </p:nvPr>
+        </p:nvSpPr>
+        <p:spPr/>
+      </p:sp>
+      <p:sp>
+        <p:nvSpPr>
+          <p:cNvPr id="3" name="Notes Placeholder 2"/>
+          <p:cNvSpPr>
+            <a:spLocks noGrp="1"/>
+          </p:cNvSpPr>
+          <p:nvPr>
+            <p:ph type="body" idx="1"/>
+          </p:nvPr>
+        </p:nvSpPr>
+        <p:spPr/>
+        <p:txBody>
+          <a:bodyPr/>
+          <a:lstStyle/>
+          <a:p>
+            <a:r>
+              <a:rPr lang="de-DE" dirty="0"/>
+              <a:t>Anil</a:t>
+            </a:r>
+          </a:p>
+        </p:txBody>
+      </p:sp>
+      <p:sp>
+        <p:nvSpPr>
+          <p:cNvPr id="4" name="Slide Number Placeholder 3"/>
+          <p:cNvSpPr>
+            <a:spLocks noGrp="1"/>
+          </p:cNvSpPr>
+          <p:nvPr>
+            <p:ph type="sldNum" sz="quarter" idx="5"/>
+          </p:nvPr>
+        </p:nvSpPr>
+        <p:spPr/>
+        <p:txBody>
+          <a:bodyPr/>
+          <a:lstStyle/>
+          <a:p>
+            <a:fld id="{A61CFBFC-7E07-4A07-8BE9-3071F813C27F}" type="slidenum">
+              <a:rPr lang="de-DE" smtClean="0"/>
+              <a:t>14</a:t>
+            </a:fld>
+            <a:endParaRPr lang="de-DE"/>
+          </a:p>
+        </p:txBody>
+      </p:sp>
+    </p:spTree>
+    <p:extLst>
+      <p:ext uri="{BB962C8B-B14F-4D97-AF65-F5344CB8AC3E}">
+        <p14:creationId xmlns:p14="http://schemas.microsoft.com/office/powerpoint/2010/main" val="4193525158"/>
+      </p:ext>
+    </p:extLst>
+  </p:cSld>
+  <p:clrMapOvr>
+    <a:masterClrMapping/>
+  </p:clrMapOvr>
+</p:notes>
+</file>
+
+<file path=ppt/notesSlides/notesSlide15.xml><?xml version="1.0" encoding="utf-8"?>
+<p:notes xmlns:a="http://schemas.openxmlformats.org/drawingml/2006/main" xmlns:r="http://schemas.openxmlformats.org/officeDocument/2006/relationships" xmlns:p="http://schemas.openxmlformats.org/presentationml/2006/main">
+  <p:cSld>
+    <p:spTree>
+      <p:nvGrpSpPr>
+        <p:cNvPr id="1" name=""/>
+        <p:cNvGrpSpPr/>
+        <p:nvPr/>
+      </p:nvGrpSpPr>
+      <p:grpSpPr>
+        <a:xfrm>
+          <a:off x="0" y="0"/>
+          <a:ext cx="0" cy="0"/>
+          <a:chOff x="0" y="0"/>
+          <a:chExt cx="0" cy="0"/>
+        </a:xfrm>
+      </p:grpSpPr>
+      <p:sp>
+        <p:nvSpPr>
+          <p:cNvPr id="2" name="Slide Image Placeholder 1"/>
+          <p:cNvSpPr>
+            <a:spLocks noGrp="1" noRot="1" noChangeAspect="1"/>
+          </p:cNvSpPr>
+          <p:nvPr>
+            <p:ph type="sldImg"/>
+          </p:nvPr>
+        </p:nvSpPr>
+        <p:spPr/>
+      </p:sp>
+      <p:sp>
+        <p:nvSpPr>
+          <p:cNvPr id="3" name="Notes Placeholder 2"/>
+          <p:cNvSpPr>
+            <a:spLocks noGrp="1"/>
+          </p:cNvSpPr>
+          <p:nvPr>
+            <p:ph type="body" idx="1"/>
+          </p:nvPr>
+        </p:nvSpPr>
+        <p:spPr/>
+        <p:txBody>
+          <a:bodyPr/>
+          <a:lstStyle/>
+          <a:p>
+            <a:r>
+              <a:rPr lang="de-DE" dirty="0"/>
+              <a:t>Marco</a:t>
+            </a:r>
+          </a:p>
+        </p:txBody>
+      </p:sp>
+      <p:sp>
+        <p:nvSpPr>
+          <p:cNvPr id="4" name="Slide Number Placeholder 3"/>
+          <p:cNvSpPr>
+            <a:spLocks noGrp="1"/>
+          </p:cNvSpPr>
+          <p:nvPr>
+            <p:ph type="sldNum" sz="quarter" idx="5"/>
+          </p:nvPr>
+        </p:nvSpPr>
+        <p:spPr/>
+        <p:txBody>
+          <a:bodyPr/>
+          <a:lstStyle/>
+          <a:p>
+            <a:fld id="{A61CFBFC-7E07-4A07-8BE9-3071F813C27F}" type="slidenum">
+              <a:rPr lang="de-DE" smtClean="0"/>
+              <a:t>15</a:t>
+            </a:fld>
+            <a:endParaRPr lang="de-DE"/>
+          </a:p>
+        </p:txBody>
+      </p:sp>
+    </p:spTree>
+    <p:extLst>
+      <p:ext uri="{BB962C8B-B14F-4D97-AF65-F5344CB8AC3E}">
+        <p14:creationId xmlns:p14="http://schemas.microsoft.com/office/powerpoint/2010/main" val="3044824916"/>
+      </p:ext>
+    </p:extLst>
+  </p:cSld>
+  <p:clrMapOvr>
+    <a:masterClrMapping/>
+  </p:clrMapOvr>
+</p:notes>
+</file>
+
+<file path=ppt/notesSlides/notesSlide16.xml><?xml version="1.0" encoding="utf-8"?>
+<p:notes xmlns:a="http://schemas.openxmlformats.org/drawingml/2006/main" xmlns:r="http://schemas.openxmlformats.org/officeDocument/2006/relationships" xmlns:p="http://schemas.openxmlformats.org/presentationml/2006/main">
+  <p:cSld>
+    <p:spTree>
+      <p:nvGrpSpPr>
+        <p:cNvPr id="1" name=""/>
+        <p:cNvGrpSpPr/>
+        <p:nvPr/>
+      </p:nvGrpSpPr>
+      <p:grpSpPr>
+        <a:xfrm>
+          <a:off x="0" y="0"/>
+          <a:ext cx="0" cy="0"/>
+          <a:chOff x="0" y="0"/>
+          <a:chExt cx="0" cy="0"/>
+        </a:xfrm>
+      </p:grpSpPr>
+      <p:sp>
+        <p:nvSpPr>
+          <p:cNvPr id="2" name="Slide Image Placeholder 1"/>
+          <p:cNvSpPr>
+            <a:spLocks noGrp="1" noRot="1" noChangeAspect="1"/>
+          </p:cNvSpPr>
+          <p:nvPr>
+            <p:ph type="sldImg"/>
+          </p:nvPr>
+        </p:nvSpPr>
+        <p:spPr/>
+      </p:sp>
+      <p:sp>
+        <p:nvSpPr>
+          <p:cNvPr id="3" name="Notes Placeholder 2"/>
+          <p:cNvSpPr>
+            <a:spLocks noGrp="1"/>
+          </p:cNvSpPr>
+          <p:nvPr>
+            <p:ph type="body" idx="1"/>
+          </p:nvPr>
+        </p:nvSpPr>
+        <p:spPr/>
+        <p:txBody>
+          <a:bodyPr/>
+          <a:lstStyle/>
+          <a:p>
+            <a:r>
+              <a:rPr lang="de-DE" dirty="0"/>
+              <a:t>Marco</a:t>
+            </a:r>
+          </a:p>
+          <a:p>
+            <a:r>
+              <a:rPr lang="de-DE" dirty="0"/>
+              <a:t>State Management -&gt; only the tfstate file -&gt; large file (hard to manage) -&gt; conflicts while working simultanious </a:t>
+            </a:r>
+          </a:p>
+        </p:txBody>
+      </p:sp>
+      <p:sp>
+        <p:nvSpPr>
+          <p:cNvPr id="4" name="Slide Number Placeholder 3"/>
+          <p:cNvSpPr>
+            <a:spLocks noGrp="1"/>
+          </p:cNvSpPr>
+          <p:nvPr>
+            <p:ph type="sldNum" sz="quarter" idx="5"/>
+          </p:nvPr>
+        </p:nvSpPr>
+        <p:spPr/>
+        <p:txBody>
+          <a:bodyPr/>
+          <a:lstStyle/>
+          <a:p>
+            <a:fld id="{A61CFBFC-7E07-4A07-8BE9-3071F813C27F}" type="slidenum">
+              <a:rPr lang="de-DE" smtClean="0"/>
+              <a:t>16</a:t>
+            </a:fld>
+            <a:endParaRPr lang="de-DE"/>
+          </a:p>
+        </p:txBody>
+      </p:sp>
+    </p:spTree>
+    <p:extLst>
+      <p:ext uri="{BB962C8B-B14F-4D97-AF65-F5344CB8AC3E}">
+        <p14:creationId xmlns:p14="http://schemas.microsoft.com/office/powerpoint/2010/main" val="2493443399"/>
+      </p:ext>
+    </p:extLst>
+  </p:cSld>
+  <p:clrMapOvr>
+    <a:masterClrMapping/>
+  </p:clrMapOvr>
+</p:notes>
+</file>
+
+<file path=ppt/notesSlides/notesSlide17.xml><?xml version="1.0" encoding="utf-8"?>
+<p:notes xmlns:a="http://schemas.openxmlformats.org/drawingml/2006/main" xmlns:r="http://schemas.openxmlformats.org/officeDocument/2006/relationships" xmlns:p="http://schemas.openxmlformats.org/presentationml/2006/main">
+  <p:cSld>
+    <p:spTree>
+      <p:nvGrpSpPr>
+        <p:cNvPr id="1" name=""/>
+        <p:cNvGrpSpPr/>
+        <p:nvPr/>
+      </p:nvGrpSpPr>
+      <p:grpSpPr>
+        <a:xfrm>
+          <a:off x="0" y="0"/>
+          <a:ext cx="0" cy="0"/>
+          <a:chOff x="0" y="0"/>
+          <a:chExt cx="0" cy="0"/>
+        </a:xfrm>
+      </p:grpSpPr>
+      <p:sp>
+        <p:nvSpPr>
+          <p:cNvPr id="2" name="Slide Image Placeholder 1"/>
+          <p:cNvSpPr>
+            <a:spLocks noGrp="1" noRot="1" noChangeAspect="1"/>
+          </p:cNvSpPr>
+          <p:nvPr>
+            <p:ph type="sldImg"/>
+          </p:nvPr>
+        </p:nvSpPr>
+        <p:spPr/>
+      </p:sp>
+      <p:sp>
+        <p:nvSpPr>
+          <p:cNvPr id="3" name="Notes Placeholder 2"/>
+          <p:cNvSpPr>
+            <a:spLocks noGrp="1"/>
+          </p:cNvSpPr>
+          <p:nvPr>
+            <p:ph type="body" idx="1"/>
+          </p:nvPr>
+        </p:nvSpPr>
+        <p:spPr/>
+        <p:txBody>
+          <a:bodyPr/>
+          <a:lstStyle/>
+          <a:p>
+            <a:r>
+              <a:rPr lang="de-DE" dirty="0"/>
+              <a:t>Marco</a:t>
+            </a:r>
+          </a:p>
+        </p:txBody>
+      </p:sp>
+      <p:sp>
+        <p:nvSpPr>
+          <p:cNvPr id="4" name="Slide Number Placeholder 3"/>
+          <p:cNvSpPr>
+            <a:spLocks noGrp="1"/>
+          </p:cNvSpPr>
+          <p:nvPr>
+            <p:ph type="sldNum" sz="quarter" idx="5"/>
+          </p:nvPr>
+        </p:nvSpPr>
+        <p:spPr/>
+        <p:txBody>
+          <a:bodyPr/>
+          <a:lstStyle/>
+          <a:p>
+            <a:fld id="{A61CFBFC-7E07-4A07-8BE9-3071F813C27F}" type="slidenum">
+              <a:rPr lang="de-DE" smtClean="0"/>
+              <a:t>17</a:t>
+            </a:fld>
+            <a:endParaRPr lang="de-DE"/>
+          </a:p>
+        </p:txBody>
+      </p:sp>
+    </p:spTree>
+    <p:extLst>
+      <p:ext uri="{BB962C8B-B14F-4D97-AF65-F5344CB8AC3E}">
+        <p14:creationId xmlns:p14="http://schemas.microsoft.com/office/powerpoint/2010/main" val="503401912"/>
+      </p:ext>
+    </p:extLst>
+  </p:cSld>
+  <p:clrMapOvr>
+    <a:masterClrMapping/>
+  </p:clrMapOvr>
+</p:notes>
+</file>
+
+<file path=ppt/notesSlides/notesSlide18.xml><?xml version="1.0" encoding="utf-8"?>
+<p:notes xmlns:a="http://schemas.openxmlformats.org/drawingml/2006/main" xmlns:r="http://schemas.openxmlformats.org/officeDocument/2006/relationships" xmlns:p="http://schemas.openxmlformats.org/presentationml/2006/main">
+  <p:cSld>
+    <p:spTree>
+      <p:nvGrpSpPr>
+        <p:cNvPr id="1" name=""/>
+        <p:cNvGrpSpPr/>
+        <p:nvPr/>
+      </p:nvGrpSpPr>
+      <p:grpSpPr>
+        <a:xfrm>
+          <a:off x="0" y="0"/>
+          <a:ext cx="0" cy="0"/>
+          <a:chOff x="0" y="0"/>
+          <a:chExt cx="0" cy="0"/>
+        </a:xfrm>
+      </p:grpSpPr>
+      <p:sp>
+        <p:nvSpPr>
+          <p:cNvPr id="2" name="Slide Image Placeholder 1"/>
+          <p:cNvSpPr>
+            <a:spLocks noGrp="1" noRot="1" noChangeAspect="1"/>
+          </p:cNvSpPr>
+          <p:nvPr>
+            <p:ph type="sldImg"/>
+          </p:nvPr>
+        </p:nvSpPr>
+        <p:spPr/>
+      </p:sp>
+      <p:sp>
+        <p:nvSpPr>
+          <p:cNvPr id="3" name="Notes Placeholder 2"/>
+          <p:cNvSpPr>
+            <a:spLocks noGrp="1"/>
+          </p:cNvSpPr>
+          <p:nvPr>
+            <p:ph type="body" idx="1"/>
+          </p:nvPr>
+        </p:nvSpPr>
+        <p:spPr/>
+        <p:txBody>
+          <a:bodyPr/>
+          <a:lstStyle/>
+          <a:p>
+            <a:r>
+              <a:rPr lang="de-DE" dirty="0"/>
+              <a:t>Marco</a:t>
+            </a:r>
+          </a:p>
+        </p:txBody>
+      </p:sp>
+      <p:sp>
+        <p:nvSpPr>
+          <p:cNvPr id="4" name="Slide Number Placeholder 3"/>
+          <p:cNvSpPr>
+            <a:spLocks noGrp="1"/>
+          </p:cNvSpPr>
+          <p:nvPr>
+            <p:ph type="sldNum" sz="quarter" idx="5"/>
+          </p:nvPr>
+        </p:nvSpPr>
+        <p:spPr/>
+        <p:txBody>
+          <a:bodyPr/>
+          <a:lstStyle/>
+          <a:p>
+            <a:fld id="{A61CFBFC-7E07-4A07-8BE9-3071F813C27F}" type="slidenum">
+              <a:rPr lang="de-DE" smtClean="0"/>
+              <a:t>18</a:t>
+            </a:fld>
+            <a:endParaRPr lang="de-DE"/>
+          </a:p>
+        </p:txBody>
+      </p:sp>
+    </p:spTree>
+    <p:extLst>
+      <p:ext uri="{BB962C8B-B14F-4D97-AF65-F5344CB8AC3E}">
+        <p14:creationId xmlns:p14="http://schemas.microsoft.com/office/powerpoint/2010/main" val="1783770828"/>
+      </p:ext>
+    </p:extLst>
+  </p:cSld>
+  <p:clrMapOvr>
+    <a:masterClrMapping/>
+  </p:clrMapOvr>
+</p:notes>
+</file>
+
+<file path=ppt/notesSlides/notesSlide19.xml><?xml version="1.0" encoding="utf-8"?>
+<p:notes xmlns:a="http://schemas.openxmlformats.org/drawingml/2006/main" xmlns:r="http://schemas.openxmlformats.org/officeDocument/2006/relationships" xmlns:p="http://schemas.openxmlformats.org/presentationml/2006/main">
+  <p:cSld>
+    <p:spTree>
+      <p:nvGrpSpPr>
+        <p:cNvPr id="1" name=""/>
+        <p:cNvGrpSpPr/>
+        <p:nvPr/>
+      </p:nvGrpSpPr>
+      <p:grpSpPr>
+        <a:xfrm>
+          <a:off x="0" y="0"/>
+          <a:ext cx="0" cy="0"/>
+          <a:chOff x="0" y="0"/>
+          <a:chExt cx="0" cy="0"/>
+        </a:xfrm>
+      </p:grpSpPr>
+      <p:sp>
+        <p:nvSpPr>
+          <p:cNvPr id="2" name="Slide Image Placeholder 1"/>
+          <p:cNvSpPr>
+            <a:spLocks noGrp="1" noRot="1" noChangeAspect="1"/>
+          </p:cNvSpPr>
+          <p:nvPr>
+            <p:ph type="sldImg"/>
+          </p:nvPr>
+        </p:nvSpPr>
+        <p:spPr/>
+      </p:sp>
+      <p:sp>
+        <p:nvSpPr>
+          <p:cNvPr id="3" name="Notes Placeholder 2"/>
+          <p:cNvSpPr>
+            <a:spLocks noGrp="1"/>
+          </p:cNvSpPr>
+          <p:nvPr>
+            <p:ph type="body" idx="1"/>
+          </p:nvPr>
+        </p:nvSpPr>
+        <p:spPr/>
+        <p:txBody>
+          <a:bodyPr/>
+          <a:lstStyle/>
+          <a:p>
+            <a:r>
+              <a:rPr lang="de-DE" dirty="0"/>
+              <a:t>Anil</a:t>
+            </a:r>
+          </a:p>
+        </p:txBody>
+      </p:sp>
+      <p:sp>
+        <p:nvSpPr>
+          <p:cNvPr id="4" name="Slide Number Placeholder 3"/>
+          <p:cNvSpPr>
+            <a:spLocks noGrp="1"/>
+          </p:cNvSpPr>
+          <p:nvPr>
+            <p:ph type="sldNum" sz="quarter" idx="5"/>
+          </p:nvPr>
+        </p:nvSpPr>
+        <p:spPr/>
+        <p:txBody>
+          <a:bodyPr/>
+          <a:lstStyle/>
+          <a:p>
+            <a:fld id="{A61CFBFC-7E07-4A07-8BE9-3071F813C27F}" type="slidenum">
+              <a:rPr lang="de-DE" smtClean="0"/>
+              <a:t>19</a:t>
+            </a:fld>
+            <a:endParaRPr lang="de-DE"/>
+          </a:p>
+        </p:txBody>
+      </p:sp>
+    </p:spTree>
+    <p:extLst>
+      <p:ext uri="{BB962C8B-B14F-4D97-AF65-F5344CB8AC3E}">
+        <p14:creationId xmlns:p14="http://schemas.microsoft.com/office/powerpoint/2010/main" val="3319981278"/>
       </p:ext>
     </p:extLst>
   </p:cSld>
@@ -25942,6 +26870,353 @@
           <a:bodyPr/>
           <a:lstStyle/>
           <a:p>
+            <a:r>
+              <a:rPr lang="de-DE" dirty="0"/>
+              <a:t>Marco</a:t>
+            </a:r>
+          </a:p>
+        </p:txBody>
+      </p:sp>
+      <p:sp>
+        <p:nvSpPr>
+          <p:cNvPr id="4" name="Slide Number Placeholder 3"/>
+          <p:cNvSpPr>
+            <a:spLocks noGrp="1"/>
+          </p:cNvSpPr>
+          <p:nvPr>
+            <p:ph type="sldNum" sz="quarter" idx="5"/>
+          </p:nvPr>
+        </p:nvSpPr>
+        <p:spPr/>
+        <p:txBody>
+          <a:bodyPr/>
+          <a:lstStyle/>
+          <a:p>
+            <a:fld id="{A61CFBFC-7E07-4A07-8BE9-3071F813C27F}" type="slidenum">
+              <a:rPr lang="de-DE" smtClean="0"/>
+              <a:t>2</a:t>
+            </a:fld>
+            <a:endParaRPr lang="de-DE"/>
+          </a:p>
+        </p:txBody>
+      </p:sp>
+    </p:spTree>
+    <p:extLst>
+      <p:ext uri="{BB962C8B-B14F-4D97-AF65-F5344CB8AC3E}">
+        <p14:creationId xmlns:p14="http://schemas.microsoft.com/office/powerpoint/2010/main" val="1062215479"/>
+      </p:ext>
+    </p:extLst>
+  </p:cSld>
+  <p:clrMapOvr>
+    <a:masterClrMapping/>
+  </p:clrMapOvr>
+</p:notes>
+</file>
+
+<file path=ppt/notesSlides/notesSlide20.xml><?xml version="1.0" encoding="utf-8"?>
+<p:notes xmlns:a="http://schemas.openxmlformats.org/drawingml/2006/main" xmlns:r="http://schemas.openxmlformats.org/officeDocument/2006/relationships" xmlns:p="http://schemas.openxmlformats.org/presentationml/2006/main">
+  <p:cSld>
+    <p:spTree>
+      <p:nvGrpSpPr>
+        <p:cNvPr id="1" name=""/>
+        <p:cNvGrpSpPr/>
+        <p:nvPr/>
+      </p:nvGrpSpPr>
+      <p:grpSpPr>
+        <a:xfrm>
+          <a:off x="0" y="0"/>
+          <a:ext cx="0" cy="0"/>
+          <a:chOff x="0" y="0"/>
+          <a:chExt cx="0" cy="0"/>
+        </a:xfrm>
+      </p:grpSpPr>
+      <p:sp>
+        <p:nvSpPr>
+          <p:cNvPr id="2" name="Slide Image Placeholder 1"/>
+          <p:cNvSpPr>
+            <a:spLocks noGrp="1" noRot="1" noChangeAspect="1"/>
+          </p:cNvSpPr>
+          <p:nvPr>
+            <p:ph type="sldImg"/>
+          </p:nvPr>
+        </p:nvSpPr>
+        <p:spPr/>
+      </p:sp>
+      <p:sp>
+        <p:nvSpPr>
+          <p:cNvPr id="3" name="Notes Placeholder 2"/>
+          <p:cNvSpPr>
+            <a:spLocks noGrp="1"/>
+          </p:cNvSpPr>
+          <p:nvPr>
+            <p:ph type="body" idx="1"/>
+          </p:nvPr>
+        </p:nvSpPr>
+        <p:spPr/>
+        <p:txBody>
+          <a:bodyPr/>
+          <a:lstStyle/>
+          <a:p>
+            <a:r>
+              <a:rPr lang="de-DE" dirty="0"/>
+              <a:t>Anil</a:t>
+            </a:r>
+          </a:p>
+        </p:txBody>
+      </p:sp>
+      <p:sp>
+        <p:nvSpPr>
+          <p:cNvPr id="4" name="Slide Number Placeholder 3"/>
+          <p:cNvSpPr>
+            <a:spLocks noGrp="1"/>
+          </p:cNvSpPr>
+          <p:nvPr>
+            <p:ph type="sldNum" sz="quarter" idx="5"/>
+          </p:nvPr>
+        </p:nvSpPr>
+        <p:spPr/>
+        <p:txBody>
+          <a:bodyPr/>
+          <a:lstStyle/>
+          <a:p>
+            <a:fld id="{A61CFBFC-7E07-4A07-8BE9-3071F813C27F}" type="slidenum">
+              <a:rPr lang="de-DE" smtClean="0"/>
+              <a:t>22</a:t>
+            </a:fld>
+            <a:endParaRPr lang="de-DE"/>
+          </a:p>
+        </p:txBody>
+      </p:sp>
+    </p:spTree>
+    <p:extLst>
+      <p:ext uri="{BB962C8B-B14F-4D97-AF65-F5344CB8AC3E}">
+        <p14:creationId xmlns:p14="http://schemas.microsoft.com/office/powerpoint/2010/main" val="2255959025"/>
+      </p:ext>
+    </p:extLst>
+  </p:cSld>
+  <p:clrMapOvr>
+    <a:masterClrMapping/>
+  </p:clrMapOvr>
+</p:notes>
+</file>
+
+<file path=ppt/notesSlides/notesSlide21.xml><?xml version="1.0" encoding="utf-8"?>
+<p:notes xmlns:a="http://schemas.openxmlformats.org/drawingml/2006/main" xmlns:r="http://schemas.openxmlformats.org/officeDocument/2006/relationships" xmlns:p="http://schemas.openxmlformats.org/presentationml/2006/main">
+  <p:cSld>
+    <p:spTree>
+      <p:nvGrpSpPr>
+        <p:cNvPr id="1" name=""/>
+        <p:cNvGrpSpPr/>
+        <p:nvPr/>
+      </p:nvGrpSpPr>
+      <p:grpSpPr>
+        <a:xfrm>
+          <a:off x="0" y="0"/>
+          <a:ext cx="0" cy="0"/>
+          <a:chOff x="0" y="0"/>
+          <a:chExt cx="0" cy="0"/>
+        </a:xfrm>
+      </p:grpSpPr>
+      <p:sp>
+        <p:nvSpPr>
+          <p:cNvPr id="2" name="Slide Image Placeholder 1"/>
+          <p:cNvSpPr>
+            <a:spLocks noGrp="1" noRot="1" noChangeAspect="1"/>
+          </p:cNvSpPr>
+          <p:nvPr>
+            <p:ph type="sldImg"/>
+          </p:nvPr>
+        </p:nvSpPr>
+        <p:spPr/>
+      </p:sp>
+      <p:sp>
+        <p:nvSpPr>
+          <p:cNvPr id="3" name="Notes Placeholder 2"/>
+          <p:cNvSpPr>
+            <a:spLocks noGrp="1"/>
+          </p:cNvSpPr>
+          <p:nvPr>
+            <p:ph type="body" idx="1"/>
+          </p:nvPr>
+        </p:nvSpPr>
+        <p:spPr/>
+        <p:txBody>
+          <a:bodyPr/>
+          <a:lstStyle/>
+          <a:p>
+            <a:r>
+              <a:rPr lang="de-DE" dirty="0"/>
+              <a:t>Anil</a:t>
+            </a:r>
+          </a:p>
+          <a:p>
+            <a:endParaRPr lang="de-DE" dirty="0"/>
+          </a:p>
+          <a:p>
+            <a:r>
+              <a:rPr lang="en-US" b="0" dirty="0">
+                <a:solidFill>
+                  <a:srgbClr val="6796E6"/>
+                </a:solidFill>
+                <a:effectLst/>
+                <a:latin typeface="Consolas" panose="020B0609020204030204" pitchFamily="49" charset="0"/>
+              </a:rPr>
+              <a:t>-</a:t>
+            </a:r>
+            <a:r>
+              <a:rPr lang="en-US" b="0" dirty="0">
+                <a:solidFill>
+                  <a:srgbClr val="CCCCCC"/>
+                </a:solidFill>
+                <a:effectLst/>
+                <a:latin typeface="Consolas" panose="020B0609020204030204" pitchFamily="49" charset="0"/>
+              </a:rPr>
+              <a:t> Presentation</a:t>
+            </a:r>
+          </a:p>
+          <a:p>
+            <a:r>
+              <a:rPr lang="en-US" b="0" dirty="0">
+                <a:solidFill>
+                  <a:srgbClr val="6796E6"/>
+                </a:solidFill>
+                <a:effectLst/>
+                <a:latin typeface="Consolas" panose="020B0609020204030204" pitchFamily="49" charset="0"/>
+              </a:rPr>
+              <a:t>-</a:t>
+            </a:r>
+            <a:r>
+              <a:rPr lang="en-US" b="0" dirty="0">
+                <a:solidFill>
+                  <a:srgbClr val="CCCCCC"/>
+                </a:solidFill>
+                <a:effectLst/>
+                <a:latin typeface="Consolas" panose="020B0609020204030204" pitchFamily="49" charset="0"/>
+              </a:rPr>
+              <a:t> </a:t>
+            </a:r>
+            <a:r>
+              <a:rPr lang="en-US" b="0" dirty="0" err="1">
+                <a:solidFill>
+                  <a:srgbClr val="CCCCCC"/>
+                </a:solidFill>
+                <a:effectLst/>
+                <a:latin typeface="Consolas" panose="020B0609020204030204" pitchFamily="49" charset="0"/>
+              </a:rPr>
+              <a:t>Pratical</a:t>
+            </a:r>
+            <a:r>
+              <a:rPr lang="en-US" b="0" dirty="0">
+                <a:solidFill>
+                  <a:srgbClr val="CCCCCC"/>
+                </a:solidFill>
+                <a:effectLst/>
+                <a:latin typeface="Consolas" panose="020B0609020204030204" pitchFamily="49" charset="0"/>
+              </a:rPr>
+              <a:t> part</a:t>
+            </a:r>
+          </a:p>
+          <a:p>
+            <a:r>
+              <a:rPr lang="en-US" b="0" dirty="0">
+                <a:solidFill>
+                  <a:srgbClr val="6796E6"/>
+                </a:solidFill>
+                <a:effectLst/>
+                <a:latin typeface="Consolas" panose="020B0609020204030204" pitchFamily="49" charset="0"/>
+              </a:rPr>
+              <a:t>-</a:t>
+            </a:r>
+            <a:r>
+              <a:rPr lang="en-US" b="0" dirty="0">
+                <a:solidFill>
+                  <a:srgbClr val="CCCCCC"/>
+                </a:solidFill>
+                <a:effectLst/>
+                <a:latin typeface="Consolas" panose="020B0609020204030204" pitchFamily="49" charset="0"/>
+              </a:rPr>
+              <a:t> What is possible (Anil)</a:t>
+            </a:r>
+          </a:p>
+          <a:p>
+            <a:r>
+              <a:rPr lang="en-US" b="0" dirty="0">
+                <a:solidFill>
+                  <a:srgbClr val="6796E6"/>
+                </a:solidFill>
+                <a:effectLst/>
+                <a:latin typeface="Consolas" panose="020B0609020204030204" pitchFamily="49" charset="0"/>
+              </a:rPr>
+              <a:t>-</a:t>
+            </a:r>
+            <a:r>
+              <a:rPr lang="en-US" b="0" dirty="0">
+                <a:solidFill>
+                  <a:srgbClr val="CCCCCC"/>
+                </a:solidFill>
+                <a:effectLst/>
+                <a:latin typeface="Consolas" panose="020B0609020204030204" pitchFamily="49" charset="0"/>
+              </a:rPr>
+              <a:t> </a:t>
+            </a:r>
+            <a:r>
+              <a:rPr lang="en-US" b="0" dirty="0" err="1">
+                <a:solidFill>
+                  <a:srgbClr val="CCCCCC"/>
+                </a:solidFill>
+                <a:effectLst/>
+                <a:latin typeface="Consolas" panose="020B0609020204030204" pitchFamily="49" charset="0"/>
+              </a:rPr>
+              <a:t>Quizz</a:t>
+            </a:r>
+            <a:endParaRPr lang="en-US" b="0" dirty="0">
+              <a:solidFill>
+                <a:srgbClr val="CCCCCC"/>
+              </a:solidFill>
+              <a:effectLst/>
+              <a:latin typeface="Consolas" panose="020B0609020204030204" pitchFamily="49" charset="0"/>
+            </a:endParaRPr>
+          </a:p>
+          <a:p>
+            <a:br>
+              <a:rPr lang="en-US" b="0" dirty="0">
+                <a:solidFill>
+                  <a:srgbClr val="CCCCCC"/>
+                </a:solidFill>
+                <a:effectLst/>
+                <a:latin typeface="Consolas" panose="020B0609020204030204" pitchFamily="49" charset="0"/>
+              </a:rPr>
+            </a:br>
+            <a:r>
+              <a:rPr lang="en-US" b="0" dirty="0">
+                <a:solidFill>
+                  <a:srgbClr val="CCCCCC"/>
+                </a:solidFill>
+                <a:effectLst/>
+                <a:latin typeface="Consolas" panose="020B0609020204030204" pitchFamily="49" charset="0"/>
+              </a:rPr>
+              <a:t>Time (90min)</a:t>
+            </a:r>
+          </a:p>
+          <a:p>
+            <a:br>
+              <a:rPr lang="en-US" b="0" dirty="0">
+                <a:solidFill>
+                  <a:srgbClr val="CCCCCC"/>
+                </a:solidFill>
+                <a:effectLst/>
+                <a:latin typeface="Consolas" panose="020B0609020204030204" pitchFamily="49" charset="0"/>
+              </a:rPr>
+            </a:br>
+            <a:endParaRPr lang="en-US" b="0" dirty="0">
+              <a:solidFill>
+                <a:srgbClr val="CCCCCC"/>
+              </a:solidFill>
+              <a:effectLst/>
+              <a:latin typeface="Consolas" panose="020B0609020204030204" pitchFamily="49" charset="0"/>
+            </a:endParaRPr>
+          </a:p>
+          <a:p>
             <a:endParaRPr lang="de-DE" dirty="0"/>
           </a:p>
         </p:txBody>
@@ -25963,7 +27238,7 @@
           <a:p>
             <a:fld id="{A61CFBFC-7E07-4A07-8BE9-3071F813C27F}" type="slidenum">
               <a:rPr lang="de-DE" smtClean="0"/>
-              <a:t>5</a:t>
+              <a:t>23</a:t>
             </a:fld>
             <a:endParaRPr lang="de-DE"/>
           </a:p>
@@ -25972,7 +27247,7 @@
     </p:spTree>
     <p:extLst>
       <p:ext uri="{BB962C8B-B14F-4D97-AF65-F5344CB8AC3E}">
-        <p14:creationId xmlns:p14="http://schemas.microsoft.com/office/powerpoint/2010/main" val="135511718"/>
+        <p14:creationId xmlns:p14="http://schemas.microsoft.com/office/powerpoint/2010/main" val="1280921295"/>
       </p:ext>
     </p:extLst>
   </p:cSld>
@@ -26028,7 +27303,7 @@
           <a:p>
             <a:r>
               <a:rPr lang="de-DE" dirty="0"/>
-              <a:t>What du you think are advantages of modularization?</a:t>
+              <a:t>Marco</a:t>
             </a:r>
           </a:p>
         </p:txBody>
@@ -26050,7 +27325,7 @@
           <a:p>
             <a:fld id="{A61CFBFC-7E07-4A07-8BE9-3071F813C27F}" type="slidenum">
               <a:rPr lang="de-DE" smtClean="0"/>
-              <a:t>6</a:t>
+              <a:t>3</a:t>
             </a:fld>
             <a:endParaRPr lang="de-DE"/>
           </a:p>
@@ -26059,7 +27334,7 @@
     </p:spTree>
     <p:extLst>
       <p:ext uri="{BB962C8B-B14F-4D97-AF65-F5344CB8AC3E}">
-        <p14:creationId xmlns:p14="http://schemas.microsoft.com/office/powerpoint/2010/main" val="3261051"/>
+        <p14:creationId xmlns:p14="http://schemas.microsoft.com/office/powerpoint/2010/main" val="2369428162"/>
       </p:ext>
     </p:extLst>
   </p:cSld>
@@ -26114,16 +27389,15 @@
           <a:lstStyle/>
           <a:p>
             <a:r>
-              <a:rPr lang="en-US" dirty="0"/>
-              <a:t>Why could it be problematic if two people edit the same state?</a:t>
+              <a:rPr lang="de-DE" dirty="0"/>
+              <a:t>Marco</a:t>
             </a:r>
           </a:p>
           <a:p>
             <a:r>
-              <a:rPr lang="en-US" dirty="0"/>
-              <a:t>How could a remote state improve your teamwork?</a:t>
+              <a:rPr lang="de-DE" dirty="0"/>
+              <a:t>leading IaC tool in industry</a:t>
             </a:r>
-            <a:endParaRPr lang="de-DE" dirty="0"/>
           </a:p>
         </p:txBody>
       </p:sp>
@@ -26144,7 +27418,7 @@
           <a:p>
             <a:fld id="{A61CFBFC-7E07-4A07-8BE9-3071F813C27F}" type="slidenum">
               <a:rPr lang="de-DE" smtClean="0"/>
-              <a:t>8</a:t>
+              <a:t>4</a:t>
             </a:fld>
             <a:endParaRPr lang="de-DE"/>
           </a:p>
@@ -26153,7 +27427,7 @@
     </p:spTree>
     <p:extLst>
       <p:ext uri="{BB962C8B-B14F-4D97-AF65-F5344CB8AC3E}">
-        <p14:creationId xmlns:p14="http://schemas.microsoft.com/office/powerpoint/2010/main" val="739343353"/>
+        <p14:creationId xmlns:p14="http://schemas.microsoft.com/office/powerpoint/2010/main" val="452039425"/>
       </p:ext>
     </p:extLst>
   </p:cSld>
@@ -26209,13 +27483,13 @@
           <a:p>
             <a:r>
               <a:rPr lang="de-DE" dirty="0"/>
-              <a:t>What could be potential security issues?</a:t>
+              <a:t>Anil</a:t>
             </a:r>
           </a:p>
           <a:p>
             <a:r>
               <a:rPr lang="de-DE" dirty="0"/>
-              <a:t>How coud you mitigate them?</a:t>
+              <a:t>Very readable syntax</a:t>
             </a:r>
           </a:p>
         </p:txBody>
@@ -26237,7 +27511,7 @@
           <a:p>
             <a:fld id="{A61CFBFC-7E07-4A07-8BE9-3071F813C27F}" type="slidenum">
               <a:rPr lang="de-DE" smtClean="0"/>
-              <a:t>10</a:t>
+              <a:t>5</a:t>
             </a:fld>
             <a:endParaRPr lang="de-DE"/>
           </a:p>
@@ -26246,7 +27520,7 @@
     </p:spTree>
     <p:extLst>
       <p:ext uri="{BB962C8B-B14F-4D97-AF65-F5344CB8AC3E}">
-        <p14:creationId xmlns:p14="http://schemas.microsoft.com/office/powerpoint/2010/main" val="1069102404"/>
+        <p14:creationId xmlns:p14="http://schemas.microsoft.com/office/powerpoint/2010/main" val="135511718"/>
       </p:ext>
     </p:extLst>
   </p:cSld>
@@ -26302,13 +27576,13 @@
           <a:p>
             <a:r>
               <a:rPr lang="de-DE" dirty="0"/>
-              <a:t>What are benefits of automation?</a:t>
+              <a:t>Anil</a:t>
             </a:r>
           </a:p>
           <a:p>
             <a:r>
               <a:rPr lang="de-DE" dirty="0"/>
-              <a:t>How could Automations be performed?</a:t>
+              <a:t>What du you think are advantages of modularization?</a:t>
             </a:r>
           </a:p>
         </p:txBody>
@@ -26330,7 +27604,7 @@
           <a:p>
             <a:fld id="{A61CFBFC-7E07-4A07-8BE9-3071F813C27F}" type="slidenum">
               <a:rPr lang="de-DE" smtClean="0"/>
-              <a:t>12</a:t>
+              <a:t>6</a:t>
             </a:fld>
             <a:endParaRPr lang="de-DE"/>
           </a:p>
@@ -26339,7 +27613,302 @@
     </p:spTree>
     <p:extLst>
       <p:ext uri="{BB962C8B-B14F-4D97-AF65-F5344CB8AC3E}">
-        <p14:creationId xmlns:p14="http://schemas.microsoft.com/office/powerpoint/2010/main" val="1174877158"/>
+        <p14:creationId xmlns:p14="http://schemas.microsoft.com/office/powerpoint/2010/main" val="3261051"/>
+      </p:ext>
+    </p:extLst>
+  </p:cSld>
+  <p:clrMapOvr>
+    <a:masterClrMapping/>
+  </p:clrMapOvr>
+</p:notes>
+</file>
+
+<file path=ppt/notesSlides/notesSlide7.xml><?xml version="1.0" encoding="utf-8"?>
+<p:notes xmlns:a="http://schemas.openxmlformats.org/drawingml/2006/main" xmlns:r="http://schemas.openxmlformats.org/officeDocument/2006/relationships" xmlns:p="http://schemas.openxmlformats.org/presentationml/2006/main">
+  <p:cSld>
+    <p:spTree>
+      <p:nvGrpSpPr>
+        <p:cNvPr id="1" name=""/>
+        <p:cNvGrpSpPr/>
+        <p:nvPr/>
+      </p:nvGrpSpPr>
+      <p:grpSpPr>
+        <a:xfrm>
+          <a:off x="0" y="0"/>
+          <a:ext cx="0" cy="0"/>
+          <a:chOff x="0" y="0"/>
+          <a:chExt cx="0" cy="0"/>
+        </a:xfrm>
+      </p:grpSpPr>
+      <p:sp>
+        <p:nvSpPr>
+          <p:cNvPr id="2" name="Slide Image Placeholder 1"/>
+          <p:cNvSpPr>
+            <a:spLocks noGrp="1" noRot="1" noChangeAspect="1"/>
+          </p:cNvSpPr>
+          <p:nvPr>
+            <p:ph type="sldImg"/>
+          </p:nvPr>
+        </p:nvSpPr>
+        <p:spPr/>
+      </p:sp>
+      <p:sp>
+        <p:nvSpPr>
+          <p:cNvPr id="3" name="Notes Placeholder 2"/>
+          <p:cNvSpPr>
+            <a:spLocks noGrp="1"/>
+          </p:cNvSpPr>
+          <p:nvPr>
+            <p:ph type="body" idx="1"/>
+          </p:nvPr>
+        </p:nvSpPr>
+        <p:spPr/>
+        <p:txBody>
+          <a:bodyPr/>
+          <a:lstStyle/>
+          <a:p>
+            <a:r>
+              <a:rPr lang="de-DE" dirty="0"/>
+              <a:t>Anil</a:t>
+            </a:r>
+          </a:p>
+        </p:txBody>
+      </p:sp>
+      <p:sp>
+        <p:nvSpPr>
+          <p:cNvPr id="4" name="Slide Number Placeholder 3"/>
+          <p:cNvSpPr>
+            <a:spLocks noGrp="1"/>
+          </p:cNvSpPr>
+          <p:nvPr>
+            <p:ph type="sldNum" sz="quarter" idx="5"/>
+          </p:nvPr>
+        </p:nvSpPr>
+        <p:spPr/>
+        <p:txBody>
+          <a:bodyPr/>
+          <a:lstStyle/>
+          <a:p>
+            <a:fld id="{A61CFBFC-7E07-4A07-8BE9-3071F813C27F}" type="slidenum">
+              <a:rPr lang="de-DE" smtClean="0"/>
+              <a:t>7</a:t>
+            </a:fld>
+            <a:endParaRPr lang="de-DE"/>
+          </a:p>
+        </p:txBody>
+      </p:sp>
+    </p:spTree>
+    <p:extLst>
+      <p:ext uri="{BB962C8B-B14F-4D97-AF65-F5344CB8AC3E}">
+        <p14:creationId xmlns:p14="http://schemas.microsoft.com/office/powerpoint/2010/main" val="3966362446"/>
+      </p:ext>
+    </p:extLst>
+  </p:cSld>
+  <p:clrMapOvr>
+    <a:masterClrMapping/>
+  </p:clrMapOvr>
+</p:notes>
+</file>
+
+<file path=ppt/notesSlides/notesSlide8.xml><?xml version="1.0" encoding="utf-8"?>
+<p:notes xmlns:a="http://schemas.openxmlformats.org/drawingml/2006/main" xmlns:r="http://schemas.openxmlformats.org/officeDocument/2006/relationships" xmlns:p="http://schemas.openxmlformats.org/presentationml/2006/main">
+  <p:cSld>
+    <p:spTree>
+      <p:nvGrpSpPr>
+        <p:cNvPr id="1" name=""/>
+        <p:cNvGrpSpPr/>
+        <p:nvPr/>
+      </p:nvGrpSpPr>
+      <p:grpSpPr>
+        <a:xfrm>
+          <a:off x="0" y="0"/>
+          <a:ext cx="0" cy="0"/>
+          <a:chOff x="0" y="0"/>
+          <a:chExt cx="0" cy="0"/>
+        </a:xfrm>
+      </p:grpSpPr>
+      <p:sp>
+        <p:nvSpPr>
+          <p:cNvPr id="2" name="Slide Image Placeholder 1"/>
+          <p:cNvSpPr>
+            <a:spLocks noGrp="1" noRot="1" noChangeAspect="1"/>
+          </p:cNvSpPr>
+          <p:nvPr>
+            <p:ph type="sldImg"/>
+          </p:nvPr>
+        </p:nvSpPr>
+        <p:spPr/>
+      </p:sp>
+      <p:sp>
+        <p:nvSpPr>
+          <p:cNvPr id="3" name="Notes Placeholder 2"/>
+          <p:cNvSpPr>
+            <a:spLocks noGrp="1"/>
+          </p:cNvSpPr>
+          <p:nvPr>
+            <p:ph type="body" idx="1"/>
+          </p:nvPr>
+        </p:nvSpPr>
+        <p:spPr/>
+        <p:txBody>
+          <a:bodyPr/>
+          <a:lstStyle/>
+          <a:p>
+            <a:r>
+              <a:rPr lang="en-US" dirty="0"/>
+              <a:t>Marco</a:t>
+            </a:r>
+          </a:p>
+          <a:p>
+            <a:r>
+              <a:rPr lang="en-US" dirty="0"/>
+              <a:t>Why could it be problematic if two people edit the same state?</a:t>
+            </a:r>
+          </a:p>
+          <a:p>
+            <a:r>
+              <a:rPr lang="en-US" dirty="0"/>
+              <a:t>How could a remote state improve your teamwork?</a:t>
+            </a:r>
+            <a:endParaRPr lang="de-DE" dirty="0"/>
+          </a:p>
+        </p:txBody>
+      </p:sp>
+      <p:sp>
+        <p:nvSpPr>
+          <p:cNvPr id="4" name="Slide Number Placeholder 3"/>
+          <p:cNvSpPr>
+            <a:spLocks noGrp="1"/>
+          </p:cNvSpPr>
+          <p:nvPr>
+            <p:ph type="sldNum" sz="quarter" idx="5"/>
+          </p:nvPr>
+        </p:nvSpPr>
+        <p:spPr/>
+        <p:txBody>
+          <a:bodyPr/>
+          <a:lstStyle/>
+          <a:p>
+            <a:fld id="{A61CFBFC-7E07-4A07-8BE9-3071F813C27F}" type="slidenum">
+              <a:rPr lang="de-DE" smtClean="0"/>
+              <a:t>8</a:t>
+            </a:fld>
+            <a:endParaRPr lang="de-DE"/>
+          </a:p>
+        </p:txBody>
+      </p:sp>
+    </p:spTree>
+    <p:extLst>
+      <p:ext uri="{BB962C8B-B14F-4D97-AF65-F5344CB8AC3E}">
+        <p14:creationId xmlns:p14="http://schemas.microsoft.com/office/powerpoint/2010/main" val="739343353"/>
+      </p:ext>
+    </p:extLst>
+  </p:cSld>
+  <p:clrMapOvr>
+    <a:masterClrMapping/>
+  </p:clrMapOvr>
+</p:notes>
+</file>
+
+<file path=ppt/notesSlides/notesSlide9.xml><?xml version="1.0" encoding="utf-8"?>
+<p:notes xmlns:a="http://schemas.openxmlformats.org/drawingml/2006/main" xmlns:r="http://schemas.openxmlformats.org/officeDocument/2006/relationships" xmlns:p="http://schemas.openxmlformats.org/presentationml/2006/main">
+  <p:cSld>
+    <p:spTree>
+      <p:nvGrpSpPr>
+        <p:cNvPr id="1" name=""/>
+        <p:cNvGrpSpPr/>
+        <p:nvPr/>
+      </p:nvGrpSpPr>
+      <p:grpSpPr>
+        <a:xfrm>
+          <a:off x="0" y="0"/>
+          <a:ext cx="0" cy="0"/>
+          <a:chOff x="0" y="0"/>
+          <a:chExt cx="0" cy="0"/>
+        </a:xfrm>
+      </p:grpSpPr>
+      <p:sp>
+        <p:nvSpPr>
+          <p:cNvPr id="2" name="Slide Image Placeholder 1"/>
+          <p:cNvSpPr>
+            <a:spLocks noGrp="1" noRot="1" noChangeAspect="1"/>
+          </p:cNvSpPr>
+          <p:nvPr>
+            <p:ph type="sldImg"/>
+          </p:nvPr>
+        </p:nvSpPr>
+        <p:spPr/>
+      </p:sp>
+      <p:sp>
+        <p:nvSpPr>
+          <p:cNvPr id="3" name="Notes Placeholder 2"/>
+          <p:cNvSpPr>
+            <a:spLocks noGrp="1"/>
+          </p:cNvSpPr>
+          <p:nvPr>
+            <p:ph type="body" idx="1"/>
+          </p:nvPr>
+        </p:nvSpPr>
+        <p:spPr/>
+        <p:txBody>
+          <a:bodyPr/>
+          <a:lstStyle/>
+          <a:p>
+            <a:r>
+              <a:rPr lang="de-DE" dirty="0"/>
+              <a:t>Marco</a:t>
+            </a:r>
+          </a:p>
+          <a:p>
+            <a:r>
+              <a:rPr lang="de-DE" dirty="0"/>
+              <a:t>So called tfstate files</a:t>
+            </a:r>
+          </a:p>
+          <a:p>
+            <a:endParaRPr lang="de-DE" dirty="0"/>
+          </a:p>
+          <a:p>
+            <a:r>
+              <a:rPr lang="de-DE" dirty="0"/>
+              <a:t>Versioning is done in backends like S3 </a:t>
+            </a:r>
+          </a:p>
+          <a:p>
+            <a:r>
+              <a:rPr lang="de-DE" dirty="0"/>
+              <a:t>	possibility for role back etc &gt; same base for every user</a:t>
+            </a:r>
+          </a:p>
+        </p:txBody>
+      </p:sp>
+      <p:sp>
+        <p:nvSpPr>
+          <p:cNvPr id="4" name="Slide Number Placeholder 3"/>
+          <p:cNvSpPr>
+            <a:spLocks noGrp="1"/>
+          </p:cNvSpPr>
+          <p:nvPr>
+            <p:ph type="sldNum" sz="quarter" idx="5"/>
+          </p:nvPr>
+        </p:nvSpPr>
+        <p:spPr/>
+        <p:txBody>
+          <a:bodyPr/>
+          <a:lstStyle/>
+          <a:p>
+            <a:fld id="{A61CFBFC-7E07-4A07-8BE9-3071F813C27F}" type="slidenum">
+              <a:rPr lang="de-DE" smtClean="0"/>
+              <a:t>9</a:t>
+            </a:fld>
+            <a:endParaRPr lang="de-DE"/>
+          </a:p>
+        </p:txBody>
+      </p:sp>
+    </p:spTree>
+    <p:extLst>
+      <p:ext uri="{BB962C8B-B14F-4D97-AF65-F5344CB8AC3E}">
+        <p14:creationId xmlns:p14="http://schemas.microsoft.com/office/powerpoint/2010/main" val="732218317"/>
       </p:ext>
     </p:extLst>
   </p:cSld>
@@ -31428,7 +32997,7 @@
             <p:ph idx="1"/>
             <p:extLst>
               <p:ext uri="{D42A27DB-BD31-4B8C-83A1-F6EECF244321}">
-                <p14:modId xmlns:p14="http://schemas.microsoft.com/office/powerpoint/2010/main" val="1044740663"/>
+                <p14:modId xmlns:p14="http://schemas.microsoft.com/office/powerpoint/2010/main" val="473125730"/>
               </p:ext>
             </p:extLst>
           </p:nvPr>
@@ -31439,7 +33008,7 @@
         </p:xfrm>
         <a:graphic>
           <a:graphicData uri="http://schemas.openxmlformats.org/drawingml/2006/diagram">
-            <dgm:relIds xmlns:dgm="http://schemas.openxmlformats.org/drawingml/2006/diagram" xmlns:r="http://schemas.openxmlformats.org/officeDocument/2006/relationships" r:dm="rId2" r:lo="rId3" r:qs="rId4" r:cs="rId5"/>
+            <dgm:relIds xmlns:dgm="http://schemas.openxmlformats.org/drawingml/2006/diagram" xmlns:r="http://schemas.openxmlformats.org/officeDocument/2006/relationships" r:dm="rId3" r:lo="rId4" r:qs="rId5" r:cs="rId6"/>
           </a:graphicData>
         </a:graphic>
       </p:graphicFrame>
@@ -32627,7 +34196,7 @@
         </p:xfrm>
         <a:graphic>
           <a:graphicData uri="http://schemas.openxmlformats.org/drawingml/2006/diagram">
-            <dgm:relIds xmlns:dgm="http://schemas.openxmlformats.org/drawingml/2006/diagram" xmlns:r="http://schemas.openxmlformats.org/officeDocument/2006/relationships" r:dm="rId2" r:lo="rId3" r:qs="rId4" r:cs="rId5"/>
+            <dgm:relIds xmlns:dgm="http://schemas.openxmlformats.org/drawingml/2006/diagram" xmlns:r="http://schemas.openxmlformats.org/officeDocument/2006/relationships" r:dm="rId3" r:lo="rId4" r:qs="rId5" r:cs="rId6"/>
           </a:graphicData>
         </a:graphic>
       </p:graphicFrame>
@@ -33937,7 +35506,7 @@
         </p:xfrm>
         <a:graphic>
           <a:graphicData uri="http://schemas.openxmlformats.org/drawingml/2006/diagram">
-            <dgm:relIds xmlns:dgm="http://schemas.openxmlformats.org/drawingml/2006/diagram" xmlns:r="http://schemas.openxmlformats.org/officeDocument/2006/relationships" r:dm="rId2" r:lo="rId3" r:qs="rId4" r:cs="rId5"/>
+            <dgm:relIds xmlns:dgm="http://schemas.openxmlformats.org/drawingml/2006/diagram" xmlns:r="http://schemas.openxmlformats.org/officeDocument/2006/relationships" r:dm="rId3" r:lo="rId4" r:qs="rId5" r:cs="rId6"/>
           </a:graphicData>
         </a:graphic>
       </p:graphicFrame>
@@ -33967,7 +35536,7 @@
         </p:xfrm>
         <a:graphic>
           <a:graphicData uri="http://schemas.openxmlformats.org/drawingml/2006/diagram">
-            <dgm:relIds xmlns:dgm="http://schemas.openxmlformats.org/drawingml/2006/diagram" xmlns:r="http://schemas.openxmlformats.org/officeDocument/2006/relationships" r:dm="rId7" r:lo="rId8" r:qs="rId9" r:cs="rId10"/>
+            <dgm:relIds xmlns:dgm="http://schemas.openxmlformats.org/drawingml/2006/diagram" xmlns:r="http://schemas.openxmlformats.org/officeDocument/2006/relationships" r:dm="rId8" r:lo="rId9" r:qs="rId10" r:cs="rId11"/>
           </a:graphicData>
         </a:graphic>
       </p:graphicFrame>
@@ -34367,7 +35936,7 @@
             <p:ph idx="1"/>
             <p:extLst>
               <p:ext uri="{D42A27DB-BD31-4B8C-83A1-F6EECF244321}">
-                <p14:modId xmlns:p14="http://schemas.microsoft.com/office/powerpoint/2010/main" val="3548659439"/>
+                <p14:modId xmlns:p14="http://schemas.microsoft.com/office/powerpoint/2010/main" val="1741732839"/>
               </p:ext>
             </p:extLst>
           </p:nvPr>
@@ -34378,7 +35947,7 @@
         </p:xfrm>
         <a:graphic>
           <a:graphicData uri="http://schemas.openxmlformats.org/drawingml/2006/diagram">
-            <dgm:relIds xmlns:dgm="http://schemas.openxmlformats.org/drawingml/2006/diagram" xmlns:r="http://schemas.openxmlformats.org/officeDocument/2006/relationships" r:dm="rId2" r:lo="rId3" r:qs="rId4" r:cs="rId5"/>
+            <dgm:relIds xmlns:dgm="http://schemas.openxmlformats.org/drawingml/2006/diagram" xmlns:r="http://schemas.openxmlformats.org/officeDocument/2006/relationships" r:dm="rId3" r:lo="rId4" r:qs="rId5" r:cs="rId6"/>
           </a:graphicData>
         </a:graphic>
       </p:graphicFrame>
@@ -36297,7 +37866,7 @@
         </p:xfrm>
         <a:graphic>
           <a:graphicData uri="http://schemas.openxmlformats.org/drawingml/2006/diagram">
-            <dgm:relIds xmlns:dgm="http://schemas.openxmlformats.org/drawingml/2006/diagram" xmlns:r="http://schemas.openxmlformats.org/officeDocument/2006/relationships" r:dm="rId2" r:lo="rId3" r:qs="rId4" r:cs="rId5"/>
+            <dgm:relIds xmlns:dgm="http://schemas.openxmlformats.org/drawingml/2006/diagram" xmlns:r="http://schemas.openxmlformats.org/officeDocument/2006/relationships" r:dm="rId3" r:lo="rId4" r:qs="rId5" r:cs="rId6"/>
           </a:graphicData>
         </a:graphic>
       </p:graphicFrame>
@@ -39302,7 +40871,7 @@
           <a:p>
             <a:r>
               <a:rPr lang="de-DE" dirty="0"/>
-              <a:t>Demo Gitlab</a:t>
+              <a:t>Demo Gitlab </a:t>
             </a:r>
           </a:p>
         </p:txBody>
@@ -40305,7 +41874,7 @@
         </p:xfrm>
         <a:graphic>
           <a:graphicData uri="http://schemas.openxmlformats.org/drawingml/2006/diagram">
-            <dgm:relIds xmlns:dgm="http://schemas.openxmlformats.org/drawingml/2006/diagram" xmlns:r="http://schemas.openxmlformats.org/officeDocument/2006/relationships" r:dm="rId2" r:lo="rId3" r:qs="rId4" r:cs="rId5"/>
+            <dgm:relIds xmlns:dgm="http://schemas.openxmlformats.org/drawingml/2006/diagram" xmlns:r="http://schemas.openxmlformats.org/officeDocument/2006/relationships" r:dm="rId3" r:lo="rId4" r:qs="rId5" r:cs="rId6"/>
           </a:graphicData>
         </a:graphic>
       </p:graphicFrame>
@@ -41847,7 +43416,7 @@
         </p:xfrm>
         <a:graphic>
           <a:graphicData uri="http://schemas.openxmlformats.org/drawingml/2006/diagram">
-            <dgm:relIds xmlns:dgm="http://schemas.openxmlformats.org/drawingml/2006/diagram" xmlns:r="http://schemas.openxmlformats.org/officeDocument/2006/relationships" r:dm="rId2" r:lo="rId3" r:qs="rId4" r:cs="rId5"/>
+            <dgm:relIds xmlns:dgm="http://schemas.openxmlformats.org/drawingml/2006/diagram" xmlns:r="http://schemas.openxmlformats.org/officeDocument/2006/relationships" r:dm="rId3" r:lo="rId4" r:qs="rId5" r:cs="rId6"/>
           </a:graphicData>
         </a:graphic>
       </p:graphicFrame>
@@ -43035,7 +44604,7 @@
         </p:xfrm>
         <a:graphic>
           <a:graphicData uri="http://schemas.openxmlformats.org/drawingml/2006/diagram">
-            <dgm:relIds xmlns:dgm="http://schemas.openxmlformats.org/drawingml/2006/diagram" xmlns:r="http://schemas.openxmlformats.org/officeDocument/2006/relationships" r:dm="rId2" r:lo="rId3" r:qs="rId4" r:cs="rId5"/>
+            <dgm:relIds xmlns:dgm="http://schemas.openxmlformats.org/drawingml/2006/diagram" xmlns:r="http://schemas.openxmlformats.org/officeDocument/2006/relationships" r:dm="rId3" r:lo="rId4" r:qs="rId5" r:cs="rId6"/>
           </a:graphicData>
         </a:graphic>
       </p:graphicFrame>

--- a/Presentation/Terraform.pptx
+++ b/Presentation/Terraform.pptx
@@ -7250,7 +7250,7 @@
 <dgm:dataModel xmlns:dgm="http://schemas.openxmlformats.org/drawingml/2006/diagram" xmlns:a="http://schemas.openxmlformats.org/drawingml/2006/main">
   <dgm:ptLst>
     <dgm:pt modelId="{9A06DDA4-B36C-483F-BD5C-A7FCF568FE17}" type="doc">
-      <dgm:prSet loTypeId="urn:microsoft.com/office/officeart/2005/8/layout/list1" loCatId="list" qsTypeId="urn:microsoft.com/office/officeart/2005/8/quickstyle/simple4" qsCatId="simple" csTypeId="urn:microsoft.com/office/officeart/2005/8/colors/colorful3" csCatId="colorful"/>
+      <dgm:prSet loTypeId="urn:microsoft.com/office/officeart/2005/8/layout/list1" loCatId="list" qsTypeId="urn:microsoft.com/office/officeart/2005/8/quickstyle/simple4" qsCatId="simple" csTypeId="urn:microsoft.com/office/officeart/2005/8/colors/colorful3" csCatId="colorful" phldr="1"/>
       <dgm:spPr/>
       <dgm:t>
         <a:bodyPr/>
@@ -7305,12 +7305,12 @@
         <a:lstStyle/>
         <a:p>
           <a:r>
-            <a:rPr lang="de-DE">
+            <a:rPr lang="de-DE" dirty="0">
               <a:hlinkClick xmlns:r="http://schemas.openxmlformats.org/officeDocument/2006/relationships" r:id="rId1"/>
             </a:rPr>
             <a:t>https://github.com/sebivenlo/esd-2024-terraform</a:t>
           </a:r>
-          <a:endParaRPr lang="en-US"/>
+          <a:endParaRPr lang="en-US" dirty="0"/>
         </a:p>
       </dgm:t>
     </dgm:pt>
@@ -7381,10 +7381,26 @@
         <a:lstStyle/>
         <a:p>
           <a:r>
-            <a:rPr lang="de-DE"/>
-            <a:t>Open compose file </a:t>
+            <a:rPr lang="de-DE" dirty="0"/>
+            <a:t>Open </a:t>
           </a:r>
-          <a:endParaRPr lang="en-US"/>
+          <a:r>
+            <a:rPr lang="de-DE" dirty="0" err="1"/>
+            <a:t>compose</a:t>
+          </a:r>
+          <a:r>
+            <a:rPr lang="de-DE" dirty="0"/>
+            <a:t> </a:t>
+          </a:r>
+          <a:r>
+            <a:rPr lang="de-DE" dirty="0" err="1"/>
+            <a:t>file</a:t>
+          </a:r>
+          <a:r>
+            <a:rPr lang="de-DE" dirty="0"/>
+            <a:t> </a:t>
+          </a:r>
+          <a:endParaRPr lang="en-US" dirty="0"/>
         </a:p>
       </dgm:t>
     </dgm:pt>
@@ -7455,10 +7471,30 @@
         <a:lstStyle/>
         <a:p>
           <a:r>
-            <a:rPr lang="de-DE" b="0"/>
-            <a:t>image: gitlab/gitlab-ce AMD64 Chip</a:t>
+            <a:rPr lang="de-DE" b="0" dirty="0" err="1"/>
+            <a:t>image</a:t>
           </a:r>
-          <a:endParaRPr lang="en-US"/>
+          <a:r>
+            <a:rPr lang="de-DE" b="0" dirty="0"/>
+            <a:t>: </a:t>
+          </a:r>
+          <a:r>
+            <a:rPr lang="de-DE" b="0" dirty="0" err="1"/>
+            <a:t>gitlab</a:t>
+          </a:r>
+          <a:r>
+            <a:rPr lang="de-DE" b="0" dirty="0"/>
+            <a:t>/</a:t>
+          </a:r>
+          <a:r>
+            <a:rPr lang="de-DE" b="0" dirty="0" err="1"/>
+            <a:t>gitlab-ce</a:t>
+          </a:r>
+          <a:r>
+            <a:rPr lang="de-DE" b="0" dirty="0"/>
+            <a:t> AMD64 Chip</a:t>
+          </a:r>
+          <a:endParaRPr lang="en-US" dirty="0"/>
         </a:p>
       </dgm:t>
     </dgm:pt>
@@ -7484,7 +7520,7 @@
         </a:p>
       </dgm:t>
     </dgm:pt>
-    <dgm:pt modelId="{49FC6A58-26B1-4BBC-AF37-585B8B2BC5E5}">
+    <dgm:pt modelId="{0417DF03-54DA-EE40-BD5B-559015A65A20}">
       <dgm:prSet/>
       <dgm:spPr/>
       <dgm:t>
@@ -7492,36 +7528,40 @@
         <a:lstStyle/>
         <a:p>
           <a:r>
-            <a:rPr lang="de-DE"/>
-            <a:t>Open Workshop folder in Terminal</a:t>
+            <a:rPr lang="en-US" dirty="0"/>
+            <a:t>Start .</a:t>
           </a:r>
-          <a:endParaRPr lang="en-US"/>
+          <a:r>
+            <a:rPr lang="en-US" dirty="0" err="1"/>
+            <a:t>devcontainer</a:t>
+          </a:r>
+          <a:endParaRPr lang="en-US" dirty="0"/>
         </a:p>
       </dgm:t>
     </dgm:pt>
-    <dgm:pt modelId="{5C431361-B297-4E0E-B0D1-50E785B2750D}" type="parTrans" cxnId="{157E148E-8678-4B2D-ABA0-67F71190053D}">
+    <dgm:pt modelId="{FEF4C462-8CB8-5146-A304-258238615E51}" type="parTrans" cxnId="{FB34097B-44D5-6445-868B-9858B5BCBAC7}">
       <dgm:prSet/>
       <dgm:spPr/>
       <dgm:t>
         <a:bodyPr/>
         <a:lstStyle/>
         <a:p>
-          <a:endParaRPr lang="en-US"/>
+          <a:endParaRPr lang="de-DE"/>
         </a:p>
       </dgm:t>
     </dgm:pt>
-    <dgm:pt modelId="{C6F45E20-D16E-4EBA-842E-2D4CBF2A5737}" type="sibTrans" cxnId="{157E148E-8678-4B2D-ABA0-67F71190053D}">
+    <dgm:pt modelId="{875FE32F-7458-6D4A-8F5C-DD4477C61142}" type="sibTrans" cxnId="{FB34097B-44D5-6445-868B-9858B5BCBAC7}">
       <dgm:prSet/>
       <dgm:spPr/>
       <dgm:t>
         <a:bodyPr/>
         <a:lstStyle/>
         <a:p>
-          <a:endParaRPr lang="en-US"/>
+          <a:endParaRPr lang="de-DE"/>
         </a:p>
       </dgm:t>
     </dgm:pt>
-    <dgm:pt modelId="{23AE382E-CB85-458A-A920-C7B7BC96BCB6}">
+    <dgm:pt modelId="{9B79ADF6-5DC9-644D-ACC3-BA46BC6B29CE}">
       <dgm:prSet/>
       <dgm:spPr/>
       <dgm:t>
@@ -7529,32 +7569,31 @@
         <a:lstStyle/>
         <a:p>
           <a:r>
-            <a:rPr lang="de-DE"/>
-            <a:t>Docker-compose up –d</a:t>
+            <a:rPr lang="en-US" dirty="0"/>
+            <a:t>Use Workshop branch!!!</a:t>
           </a:r>
-          <a:endParaRPr lang="en-US"/>
         </a:p>
       </dgm:t>
     </dgm:pt>
-    <dgm:pt modelId="{C642E33E-9406-4CFD-97FC-699B5A4D1F55}" type="parTrans" cxnId="{E0851F85-C8B6-4229-AF51-71986ECE02C1}">
+    <dgm:pt modelId="{5919B849-16C4-E641-B4E5-688F9C7EF2FC}" type="parTrans" cxnId="{B8062A3A-69A1-D54B-B8C2-E520EE22EB86}">
       <dgm:prSet/>
       <dgm:spPr/>
       <dgm:t>
         <a:bodyPr/>
         <a:lstStyle/>
         <a:p>
-          <a:endParaRPr lang="en-US"/>
+          <a:endParaRPr lang="de-DE"/>
         </a:p>
       </dgm:t>
     </dgm:pt>
-    <dgm:pt modelId="{3A8A8A10-AC31-4DC2-9D6E-B3ADC01E2BD6}" type="sibTrans" cxnId="{E0851F85-C8B6-4229-AF51-71986ECE02C1}">
+    <dgm:pt modelId="{A48BCB35-4710-C34A-A6E7-21CBF0B6A6C5}" type="sibTrans" cxnId="{B8062A3A-69A1-D54B-B8C2-E520EE22EB86}">
       <dgm:prSet/>
       <dgm:spPr/>
       <dgm:t>
         <a:bodyPr/>
         <a:lstStyle/>
         <a:p>
-          <a:endParaRPr lang="en-US"/>
+          <a:endParaRPr lang="de-DE"/>
         </a:p>
       </dgm:t>
     </dgm:pt>
@@ -7634,23 +7673,23 @@
   <dgm:cxnLst>
     <dgm:cxn modelId="{AC1F2602-A866-40FA-B883-9BFFC744096F}" type="presOf" srcId="{F4443C04-DBF3-4E4C-BA73-5F0F744FB166}" destId="{EC663F2B-5055-4595-9094-702608C83841}" srcOrd="0" destOrd="0" presId="urn:microsoft.com/office/officeart/2005/8/layout/list1"/>
     <dgm:cxn modelId="{50FB531F-0CEB-45B3-8951-D0C65AF8FA5F}" srcId="{F4443C04-DBF3-4E4C-BA73-5F0F744FB166}" destId="{6F4EAAF4-0FD4-4B6D-9F71-7AA2F462B854}" srcOrd="0" destOrd="0" parTransId="{90E794B4-6FEB-49D6-A9EF-72265BC44D84}" sibTransId="{194365DA-BC1E-482A-910E-0ED06D754858}"/>
-    <dgm:cxn modelId="{DF14115E-788A-4EB6-A870-1B92B120FDC7}" type="presOf" srcId="{23AE382E-CB85-458A-A920-C7B7BC96BCB6}" destId="{61EF7698-4EE5-4962-8CBC-296AD927E798}" srcOrd="0" destOrd="4" presId="urn:microsoft.com/office/officeart/2005/8/layout/list1"/>
+    <dgm:cxn modelId="{B8062A3A-69A1-D54B-B8C2-E520EE22EB86}" srcId="{F4443C04-DBF3-4E4C-BA73-5F0F744FB166}" destId="{9B79ADF6-5DC9-644D-ACC3-BA46BC6B29CE}" srcOrd="1" destOrd="0" parTransId="{5919B849-16C4-E641-B4E5-688F9C7EF2FC}" sibTransId="{A48BCB35-4710-C34A-A6E7-21CBF0B6A6C5}"/>
     <dgm:cxn modelId="{0A9A7046-D89B-434A-9F8D-072BFD753C78}" srcId="{D7597015-E260-4F38-B5B9-FA308A13B4D0}" destId="{FC7C4CF2-7470-4B84-9019-1F7EA186A24B}" srcOrd="0" destOrd="0" parTransId="{2C29091A-E8E0-4387-8565-DEC00E3D1126}" sibTransId="{C8E6A6CA-BB38-4974-BF6F-A173BEBF2DFA}"/>
     <dgm:cxn modelId="{0A54A849-05C0-46AD-93F6-EB8909705FCC}" type="presOf" srcId="{D7597015-E260-4F38-B5B9-FA308A13B4D0}" destId="{5031006D-B147-4C60-9A92-0CED982089BF}" srcOrd="1" destOrd="0" presId="urn:microsoft.com/office/officeart/2005/8/layout/list1"/>
     <dgm:cxn modelId="{05DE734E-0DC5-48AE-B1D0-BB40ACDEE7B6}" srcId="{FC7C4CF2-7470-4B84-9019-1F7EA186A24B}" destId="{482FBDFF-D312-443B-A4D1-301490C91E48}" srcOrd="1" destOrd="0" parTransId="{C5CE407E-58B4-4E91-9D5C-72ECF42D9D83}" sibTransId="{E55BE9C1-15F9-4ED0-A7D4-59476E76C2D7}"/>
     <dgm:cxn modelId="{3C9A5C4F-02CC-410E-8E92-A758C46639DE}" type="presOf" srcId="{D7597015-E260-4F38-B5B9-FA308A13B4D0}" destId="{CD8B4A04-EE32-43C2-809B-05E8588E1C63}" srcOrd="0" destOrd="0" presId="urn:microsoft.com/office/officeart/2005/8/layout/list1"/>
+    <dgm:cxn modelId="{F68B3A54-2667-4B4F-9419-460182140317}" type="presOf" srcId="{0417DF03-54DA-EE40-BD5B-559015A65A20}" destId="{61EF7698-4EE5-4962-8CBC-296AD927E798}" srcOrd="0" destOrd="3" presId="urn:microsoft.com/office/officeart/2005/8/layout/list1"/>
     <dgm:cxn modelId="{3F2B0356-A547-4197-978D-EC121D681250}" srcId="{FC7C4CF2-7470-4B84-9019-1F7EA186A24B}" destId="{3E137031-E7A0-4C31-BB62-2F2F03C0E709}" srcOrd="0" destOrd="0" parTransId="{6CD62EA5-D651-4F8D-8C25-ABE3F6735996}" sibTransId="{448E2AD1-BCA1-4201-921D-68406C82234E}"/>
     <dgm:cxn modelId="{6D1FDC56-4EA8-438F-B553-F4BAD53A44F8}" type="presOf" srcId="{F4443C04-DBF3-4E4C-BA73-5F0F744FB166}" destId="{B261E9F1-ABE6-46A6-84E9-0C68E412EC2A}" srcOrd="1" destOrd="0" presId="urn:microsoft.com/office/officeart/2005/8/layout/list1"/>
-    <dgm:cxn modelId="{09D15457-1DD1-4F30-986A-EBCC0FCFDD3D}" type="presOf" srcId="{49FC6A58-26B1-4BBC-AF37-585B8B2BC5E5}" destId="{61EF7698-4EE5-4962-8CBC-296AD927E798}" srcOrd="0" destOrd="3" presId="urn:microsoft.com/office/officeart/2005/8/layout/list1"/>
     <dgm:cxn modelId="{13E8FA78-0189-41C2-8FE8-FDB3B7E3D406}" type="presOf" srcId="{6F4EAAF4-0FD4-4B6D-9F71-7AA2F462B854}" destId="{CC63A428-BE46-4B92-9DFF-BE3519294D6A}" srcOrd="0" destOrd="0" presId="urn:microsoft.com/office/officeart/2005/8/layout/list1"/>
-    <dgm:cxn modelId="{E0851F85-C8B6-4229-AF51-71986ECE02C1}" srcId="{D7597015-E260-4F38-B5B9-FA308A13B4D0}" destId="{23AE382E-CB85-458A-A920-C7B7BC96BCB6}" srcOrd="2" destOrd="0" parTransId="{C642E33E-9406-4CFD-97FC-699B5A4D1F55}" sibTransId="{3A8A8A10-AC31-4DC2-9D6E-B3ADC01E2BD6}"/>
+    <dgm:cxn modelId="{FB34097B-44D5-6445-868B-9858B5BCBAC7}" srcId="{D7597015-E260-4F38-B5B9-FA308A13B4D0}" destId="{0417DF03-54DA-EE40-BD5B-559015A65A20}" srcOrd="1" destOrd="0" parTransId="{FEF4C462-8CB8-5146-A304-258238615E51}" sibTransId="{875FE32F-7458-6D4A-8F5C-DD4477C61142}"/>
     <dgm:cxn modelId="{BADE5A88-40FA-4789-AEF7-2C306ACEAA07}" type="presOf" srcId="{482FBDFF-D312-443B-A4D1-301490C91E48}" destId="{61EF7698-4EE5-4962-8CBC-296AD927E798}" srcOrd="0" destOrd="2" presId="urn:microsoft.com/office/officeart/2005/8/layout/list1"/>
-    <dgm:cxn modelId="{157E148E-8678-4B2D-ABA0-67F71190053D}" srcId="{D7597015-E260-4F38-B5B9-FA308A13B4D0}" destId="{49FC6A58-26B1-4BBC-AF37-585B8B2BC5E5}" srcOrd="1" destOrd="0" parTransId="{5C431361-B297-4E0E-B0D1-50E785B2750D}" sibTransId="{C6F45E20-D16E-4EBA-842E-2D4CBF2A5737}"/>
     <dgm:cxn modelId="{E4E28D98-563B-431B-A2F1-6CF9C825F7DD}" type="presOf" srcId="{FC7C4CF2-7470-4B84-9019-1F7EA186A24B}" destId="{61EF7698-4EE5-4962-8CBC-296AD927E798}" srcOrd="0" destOrd="0" presId="urn:microsoft.com/office/officeart/2005/8/layout/list1"/>
     <dgm:cxn modelId="{AA1D5C99-AF0E-4FF4-A00F-741521F55532}" srcId="{9A06DDA4-B36C-483F-BD5C-A7FCF568FE17}" destId="{F4443C04-DBF3-4E4C-BA73-5F0F744FB166}" srcOrd="0" destOrd="0" parTransId="{C8585EBF-BABE-4ADD-927B-8083A36AF095}" sibTransId="{C5CED1F7-A790-47C4-B1D4-7FCF14270D5F}"/>
     <dgm:cxn modelId="{A884759F-4194-4FDA-9B0A-8D7FE3D0B068}" type="presOf" srcId="{9A06DDA4-B36C-483F-BD5C-A7FCF568FE17}" destId="{546D69CB-560F-4F99-9136-89800D19D0F6}" srcOrd="0" destOrd="0" presId="urn:microsoft.com/office/officeart/2005/8/layout/list1"/>
     <dgm:cxn modelId="{3349CBC3-9587-491A-882B-81F68F9D8FE7}" srcId="{9A06DDA4-B36C-483F-BD5C-A7FCF568FE17}" destId="{D7597015-E260-4F38-B5B9-FA308A13B4D0}" srcOrd="1" destOrd="0" parTransId="{FF77EE33-20A9-4891-9636-76AC380FBAD7}" sibTransId="{DA188AE3-0722-4FAB-A659-20A021A2D10B}"/>
     <dgm:cxn modelId="{A73ACBDC-80FC-4A5D-8756-819566188F56}" type="presOf" srcId="{3E137031-E7A0-4C31-BB62-2F2F03C0E709}" destId="{61EF7698-4EE5-4962-8CBC-296AD927E798}" srcOrd="0" destOrd="1" presId="urn:microsoft.com/office/officeart/2005/8/layout/list1"/>
+    <dgm:cxn modelId="{6DD8F4F1-B859-364A-94CE-0272D5B0C1FB}" type="presOf" srcId="{9B79ADF6-5DC9-644D-ACC3-BA46BC6B29CE}" destId="{CC63A428-BE46-4B92-9DFF-BE3519294D6A}" srcOrd="0" destOrd="1" presId="urn:microsoft.com/office/officeart/2005/8/layout/list1"/>
     <dgm:cxn modelId="{E3C57348-1521-430C-8DA8-3B5A71AC47C6}" type="presParOf" srcId="{546D69CB-560F-4F99-9136-89800D19D0F6}" destId="{F9E7D1C7-4CC6-4D98-B703-197A7FB278CE}" srcOrd="0" destOrd="0" presId="urn:microsoft.com/office/officeart/2005/8/layout/list1"/>
     <dgm:cxn modelId="{B2FA8EF2-DEF2-40EF-B87E-350D44DBABD6}" type="presParOf" srcId="{F9E7D1C7-4CC6-4D98-B703-197A7FB278CE}" destId="{EC663F2B-5055-4595-9094-702608C83841}" srcOrd="0" destOrd="0" presId="urn:microsoft.com/office/officeart/2005/8/layout/list1"/>
     <dgm:cxn modelId="{6A325A68-A578-481A-B201-64170FBF3D1B}" type="presParOf" srcId="{F9E7D1C7-4CC6-4D98-B703-197A7FB278CE}" destId="{B261E9F1-ABE6-46A6-84E9-0C68E412EC2A}" srcOrd="1" destOrd="0" presId="urn:microsoft.com/office/officeart/2005/8/layout/list1"/>
@@ -8133,8 +8172,8 @@
     <dgm:cxn modelId="{27306632-9808-4C9B-AED7-74664CD60240}" type="presOf" srcId="{F2767F1C-EB17-4204-B4B4-67D3938A5F0E}" destId="{AAC533EB-BFF5-49A6-B903-0BB885937172}" srcOrd="0" destOrd="0" presId="urn:microsoft.com/office/officeart/2018/5/layout/CenteredIconLabelDescriptionList"/>
     <dgm:cxn modelId="{D776E33A-5B87-441E-AF95-3AE1259D417B}" srcId="{A3EA0CDE-4B3A-4B3B-95FF-AD67CB6A0CF1}" destId="{080AF261-15FA-4A74-8E67-E6C3411F3E53}" srcOrd="1" destOrd="0" parTransId="{5E64B50A-EF23-4709-A46B-E722DB3063D4}" sibTransId="{447A9AAE-C02F-4ECF-B779-E7784700BAA2}"/>
     <dgm:cxn modelId="{FB126040-AF10-4DBE-A8AF-955817FFE058}" srcId="{A3EA0CDE-4B3A-4B3B-95FF-AD67CB6A0CF1}" destId="{E1A0E372-C81C-47BC-BC17-509E4049D22B}" srcOrd="0" destOrd="0" parTransId="{95D64B52-A171-4B21-B5AB-418EE029F26C}" sibTransId="{B281A3F9-AFC3-4B19-8546-73DD47B5B948}"/>
+    <dgm:cxn modelId="{F16DF354-011D-4881-AF83-47F88474F42F}" type="presOf" srcId="{A3EA0CDE-4B3A-4B3B-95FF-AD67CB6A0CF1}" destId="{6E97D091-B5F3-473D-A69E-59918F8E2385}" srcOrd="0" destOrd="0" presId="urn:microsoft.com/office/officeart/2018/5/layout/CenteredIconLabelDescriptionList"/>
     <dgm:cxn modelId="{569EC561-53B9-4CC5-938F-AE1C218B83E3}" srcId="{A3EA0CDE-4B3A-4B3B-95FF-AD67CB6A0CF1}" destId="{D005268A-5ABA-41C2-A913-8CF0C82C27BA}" srcOrd="2" destOrd="0" parTransId="{029C2177-5543-4860-8E7D-EB3501D2EE0B}" sibTransId="{147EF1D7-53A7-441F-B9F4-A9596A244540}"/>
-    <dgm:cxn modelId="{F16DF354-011D-4881-AF83-47F88474F42F}" type="presOf" srcId="{A3EA0CDE-4B3A-4B3B-95FF-AD67CB6A0CF1}" destId="{6E97D091-B5F3-473D-A69E-59918F8E2385}" srcOrd="0" destOrd="0" presId="urn:microsoft.com/office/officeart/2018/5/layout/CenteredIconLabelDescriptionList"/>
     <dgm:cxn modelId="{2F3C8986-D1CA-4507-80BD-3C8CCFB256B9}" type="presOf" srcId="{BBD57EA6-C7AB-40CA-8E75-B0E88AD3889A}" destId="{F1CBEA10-33E6-480D-AF55-D0BD65BD2BF9}" srcOrd="0" destOrd="0" presId="urn:microsoft.com/office/officeart/2018/5/layout/CenteredIconLabelDescriptionList"/>
     <dgm:cxn modelId="{60A855B1-490F-41BC-AEAB-8041740B297F}" srcId="{BBD57EA6-C7AB-40CA-8E75-B0E88AD3889A}" destId="{F2767F1C-EB17-4204-B4B4-67D3938A5F0E}" srcOrd="0" destOrd="0" parTransId="{A38B231C-EBBD-4C6A-9B43-0C3413DCA39E}" sibTransId="{9FE12CEA-C2FD-40E5-BF87-0ABB67B88D90}"/>
     <dgm:cxn modelId="{81E507CB-6919-4A63-AE17-20A10E6F5354}" srcId="{A3EA0CDE-4B3A-4B3B-95FF-AD67CB6A0CF1}" destId="{BBD57EA6-C7AB-40CA-8E75-B0E88AD3889A}" srcOrd="3" destOrd="0" parTransId="{8C6D9DD7-065C-4C50-9831-BF62361223E4}" sibTransId="{F3993F42-9F2A-4CC9-8FF2-172F35EA0096}"/>
@@ -8509,9 +8548,9 @@
   </dgm:ptLst>
   <dgm:cxnLst>
     <dgm:cxn modelId="{902F6D13-BE8C-4826-A62E-6EAD613CC054}" type="presOf" srcId="{37040FFD-7206-47E4-A560-47CB24AC6CDE}" destId="{A87A5817-F268-4CF0-A097-E3C84E486C16}" srcOrd="0" destOrd="0" presId="urn:microsoft.com/office/officeart/2018/5/layout/CenteredIconLabelDescriptionList"/>
+    <dgm:cxn modelId="{FD9DF452-F3EF-44FD-AF12-3B2A2412D05C}" srcId="{37040FFD-7206-47E4-A560-47CB24AC6CDE}" destId="{73EF0214-120C-4D98-8477-C1F547B69608}" srcOrd="1" destOrd="0" parTransId="{C801EBC9-28C4-4AE6-AB92-967D9BB11FD9}" sibTransId="{A38E6E91-4707-45BF-A8CB-72E3D9B3F71C}"/>
     <dgm:cxn modelId="{CA1AA768-9F7D-4DCB-8A69-4FA2FECD1BDA}" type="presOf" srcId="{61A06834-0EA7-4474-BAFF-16FB50E1D2D0}" destId="{D798BDC9-5F36-486F-832A-C3E044597B3A}" srcOrd="0" destOrd="2" presId="urn:microsoft.com/office/officeart/2018/5/layout/CenteredIconLabelDescriptionList"/>
     <dgm:cxn modelId="{705B146C-BDB0-4C03-9D4F-BCCB7788238E}" type="presOf" srcId="{8CE09150-842F-4E98-86D6-5B3F81A07AEE}" destId="{CDE5ADF2-4680-4DE6-A26C-86BEE063024D}" srcOrd="0" destOrd="0" presId="urn:microsoft.com/office/officeart/2018/5/layout/CenteredIconLabelDescriptionList"/>
-    <dgm:cxn modelId="{FD9DF452-F3EF-44FD-AF12-3B2A2412D05C}" srcId="{37040FFD-7206-47E4-A560-47CB24AC6CDE}" destId="{73EF0214-120C-4D98-8477-C1F547B69608}" srcOrd="1" destOrd="0" parTransId="{C801EBC9-28C4-4AE6-AB92-967D9BB11FD9}" sibTransId="{A38E6E91-4707-45BF-A8CB-72E3D9B3F71C}"/>
     <dgm:cxn modelId="{28DEF17E-517A-4933-A0FA-AD6091383EF5}" srcId="{8CE09150-842F-4E98-86D6-5B3F81A07AEE}" destId="{9C95EE37-CF1D-4849-B6AA-FEB965CAC36E}" srcOrd="0" destOrd="0" parTransId="{4FA0461A-8327-469D-BAAA-6FB3CBD1526E}" sibTransId="{4E27CBF6-3EC0-4CBF-8F73-931ED84391FC}"/>
     <dgm:cxn modelId="{A8AAC1A2-6DD1-40E1-874F-CEFEF5E28953}" srcId="{8CE09150-842F-4E98-86D6-5B3F81A07AEE}" destId="{37040FFD-7206-47E4-A560-47CB24AC6CDE}" srcOrd="1" destOrd="0" parTransId="{FEF4A772-258F-4083-9D44-77C22F3A65DB}" sibTransId="{4B966F6E-AD8A-4AD4-A8B7-913533715464}"/>
     <dgm:cxn modelId="{93FCDFAF-7BF8-45C6-8DE2-B5B1A4E806FB}" type="presOf" srcId="{9C95EE37-CF1D-4849-B6AA-FEB965CAC36E}" destId="{89BDB1AB-95DF-4754-A5A6-8C73A678F613}" srcOrd="0" destOrd="0" presId="urn:microsoft.com/office/officeart/2018/5/layout/CenteredIconLabelDescriptionList"/>
@@ -9534,8 +9573,8 @@
     <dgm:cxn modelId="{16DD1207-E833-4B3A-B1B0-1700068AC68F}" srcId="{62DEF272-EF96-40E6-A8A8-74CF1DBC9821}" destId="{6AFEA7A0-B27A-4BF2-939A-EE92CE1E1089}" srcOrd="1" destOrd="0" parTransId="{FDB0B427-CC52-45B1-BA9D-F7506EB3829D}" sibTransId="{339E2C33-366F-4F63-B9C4-09E2C4C3719D}"/>
     <dgm:cxn modelId="{E6C0701E-7B8F-4948-91B0-76294D4E572F}" type="presOf" srcId="{62DEF272-EF96-40E6-A8A8-74CF1DBC9821}" destId="{A44A500D-E86B-4C68-AC28-A546F2A367FB}" srcOrd="0" destOrd="0" presId="urn:microsoft.com/office/officeart/2005/8/layout/hList1"/>
     <dgm:cxn modelId="{4912B421-0BCB-40E2-BB37-4693894728C0}" type="presOf" srcId="{D76B4999-D5DE-4450-A30C-408A1A6F8809}" destId="{C8256D74-21C3-4986-96D2-64B6ED34FF61}" srcOrd="0" destOrd="0" presId="urn:microsoft.com/office/officeart/2005/8/layout/hList1"/>
+    <dgm:cxn modelId="{586F4B4D-E758-43E9-8C11-AD4246EEAF9A}" type="presOf" srcId="{EC42EEAA-D21E-457B-A635-C736F3C370CB}" destId="{550D685A-27AF-4DE2-9FB0-F6E262EE1044}" srcOrd="0" destOrd="0" presId="urn:microsoft.com/office/officeart/2005/8/layout/hList1"/>
     <dgm:cxn modelId="{F1F45E65-95D1-449D-A9D5-5879C3F0401C}" srcId="{66ECC2BB-766F-4AB0-9079-CE88449B4CB6}" destId="{62DEF272-EF96-40E6-A8A8-74CF1DBC9821}" srcOrd="0" destOrd="0" parTransId="{D1CE97F2-9730-4989-86F4-5C1B155100B1}" sibTransId="{C87B81AA-8686-41FF-AFF1-9BBE84622717}"/>
-    <dgm:cxn modelId="{586F4B4D-E758-43E9-8C11-AD4246EEAF9A}" type="presOf" srcId="{EC42EEAA-D21E-457B-A635-C736F3C370CB}" destId="{550D685A-27AF-4DE2-9FB0-F6E262EE1044}" srcOrd="0" destOrd="0" presId="urn:microsoft.com/office/officeart/2005/8/layout/hList1"/>
     <dgm:cxn modelId="{E5CB3572-5D01-45DC-A909-DB50AB1C2EDA}" type="presOf" srcId="{6AFEA7A0-B27A-4BF2-939A-EE92CE1E1089}" destId="{95237119-2C63-4BE3-9DBB-6F66D8A26319}" srcOrd="0" destOrd="1" presId="urn:microsoft.com/office/officeart/2005/8/layout/hList1"/>
     <dgm:cxn modelId="{9500F396-1110-4F21-B783-FFC43EEE4FC5}" srcId="{62DEF272-EF96-40E6-A8A8-74CF1DBC9821}" destId="{EFD4C8B8-BB82-478F-B6E0-7DF69C04D16D}" srcOrd="0" destOrd="0" parTransId="{60BE5B99-C4DD-4DC3-9A7A-6EF025BFEE22}" sibTransId="{AB7DF992-F490-40AB-8BF5-14890DF2A3E0}"/>
     <dgm:cxn modelId="{CB63D4A1-23C3-4928-8256-0A9660DD7DF3}" srcId="{D76B4999-D5DE-4450-A30C-408A1A6F8809}" destId="{EC42EEAA-D21E-457B-A635-C736F3C370CB}" srcOrd="0" destOrd="0" parTransId="{C67A5127-8A7A-4AEE-84ED-4F3F2F73C48F}" sibTransId="{E5B6F4CA-43B9-43F7-ACB4-8FD87AF3149F}"/>
@@ -10084,10 +10123,10 @@
     <dgm:cxn modelId="{A4508127-73E6-48F9-9DA4-F02251F71A7F}" srcId="{BA29CEA8-0E2D-44E2-A0B2-D07CFE399597}" destId="{811C223F-12F6-4124-95EF-AE512D98231A}" srcOrd="3" destOrd="0" parTransId="{7E5FC75C-7FAA-4737-8597-0D061346D174}" sibTransId="{3EF2A203-1E54-4705-9C66-A4556FC1D2EF}"/>
     <dgm:cxn modelId="{878E882C-6133-4C2F-A507-ADB7BE0CDEC8}" type="presOf" srcId="{BA29CEA8-0E2D-44E2-A0B2-D07CFE399597}" destId="{951DA6B7-03B7-46F2-BEFB-D9FF7B0FBA4C}" srcOrd="0" destOrd="0" presId="urn:microsoft.com/office/officeart/2005/8/layout/hList1"/>
     <dgm:cxn modelId="{FBA89B3B-5224-42F6-A1DE-480E30340072}" srcId="{A3462086-D705-4E09-8C17-6576B3E9E63B}" destId="{F5882EF9-0158-4C6A-B803-2D3C193C4190}" srcOrd="2" destOrd="0" parTransId="{BA7FB86A-AAC3-4D32-8ACA-D9095474C3FD}" sibTransId="{F7770501-CB58-47CE-9557-5DF99A58814B}"/>
+    <dgm:cxn modelId="{FC11D244-28B8-4CB9-BE0A-5E64C2E38CD9}" srcId="{A3462086-D705-4E09-8C17-6576B3E9E63B}" destId="{49A27285-159E-4E7A-932A-126E690D4025}" srcOrd="1" destOrd="0" parTransId="{EE1E06F3-9992-4BBC-800E-0F20B7BBB3A1}" sibTransId="{0AFB23FE-F6F4-4312-A543-E25D1F276752}"/>
+    <dgm:cxn modelId="{FF25394F-9611-446B-962A-0278B35D423E}" srcId="{BA29CEA8-0E2D-44E2-A0B2-D07CFE399597}" destId="{239D176E-E235-49DF-A12F-EF79630E7B79}" srcOrd="4" destOrd="0" parTransId="{804C4D60-4545-4ADE-A416-FC53F715B3AD}" sibTransId="{E5EEDCE3-88F3-4655-8132-234E16FDCD14}"/>
     <dgm:cxn modelId="{EDCE075D-EE8C-4A08-A7DC-5444991C0306}" type="presOf" srcId="{D6DCFFCF-EDBD-4AA8-9E58-7AF12CE31F25}" destId="{5298BCF5-E8ED-4185-8F7C-AA69B905A26B}" srcOrd="0" destOrd="0" presId="urn:microsoft.com/office/officeart/2005/8/layout/hList1"/>
-    <dgm:cxn modelId="{FC11D244-28B8-4CB9-BE0A-5E64C2E38CD9}" srcId="{A3462086-D705-4E09-8C17-6576B3E9E63B}" destId="{49A27285-159E-4E7A-932A-126E690D4025}" srcOrd="1" destOrd="0" parTransId="{EE1E06F3-9992-4BBC-800E-0F20B7BBB3A1}" sibTransId="{0AFB23FE-F6F4-4312-A543-E25D1F276752}"/>
     <dgm:cxn modelId="{69A8886E-6435-41D7-A93C-32839D711735}" type="presOf" srcId="{542CE763-3FEA-412C-B898-83F143AB1555}" destId="{636E4759-DEEA-4C39-BDD3-6FDA4B00EFA7}" srcOrd="0" destOrd="0" presId="urn:microsoft.com/office/officeart/2005/8/layout/hList1"/>
-    <dgm:cxn modelId="{FF25394F-9611-446B-962A-0278B35D423E}" srcId="{BA29CEA8-0E2D-44E2-A0B2-D07CFE399597}" destId="{239D176E-E235-49DF-A12F-EF79630E7B79}" srcOrd="4" destOrd="0" parTransId="{804C4D60-4545-4ADE-A416-FC53F715B3AD}" sibTransId="{E5EEDCE3-88F3-4655-8132-234E16FDCD14}"/>
     <dgm:cxn modelId="{A6FC127F-3D41-409F-8EC9-AA21CD351E96}" srcId="{BA29CEA8-0E2D-44E2-A0B2-D07CFE399597}" destId="{D6DCFFCF-EDBD-4AA8-9E58-7AF12CE31F25}" srcOrd="0" destOrd="0" parTransId="{EFA65B17-C473-4289-89A6-BE1A086EB0FE}" sibTransId="{8A4AF9FA-6A11-4AD7-9DA5-B62520150019}"/>
     <dgm:cxn modelId="{6900468E-1ECA-48FC-B20B-2F2FA033441D}" type="presOf" srcId="{82D0231D-EB1E-4405-8BD9-0A8B512169A6}" destId="{5298BCF5-E8ED-4185-8F7C-AA69B905A26B}" srcOrd="0" destOrd="2" presId="urn:microsoft.com/office/officeart/2005/8/layout/hList1"/>
     <dgm:cxn modelId="{F936E79C-2524-4FE2-892C-48F73399ED4B}" type="presOf" srcId="{49A27285-159E-4E7A-932A-126E690D4025}" destId="{636E4759-DEEA-4C39-BDD3-6FDA4B00EFA7}" srcOrd="0" destOrd="1" presId="urn:microsoft.com/office/officeart/2005/8/layout/hList1"/>
@@ -10562,10 +10601,10 @@
   <dgm:cxnLst>
     <dgm:cxn modelId="{DEF7F400-CCB8-4102-BDE2-3FE9182B01DC}" srcId="{2280E37E-F917-49F0-BC7E-D2297CFE9929}" destId="{BA29CEA8-0E2D-44E2-A0B2-D07CFE399597}" srcOrd="1" destOrd="0" parTransId="{1A9849A9-0093-4FF7-8447-16C2A7D8F8BA}" sibTransId="{6D8A4014-B99F-49B1-95E2-EA752AC0151B}"/>
     <dgm:cxn modelId="{878E882C-6133-4C2F-A507-ADB7BE0CDEC8}" type="presOf" srcId="{BA29CEA8-0E2D-44E2-A0B2-D07CFE399597}" destId="{951DA6B7-03B7-46F2-BEFB-D9FF7B0FBA4C}" srcOrd="0" destOrd="0" presId="urn:microsoft.com/office/officeart/2005/8/layout/hList1"/>
+    <dgm:cxn modelId="{FF25394F-9611-446B-962A-0278B35D423E}" srcId="{BA29CEA8-0E2D-44E2-A0B2-D07CFE399597}" destId="{239D176E-E235-49DF-A12F-EF79630E7B79}" srcOrd="3" destOrd="0" parTransId="{804C4D60-4545-4ADE-A416-FC53F715B3AD}" sibTransId="{E5EEDCE3-88F3-4655-8132-234E16FDCD14}"/>
     <dgm:cxn modelId="{EDCE075D-EE8C-4A08-A7DC-5444991C0306}" type="presOf" srcId="{D6DCFFCF-EDBD-4AA8-9E58-7AF12CE31F25}" destId="{5298BCF5-E8ED-4185-8F7C-AA69B905A26B}" srcOrd="0" destOrd="0" presId="urn:microsoft.com/office/officeart/2005/8/layout/hList1"/>
     <dgm:cxn modelId="{8ED7DA66-1AE8-4EAC-8D33-96F71EF77FDD}" srcId="{A3462086-D705-4E09-8C17-6576B3E9E63B}" destId="{A0BA17AB-051C-416E-AF43-0AE4F9EA9D3F}" srcOrd="3" destOrd="0" parTransId="{D779A775-45E1-4BFA-9649-0D2FA5168AF9}" sibTransId="{61AEDFD7-398A-4A41-90F6-6DC31011E3B0}"/>
     <dgm:cxn modelId="{69A8886E-6435-41D7-A93C-32839D711735}" type="presOf" srcId="{542CE763-3FEA-412C-B898-83F143AB1555}" destId="{636E4759-DEEA-4C39-BDD3-6FDA4B00EFA7}" srcOrd="0" destOrd="0" presId="urn:microsoft.com/office/officeart/2005/8/layout/hList1"/>
-    <dgm:cxn modelId="{FF25394F-9611-446B-962A-0278B35D423E}" srcId="{BA29CEA8-0E2D-44E2-A0B2-D07CFE399597}" destId="{239D176E-E235-49DF-A12F-EF79630E7B79}" srcOrd="3" destOrd="0" parTransId="{804C4D60-4545-4ADE-A416-FC53F715B3AD}" sibTransId="{E5EEDCE3-88F3-4655-8132-234E16FDCD14}"/>
     <dgm:cxn modelId="{71D49074-0F54-4EC8-9B32-D78091000399}" type="presOf" srcId="{D69D7951-72D0-44CC-891C-DEBD377D6324}" destId="{636E4759-DEEA-4C39-BDD3-6FDA4B00EFA7}" srcOrd="0" destOrd="2" presId="urn:microsoft.com/office/officeart/2005/8/layout/hList1"/>
     <dgm:cxn modelId="{A6FC127F-3D41-409F-8EC9-AA21CD351E96}" srcId="{BA29CEA8-0E2D-44E2-A0B2-D07CFE399597}" destId="{D6DCFFCF-EDBD-4AA8-9E58-7AF12CE31F25}" srcOrd="0" destOrd="0" parTransId="{EFA65B17-C473-4289-89A6-BE1A086EB0FE}" sibTransId="{8A4AF9FA-6A11-4AD7-9DA5-B62520150019}"/>
     <dgm:cxn modelId="{7B45AB86-5CCE-49D9-BB60-F2A51BE100AC}" srcId="{BA29CEA8-0E2D-44E2-A0B2-D07CFE399597}" destId="{A22CCD3C-062E-4639-893C-5E18CACE5CA4}" srcOrd="1" destOrd="0" parTransId="{75AE5A8A-D1A2-446F-930A-9CA143ACDC2B}" sibTransId="{ACC65ABD-D264-4401-8D0C-A656F412103F}"/>
@@ -10615,7 +10654,7 @@
       <dsp:spPr>
         <a:xfrm>
           <a:off x="0" y="415084"/>
-          <a:ext cx="6666833" cy="1417500"/>
+          <a:ext cx="6666833" cy="1811250"/>
         </a:xfrm>
         <a:prstGeom prst="rect">
           <a:avLst/>
@@ -10674,17 +10713,35 @@
             <a:buChar char="•"/>
           </a:pPr>
           <a:r>
-            <a:rPr lang="de-DE" sz="2500" kern="1200">
+            <a:rPr lang="de-DE" sz="2500" kern="1200" dirty="0">
               <a:hlinkClick xmlns:r="http://schemas.openxmlformats.org/officeDocument/2006/relationships" r:id="rId1"/>
             </a:rPr>
             <a:t>https://github.com/sebivenlo/esd-2024-terraform</a:t>
           </a:r>
-          <a:endParaRPr lang="en-US" sz="2500" kern="1200"/>
+          <a:endParaRPr lang="en-US" sz="2500" kern="1200" dirty="0"/>
+        </a:p>
+        <a:p>
+          <a:pPr marL="228600" lvl="1" indent="-228600" algn="l" defTabSz="1111250">
+            <a:lnSpc>
+              <a:spcPct val="90000"/>
+            </a:lnSpc>
+            <a:spcBef>
+              <a:spcPct val="0"/>
+            </a:spcBef>
+            <a:spcAft>
+              <a:spcPct val="15000"/>
+            </a:spcAft>
+            <a:buChar char="•"/>
+          </a:pPr>
+          <a:r>
+            <a:rPr lang="en-US" sz="2500" kern="1200" dirty="0"/>
+            <a:t>Use Workshop branch!!!</a:t>
+          </a:r>
         </a:p>
       </dsp:txBody>
       <dsp:txXfrm>
         <a:off x="0" y="415084"/>
-        <a:ext cx="6666833" cy="1417500"/>
+        <a:ext cx="6666833" cy="1811250"/>
       </dsp:txXfrm>
     </dsp:sp>
     <dsp:sp modelId="{B261E9F1-ABE6-46A6-84E9-0C68E412EC2A}">
@@ -10794,8 +10851,8 @@
       </dsp:nvSpPr>
       <dsp:spPr>
         <a:xfrm>
-          <a:off x="0" y="2336585"/>
-          <a:ext cx="6666833" cy="3071250"/>
+          <a:off x="0" y="2730335"/>
+          <a:ext cx="6666833" cy="2677500"/>
         </a:xfrm>
         <a:prstGeom prst="rect">
           <a:avLst/>
@@ -10854,10 +10911,26 @@
             <a:buChar char="•"/>
           </a:pPr>
           <a:r>
-            <a:rPr lang="de-DE" sz="2500" kern="1200"/>
-            <a:t>Open compose file </a:t>
+            <a:rPr lang="de-DE" sz="2500" kern="1200" dirty="0"/>
+            <a:t>Open </a:t>
           </a:r>
-          <a:endParaRPr lang="en-US" sz="2500" kern="1200"/>
+          <a:r>
+            <a:rPr lang="de-DE" sz="2500" kern="1200" dirty="0" err="1"/>
+            <a:t>compose</a:t>
+          </a:r>
+          <a:r>
+            <a:rPr lang="de-DE" sz="2500" kern="1200" dirty="0"/>
+            <a:t> </a:t>
+          </a:r>
+          <a:r>
+            <a:rPr lang="de-DE" sz="2500" kern="1200" dirty="0" err="1"/>
+            <a:t>file</a:t>
+          </a:r>
+          <a:r>
+            <a:rPr lang="de-DE" sz="2500" kern="1200" dirty="0"/>
+            <a:t> </a:t>
+          </a:r>
+          <a:endParaRPr lang="en-US" sz="2500" kern="1200" dirty="0"/>
         </a:p>
         <a:p>
           <a:pPr marL="457200" lvl="2" indent="-228600" algn="l" defTabSz="1111250">
@@ -10892,10 +10965,30 @@
             <a:buChar char="•"/>
           </a:pPr>
           <a:r>
-            <a:rPr lang="de-DE" sz="2500" b="0" kern="1200"/>
-            <a:t>image: gitlab/gitlab-ce AMD64 Chip</a:t>
+            <a:rPr lang="de-DE" sz="2500" b="0" kern="1200" dirty="0" err="1"/>
+            <a:t>image</a:t>
           </a:r>
-          <a:endParaRPr lang="en-US" sz="2500" kern="1200"/>
+          <a:r>
+            <a:rPr lang="de-DE" sz="2500" b="0" kern="1200" dirty="0"/>
+            <a:t>: </a:t>
+          </a:r>
+          <a:r>
+            <a:rPr lang="de-DE" sz="2500" b="0" kern="1200" dirty="0" err="1"/>
+            <a:t>gitlab</a:t>
+          </a:r>
+          <a:r>
+            <a:rPr lang="de-DE" sz="2500" b="0" kern="1200" dirty="0"/>
+            <a:t>/</a:t>
+          </a:r>
+          <a:r>
+            <a:rPr lang="de-DE" sz="2500" b="0" kern="1200" dirty="0" err="1"/>
+            <a:t>gitlab-ce</a:t>
+          </a:r>
+          <a:r>
+            <a:rPr lang="de-DE" sz="2500" b="0" kern="1200" dirty="0"/>
+            <a:t> AMD64 Chip</a:t>
+          </a:r>
+          <a:endParaRPr lang="en-US" sz="2500" kern="1200" dirty="0"/>
         </a:p>
         <a:p>
           <a:pPr marL="228600" lvl="1" indent="-228600" algn="l" defTabSz="1111250">
@@ -10911,34 +11004,19 @@
             <a:buChar char="•"/>
           </a:pPr>
           <a:r>
-            <a:rPr lang="de-DE" sz="2500" kern="1200"/>
-            <a:t>Open Workshop folder in Terminal</a:t>
+            <a:rPr lang="en-US" sz="2500" kern="1200" dirty="0"/>
+            <a:t>Start .</a:t>
           </a:r>
-          <a:endParaRPr lang="en-US" sz="2500" kern="1200"/>
-        </a:p>
-        <a:p>
-          <a:pPr marL="228600" lvl="1" indent="-228600" algn="l" defTabSz="1111250">
-            <a:lnSpc>
-              <a:spcPct val="90000"/>
-            </a:lnSpc>
-            <a:spcBef>
-              <a:spcPct val="0"/>
-            </a:spcBef>
-            <a:spcAft>
-              <a:spcPct val="15000"/>
-            </a:spcAft>
-            <a:buChar char="•"/>
-          </a:pPr>
           <a:r>
-            <a:rPr lang="de-DE" sz="2500" kern="1200"/>
-            <a:t>Docker-compose up –d</a:t>
+            <a:rPr lang="en-US" sz="2500" kern="1200" dirty="0" err="1"/>
+            <a:t>devcontainer</a:t>
           </a:r>
-          <a:endParaRPr lang="en-US" sz="2500" kern="1200"/>
+          <a:endParaRPr lang="en-US" sz="2500" kern="1200" dirty="0"/>
         </a:p>
       </dsp:txBody>
       <dsp:txXfrm>
-        <a:off x="0" y="2336585"/>
-        <a:ext cx="6666833" cy="3071250"/>
+        <a:off x="0" y="2730335"/>
+        <a:ext cx="6666833" cy="2677500"/>
       </dsp:txXfrm>
     </dsp:sp>
     <dsp:sp modelId="{5031006D-B147-4C60-9A92-0CED982089BF}">
@@ -10948,7 +11026,7 @@
       </dsp:nvSpPr>
       <dsp:spPr>
         <a:xfrm>
-          <a:off x="333341" y="1967585"/>
+          <a:off x="333341" y="2361335"/>
           <a:ext cx="4666783" cy="738000"/>
         </a:xfrm>
         <a:prstGeom prst="roundRect">
@@ -11037,7 +11115,7 @@
         </a:p>
       </dsp:txBody>
       <dsp:txXfrm>
-        <a:off x="369367" y="2003611"/>
+        <a:off x="369367" y="2397361"/>
         <a:ext cx="4594731" cy="665948"/>
       </dsp:txXfrm>
     </dsp:sp>
@@ -25556,7 +25634,7 @@
           <a:p>
             <a:fld id="{9D519104-B0BA-49EB-8AD7-CCB91B91768F}" type="datetimeFigureOut">
               <a:rPr lang="de-DE" smtClean="0"/>
-              <a:t>19.11.2024</a:t>
+              <a:t>20.11.24</a:t>
             </a:fld>
             <a:endParaRPr lang="de-DE"/>
           </a:p>
@@ -25715,7 +25793,7 @@
           <a:p>
             <a:fld id="{A61CFBFC-7E07-4A07-8BE9-3071F813C27F}" type="slidenum">
               <a:rPr lang="de-DE" smtClean="0"/>
-              <a:t>‹#›</a:t>
+              <a:t>‹Nr.›</a:t>
             </a:fld>
             <a:endParaRPr lang="de-DE"/>
           </a:p>
@@ -28067,7 +28145,7 @@
           <a:p>
             <a:fld id="{EAB48E87-9D34-4BA0-A19A-9F7D151D6085}" type="datetimeFigureOut">
               <a:rPr lang="de-DE" smtClean="0"/>
-              <a:t>19.11.2024</a:t>
+              <a:t>20.11.24</a:t>
             </a:fld>
             <a:endParaRPr lang="de-DE"/>
           </a:p>
@@ -28121,7 +28199,7 @@
           <a:p>
             <a:fld id="{A6631001-8598-4660-9ADC-AAD338A9719F}" type="slidenum">
               <a:rPr lang="de-DE" smtClean="0"/>
-              <a:t>‹#›</a:t>
+              <a:t>‹Nr.›</a:t>
             </a:fld>
             <a:endParaRPr lang="de-DE"/>
           </a:p>
@@ -28267,7 +28345,7 @@
           <a:p>
             <a:fld id="{EAB48E87-9D34-4BA0-A19A-9F7D151D6085}" type="datetimeFigureOut">
               <a:rPr lang="de-DE" smtClean="0"/>
-              <a:t>19.11.2024</a:t>
+              <a:t>20.11.24</a:t>
             </a:fld>
             <a:endParaRPr lang="de-DE"/>
           </a:p>
@@ -28321,7 +28399,7 @@
           <a:p>
             <a:fld id="{A6631001-8598-4660-9ADC-AAD338A9719F}" type="slidenum">
               <a:rPr lang="de-DE" smtClean="0"/>
-              <a:t>‹#›</a:t>
+              <a:t>‹Nr.›</a:t>
             </a:fld>
             <a:endParaRPr lang="de-DE"/>
           </a:p>
@@ -28477,7 +28555,7 @@
           <a:p>
             <a:fld id="{EAB48E87-9D34-4BA0-A19A-9F7D151D6085}" type="datetimeFigureOut">
               <a:rPr lang="de-DE" smtClean="0"/>
-              <a:t>19.11.2024</a:t>
+              <a:t>20.11.24</a:t>
             </a:fld>
             <a:endParaRPr lang="de-DE"/>
           </a:p>
@@ -28531,7 +28609,7 @@
           <a:p>
             <a:fld id="{A6631001-8598-4660-9ADC-AAD338A9719F}" type="slidenum">
               <a:rPr lang="de-DE" smtClean="0"/>
-              <a:t>‹#›</a:t>
+              <a:t>‹Nr.›</a:t>
             </a:fld>
             <a:endParaRPr lang="de-DE"/>
           </a:p>
@@ -28677,7 +28755,7 @@
           <a:p>
             <a:fld id="{EAB48E87-9D34-4BA0-A19A-9F7D151D6085}" type="datetimeFigureOut">
               <a:rPr lang="de-DE" smtClean="0"/>
-              <a:t>19.11.2024</a:t>
+              <a:t>20.11.24</a:t>
             </a:fld>
             <a:endParaRPr lang="de-DE"/>
           </a:p>
@@ -28731,7 +28809,7 @@
           <a:p>
             <a:fld id="{A6631001-8598-4660-9ADC-AAD338A9719F}" type="slidenum">
               <a:rPr lang="de-DE" smtClean="0"/>
-              <a:t>‹#›</a:t>
+              <a:t>‹Nr.›</a:t>
             </a:fld>
             <a:endParaRPr lang="de-DE"/>
           </a:p>
@@ -28953,7 +29031,7 @@
           <a:p>
             <a:fld id="{EAB48E87-9D34-4BA0-A19A-9F7D151D6085}" type="datetimeFigureOut">
               <a:rPr lang="de-DE" smtClean="0"/>
-              <a:t>19.11.2024</a:t>
+              <a:t>20.11.24</a:t>
             </a:fld>
             <a:endParaRPr lang="de-DE"/>
           </a:p>
@@ -29007,7 +29085,7 @@
           <a:p>
             <a:fld id="{A6631001-8598-4660-9ADC-AAD338A9719F}" type="slidenum">
               <a:rPr lang="de-DE" smtClean="0"/>
-              <a:t>‹#›</a:t>
+              <a:t>‹Nr.›</a:t>
             </a:fld>
             <a:endParaRPr lang="de-DE"/>
           </a:p>
@@ -29221,7 +29299,7 @@
           <a:p>
             <a:fld id="{EAB48E87-9D34-4BA0-A19A-9F7D151D6085}" type="datetimeFigureOut">
               <a:rPr lang="de-DE" smtClean="0"/>
-              <a:t>19.11.2024</a:t>
+              <a:t>20.11.24</a:t>
             </a:fld>
             <a:endParaRPr lang="de-DE"/>
           </a:p>
@@ -29275,7 +29353,7 @@
           <a:p>
             <a:fld id="{A6631001-8598-4660-9ADC-AAD338A9719F}" type="slidenum">
               <a:rPr lang="de-DE" smtClean="0"/>
-              <a:t>‹#›</a:t>
+              <a:t>‹Nr.›</a:t>
             </a:fld>
             <a:endParaRPr lang="de-DE"/>
           </a:p>
@@ -29636,7 +29714,7 @@
           <a:p>
             <a:fld id="{EAB48E87-9D34-4BA0-A19A-9F7D151D6085}" type="datetimeFigureOut">
               <a:rPr lang="de-DE" smtClean="0"/>
-              <a:t>19.11.2024</a:t>
+              <a:t>20.11.24</a:t>
             </a:fld>
             <a:endParaRPr lang="de-DE"/>
           </a:p>
@@ -29690,7 +29768,7 @@
           <a:p>
             <a:fld id="{A6631001-8598-4660-9ADC-AAD338A9719F}" type="slidenum">
               <a:rPr lang="de-DE" smtClean="0"/>
-              <a:t>‹#›</a:t>
+              <a:t>‹Nr.›</a:t>
             </a:fld>
             <a:endParaRPr lang="de-DE"/>
           </a:p>
@@ -29778,7 +29856,7 @@
           <a:p>
             <a:fld id="{EAB48E87-9D34-4BA0-A19A-9F7D151D6085}" type="datetimeFigureOut">
               <a:rPr lang="de-DE" smtClean="0"/>
-              <a:t>19.11.2024</a:t>
+              <a:t>20.11.24</a:t>
             </a:fld>
             <a:endParaRPr lang="de-DE"/>
           </a:p>
@@ -29832,7 +29910,7 @@
           <a:p>
             <a:fld id="{A6631001-8598-4660-9ADC-AAD338A9719F}" type="slidenum">
               <a:rPr lang="de-DE" smtClean="0"/>
-              <a:t>‹#›</a:t>
+              <a:t>‹Nr.›</a:t>
             </a:fld>
             <a:endParaRPr lang="de-DE"/>
           </a:p>
@@ -29891,7 +29969,7 @@
           <a:p>
             <a:fld id="{EAB48E87-9D34-4BA0-A19A-9F7D151D6085}" type="datetimeFigureOut">
               <a:rPr lang="de-DE" smtClean="0"/>
-              <a:t>19.11.2024</a:t>
+              <a:t>20.11.24</a:t>
             </a:fld>
             <a:endParaRPr lang="de-DE"/>
           </a:p>
@@ -29945,7 +30023,7 @@
           <a:p>
             <a:fld id="{A6631001-8598-4660-9ADC-AAD338A9719F}" type="slidenum">
               <a:rPr lang="de-DE" smtClean="0"/>
-              <a:t>‹#›</a:t>
+              <a:t>‹Nr.›</a:t>
             </a:fld>
             <a:endParaRPr lang="de-DE"/>
           </a:p>
@@ -30204,7 +30282,7 @@
           <a:p>
             <a:fld id="{EAB48E87-9D34-4BA0-A19A-9F7D151D6085}" type="datetimeFigureOut">
               <a:rPr lang="de-DE" smtClean="0"/>
-              <a:t>19.11.2024</a:t>
+              <a:t>20.11.24</a:t>
             </a:fld>
             <a:endParaRPr lang="de-DE"/>
           </a:p>
@@ -30258,7 +30336,7 @@
           <a:p>
             <a:fld id="{A6631001-8598-4660-9ADC-AAD338A9719F}" type="slidenum">
               <a:rPr lang="de-DE" smtClean="0"/>
-              <a:t>‹#›</a:t>
+              <a:t>‹Nr.›</a:t>
             </a:fld>
             <a:endParaRPr lang="de-DE"/>
           </a:p>
@@ -30493,7 +30571,7 @@
           <a:p>
             <a:fld id="{EAB48E87-9D34-4BA0-A19A-9F7D151D6085}" type="datetimeFigureOut">
               <a:rPr lang="de-DE" smtClean="0"/>
-              <a:t>19.11.2024</a:t>
+              <a:t>20.11.24</a:t>
             </a:fld>
             <a:endParaRPr lang="de-DE"/>
           </a:p>
@@ -30547,7 +30625,7 @@
           <a:p>
             <a:fld id="{A6631001-8598-4660-9ADC-AAD338A9719F}" type="slidenum">
               <a:rPr lang="de-DE" smtClean="0"/>
-              <a:t>‹#›</a:t>
+              <a:t>‹Nr.›</a:t>
             </a:fld>
             <a:endParaRPr lang="de-DE"/>
           </a:p>
@@ -30736,7 +30814,7 @@
           <a:p>
             <a:fld id="{EAB48E87-9D34-4BA0-A19A-9F7D151D6085}" type="datetimeFigureOut">
               <a:rPr lang="de-DE" smtClean="0"/>
-              <a:t>19.11.2024</a:t>
+              <a:t>20.11.24</a:t>
             </a:fld>
             <a:endParaRPr lang="de-DE"/>
           </a:p>
@@ -30826,7 +30904,7 @@
           <a:p>
             <a:fld id="{A6631001-8598-4660-9ADC-AAD338A9719F}" type="slidenum">
               <a:rPr lang="de-DE" smtClean="0"/>
-              <a:t>‹#›</a:t>
+              <a:t>‹Nr.›</a:t>
             </a:fld>
             <a:endParaRPr lang="de-DE"/>
           </a:p>
@@ -37855,7 +37933,7 @@
             <p:ph idx="1"/>
             <p:extLst>
               <p:ext uri="{D42A27DB-BD31-4B8C-83A1-F6EECF244321}">
-                <p14:modId xmlns:p14="http://schemas.microsoft.com/office/powerpoint/2010/main" val="2988915986"/>
+                <p14:modId xmlns:p14="http://schemas.microsoft.com/office/powerpoint/2010/main" val="3585032708"/>
               </p:ext>
             </p:extLst>
           </p:nvPr>

--- a/Presentation/Terraform.pptx
+++ b/Presentation/Terraform.pptx
@@ -31853,12 +31853,43 @@
           <a:lstStyle/>
           <a:p>
             <a:r>
-              <a:rPr lang="de-DE" sz="4800">
+              <a:rPr lang="de-DE" sz="4800" dirty="0">
                 <a:solidFill>
                   <a:srgbClr val="FFFFFF"/>
                 </a:solidFill>
               </a:rPr>
               <a:t>Terraform</a:t>
+            </a:r>
+            <a:br>
+              <a:rPr lang="de-DE" sz="4800" dirty="0">
+                <a:solidFill>
+                  <a:srgbClr val="FFFFFF"/>
+                </a:solidFill>
+              </a:rPr>
+            </a:br>
+            <a:r>
+              <a:rPr lang="de-DE" sz="4800" dirty="0">
+                <a:solidFill>
+                  <a:srgbClr val="FFFFFF"/>
+                </a:solidFill>
+              </a:rPr>
+              <a:t>Infrastructure </a:t>
+            </a:r>
+            <a:r>
+              <a:rPr lang="de-DE" sz="4800" dirty="0" err="1">
+                <a:solidFill>
+                  <a:srgbClr val="FFFFFF"/>
+                </a:solidFill>
+              </a:rPr>
+              <a:t>as</a:t>
+            </a:r>
+            <a:r>
+              <a:rPr lang="de-DE" sz="4800" dirty="0">
+                <a:solidFill>
+                  <a:srgbClr val="FFFFFF"/>
+                </a:solidFill>
+              </a:rPr>
+              <a:t> Code</a:t>
             </a:r>
           </a:p>
         </p:txBody>
